--- a/Report/DiplomReport.pptx
+++ b/Report/DiplomReport.pptx
@@ -2,10 +2,10 @@
 <file path=ppt/presentation.xml><?xml version="1.0" encoding="utf-8"?>
 <p:presentation xmlns:a="http://schemas.openxmlformats.org/drawingml/2006/main" xmlns:r="http://schemas.openxmlformats.org/officeDocument/2006/relationships" xmlns:p="http://schemas.openxmlformats.org/presentationml/2006/main" saveSubsetFonts="1">
   <p:sldMasterIdLst>
-    <p:sldMasterId id="2147483660" r:id="rId1"/>
+    <p:sldMasterId id="2147483780" r:id="rId1"/>
   </p:sldMasterIdLst>
   <p:notesMasterIdLst>
-    <p:notesMasterId r:id="rId16"/>
+    <p:notesMasterId r:id="rId21"/>
   </p:notesMasterIdLst>
   <p:sldIdLst>
     <p:sldId id="257" r:id="rId2"/>
@@ -16,12 +16,17 @@
     <p:sldId id="263" r:id="rId7"/>
     <p:sldId id="264" r:id="rId8"/>
     <p:sldId id="265" r:id="rId9"/>
-    <p:sldId id="266" r:id="rId10"/>
-    <p:sldId id="268" r:id="rId11"/>
-    <p:sldId id="269" r:id="rId12"/>
-    <p:sldId id="270" r:id="rId13"/>
-    <p:sldId id="271" r:id="rId14"/>
-    <p:sldId id="272" r:id="rId15"/>
+    <p:sldId id="274" r:id="rId10"/>
+    <p:sldId id="275" r:id="rId11"/>
+    <p:sldId id="266" r:id="rId12"/>
+    <p:sldId id="276" r:id="rId13"/>
+    <p:sldId id="278" r:id="rId14"/>
+    <p:sldId id="268" r:id="rId15"/>
+    <p:sldId id="269" r:id="rId16"/>
+    <p:sldId id="279" r:id="rId17"/>
+    <p:sldId id="270" r:id="rId18"/>
+    <p:sldId id="271" r:id="rId19"/>
+    <p:sldId id="272" r:id="rId20"/>
   </p:sldIdLst>
   <p:sldSz cx="9144000" cy="6858000" type="screen4x3"/>
   <p:notesSz cx="6858000" cy="9144000"/>
@@ -205,7 +210,8 @@
           <a:p>
             <a:fld id="{8B1C4925-9B4A-4401-8FFF-3CF074C850CD}" type="datetimeFigureOut">
               <a:rPr lang="ru-RU" smtClean="0"/>
-              <a:t>14.06.2016</a:t>
+              <a:pPr/>
+              <a:t>16.06.2016</a:t>
             </a:fld>
             <a:endParaRPr lang="ru-RU"/>
           </a:p>
@@ -366,6 +372,7 @@
           <a:p>
             <a:fld id="{049E375B-31E3-41CD-AB3F-18479AAAD621}" type="slidenum">
               <a:rPr lang="ru-RU" smtClean="0"/>
+              <a:pPr/>
               <a:t>‹#›</a:t>
             </a:fld>
             <a:endParaRPr lang="ru-RU"/>
@@ -663,7 +670,8 @@
           <a:p>
             <a:fld id="{7A12CB2B-5BDB-4402-B3D5-B09CE766299D}" type="datetimeFigureOut">
               <a:rPr lang="ru-RU" smtClean="0"/>
-              <a:t>14.06.2016</a:t>
+              <a:pPr/>
+              <a:t>16.06.2016</a:t>
             </a:fld>
             <a:endParaRPr lang="ru-RU"/>
           </a:p>
@@ -705,6 +713,7 @@
           <a:p>
             <a:fld id="{679C4B18-9BFA-4BD6-A2FF-5FD9619786E0}" type="slidenum">
               <a:rPr lang="ru-RU" smtClean="0"/>
+              <a:pPr/>
               <a:t>‹#›</a:t>
             </a:fld>
             <a:endParaRPr lang="ru-RU"/>
@@ -889,7 +898,8 @@
           <a:p>
             <a:fld id="{7A12CB2B-5BDB-4402-B3D5-B09CE766299D}" type="datetimeFigureOut">
               <a:rPr lang="ru-RU" smtClean="0"/>
-              <a:t>14.06.2016</a:t>
+              <a:pPr/>
+              <a:t>16.06.2016</a:t>
             </a:fld>
             <a:endParaRPr lang="ru-RU"/>
           </a:p>
@@ -931,6 +941,7 @@
           <a:p>
             <a:fld id="{679C4B18-9BFA-4BD6-A2FF-5FD9619786E0}" type="slidenum">
               <a:rPr lang="ru-RU" smtClean="0"/>
+              <a:pPr/>
               <a:t>‹#›</a:t>
             </a:fld>
             <a:endParaRPr lang="ru-RU"/>
@@ -1064,7 +1075,8 @@
           <a:p>
             <a:fld id="{7A12CB2B-5BDB-4402-B3D5-B09CE766299D}" type="datetimeFigureOut">
               <a:rPr lang="ru-RU" smtClean="0"/>
-              <a:t>14.06.2016</a:t>
+              <a:pPr/>
+              <a:t>16.06.2016</a:t>
             </a:fld>
             <a:endParaRPr lang="ru-RU"/>
           </a:p>
@@ -1106,6 +1118,7 @@
           <a:p>
             <a:fld id="{679C4B18-9BFA-4BD6-A2FF-5FD9619786E0}" type="slidenum">
               <a:rPr lang="ru-RU" smtClean="0"/>
+              <a:pPr/>
               <a:t>‹#›</a:t>
             </a:fld>
             <a:endParaRPr lang="ru-RU"/>
@@ -1229,7 +1242,8 @@
           <a:p>
             <a:fld id="{7A12CB2B-5BDB-4402-B3D5-B09CE766299D}" type="datetimeFigureOut">
               <a:rPr lang="ru-RU" smtClean="0"/>
-              <a:t>14.06.2016</a:t>
+              <a:pPr/>
+              <a:t>16.06.2016</a:t>
             </a:fld>
             <a:endParaRPr lang="ru-RU"/>
           </a:p>
@@ -1271,6 +1285,7 @@
           <a:p>
             <a:fld id="{679C4B18-9BFA-4BD6-A2FF-5FD9619786E0}" type="slidenum">
               <a:rPr lang="ru-RU" smtClean="0"/>
+              <a:pPr/>
               <a:t>‹#›</a:t>
             </a:fld>
             <a:endParaRPr lang="ru-RU"/>
@@ -1473,7 +1488,8 @@
           <a:p>
             <a:fld id="{7A12CB2B-5BDB-4402-B3D5-B09CE766299D}" type="datetimeFigureOut">
               <a:rPr lang="ru-RU" smtClean="0"/>
-              <a:t>14.06.2016</a:t>
+              <a:pPr/>
+              <a:t>16.06.2016</a:t>
             </a:fld>
             <a:endParaRPr lang="ru-RU"/>
           </a:p>
@@ -1520,6 +1536,7 @@
           <a:p>
             <a:fld id="{679C4B18-9BFA-4BD6-A2FF-5FD9619786E0}" type="slidenum">
               <a:rPr lang="ru-RU" smtClean="0"/>
+              <a:pPr/>
               <a:t>‹#›</a:t>
             </a:fld>
             <a:endParaRPr lang="ru-RU"/>
@@ -1737,7 +1754,8 @@
           <a:p>
             <a:fld id="{7A12CB2B-5BDB-4402-B3D5-B09CE766299D}" type="datetimeFigureOut">
               <a:rPr lang="ru-RU" smtClean="0"/>
-              <a:t>14.06.2016</a:t>
+              <a:pPr/>
+              <a:t>16.06.2016</a:t>
             </a:fld>
             <a:endParaRPr lang="ru-RU"/>
           </a:p>
@@ -1779,6 +1797,7 @@
           <a:p>
             <a:fld id="{679C4B18-9BFA-4BD6-A2FF-5FD9619786E0}" type="slidenum">
               <a:rPr lang="ru-RU" smtClean="0"/>
+              <a:pPr/>
               <a:t>‹#›</a:t>
             </a:fld>
             <a:endParaRPr lang="ru-RU"/>
@@ -2111,7 +2130,8 @@
           <a:p>
             <a:fld id="{7A12CB2B-5BDB-4402-B3D5-B09CE766299D}" type="datetimeFigureOut">
               <a:rPr lang="ru-RU" smtClean="0"/>
-              <a:t>14.06.2016</a:t>
+              <a:pPr/>
+              <a:t>16.06.2016</a:t>
             </a:fld>
             <a:endParaRPr lang="ru-RU"/>
           </a:p>
@@ -2153,6 +2173,7 @@
           <a:p>
             <a:fld id="{679C4B18-9BFA-4BD6-A2FF-5FD9619786E0}" type="slidenum">
               <a:rPr lang="ru-RU" smtClean="0"/>
+              <a:pPr/>
               <a:t>‹#›</a:t>
             </a:fld>
             <a:endParaRPr lang="ru-RU"/>
@@ -2224,7 +2245,8 @@
           <a:p>
             <a:fld id="{7A12CB2B-5BDB-4402-B3D5-B09CE766299D}" type="datetimeFigureOut">
               <a:rPr lang="ru-RU" smtClean="0"/>
-              <a:t>14.06.2016</a:t>
+              <a:pPr/>
+              <a:t>16.06.2016</a:t>
             </a:fld>
             <a:endParaRPr lang="ru-RU"/>
           </a:p>
@@ -2266,6 +2288,7 @@
           <a:p>
             <a:fld id="{679C4B18-9BFA-4BD6-A2FF-5FD9619786E0}" type="slidenum">
               <a:rPr lang="ru-RU" smtClean="0"/>
+              <a:pPr/>
               <a:t>‹#›</a:t>
             </a:fld>
             <a:endParaRPr lang="ru-RU"/>
@@ -2314,7 +2337,8 @@
           <a:p>
             <a:fld id="{7A12CB2B-5BDB-4402-B3D5-B09CE766299D}" type="datetimeFigureOut">
               <a:rPr lang="ru-RU" smtClean="0"/>
-              <a:t>14.06.2016</a:t>
+              <a:pPr/>
+              <a:t>16.06.2016</a:t>
             </a:fld>
             <a:endParaRPr lang="ru-RU"/>
           </a:p>
@@ -2356,6 +2380,7 @@
           <a:p>
             <a:fld id="{679C4B18-9BFA-4BD6-A2FF-5FD9619786E0}" type="slidenum">
               <a:rPr lang="ru-RU" smtClean="0"/>
+              <a:pPr/>
               <a:t>‹#›</a:t>
             </a:fld>
             <a:endParaRPr lang="ru-RU"/>
@@ -2572,7 +2597,8 @@
           <a:p>
             <a:fld id="{7A12CB2B-5BDB-4402-B3D5-B09CE766299D}" type="datetimeFigureOut">
               <a:rPr lang="ru-RU" smtClean="0"/>
-              <a:t>14.06.2016</a:t>
+              <a:pPr/>
+              <a:t>16.06.2016</a:t>
             </a:fld>
             <a:endParaRPr lang="ru-RU"/>
           </a:p>
@@ -2614,6 +2640,7 @@
           <a:p>
             <a:fld id="{679C4B18-9BFA-4BD6-A2FF-5FD9619786E0}" type="slidenum">
               <a:rPr lang="ru-RU" smtClean="0"/>
+              <a:pPr/>
               <a:t>‹#›</a:t>
             </a:fld>
             <a:endParaRPr lang="ru-RU"/>
@@ -2836,7 +2863,8 @@
           <a:p>
             <a:fld id="{7A12CB2B-5BDB-4402-B3D5-B09CE766299D}" type="datetimeFigureOut">
               <a:rPr lang="ru-RU" smtClean="0"/>
-              <a:t>14.06.2016</a:t>
+              <a:pPr/>
+              <a:t>16.06.2016</a:t>
             </a:fld>
             <a:endParaRPr lang="ru-RU"/>
           </a:p>
@@ -2878,6 +2906,7 @@
           <a:p>
             <a:fld id="{679C4B18-9BFA-4BD6-A2FF-5FD9619786E0}" type="slidenum">
               <a:rPr lang="ru-RU" smtClean="0"/>
+              <a:pPr/>
               <a:t>‹#›</a:t>
             </a:fld>
             <a:endParaRPr lang="ru-RU"/>
@@ -3053,7 +3082,8 @@
           <a:p>
             <a:fld id="{7A12CB2B-5BDB-4402-B3D5-B09CE766299D}" type="datetimeFigureOut">
               <a:rPr lang="ru-RU" smtClean="0"/>
-              <a:t>14.06.2016</a:t>
+              <a:pPr/>
+              <a:t>16.06.2016</a:t>
             </a:fld>
             <a:endParaRPr lang="ru-RU"/>
           </a:p>
@@ -3131,6 +3161,7 @@
           <a:p>
             <a:fld id="{679C4B18-9BFA-4BD6-A2FF-5FD9619786E0}" type="slidenum">
               <a:rPr lang="ru-RU" smtClean="0"/>
+              <a:pPr/>
               <a:t>‹#›</a:t>
             </a:fld>
             <a:endParaRPr lang="ru-RU"/>
@@ -3141,17 +3172,17 @@
   </p:cSld>
   <p:clrMap bg1="dk1" tx1="lt1" bg2="dk2" tx2="lt2" accent1="accent1" accent2="accent2" accent3="accent3" accent4="accent4" accent5="accent5" accent6="accent6" hlink="hlink" folHlink="folHlink"/>
   <p:sldLayoutIdLst>
-    <p:sldLayoutId id="2147483661" r:id="rId1"/>
-    <p:sldLayoutId id="2147483662" r:id="rId2"/>
-    <p:sldLayoutId id="2147483663" r:id="rId3"/>
-    <p:sldLayoutId id="2147483664" r:id="rId4"/>
-    <p:sldLayoutId id="2147483665" r:id="rId5"/>
-    <p:sldLayoutId id="2147483666" r:id="rId6"/>
-    <p:sldLayoutId id="2147483667" r:id="rId7"/>
-    <p:sldLayoutId id="2147483668" r:id="rId8"/>
-    <p:sldLayoutId id="2147483669" r:id="rId9"/>
-    <p:sldLayoutId id="2147483670" r:id="rId10"/>
-    <p:sldLayoutId id="2147483671" r:id="rId11"/>
+    <p:sldLayoutId id="2147483781" r:id="rId1"/>
+    <p:sldLayoutId id="2147483782" r:id="rId2"/>
+    <p:sldLayoutId id="2147483783" r:id="rId3"/>
+    <p:sldLayoutId id="2147483784" r:id="rId4"/>
+    <p:sldLayoutId id="2147483785" r:id="rId5"/>
+    <p:sldLayoutId id="2147483786" r:id="rId6"/>
+    <p:sldLayoutId id="2147483787" r:id="rId7"/>
+    <p:sldLayoutId id="2147483788" r:id="rId8"/>
+    <p:sldLayoutId id="2147483789" r:id="rId9"/>
+    <p:sldLayoutId id="2147483790" r:id="rId10"/>
+    <p:sldLayoutId id="2147483791" r:id="rId11"/>
   </p:sldLayoutIdLst>
   <p:txStyles>
     <p:titleStyle>
@@ -3653,19 +3684,40 @@
           <a:bodyPr/>
           <a:lstStyle/>
           <a:p>
+            <a:r>
+              <a:rPr lang="uk-UA" dirty="0" smtClean="0"/>
+              <a:t>Схема керування струмом</a:t>
+            </a:r>
+            <a:endParaRPr lang="ru-RU" dirty="0"/>
+          </a:p>
+        </p:txBody>
+      </p:sp>
+      <p:sp>
+        <p:nvSpPr>
+          <p:cNvPr id="3" name="Содержимое 2"/>
+          <p:cNvSpPr>
+            <a:spLocks noGrp="1"/>
+          </p:cNvSpPr>
+          <p:nvPr>
+            <p:ph idx="1"/>
+          </p:nvPr>
+        </p:nvSpPr>
+        <p:spPr/>
+        <p:txBody>
+          <a:bodyPr/>
+          <a:lstStyle/>
+          <a:p>
             <a:endParaRPr lang="ru-RU"/>
           </a:p>
         </p:txBody>
       </p:sp>
       <p:pic>
         <p:nvPicPr>
-          <p:cNvPr id="4" name="Содержимое 3"/>
+          <p:cNvPr id="3074" name="Picture 2" descr="D:\Diplom\temp\report\DAC.png"/>
           <p:cNvPicPr>
-            <a:picLocks noGrp="1"/>
+            <a:picLocks noChangeAspect="1" noChangeArrowheads="1"/>
           </p:cNvPicPr>
-          <p:nvPr>
-            <p:ph idx="1"/>
-          </p:nvPr>
+          <p:nvPr/>
         </p:nvPicPr>
         <p:blipFill>
           <a:blip r:embed="rId2" cstate="print"/>
@@ -3676,19 +3728,13 @@
         </p:blipFill>
         <p:spPr bwMode="auto">
           <a:xfrm>
-            <a:off x="1799838" y="2154462"/>
-            <a:ext cx="5544324" cy="3600000"/>
+            <a:off x="0" y="1772816"/>
+            <a:ext cx="9144000" cy="4505325"/>
           </a:xfrm>
           <a:prstGeom prst="rect">
             <a:avLst/>
           </a:prstGeom>
           <a:noFill/>
-          <a:ln w="9525">
-            <a:noFill/>
-            <a:miter lim="800000"/>
-            <a:headEnd/>
-            <a:tailEnd/>
-          </a:ln>
         </p:spPr>
       </p:pic>
     </p:spTree>
@@ -3696,6 +3742,13 @@
   <p:clrMapOvr>
     <a:masterClrMapping/>
   </p:clrMapOvr>
+  <p:timing>
+    <p:tnLst>
+      <p:par>
+        <p:cTn id="1" dur="indefinite" restart="never" nodeType="tmRoot"/>
+      </p:par>
+    </p:tnLst>
+  </p:timing>
 </p:sld>
 </file>
 
@@ -3728,52 +3781,1149 @@
         </p:nvSpPr>
         <p:spPr/>
         <p:txBody>
-          <a:bodyPr/>
-          <a:lstStyle/>
-          <a:p>
-            <a:endParaRPr lang="ru-RU"/>
-          </a:p>
-        </p:txBody>
-      </p:sp>
-      <p:pic>
-        <p:nvPicPr>
+          <a:bodyPr>
+            <a:normAutofit/>
+          </a:bodyPr>
+          <a:lstStyle/>
+          <a:p>
+            <a:r>
+              <a:rPr lang="uk-UA" dirty="0" smtClean="0"/>
+              <a:t>Функції бібліотеки драйвера</a:t>
+            </a:r>
+            <a:endParaRPr lang="ru-RU" dirty="0"/>
+          </a:p>
+        </p:txBody>
+      </p:sp>
+      <p:graphicFrame>
+        <p:nvGraphicFramePr>
           <p:cNvPr id="4" name="Содержимое 3"/>
-          <p:cNvPicPr>
-            <a:picLocks noGrp="1"/>
-          </p:cNvPicPr>
+          <p:cNvGraphicFramePr>
+            <a:graphicFrameLocks noGrp="1"/>
+          </p:cNvGraphicFramePr>
           <p:nvPr>
             <p:ph idx="1"/>
           </p:nvPr>
-        </p:nvPicPr>
-        <p:blipFill>
-          <a:blip r:embed="rId2" cstate="print"/>
-          <a:srcRect/>
-          <a:stretch>
-            <a:fillRect/>
-          </a:stretch>
-        </p:blipFill>
-        <p:spPr bwMode="auto">
-          <a:xfrm>
-            <a:off x="2051720" y="1772815"/>
-            <a:ext cx="5256584" cy="4567145"/>
-          </a:xfrm>
-          <a:prstGeom prst="rect">
-            <a:avLst/>
-          </a:prstGeom>
-          <a:noFill/>
-          <a:ln w="9525">
-            <a:noFill/>
-            <a:miter lim="800000"/>
-            <a:headEnd/>
-            <a:tailEnd/>
-          </a:ln>
-        </p:spPr>
-      </p:pic>
+        </p:nvGraphicFramePr>
+        <p:xfrm>
+          <a:off x="539552" y="1628800"/>
+          <a:ext cx="8136904" cy="4723248"/>
+        </p:xfrm>
+        <a:graphic>
+          <a:graphicData uri="http://schemas.openxmlformats.org/drawingml/2006/table">
+            <a:tbl>
+              <a:tblPr/>
+              <a:tblGrid>
+                <a:gridCol w="4032448"/>
+                <a:gridCol w="4104456"/>
+              </a:tblGrid>
+              <a:tr h="418956">
+                <a:tc>
+                  <a:txBody>
+                    <a:bodyPr/>
+                    <a:lstStyle/>
+                    <a:p>
+                      <a:pPr algn="ctr">
+                        <a:lnSpc>
+                          <a:spcPct val="150000"/>
+                        </a:lnSpc>
+                        <a:spcAft>
+                          <a:spcPts val="0"/>
+                        </a:spcAft>
+                      </a:pPr>
+                      <a:r>
+                        <a:rPr lang="uk-UA" sz="2000" dirty="0">
+                          <a:latin typeface="Times New Roman"/>
+                          <a:ea typeface="Times New Roman"/>
+                        </a:rPr>
+                        <a:t>Функція</a:t>
+                      </a:r>
+                      <a:endParaRPr lang="ru-RU" sz="2000" dirty="0">
+                        <a:latin typeface="Times New Roman"/>
+                        <a:ea typeface="Times New Roman"/>
+                      </a:endParaRPr>
+                    </a:p>
+                  </a:txBody>
+                  <a:tcPr marL="68580" marR="68580" marT="0" marB="0" anchor="ctr">
+                    <a:lnL w="12700" cap="flat" cmpd="sng" algn="ctr">
+                      <a:solidFill>
+                        <a:srgbClr val="000000"/>
+                      </a:solidFill>
+                      <a:prstDash val="solid"/>
+                      <a:round/>
+                      <a:headEnd type="none" w="med" len="med"/>
+                      <a:tailEnd type="none" w="med" len="med"/>
+                    </a:lnL>
+                    <a:lnR w="12700" cap="flat" cmpd="sng" algn="ctr">
+                      <a:solidFill>
+                        <a:srgbClr val="000000"/>
+                      </a:solidFill>
+                      <a:prstDash val="solid"/>
+                      <a:round/>
+                      <a:headEnd type="none" w="med" len="med"/>
+                      <a:tailEnd type="none" w="med" len="med"/>
+                    </a:lnR>
+                    <a:lnT w="12700" cap="flat" cmpd="sng" algn="ctr">
+                      <a:solidFill>
+                        <a:srgbClr val="000000"/>
+                      </a:solidFill>
+                      <a:prstDash val="solid"/>
+                      <a:round/>
+                      <a:headEnd type="none" w="med" len="med"/>
+                      <a:tailEnd type="none" w="med" len="med"/>
+                    </a:lnT>
+                    <a:lnB w="12700" cap="flat" cmpd="sng" algn="ctr">
+                      <a:solidFill>
+                        <a:srgbClr val="000000"/>
+                      </a:solidFill>
+                      <a:prstDash val="solid"/>
+                      <a:round/>
+                      <a:headEnd type="none" w="med" len="med"/>
+                      <a:tailEnd type="none" w="med" len="med"/>
+                    </a:lnB>
+                  </a:tcPr>
+                </a:tc>
+                <a:tc>
+                  <a:txBody>
+                    <a:bodyPr/>
+                    <a:lstStyle/>
+                    <a:p>
+                      <a:pPr algn="ctr">
+                        <a:lnSpc>
+                          <a:spcPct val="150000"/>
+                        </a:lnSpc>
+                        <a:spcAft>
+                          <a:spcPts val="0"/>
+                        </a:spcAft>
+                      </a:pPr>
+                      <a:r>
+                        <a:rPr lang="uk-UA" sz="2000">
+                          <a:latin typeface="Times New Roman"/>
+                          <a:ea typeface="Times New Roman"/>
+                        </a:rPr>
+                        <a:t>Опис</a:t>
+                      </a:r>
+                      <a:endParaRPr lang="ru-RU" sz="2000">
+                        <a:latin typeface="Times New Roman"/>
+                        <a:ea typeface="Times New Roman"/>
+                      </a:endParaRPr>
+                    </a:p>
+                  </a:txBody>
+                  <a:tcPr marL="68580" marR="68580" marT="0" marB="0" anchor="ctr">
+                    <a:lnL w="12700" cap="flat" cmpd="sng" algn="ctr">
+                      <a:solidFill>
+                        <a:srgbClr val="000000"/>
+                      </a:solidFill>
+                      <a:prstDash val="solid"/>
+                      <a:round/>
+                      <a:headEnd type="none" w="med" len="med"/>
+                      <a:tailEnd type="none" w="med" len="med"/>
+                    </a:lnL>
+                    <a:lnR w="12700" cap="flat" cmpd="sng" algn="ctr">
+                      <a:solidFill>
+                        <a:srgbClr val="000000"/>
+                      </a:solidFill>
+                      <a:prstDash val="solid"/>
+                      <a:round/>
+                      <a:headEnd type="none" w="med" len="med"/>
+                      <a:tailEnd type="none" w="med" len="med"/>
+                    </a:lnR>
+                    <a:lnT w="12700" cap="flat" cmpd="sng" algn="ctr">
+                      <a:solidFill>
+                        <a:srgbClr val="000000"/>
+                      </a:solidFill>
+                      <a:prstDash val="solid"/>
+                      <a:round/>
+                      <a:headEnd type="none" w="med" len="med"/>
+                      <a:tailEnd type="none" w="med" len="med"/>
+                    </a:lnT>
+                    <a:lnB w="12700" cap="flat" cmpd="sng" algn="ctr">
+                      <a:solidFill>
+                        <a:srgbClr val="000000"/>
+                      </a:solidFill>
+                      <a:prstDash val="solid"/>
+                      <a:round/>
+                      <a:headEnd type="none" w="med" len="med"/>
+                      <a:tailEnd type="none" w="med" len="med"/>
+                    </a:lnB>
+                  </a:tcPr>
+                </a:tc>
+              </a:tr>
+              <a:tr h="418956">
+                <a:tc>
+                  <a:txBody>
+                    <a:bodyPr/>
+                    <a:lstStyle/>
+                    <a:p>
+                      <a:pPr algn="ctr">
+                        <a:lnSpc>
+                          <a:spcPct val="150000"/>
+                        </a:lnSpc>
+                        <a:spcAft>
+                          <a:spcPts val="0"/>
+                        </a:spcAft>
+                      </a:pPr>
+                      <a:r>
+                        <a:rPr lang="uk-UA" sz="2000" dirty="0">
+                          <a:solidFill>
+                            <a:srgbClr val="FFC000"/>
+                          </a:solidFill>
+                          <a:latin typeface="Times New Roman"/>
+                          <a:ea typeface="Times New Roman"/>
+                        </a:rPr>
+                        <a:t>int </a:t>
+                      </a:r>
+                      <a:r>
+                        <a:rPr lang="uk-UA" sz="2000" dirty="0" err="1">
+                          <a:latin typeface="Times New Roman"/>
+                          <a:ea typeface="Times New Roman"/>
+                        </a:rPr>
+                        <a:t>GetMajorVersion</a:t>
+                      </a:r>
+                      <a:r>
+                        <a:rPr lang="uk-UA" sz="2000" dirty="0">
+                          <a:latin typeface="Times New Roman"/>
+                          <a:ea typeface="Times New Roman"/>
+                        </a:rPr>
+                        <a:t>()</a:t>
+                      </a:r>
+                      <a:endParaRPr lang="ru-RU" sz="2000" dirty="0">
+                        <a:latin typeface="Times New Roman"/>
+                        <a:ea typeface="Times New Roman"/>
+                      </a:endParaRPr>
+                    </a:p>
+                  </a:txBody>
+                  <a:tcPr marL="68580" marR="68580" marT="0" marB="0" anchor="ctr">
+                    <a:lnL w="12700" cap="flat" cmpd="sng" algn="ctr">
+                      <a:solidFill>
+                        <a:srgbClr val="000000"/>
+                      </a:solidFill>
+                      <a:prstDash val="solid"/>
+                      <a:round/>
+                      <a:headEnd type="none" w="med" len="med"/>
+                      <a:tailEnd type="none" w="med" len="med"/>
+                    </a:lnL>
+                    <a:lnR w="12700" cap="flat" cmpd="sng" algn="ctr">
+                      <a:solidFill>
+                        <a:srgbClr val="000000"/>
+                      </a:solidFill>
+                      <a:prstDash val="solid"/>
+                      <a:round/>
+                      <a:headEnd type="none" w="med" len="med"/>
+                      <a:tailEnd type="none" w="med" len="med"/>
+                    </a:lnR>
+                    <a:lnT w="12700" cap="flat" cmpd="sng" algn="ctr">
+                      <a:solidFill>
+                        <a:srgbClr val="000000"/>
+                      </a:solidFill>
+                      <a:prstDash val="solid"/>
+                      <a:round/>
+                      <a:headEnd type="none" w="med" len="med"/>
+                      <a:tailEnd type="none" w="med" len="med"/>
+                    </a:lnT>
+                    <a:lnB w="12700" cap="flat" cmpd="sng" algn="ctr">
+                      <a:solidFill>
+                        <a:srgbClr val="000000"/>
+                      </a:solidFill>
+                      <a:prstDash val="solid"/>
+                      <a:round/>
+                      <a:headEnd type="none" w="med" len="med"/>
+                      <a:tailEnd type="none" w="med" len="med"/>
+                    </a:lnB>
+                  </a:tcPr>
+                </a:tc>
+                <a:tc>
+                  <a:txBody>
+                    <a:bodyPr/>
+                    <a:lstStyle/>
+                    <a:p>
+                      <a:pPr algn="just">
+                        <a:lnSpc>
+                          <a:spcPct val="100000"/>
+                        </a:lnSpc>
+                        <a:spcAft>
+                          <a:spcPts val="0"/>
+                        </a:spcAft>
+                      </a:pPr>
+                      <a:r>
+                        <a:rPr lang="uk-UA" sz="2000">
+                          <a:latin typeface="Times New Roman"/>
+                          <a:ea typeface="Times New Roman"/>
+                        </a:rPr>
+                        <a:t>Отримати старшу частину версії.</a:t>
+                      </a:r>
+                      <a:endParaRPr lang="ru-RU" sz="2000">
+                        <a:latin typeface="Times New Roman"/>
+                        <a:ea typeface="Times New Roman"/>
+                      </a:endParaRPr>
+                    </a:p>
+                  </a:txBody>
+                  <a:tcPr marL="68580" marR="68580" marT="0" marB="0">
+                    <a:lnL w="12700" cap="flat" cmpd="sng" algn="ctr">
+                      <a:solidFill>
+                        <a:srgbClr val="000000"/>
+                      </a:solidFill>
+                      <a:prstDash val="solid"/>
+                      <a:round/>
+                      <a:headEnd type="none" w="med" len="med"/>
+                      <a:tailEnd type="none" w="med" len="med"/>
+                    </a:lnL>
+                    <a:lnR w="12700" cap="flat" cmpd="sng" algn="ctr">
+                      <a:solidFill>
+                        <a:srgbClr val="000000"/>
+                      </a:solidFill>
+                      <a:prstDash val="solid"/>
+                      <a:round/>
+                      <a:headEnd type="none" w="med" len="med"/>
+                      <a:tailEnd type="none" w="med" len="med"/>
+                    </a:lnR>
+                    <a:lnT w="12700" cap="flat" cmpd="sng" algn="ctr">
+                      <a:solidFill>
+                        <a:srgbClr val="000000"/>
+                      </a:solidFill>
+                      <a:prstDash val="solid"/>
+                      <a:round/>
+                      <a:headEnd type="none" w="med" len="med"/>
+                      <a:tailEnd type="none" w="med" len="med"/>
+                    </a:lnT>
+                    <a:lnB w="12700" cap="flat" cmpd="sng" algn="ctr">
+                      <a:solidFill>
+                        <a:srgbClr val="000000"/>
+                      </a:solidFill>
+                      <a:prstDash val="solid"/>
+                      <a:round/>
+                      <a:headEnd type="none" w="med" len="med"/>
+                      <a:tailEnd type="none" w="med" len="med"/>
+                    </a:lnB>
+                  </a:tcPr>
+                </a:tc>
+              </a:tr>
+              <a:tr h="418956">
+                <a:tc>
+                  <a:txBody>
+                    <a:bodyPr/>
+                    <a:lstStyle/>
+                    <a:p>
+                      <a:pPr algn="ctr">
+                        <a:lnSpc>
+                          <a:spcPct val="150000"/>
+                        </a:lnSpc>
+                        <a:spcAft>
+                          <a:spcPts val="0"/>
+                        </a:spcAft>
+                      </a:pPr>
+                      <a:r>
+                        <a:rPr lang="uk-UA" sz="2000" dirty="0">
+                          <a:solidFill>
+                            <a:srgbClr val="FFC000"/>
+                          </a:solidFill>
+                          <a:latin typeface="Times New Roman"/>
+                          <a:ea typeface="Times New Roman"/>
+                        </a:rPr>
+                        <a:t>int</a:t>
+                      </a:r>
+                      <a:r>
+                        <a:rPr lang="uk-UA" sz="2000" dirty="0">
+                          <a:latin typeface="Times New Roman"/>
+                          <a:ea typeface="Times New Roman"/>
+                        </a:rPr>
+                        <a:t> </a:t>
+                      </a:r>
+                      <a:r>
+                        <a:rPr lang="uk-UA" sz="2000" dirty="0" err="1">
+                          <a:latin typeface="Times New Roman"/>
+                          <a:ea typeface="Times New Roman"/>
+                        </a:rPr>
+                        <a:t>GetMinorVersion</a:t>
+                      </a:r>
+                      <a:r>
+                        <a:rPr lang="uk-UA" sz="2000" dirty="0">
+                          <a:latin typeface="Times New Roman"/>
+                          <a:ea typeface="Times New Roman"/>
+                        </a:rPr>
+                        <a:t>()</a:t>
+                      </a:r>
+                      <a:endParaRPr lang="ru-RU" sz="2000" dirty="0">
+                        <a:latin typeface="Times New Roman"/>
+                        <a:ea typeface="Times New Roman"/>
+                      </a:endParaRPr>
+                    </a:p>
+                  </a:txBody>
+                  <a:tcPr marL="68580" marR="68580" marT="0" marB="0" anchor="ctr">
+                    <a:lnL w="12700" cap="flat" cmpd="sng" algn="ctr">
+                      <a:solidFill>
+                        <a:srgbClr val="000000"/>
+                      </a:solidFill>
+                      <a:prstDash val="solid"/>
+                      <a:round/>
+                      <a:headEnd type="none" w="med" len="med"/>
+                      <a:tailEnd type="none" w="med" len="med"/>
+                    </a:lnL>
+                    <a:lnR w="12700" cap="flat" cmpd="sng" algn="ctr">
+                      <a:solidFill>
+                        <a:srgbClr val="000000"/>
+                      </a:solidFill>
+                      <a:prstDash val="solid"/>
+                      <a:round/>
+                      <a:headEnd type="none" w="med" len="med"/>
+                      <a:tailEnd type="none" w="med" len="med"/>
+                    </a:lnR>
+                    <a:lnT w="12700" cap="flat" cmpd="sng" algn="ctr">
+                      <a:solidFill>
+                        <a:srgbClr val="000000"/>
+                      </a:solidFill>
+                      <a:prstDash val="solid"/>
+                      <a:round/>
+                      <a:headEnd type="none" w="med" len="med"/>
+                      <a:tailEnd type="none" w="med" len="med"/>
+                    </a:lnT>
+                    <a:lnB w="12700" cap="flat" cmpd="sng" algn="ctr">
+                      <a:solidFill>
+                        <a:srgbClr val="000000"/>
+                      </a:solidFill>
+                      <a:prstDash val="solid"/>
+                      <a:round/>
+                      <a:headEnd type="none" w="med" len="med"/>
+                      <a:tailEnd type="none" w="med" len="med"/>
+                    </a:lnB>
+                  </a:tcPr>
+                </a:tc>
+                <a:tc>
+                  <a:txBody>
+                    <a:bodyPr/>
+                    <a:lstStyle/>
+                    <a:p>
+                      <a:pPr algn="just">
+                        <a:lnSpc>
+                          <a:spcPct val="100000"/>
+                        </a:lnSpc>
+                        <a:spcAft>
+                          <a:spcPts val="0"/>
+                        </a:spcAft>
+                      </a:pPr>
+                      <a:r>
+                        <a:rPr lang="uk-UA" sz="2000">
+                          <a:latin typeface="Times New Roman"/>
+                          <a:ea typeface="Times New Roman"/>
+                        </a:rPr>
+                        <a:t>Отримати молодшу частину версії.</a:t>
+                      </a:r>
+                      <a:endParaRPr lang="ru-RU" sz="2000">
+                        <a:latin typeface="Times New Roman"/>
+                        <a:ea typeface="Times New Roman"/>
+                      </a:endParaRPr>
+                    </a:p>
+                  </a:txBody>
+                  <a:tcPr marL="68580" marR="68580" marT="0" marB="0">
+                    <a:lnL w="12700" cap="flat" cmpd="sng" algn="ctr">
+                      <a:solidFill>
+                        <a:srgbClr val="000000"/>
+                      </a:solidFill>
+                      <a:prstDash val="solid"/>
+                      <a:round/>
+                      <a:headEnd type="none" w="med" len="med"/>
+                      <a:tailEnd type="none" w="med" len="med"/>
+                    </a:lnL>
+                    <a:lnR w="12700" cap="flat" cmpd="sng" algn="ctr">
+                      <a:solidFill>
+                        <a:srgbClr val="000000"/>
+                      </a:solidFill>
+                      <a:prstDash val="solid"/>
+                      <a:round/>
+                      <a:headEnd type="none" w="med" len="med"/>
+                      <a:tailEnd type="none" w="med" len="med"/>
+                    </a:lnR>
+                    <a:lnT w="12700" cap="flat" cmpd="sng" algn="ctr">
+                      <a:solidFill>
+                        <a:srgbClr val="000000"/>
+                      </a:solidFill>
+                      <a:prstDash val="solid"/>
+                      <a:round/>
+                      <a:headEnd type="none" w="med" len="med"/>
+                      <a:tailEnd type="none" w="med" len="med"/>
+                    </a:lnT>
+                    <a:lnB w="12700" cap="flat" cmpd="sng" algn="ctr">
+                      <a:solidFill>
+                        <a:srgbClr val="000000"/>
+                      </a:solidFill>
+                      <a:prstDash val="solid"/>
+                      <a:round/>
+                      <a:headEnd type="none" w="med" len="med"/>
+                      <a:tailEnd type="none" w="med" len="med"/>
+                    </a:lnB>
+                  </a:tcPr>
+                </a:tc>
+              </a:tr>
+              <a:tr h="837910">
+                <a:tc>
+                  <a:txBody>
+                    <a:bodyPr/>
+                    <a:lstStyle/>
+                    <a:p>
+                      <a:pPr algn="ctr">
+                        <a:lnSpc>
+                          <a:spcPct val="150000"/>
+                        </a:lnSpc>
+                        <a:spcAft>
+                          <a:spcPts val="0"/>
+                        </a:spcAft>
+                      </a:pPr>
+                      <a:r>
+                        <a:rPr lang="uk-UA" sz="2000" dirty="0">
+                          <a:solidFill>
+                            <a:srgbClr val="FFC000"/>
+                          </a:solidFill>
+                          <a:latin typeface="Times New Roman"/>
+                          <a:ea typeface="Times New Roman"/>
+                        </a:rPr>
+                        <a:t>int</a:t>
+                      </a:r>
+                      <a:r>
+                        <a:rPr lang="uk-UA" sz="2000" dirty="0">
+                          <a:latin typeface="Times New Roman"/>
+                          <a:ea typeface="Times New Roman"/>
+                        </a:rPr>
+                        <a:t> </a:t>
+                      </a:r>
+                      <a:r>
+                        <a:rPr lang="uk-UA" sz="2000" dirty="0" err="1">
+                          <a:latin typeface="Times New Roman"/>
+                          <a:ea typeface="Times New Roman"/>
+                        </a:rPr>
+                        <a:t>IsVersionConfirmed</a:t>
+                      </a:r>
+                      <a:r>
+                        <a:rPr lang="uk-UA" sz="2000" dirty="0">
+                          <a:latin typeface="Times New Roman"/>
+                          <a:ea typeface="Times New Roman"/>
+                        </a:rPr>
+                        <a:t>()</a:t>
+                      </a:r>
+                      <a:endParaRPr lang="ru-RU" sz="2000" dirty="0">
+                        <a:latin typeface="Times New Roman"/>
+                        <a:ea typeface="Times New Roman"/>
+                      </a:endParaRPr>
+                    </a:p>
+                  </a:txBody>
+                  <a:tcPr marL="68580" marR="68580" marT="0" marB="0" anchor="ctr">
+                    <a:lnL w="12700" cap="flat" cmpd="sng" algn="ctr">
+                      <a:solidFill>
+                        <a:srgbClr val="000000"/>
+                      </a:solidFill>
+                      <a:prstDash val="solid"/>
+                      <a:round/>
+                      <a:headEnd type="none" w="med" len="med"/>
+                      <a:tailEnd type="none" w="med" len="med"/>
+                    </a:lnL>
+                    <a:lnR w="12700" cap="flat" cmpd="sng" algn="ctr">
+                      <a:solidFill>
+                        <a:srgbClr val="000000"/>
+                      </a:solidFill>
+                      <a:prstDash val="solid"/>
+                      <a:round/>
+                      <a:headEnd type="none" w="med" len="med"/>
+                      <a:tailEnd type="none" w="med" len="med"/>
+                    </a:lnR>
+                    <a:lnT w="12700" cap="flat" cmpd="sng" algn="ctr">
+                      <a:solidFill>
+                        <a:srgbClr val="000000"/>
+                      </a:solidFill>
+                      <a:prstDash val="solid"/>
+                      <a:round/>
+                      <a:headEnd type="none" w="med" len="med"/>
+                      <a:tailEnd type="none" w="med" len="med"/>
+                    </a:lnT>
+                    <a:lnB w="12700" cap="flat" cmpd="sng" algn="ctr">
+                      <a:solidFill>
+                        <a:srgbClr val="000000"/>
+                      </a:solidFill>
+                      <a:prstDash val="solid"/>
+                      <a:round/>
+                      <a:headEnd type="none" w="med" len="med"/>
+                      <a:tailEnd type="none" w="med" len="med"/>
+                    </a:lnB>
+                  </a:tcPr>
+                </a:tc>
+                <a:tc>
+                  <a:txBody>
+                    <a:bodyPr/>
+                    <a:lstStyle/>
+                    <a:p>
+                      <a:pPr algn="just">
+                        <a:lnSpc>
+                          <a:spcPct val="100000"/>
+                        </a:lnSpc>
+                        <a:spcAft>
+                          <a:spcPts val="0"/>
+                        </a:spcAft>
+                      </a:pPr>
+                      <a:r>
+                        <a:rPr lang="uk-UA" sz="2000" dirty="0">
+                          <a:latin typeface="Times New Roman"/>
+                          <a:ea typeface="Times New Roman"/>
+                        </a:rPr>
+                        <a:t>Чи співпадає версія драйвера з версією прошивки приладу (0 — ні).</a:t>
+                      </a:r>
+                      <a:endParaRPr lang="ru-RU" sz="2000" dirty="0">
+                        <a:latin typeface="Times New Roman"/>
+                        <a:ea typeface="Times New Roman"/>
+                      </a:endParaRPr>
+                    </a:p>
+                  </a:txBody>
+                  <a:tcPr marL="68580" marR="68580" marT="0" marB="0">
+                    <a:lnL w="12700" cap="flat" cmpd="sng" algn="ctr">
+                      <a:solidFill>
+                        <a:srgbClr val="000000"/>
+                      </a:solidFill>
+                      <a:prstDash val="solid"/>
+                      <a:round/>
+                      <a:headEnd type="none" w="med" len="med"/>
+                      <a:tailEnd type="none" w="med" len="med"/>
+                    </a:lnL>
+                    <a:lnR w="12700" cap="flat" cmpd="sng" algn="ctr">
+                      <a:solidFill>
+                        <a:srgbClr val="000000"/>
+                      </a:solidFill>
+                      <a:prstDash val="solid"/>
+                      <a:round/>
+                      <a:headEnd type="none" w="med" len="med"/>
+                      <a:tailEnd type="none" w="med" len="med"/>
+                    </a:lnR>
+                    <a:lnT w="12700" cap="flat" cmpd="sng" algn="ctr">
+                      <a:solidFill>
+                        <a:srgbClr val="000000"/>
+                      </a:solidFill>
+                      <a:prstDash val="solid"/>
+                      <a:round/>
+                      <a:headEnd type="none" w="med" len="med"/>
+                      <a:tailEnd type="none" w="med" len="med"/>
+                    </a:lnT>
+                    <a:lnB w="12700" cap="flat" cmpd="sng" algn="ctr">
+                      <a:solidFill>
+                        <a:srgbClr val="000000"/>
+                      </a:solidFill>
+                      <a:prstDash val="solid"/>
+                      <a:round/>
+                      <a:headEnd type="none" w="med" len="med"/>
+                      <a:tailEnd type="none" w="med" len="med"/>
+                    </a:lnB>
+                  </a:tcPr>
+                </a:tc>
+              </a:tr>
+              <a:tr h="418956">
+                <a:tc>
+                  <a:txBody>
+                    <a:bodyPr/>
+                    <a:lstStyle/>
+                    <a:p>
+                      <a:pPr algn="ctr">
+                        <a:lnSpc>
+                          <a:spcPct val="150000"/>
+                        </a:lnSpc>
+                        <a:spcAft>
+                          <a:spcPts val="0"/>
+                        </a:spcAft>
+                      </a:pPr>
+                      <a:r>
+                        <a:rPr lang="uk-UA" sz="2000" dirty="0">
+                          <a:solidFill>
+                            <a:srgbClr val="FFC000"/>
+                          </a:solidFill>
+                          <a:latin typeface="Times New Roman"/>
+                          <a:ea typeface="Times New Roman"/>
+                        </a:rPr>
+                        <a:t>int</a:t>
+                      </a:r>
+                      <a:r>
+                        <a:rPr lang="uk-UA" sz="2000" dirty="0">
+                          <a:latin typeface="Times New Roman"/>
+                          <a:ea typeface="Times New Roman"/>
+                        </a:rPr>
+                        <a:t> </a:t>
+                      </a:r>
+                      <a:r>
+                        <a:rPr lang="uk-UA" sz="2000" dirty="0" err="1">
+                          <a:latin typeface="Times New Roman"/>
+                          <a:ea typeface="Times New Roman"/>
+                        </a:rPr>
+                        <a:t>GetLastDeviceError</a:t>
+                      </a:r>
+                      <a:r>
+                        <a:rPr lang="uk-UA" sz="2000" dirty="0">
+                          <a:latin typeface="Times New Roman"/>
+                          <a:ea typeface="Times New Roman"/>
+                        </a:rPr>
+                        <a:t>()</a:t>
+                      </a:r>
+                      <a:endParaRPr lang="ru-RU" sz="2000" dirty="0">
+                        <a:latin typeface="Times New Roman"/>
+                        <a:ea typeface="Times New Roman"/>
+                      </a:endParaRPr>
+                    </a:p>
+                  </a:txBody>
+                  <a:tcPr marL="68580" marR="68580" marT="0" marB="0" anchor="ctr">
+                    <a:lnL w="12700" cap="flat" cmpd="sng" algn="ctr">
+                      <a:solidFill>
+                        <a:srgbClr val="000000"/>
+                      </a:solidFill>
+                      <a:prstDash val="solid"/>
+                      <a:round/>
+                      <a:headEnd type="none" w="med" len="med"/>
+                      <a:tailEnd type="none" w="med" len="med"/>
+                    </a:lnL>
+                    <a:lnR w="12700" cap="flat" cmpd="sng" algn="ctr">
+                      <a:solidFill>
+                        <a:srgbClr val="000000"/>
+                      </a:solidFill>
+                      <a:prstDash val="solid"/>
+                      <a:round/>
+                      <a:headEnd type="none" w="med" len="med"/>
+                      <a:tailEnd type="none" w="med" len="med"/>
+                    </a:lnR>
+                    <a:lnT w="12700" cap="flat" cmpd="sng" algn="ctr">
+                      <a:solidFill>
+                        <a:srgbClr val="000000"/>
+                      </a:solidFill>
+                      <a:prstDash val="solid"/>
+                      <a:round/>
+                      <a:headEnd type="none" w="med" len="med"/>
+                      <a:tailEnd type="none" w="med" len="med"/>
+                    </a:lnT>
+                    <a:lnB w="12700" cap="flat" cmpd="sng" algn="ctr">
+                      <a:solidFill>
+                        <a:srgbClr val="000000"/>
+                      </a:solidFill>
+                      <a:prstDash val="solid"/>
+                      <a:round/>
+                      <a:headEnd type="none" w="med" len="med"/>
+                      <a:tailEnd type="none" w="med" len="med"/>
+                    </a:lnB>
+                  </a:tcPr>
+                </a:tc>
+                <a:tc>
+                  <a:txBody>
+                    <a:bodyPr/>
+                    <a:lstStyle/>
+                    <a:p>
+                      <a:pPr algn="just">
+                        <a:lnSpc>
+                          <a:spcPct val="100000"/>
+                        </a:lnSpc>
+                        <a:spcAft>
+                          <a:spcPts val="0"/>
+                        </a:spcAft>
+                      </a:pPr>
+                      <a:r>
+                        <a:rPr lang="uk-UA" sz="2000" dirty="0">
+                          <a:latin typeface="Times New Roman"/>
+                          <a:ea typeface="Times New Roman"/>
+                        </a:rPr>
+                        <a:t>Отримати код останньої помилки.</a:t>
+                      </a:r>
+                      <a:endParaRPr lang="ru-RU" sz="2000" dirty="0">
+                        <a:latin typeface="Times New Roman"/>
+                        <a:ea typeface="Times New Roman"/>
+                      </a:endParaRPr>
+                    </a:p>
+                  </a:txBody>
+                  <a:tcPr marL="68580" marR="68580" marT="0" marB="0">
+                    <a:lnL w="12700" cap="flat" cmpd="sng" algn="ctr">
+                      <a:solidFill>
+                        <a:srgbClr val="000000"/>
+                      </a:solidFill>
+                      <a:prstDash val="solid"/>
+                      <a:round/>
+                      <a:headEnd type="none" w="med" len="med"/>
+                      <a:tailEnd type="none" w="med" len="med"/>
+                    </a:lnL>
+                    <a:lnR w="12700" cap="flat" cmpd="sng" algn="ctr">
+                      <a:solidFill>
+                        <a:srgbClr val="000000"/>
+                      </a:solidFill>
+                      <a:prstDash val="solid"/>
+                      <a:round/>
+                      <a:headEnd type="none" w="med" len="med"/>
+                      <a:tailEnd type="none" w="med" len="med"/>
+                    </a:lnR>
+                    <a:lnT w="12700" cap="flat" cmpd="sng" algn="ctr">
+                      <a:solidFill>
+                        <a:srgbClr val="000000"/>
+                      </a:solidFill>
+                      <a:prstDash val="solid"/>
+                      <a:round/>
+                      <a:headEnd type="none" w="med" len="med"/>
+                      <a:tailEnd type="none" w="med" len="med"/>
+                    </a:lnT>
+                    <a:lnB w="12700" cap="flat" cmpd="sng" algn="ctr">
+                      <a:solidFill>
+                        <a:srgbClr val="000000"/>
+                      </a:solidFill>
+                      <a:prstDash val="solid"/>
+                      <a:round/>
+                      <a:headEnd type="none" w="med" len="med"/>
+                      <a:tailEnd type="none" w="med" len="med"/>
+                    </a:lnB>
+                  </a:tcPr>
+                </a:tc>
+              </a:tr>
+              <a:tr h="418956">
+                <a:tc>
+                  <a:txBody>
+                    <a:bodyPr/>
+                    <a:lstStyle/>
+                    <a:p>
+                      <a:pPr algn="ctr">
+                        <a:lnSpc>
+                          <a:spcPct val="150000"/>
+                        </a:lnSpc>
+                        <a:spcAft>
+                          <a:spcPts val="0"/>
+                        </a:spcAft>
+                      </a:pPr>
+                      <a:r>
+                        <a:rPr lang="uk-UA" sz="2000" dirty="0">
+                          <a:solidFill>
+                            <a:srgbClr val="FFC000"/>
+                          </a:solidFill>
+                          <a:latin typeface="Times New Roman"/>
+                          <a:ea typeface="Times New Roman"/>
+                        </a:rPr>
+                        <a:t>int</a:t>
+                      </a:r>
+                      <a:r>
+                        <a:rPr lang="uk-UA" sz="2000" dirty="0">
+                          <a:latin typeface="Times New Roman"/>
+                          <a:ea typeface="Times New Roman"/>
+                        </a:rPr>
+                        <a:t> </a:t>
+                      </a:r>
+                      <a:r>
+                        <a:rPr lang="uk-UA" sz="2000" dirty="0" err="1">
+                          <a:latin typeface="Times New Roman"/>
+                          <a:ea typeface="Times New Roman"/>
+                        </a:rPr>
+                        <a:t>GetPersentComplete</a:t>
+                      </a:r>
+                      <a:r>
+                        <a:rPr lang="uk-UA" sz="2000" dirty="0">
+                          <a:latin typeface="Times New Roman"/>
+                          <a:ea typeface="Times New Roman"/>
+                        </a:rPr>
+                        <a:t>()</a:t>
+                      </a:r>
+                      <a:endParaRPr lang="ru-RU" sz="2000" dirty="0">
+                        <a:latin typeface="Times New Roman"/>
+                        <a:ea typeface="Times New Roman"/>
+                      </a:endParaRPr>
+                    </a:p>
+                  </a:txBody>
+                  <a:tcPr marL="68580" marR="68580" marT="0" marB="0" anchor="ctr">
+                    <a:lnL w="12700" cap="flat" cmpd="sng" algn="ctr">
+                      <a:solidFill>
+                        <a:srgbClr val="000000"/>
+                      </a:solidFill>
+                      <a:prstDash val="solid"/>
+                      <a:round/>
+                      <a:headEnd type="none" w="med" len="med"/>
+                      <a:tailEnd type="none" w="med" len="med"/>
+                    </a:lnL>
+                    <a:lnR w="12700" cap="flat" cmpd="sng" algn="ctr">
+                      <a:solidFill>
+                        <a:srgbClr val="000000"/>
+                      </a:solidFill>
+                      <a:prstDash val="solid"/>
+                      <a:round/>
+                      <a:headEnd type="none" w="med" len="med"/>
+                      <a:tailEnd type="none" w="med" len="med"/>
+                    </a:lnR>
+                    <a:lnT w="12700" cap="flat" cmpd="sng" algn="ctr">
+                      <a:solidFill>
+                        <a:srgbClr val="000000"/>
+                      </a:solidFill>
+                      <a:prstDash val="solid"/>
+                      <a:round/>
+                      <a:headEnd type="none" w="med" len="med"/>
+                      <a:tailEnd type="none" w="med" len="med"/>
+                    </a:lnT>
+                    <a:lnB w="12700" cap="flat" cmpd="sng" algn="ctr">
+                      <a:solidFill>
+                        <a:srgbClr val="000000"/>
+                      </a:solidFill>
+                      <a:prstDash val="solid"/>
+                      <a:round/>
+                      <a:headEnd type="none" w="med" len="med"/>
+                      <a:tailEnd type="none" w="med" len="med"/>
+                    </a:lnB>
+                  </a:tcPr>
+                </a:tc>
+                <a:tc>
+                  <a:txBody>
+                    <a:bodyPr/>
+                    <a:lstStyle/>
+                    <a:p>
+                      <a:pPr algn="just">
+                        <a:lnSpc>
+                          <a:spcPct val="100000"/>
+                        </a:lnSpc>
+                        <a:spcAft>
+                          <a:spcPts val="0"/>
+                        </a:spcAft>
+                      </a:pPr>
+                      <a:r>
+                        <a:rPr lang="uk-UA" sz="2000" dirty="0">
+                          <a:latin typeface="Times New Roman"/>
+                          <a:ea typeface="Times New Roman"/>
+                        </a:rPr>
+                        <a:t>Прогрес вимірювання в процентах.</a:t>
+                      </a:r>
+                      <a:endParaRPr lang="ru-RU" sz="2000" dirty="0">
+                        <a:latin typeface="Times New Roman"/>
+                        <a:ea typeface="Times New Roman"/>
+                      </a:endParaRPr>
+                    </a:p>
+                  </a:txBody>
+                  <a:tcPr marL="68580" marR="68580" marT="0" marB="0">
+                    <a:lnL w="12700" cap="flat" cmpd="sng" algn="ctr">
+                      <a:solidFill>
+                        <a:srgbClr val="000000"/>
+                      </a:solidFill>
+                      <a:prstDash val="solid"/>
+                      <a:round/>
+                      <a:headEnd type="none" w="med" len="med"/>
+                      <a:tailEnd type="none" w="med" len="med"/>
+                    </a:lnL>
+                    <a:lnR w="12700" cap="flat" cmpd="sng" algn="ctr">
+                      <a:solidFill>
+                        <a:srgbClr val="000000"/>
+                      </a:solidFill>
+                      <a:prstDash val="solid"/>
+                      <a:round/>
+                      <a:headEnd type="none" w="med" len="med"/>
+                      <a:tailEnd type="none" w="med" len="med"/>
+                    </a:lnR>
+                    <a:lnT w="12700" cap="flat" cmpd="sng" algn="ctr">
+                      <a:solidFill>
+                        <a:srgbClr val="000000"/>
+                      </a:solidFill>
+                      <a:prstDash val="solid"/>
+                      <a:round/>
+                      <a:headEnd type="none" w="med" len="med"/>
+                      <a:tailEnd type="none" w="med" len="med"/>
+                    </a:lnT>
+                    <a:lnB w="12700" cap="flat" cmpd="sng" algn="ctr">
+                      <a:solidFill>
+                        <a:srgbClr val="000000"/>
+                      </a:solidFill>
+                      <a:prstDash val="solid"/>
+                      <a:round/>
+                      <a:headEnd type="none" w="med" len="med"/>
+                      <a:tailEnd type="none" w="med" len="med"/>
+                    </a:lnB>
+                  </a:tcPr>
+                </a:tc>
+              </a:tr>
+              <a:tr h="1675824">
+                <a:tc>
+                  <a:txBody>
+                    <a:bodyPr/>
+                    <a:lstStyle/>
+                    <a:p>
+                      <a:pPr algn="ctr">
+                        <a:lnSpc>
+                          <a:spcPct val="150000"/>
+                        </a:lnSpc>
+                        <a:spcAft>
+                          <a:spcPts val="0"/>
+                        </a:spcAft>
+                      </a:pPr>
+                      <a:r>
+                        <a:rPr lang="uk-UA" sz="2000" dirty="0">
+                          <a:solidFill>
+                            <a:srgbClr val="FFC000"/>
+                          </a:solidFill>
+                          <a:latin typeface="Times New Roman"/>
+                          <a:ea typeface="Times New Roman"/>
+                        </a:rPr>
+                        <a:t>int</a:t>
+                      </a:r>
+                      <a:r>
+                        <a:rPr lang="uk-UA" sz="2000" dirty="0">
+                          <a:latin typeface="Times New Roman"/>
+                          <a:ea typeface="Times New Roman"/>
+                        </a:rPr>
+                        <a:t> </a:t>
+                      </a:r>
+                      <a:r>
+                        <a:rPr lang="uk-UA" sz="2000" dirty="0" err="1">
+                          <a:latin typeface="Times New Roman"/>
+                          <a:ea typeface="Times New Roman"/>
+                        </a:rPr>
+                        <a:t>SetBuffer</a:t>
+                      </a:r>
+                      <a:r>
+                        <a:rPr lang="uk-UA" sz="2000" dirty="0">
+                          <a:latin typeface="Times New Roman"/>
+                          <a:ea typeface="Times New Roman"/>
+                        </a:rPr>
+                        <a:t>(</a:t>
+                      </a:r>
+                      <a:r>
+                        <a:rPr lang="uk-UA" sz="2000" dirty="0" err="1">
+                          <a:solidFill>
+                            <a:srgbClr val="FFC000"/>
+                          </a:solidFill>
+                          <a:latin typeface="Times New Roman"/>
+                          <a:ea typeface="Times New Roman"/>
+                        </a:rPr>
+                        <a:t>SurfaceBuffer</a:t>
+                      </a:r>
+                      <a:r>
+                        <a:rPr lang="uk-UA" sz="2000" dirty="0">
+                          <a:latin typeface="Times New Roman"/>
+                          <a:ea typeface="Times New Roman"/>
+                        </a:rPr>
+                        <a:t> * </a:t>
+                      </a:r>
+                      <a:r>
+                        <a:rPr lang="en-US" sz="2000" dirty="0">
+                          <a:latin typeface="Times New Roman"/>
+                          <a:ea typeface="Times New Roman"/>
+                        </a:rPr>
+                        <a:t>buffer</a:t>
+                      </a:r>
+                      <a:r>
+                        <a:rPr lang="uk-UA" sz="2000" dirty="0">
+                          <a:latin typeface="Times New Roman"/>
+                          <a:ea typeface="Times New Roman"/>
+                        </a:rPr>
+                        <a:t>)</a:t>
+                      </a:r>
+                      <a:endParaRPr lang="ru-RU" sz="2000" dirty="0">
+                        <a:latin typeface="Times New Roman"/>
+                        <a:ea typeface="Times New Roman"/>
+                      </a:endParaRPr>
+                    </a:p>
+                  </a:txBody>
+                  <a:tcPr marL="68580" marR="68580" marT="0" marB="0" anchor="ctr">
+                    <a:lnL w="12700" cap="flat" cmpd="sng" algn="ctr">
+                      <a:solidFill>
+                        <a:srgbClr val="000000"/>
+                      </a:solidFill>
+                      <a:prstDash val="solid"/>
+                      <a:round/>
+                      <a:headEnd type="none" w="med" len="med"/>
+                      <a:tailEnd type="none" w="med" len="med"/>
+                    </a:lnL>
+                    <a:lnR w="12700" cap="flat" cmpd="sng" algn="ctr">
+                      <a:solidFill>
+                        <a:srgbClr val="000000"/>
+                      </a:solidFill>
+                      <a:prstDash val="solid"/>
+                      <a:round/>
+                      <a:headEnd type="none" w="med" len="med"/>
+                      <a:tailEnd type="none" w="med" len="med"/>
+                    </a:lnR>
+                    <a:lnT w="12700" cap="flat" cmpd="sng" algn="ctr">
+                      <a:solidFill>
+                        <a:srgbClr val="000000"/>
+                      </a:solidFill>
+                      <a:prstDash val="solid"/>
+                      <a:round/>
+                      <a:headEnd type="none" w="med" len="med"/>
+                      <a:tailEnd type="none" w="med" len="med"/>
+                    </a:lnT>
+                    <a:lnB w="12700" cap="flat" cmpd="sng" algn="ctr">
+                      <a:solidFill>
+                        <a:srgbClr val="000000"/>
+                      </a:solidFill>
+                      <a:prstDash val="solid"/>
+                      <a:round/>
+                      <a:headEnd type="none" w="med" len="med"/>
+                      <a:tailEnd type="none" w="med" len="med"/>
+                    </a:lnB>
+                  </a:tcPr>
+                </a:tc>
+                <a:tc>
+                  <a:txBody>
+                    <a:bodyPr/>
+                    <a:lstStyle/>
+                    <a:p>
+                      <a:pPr algn="just">
+                        <a:lnSpc>
+                          <a:spcPct val="100000"/>
+                        </a:lnSpc>
+                        <a:spcAft>
+                          <a:spcPts val="0"/>
+                        </a:spcAft>
+                      </a:pPr>
+                      <a:r>
+                        <a:rPr lang="uk-UA" sz="2000" dirty="0">
+                          <a:latin typeface="Times New Roman"/>
+                          <a:ea typeface="Times New Roman"/>
+                        </a:rPr>
+                        <a:t>Передача вказівника на буфер, який потрібно заповнити даними. Виклик цієї функції розпочинає процес вимірювань.</a:t>
+                      </a:r>
+                      <a:endParaRPr lang="ru-RU" sz="2000" dirty="0">
+                        <a:latin typeface="Times New Roman"/>
+                        <a:ea typeface="Times New Roman"/>
+                      </a:endParaRPr>
+                    </a:p>
+                  </a:txBody>
+                  <a:tcPr marL="68580" marR="68580" marT="0" marB="0">
+                    <a:lnL w="12700" cap="flat" cmpd="sng" algn="ctr">
+                      <a:solidFill>
+                        <a:srgbClr val="000000"/>
+                      </a:solidFill>
+                      <a:prstDash val="solid"/>
+                      <a:round/>
+                      <a:headEnd type="none" w="med" len="med"/>
+                      <a:tailEnd type="none" w="med" len="med"/>
+                    </a:lnL>
+                    <a:lnR w="12700" cap="flat" cmpd="sng" algn="ctr">
+                      <a:solidFill>
+                        <a:srgbClr val="000000"/>
+                      </a:solidFill>
+                      <a:prstDash val="solid"/>
+                      <a:round/>
+                      <a:headEnd type="none" w="med" len="med"/>
+                      <a:tailEnd type="none" w="med" len="med"/>
+                    </a:lnR>
+                    <a:lnT w="12700" cap="flat" cmpd="sng" algn="ctr">
+                      <a:solidFill>
+                        <a:srgbClr val="000000"/>
+                      </a:solidFill>
+                      <a:prstDash val="solid"/>
+                      <a:round/>
+                      <a:headEnd type="none" w="med" len="med"/>
+                      <a:tailEnd type="none" w="med" len="med"/>
+                    </a:lnT>
+                    <a:lnB w="12700" cap="flat" cmpd="sng" algn="ctr">
+                      <a:solidFill>
+                        <a:srgbClr val="000000"/>
+                      </a:solidFill>
+                      <a:prstDash val="solid"/>
+                      <a:round/>
+                      <a:headEnd type="none" w="med" len="med"/>
+                      <a:tailEnd type="none" w="med" len="med"/>
+                    </a:lnB>
+                  </a:tcPr>
+                </a:tc>
+              </a:tr>
+            </a:tbl>
+          </a:graphicData>
+        </a:graphic>
+      </p:graphicFrame>
     </p:spTree>
   </p:cSld>
   <p:clrMapOvr>
     <a:masterClrMapping/>
   </p:clrMapOvr>
+  <p:timing>
+    <p:tnLst>
+      <p:par>
+        <p:cTn id="1" dur="indefinite" restart="never" nodeType="tmRoot"/>
+      </p:par>
+    </p:tnLst>
+  </p:timing>
 </p:sld>
 </file>
 
@@ -3804,37 +4954,70 @@
             <p:ph type="title"/>
           </p:nvPr>
         </p:nvSpPr>
-        <p:spPr/>
+        <p:spPr>
+          <a:xfrm>
+            <a:off x="457200" y="274638"/>
+            <a:ext cx="8229600" cy="994122"/>
+          </a:xfrm>
+        </p:spPr>
         <p:txBody>
           <a:bodyPr/>
           <a:lstStyle/>
           <a:p>
             <a:r>
               <a:rPr lang="uk-UA" dirty="0" smtClean="0"/>
-              <a:t>Загальний вигляд</a:t>
+              <a:t>Алгоритм роботи драйвера</a:t>
             </a:r>
             <a:endParaRPr lang="ru-RU" dirty="0"/>
+          </a:p>
+        </p:txBody>
+      </p:sp>
+      <p:sp>
+        <p:nvSpPr>
+          <p:cNvPr id="4100" name="Rectangle 4"/>
+          <p:cNvSpPr>
+            <a:spLocks noChangeArrowheads="1"/>
+          </p:cNvSpPr>
+          <p:nvPr/>
+        </p:nvSpPr>
+        <p:spPr bwMode="auto">
+          <a:xfrm>
+            <a:off x="0" y="0"/>
+            <a:ext cx="9144000" cy="457200"/>
+          </a:xfrm>
+          <a:prstGeom prst="rect">
+            <a:avLst/>
+          </a:prstGeom>
+          <a:noFill/>
+          <a:ln w="9525">
+            <a:noFill/>
+            <a:miter lim="800000"/>
+            <a:headEnd/>
+            <a:tailEnd/>
+          </a:ln>
+          <a:effectLst/>
+        </p:spPr>
+        <p:txBody>
+          <a:bodyPr vert="horz" wrap="none" lIns="91440" tIns="45720" rIns="91440" bIns="45720" numCol="1" anchor="ctr" anchorCtr="0" compatLnSpc="1">
+            <a:prstTxWarp prst="textNoShape">
+              <a:avLst/>
+            </a:prstTxWarp>
+            <a:spAutoFit/>
+          </a:bodyPr>
+          <a:lstStyle/>
+          <a:p>
+            <a:endParaRPr lang="ru-RU"/>
           </a:p>
         </p:txBody>
       </p:sp>
       <p:pic>
         <p:nvPicPr>
-          <p:cNvPr id="4" name="Содержимое 3"/>
-          <p:cNvPicPr>
-            <a:picLocks noGrp="1"/>
-          </p:cNvPicPr>
-          <p:nvPr>
-            <p:ph idx="1"/>
-          </p:nvPr>
+          <p:cNvPr id="11" name="Рисунок 10"/>
+          <p:cNvPicPr/>
+          <p:nvPr/>
         </p:nvPicPr>
         <p:blipFill>
-          <a:blip r:embed="rId2" cstate="print">
-            <a:extLst>
-              <a:ext uri="{28A0092B-C50C-407E-A947-70E740481C1C}">
-                <a14:useLocalDpi xmlns="" xmlns:wpc="http://schemas.microsoft.com/office/word/2010/wordprocessingCanvas" xmlns:mc="http://schemas.openxmlformats.org/markup-compatibility/2006" xmlns:o="urn:schemas-microsoft-com:office:office" xmlns:m="http://schemas.openxmlformats.org/officeDocument/2006/math" xmlns:v="urn:schemas-microsoft-com:vml" xmlns:wp14="http://schemas.microsoft.com/office/word/2010/wordprocessingDrawing" xmlns:wp="http://schemas.openxmlformats.org/drawingml/2006/wordprocessingDrawing" xmlns:w10="urn:schemas-microsoft-com:office:word" xmlns:w="http://schemas.openxmlformats.org/wordprocessingml/2006/main" xmlns:w14="http://schemas.microsoft.com/office/word/2010/wordml" xmlns:wpg="http://schemas.microsoft.com/office/word/2010/wordprocessingGroup" xmlns:wpi="http://schemas.microsoft.com/office/word/2010/wordprocessingInk" xmlns:wne="http://schemas.microsoft.com/office/word/2006/wordml" xmlns:wps="http://schemas.microsoft.com/office/word/2010/wordprocessingShape" xmlns:a14="http://schemas.microsoft.com/office/drawing/2010/main" xmlns:pic="http://schemas.openxmlformats.org/drawingml/2006/picture" xmlns:lc="http://schemas.openxmlformats.org/drawingml/2006/lockedCanvas" val="0"/>
-              </a:ext>
-            </a:extLst>
-          </a:blip>
+          <a:blip r:embed="rId2" cstate="print"/>
           <a:srcRect/>
           <a:stretch>
             <a:fillRect/>
@@ -3842,23 +5025,117 @@
         </p:blipFill>
         <p:spPr bwMode="auto">
           <a:xfrm>
-            <a:off x="1604175" y="1600200"/>
-            <a:ext cx="5935650" cy="4708525"/>
+            <a:off x="323528" y="1916832"/>
+            <a:ext cx="8231255" cy="4752528"/>
           </a:xfrm>
           <a:prstGeom prst="rect">
             <a:avLst/>
           </a:prstGeom>
           <a:noFill/>
-          <a:ln>
+          <a:ln w="9525">
             <a:noFill/>
+            <a:miter lim="800000"/>
+            <a:headEnd/>
+            <a:tailEnd/>
           </a:ln>
         </p:spPr>
       </p:pic>
+      <p:sp>
+        <p:nvSpPr>
+          <p:cNvPr id="13" name="Скругленный прямоугольник 12"/>
+          <p:cNvSpPr/>
+          <p:nvPr/>
+        </p:nvSpPr>
+        <p:spPr>
+          <a:xfrm>
+            <a:off x="6588224" y="1412776"/>
+            <a:ext cx="1296144" cy="432048"/>
+          </a:xfrm>
+          <a:prstGeom prst="roundRect">
+            <a:avLst/>
+          </a:prstGeom>
+        </p:spPr>
+        <p:style>
+          <a:lnRef idx="1">
+            <a:schemeClr val="accent1"/>
+          </a:lnRef>
+          <a:fillRef idx="2">
+            <a:schemeClr val="accent1"/>
+          </a:fillRef>
+          <a:effectRef idx="1">
+            <a:schemeClr val="accent1"/>
+          </a:effectRef>
+          <a:fontRef idx="minor">
+            <a:schemeClr val="dk1"/>
+          </a:fontRef>
+        </p:style>
+        <p:txBody>
+          <a:bodyPr rtlCol="0" anchor="ctr"/>
+          <a:lstStyle/>
+          <a:p>
+            <a:pPr algn="ctr"/>
+            <a:r>
+              <a:rPr lang="uk-UA" sz="2400" dirty="0" smtClean="0"/>
+              <a:t>1</a:t>
+            </a:r>
+            <a:endParaRPr lang="ru-RU" sz="2400" dirty="0"/>
+          </a:p>
+        </p:txBody>
+      </p:sp>
+      <p:sp>
+        <p:nvSpPr>
+          <p:cNvPr id="16" name="Скругленный прямоугольник 15"/>
+          <p:cNvSpPr/>
+          <p:nvPr/>
+        </p:nvSpPr>
+        <p:spPr>
+          <a:xfrm>
+            <a:off x="3851920" y="1412776"/>
+            <a:ext cx="1296144" cy="432048"/>
+          </a:xfrm>
+          <a:prstGeom prst="roundRect">
+            <a:avLst/>
+          </a:prstGeom>
+        </p:spPr>
+        <p:style>
+          <a:lnRef idx="1">
+            <a:schemeClr val="accent1"/>
+          </a:lnRef>
+          <a:fillRef idx="2">
+            <a:schemeClr val="accent1"/>
+          </a:fillRef>
+          <a:effectRef idx="1">
+            <a:schemeClr val="accent1"/>
+          </a:effectRef>
+          <a:fontRef idx="minor">
+            <a:schemeClr val="dk1"/>
+          </a:fontRef>
+        </p:style>
+        <p:txBody>
+          <a:bodyPr rtlCol="0" anchor="ctr"/>
+          <a:lstStyle/>
+          <a:p>
+            <a:pPr algn="ctr"/>
+            <a:r>
+              <a:rPr lang="uk-UA" sz="2400" dirty="0" smtClean="0"/>
+              <a:t>2</a:t>
+            </a:r>
+            <a:endParaRPr lang="ru-RU" sz="2400" dirty="0"/>
+          </a:p>
+        </p:txBody>
+      </p:sp>
     </p:spTree>
   </p:cSld>
   <p:clrMapOvr>
     <a:masterClrMapping/>
   </p:clrMapOvr>
+  <p:timing>
+    <p:tnLst>
+      <p:par>
+        <p:cTn id="1" dur="indefinite" restart="never" nodeType="tmRoot"/>
+      </p:par>
+    </p:tnLst>
+  </p:timing>
 </p:sld>
 </file>
 
@@ -3881,7 +5158,7 @@
       </p:grpSpPr>
       <p:sp>
         <p:nvSpPr>
-          <p:cNvPr id="2" name="Заголовок 1"/>
+          <p:cNvPr id="5" name="Заголовок 4"/>
           <p:cNvSpPr>
             <a:spLocks noGrp="1"/>
           </p:cNvSpPr>
@@ -3891,25 +5168,122 @@
         </p:nvSpPr>
         <p:spPr/>
         <p:txBody>
+          <a:bodyPr>
+            <a:normAutofit fontScale="90000"/>
+          </a:bodyPr>
+          <a:lstStyle/>
+          <a:p>
+            <a:r>
+              <a:rPr lang="uk-UA" dirty="0" smtClean="0"/>
+              <a:t>Вершини в тривимірній графіці</a:t>
+            </a:r>
+            <a:endParaRPr lang="ru-RU" dirty="0"/>
+          </a:p>
+        </p:txBody>
+      </p:sp>
+      <p:sp>
+        <p:nvSpPr>
+          <p:cNvPr id="6" name="Содержимое 5"/>
+          <p:cNvSpPr>
+            <a:spLocks noGrp="1"/>
+          </p:cNvSpPr>
+          <p:nvPr>
+            <p:ph sz="half" idx="1"/>
+          </p:nvPr>
+        </p:nvSpPr>
+        <p:spPr>
+          <a:xfrm>
+            <a:off x="457200" y="1600201"/>
+            <a:ext cx="4038600" cy="2404864"/>
+          </a:xfrm>
+        </p:spPr>
+        <p:txBody>
           <a:bodyPr/>
           <a:lstStyle/>
           <a:p>
+            <a:pPr>
+              <a:buNone/>
+            </a:pPr>
             <a:r>
               <a:rPr lang="uk-UA" dirty="0" smtClean="0"/>
-              <a:t>Режим вибору точки</a:t>
-            </a:r>
+              <a:t>Структура вершини:</a:t>
+            </a:r>
+          </a:p>
+          <a:p>
+            <a:r>
+              <a:rPr lang="uk-UA" dirty="0" smtClean="0"/>
+              <a:t>Координати (</a:t>
+            </a:r>
+            <a:r>
+              <a:rPr lang="en-US" dirty="0" smtClean="0"/>
+              <a:t>x, y, z)</a:t>
+            </a:r>
+            <a:endParaRPr lang="uk-UA" dirty="0" smtClean="0"/>
+          </a:p>
+          <a:p>
+            <a:r>
+              <a:rPr lang="uk-UA" dirty="0" smtClean="0"/>
+              <a:t>Нормаль</a:t>
+            </a:r>
+            <a:r>
+              <a:rPr lang="uk-UA" dirty="0" smtClean="0"/>
+              <a:t> (</a:t>
+            </a:r>
+            <a:r>
+              <a:rPr lang="en-US" dirty="0" smtClean="0"/>
+              <a:t>x, y, z)</a:t>
+            </a:r>
+            <a:endParaRPr lang="uk-UA" dirty="0" smtClean="0"/>
+          </a:p>
+          <a:p>
+            <a:r>
+              <a:rPr lang="uk-UA" dirty="0" smtClean="0"/>
+              <a:t>Текстура</a:t>
+            </a:r>
+            <a:r>
+              <a:rPr lang="uk-UA" dirty="0" smtClean="0"/>
+              <a:t> (</a:t>
+            </a:r>
+            <a:r>
+              <a:rPr lang="en-US" dirty="0" smtClean="0"/>
+              <a:t>x, </a:t>
+            </a:r>
+            <a:r>
+              <a:rPr lang="en-US" dirty="0" smtClean="0"/>
+              <a:t>y)</a:t>
+            </a:r>
+            <a:endParaRPr lang="uk-UA" dirty="0" smtClean="0"/>
+          </a:p>
+          <a:p>
+            <a:r>
+              <a:rPr lang="uk-UA" dirty="0" smtClean="0"/>
+              <a:t>Колір </a:t>
+            </a:r>
+            <a:r>
+              <a:rPr lang="en-US" dirty="0" smtClean="0"/>
+              <a:t> (RGBA, 32 </a:t>
+            </a:r>
+            <a:r>
+              <a:rPr lang="uk-UA" dirty="0" smtClean="0"/>
+              <a:t>біти)</a:t>
+            </a:r>
+          </a:p>
+          <a:p>
+            <a:pPr>
+              <a:buNone/>
+            </a:pPr>
             <a:endParaRPr lang="ru-RU" dirty="0"/>
           </a:p>
         </p:txBody>
       </p:sp>
       <p:pic>
         <p:nvPicPr>
-          <p:cNvPr id="4" name="Содержимое 3"/>
+          <p:cNvPr id="34820" name="Picture 4" descr="D:\Diplom\temp\report\3d.png"/>
           <p:cNvPicPr>
-            <a:picLocks noGrp="1"/>
+            <a:picLocks noGrp="1" noChangeAspect="1" noChangeArrowheads="1"/>
           </p:cNvPicPr>
           <p:nvPr>
-            <p:ph idx="1"/>
+            <p:ph sz="half" idx="2"/>
           </p:nvPr>
         </p:nvPicPr>
         <p:blipFill>
@@ -3921,19 +5295,13 @@
         </p:blipFill>
         <p:spPr bwMode="auto">
           <a:xfrm>
-            <a:off x="1583983" y="1600200"/>
-            <a:ext cx="5976034" cy="4708525"/>
+            <a:off x="683568" y="3872776"/>
+            <a:ext cx="7931224" cy="2985224"/>
           </a:xfrm>
           <a:prstGeom prst="rect">
             <a:avLst/>
           </a:prstGeom>
           <a:noFill/>
-          <a:ln w="9525">
-            <a:noFill/>
-            <a:miter lim="800000"/>
-            <a:headEnd/>
-            <a:tailEnd/>
-          </a:ln>
         </p:spPr>
       </p:pic>
     </p:spTree>
@@ -3941,6 +5309,13 @@
   <p:clrMapOvr>
     <a:masterClrMapping/>
   </p:clrMapOvr>
+  <p:timing>
+    <p:tnLst>
+      <p:par>
+        <p:cTn id="1" dur="indefinite" restart="never" nodeType="tmRoot"/>
+      </p:par>
+    </p:tnLst>
+  </p:timing>
 </p:sld>
 </file>
 
@@ -3978,7 +5353,655 @@
           <a:p>
             <a:r>
               <a:rPr lang="uk-UA" dirty="0" smtClean="0"/>
-              <a:t>Інтерфейс користувача</a:t>
+              <a:t>Індекси</a:t>
+            </a:r>
+            <a:endParaRPr lang="ru-RU" dirty="0"/>
+          </a:p>
+        </p:txBody>
+      </p:sp>
+      <p:pic>
+        <p:nvPicPr>
+          <p:cNvPr id="5" name="Рисунок 4" descr="C:\Documents and Settings\9Lives\Мои документы\Мои рисунки\diplom\oktaedr.png"/>
+          <p:cNvPicPr/>
+          <p:nvPr/>
+        </p:nvPicPr>
+        <p:blipFill>
+          <a:blip r:embed="rId2" cstate="print"/>
+          <a:srcRect/>
+          <a:stretch>
+            <a:fillRect/>
+          </a:stretch>
+        </p:blipFill>
+        <p:spPr bwMode="auto">
+          <a:xfrm>
+            <a:off x="2771800" y="4992185"/>
+            <a:ext cx="3816424" cy="1865815"/>
+          </a:xfrm>
+          <a:prstGeom prst="rect">
+            <a:avLst/>
+          </a:prstGeom>
+          <a:noFill/>
+          <a:ln w="9525">
+            <a:noFill/>
+            <a:miter lim="800000"/>
+            <a:headEnd/>
+            <a:tailEnd/>
+          </a:ln>
+        </p:spPr>
+      </p:pic>
+      <p:sp>
+        <p:nvSpPr>
+          <p:cNvPr id="22530" name="Rectangle 2"/>
+          <p:cNvSpPr>
+            <a:spLocks noChangeArrowheads="1"/>
+          </p:cNvSpPr>
+          <p:nvPr/>
+        </p:nvSpPr>
+        <p:spPr bwMode="auto">
+          <a:xfrm>
+            <a:off x="0" y="0"/>
+            <a:ext cx="9144000" cy="457200"/>
+          </a:xfrm>
+          <a:prstGeom prst="rect">
+            <a:avLst/>
+          </a:prstGeom>
+          <a:noFill/>
+          <a:ln w="9525">
+            <a:noFill/>
+            <a:miter lim="800000"/>
+            <a:headEnd/>
+            <a:tailEnd/>
+          </a:ln>
+          <a:effectLst/>
+        </p:spPr>
+        <p:txBody>
+          <a:bodyPr vert="horz" wrap="none" lIns="91440" tIns="45720" rIns="91440" bIns="45720" numCol="1" anchor="ctr" anchorCtr="0" compatLnSpc="1">
+            <a:prstTxWarp prst="textNoShape">
+              <a:avLst/>
+            </a:prstTxWarp>
+            <a:spAutoFit/>
+          </a:bodyPr>
+          <a:lstStyle/>
+          <a:p>
+            <a:endParaRPr lang="ru-RU"/>
+          </a:p>
+        </p:txBody>
+      </p:sp>
+      <p:sp>
+        <p:nvSpPr>
+          <p:cNvPr id="22533" name="Rectangle 5"/>
+          <p:cNvSpPr>
+            <a:spLocks noChangeArrowheads="1"/>
+          </p:cNvSpPr>
+          <p:nvPr/>
+        </p:nvSpPr>
+        <p:spPr bwMode="auto">
+          <a:xfrm>
+            <a:off x="0" y="0"/>
+            <a:ext cx="9144000" cy="457200"/>
+          </a:xfrm>
+          <a:prstGeom prst="rect">
+            <a:avLst/>
+          </a:prstGeom>
+          <a:noFill/>
+          <a:ln w="9525">
+            <a:noFill/>
+            <a:miter lim="800000"/>
+            <a:headEnd/>
+            <a:tailEnd/>
+          </a:ln>
+          <a:effectLst/>
+        </p:spPr>
+        <p:txBody>
+          <a:bodyPr vert="horz" wrap="none" lIns="91440" tIns="45720" rIns="91440" bIns="45720" numCol="1" anchor="ctr" anchorCtr="0" compatLnSpc="1">
+            <a:prstTxWarp prst="textNoShape">
+              <a:avLst/>
+            </a:prstTxWarp>
+            <a:spAutoFit/>
+          </a:bodyPr>
+          <a:lstStyle/>
+          <a:p>
+            <a:endParaRPr lang="ru-RU"/>
+          </a:p>
+        </p:txBody>
+      </p:sp>
+      <p:sp>
+        <p:nvSpPr>
+          <p:cNvPr id="22535" name="Rectangle 7"/>
+          <p:cNvSpPr>
+            <a:spLocks noChangeArrowheads="1"/>
+          </p:cNvSpPr>
+          <p:nvPr/>
+        </p:nvSpPr>
+        <p:spPr bwMode="auto">
+          <a:xfrm>
+            <a:off x="0" y="0"/>
+            <a:ext cx="9144000" cy="457200"/>
+          </a:xfrm>
+          <a:prstGeom prst="rect">
+            <a:avLst/>
+          </a:prstGeom>
+          <a:noFill/>
+          <a:ln w="9525">
+            <a:noFill/>
+            <a:miter lim="800000"/>
+            <a:headEnd/>
+            <a:tailEnd/>
+          </a:ln>
+          <a:effectLst/>
+        </p:spPr>
+        <p:txBody>
+          <a:bodyPr vert="horz" wrap="none" lIns="91440" tIns="45720" rIns="91440" bIns="45720" numCol="1" anchor="ctr" anchorCtr="0" compatLnSpc="1">
+            <a:prstTxWarp prst="textNoShape">
+              <a:avLst/>
+            </a:prstTxWarp>
+            <a:spAutoFit/>
+          </a:bodyPr>
+          <a:lstStyle/>
+          <a:p>
+            <a:endParaRPr lang="ru-RU"/>
+          </a:p>
+        </p:txBody>
+      </p:sp>
+      <p:sp>
+        <p:nvSpPr>
+          <p:cNvPr id="22537" name="Rectangle 9"/>
+          <p:cNvSpPr>
+            <a:spLocks noChangeArrowheads="1"/>
+          </p:cNvSpPr>
+          <p:nvPr/>
+        </p:nvSpPr>
+        <p:spPr bwMode="auto">
+          <a:xfrm>
+            <a:off x="0" y="0"/>
+            <a:ext cx="9144000" cy="457200"/>
+          </a:xfrm>
+          <a:prstGeom prst="rect">
+            <a:avLst/>
+          </a:prstGeom>
+          <a:noFill/>
+          <a:ln w="9525">
+            <a:noFill/>
+            <a:miter lim="800000"/>
+            <a:headEnd/>
+            <a:tailEnd/>
+          </a:ln>
+          <a:effectLst/>
+        </p:spPr>
+        <p:txBody>
+          <a:bodyPr vert="horz" wrap="none" lIns="91440" tIns="45720" rIns="91440" bIns="45720" numCol="1" anchor="ctr" anchorCtr="0" compatLnSpc="1">
+            <a:prstTxWarp prst="textNoShape">
+              <a:avLst/>
+            </a:prstTxWarp>
+            <a:spAutoFit/>
+          </a:bodyPr>
+          <a:lstStyle/>
+          <a:p>
+            <a:endParaRPr lang="ru-RU"/>
+          </a:p>
+        </p:txBody>
+      </p:sp>
+      <p:sp>
+        <p:nvSpPr>
+          <p:cNvPr id="22539" name="Rectangle 11"/>
+          <p:cNvSpPr>
+            <a:spLocks noChangeArrowheads="1"/>
+          </p:cNvSpPr>
+          <p:nvPr/>
+        </p:nvSpPr>
+        <p:spPr bwMode="auto">
+          <a:xfrm>
+            <a:off x="0" y="0"/>
+            <a:ext cx="9144000" cy="457200"/>
+          </a:xfrm>
+          <a:prstGeom prst="rect">
+            <a:avLst/>
+          </a:prstGeom>
+          <a:noFill/>
+          <a:ln w="9525">
+            <a:noFill/>
+            <a:miter lim="800000"/>
+            <a:headEnd/>
+            <a:tailEnd/>
+          </a:ln>
+          <a:effectLst/>
+        </p:spPr>
+        <p:txBody>
+          <a:bodyPr vert="horz" wrap="none" lIns="91440" tIns="45720" rIns="91440" bIns="45720" numCol="1" anchor="ctr" anchorCtr="0" compatLnSpc="1">
+            <a:prstTxWarp prst="textNoShape">
+              <a:avLst/>
+            </a:prstTxWarp>
+            <a:spAutoFit/>
+          </a:bodyPr>
+          <a:lstStyle/>
+          <a:p>
+            <a:endParaRPr lang="ru-RU"/>
+          </a:p>
+        </p:txBody>
+      </p:sp>
+      <p:pic>
+        <p:nvPicPr>
+          <p:cNvPr id="22538" name="Рисунок 17"/>
+          <p:cNvPicPr>
+            <a:picLocks noChangeAspect="1" noChangeArrowheads="1"/>
+          </p:cNvPicPr>
+          <p:nvPr/>
+        </p:nvPicPr>
+        <p:blipFill>
+          <a:blip r:embed="rId3" cstate="print"/>
+          <a:srcRect/>
+          <a:stretch>
+            <a:fillRect/>
+          </a:stretch>
+        </p:blipFill>
+        <p:spPr bwMode="auto">
+          <a:xfrm>
+            <a:off x="1475656" y="1628800"/>
+            <a:ext cx="6264696" cy="3408732"/>
+          </a:xfrm>
+          <a:prstGeom prst="rect">
+            <a:avLst/>
+          </a:prstGeom>
+          <a:noFill/>
+        </p:spPr>
+      </p:pic>
+    </p:spTree>
+  </p:cSld>
+  <p:clrMapOvr>
+    <a:masterClrMapping/>
+  </p:clrMapOvr>
+  <p:timing>
+    <p:tnLst>
+      <p:par>
+        <p:cTn id="1" dur="indefinite" restart="never" nodeType="tmRoot"/>
+      </p:par>
+    </p:tnLst>
+  </p:timing>
+</p:sld>
+</file>
+
+<file path=ppt/slides/slide15.xml><?xml version="1.0" encoding="utf-8"?>
+<p:sld xmlns:a="http://schemas.openxmlformats.org/drawingml/2006/main" xmlns:r="http://schemas.openxmlformats.org/officeDocument/2006/relationships" xmlns:p="http://schemas.openxmlformats.org/presentationml/2006/main">
+  <p:cSld>
+    <p:spTree>
+      <p:nvGrpSpPr>
+        <p:cNvPr id="1" name=""/>
+        <p:cNvGrpSpPr/>
+        <p:nvPr/>
+      </p:nvGrpSpPr>
+      <p:grpSpPr>
+        <a:xfrm>
+          <a:off x="0" y="0"/>
+          <a:ext cx="0" cy="0"/>
+          <a:chOff x="0" y="0"/>
+          <a:chExt cx="0" cy="0"/>
+        </a:xfrm>
+      </p:grpSpPr>
+      <p:sp>
+        <p:nvSpPr>
+          <p:cNvPr id="2" name="Заголовок 1"/>
+          <p:cNvSpPr>
+            <a:spLocks noGrp="1"/>
+          </p:cNvSpPr>
+          <p:nvPr>
+            <p:ph type="title"/>
+          </p:nvPr>
+        </p:nvSpPr>
+        <p:spPr>
+          <a:xfrm>
+            <a:off x="457200" y="274638"/>
+            <a:ext cx="5554960" cy="1143000"/>
+          </a:xfrm>
+        </p:spPr>
+        <p:txBody>
+          <a:bodyPr>
+            <a:normAutofit fontScale="90000"/>
+          </a:bodyPr>
+          <a:lstStyle/>
+          <a:p>
+            <a:r>
+              <a:rPr lang="uk-UA" dirty="0" smtClean="0"/>
+              <a:t>Алгоритм побудови поверхні</a:t>
+            </a:r>
+            <a:endParaRPr lang="ru-RU" dirty="0"/>
+          </a:p>
+        </p:txBody>
+      </p:sp>
+      <p:sp>
+        <p:nvSpPr>
+          <p:cNvPr id="21506" name="Rectangle 2"/>
+          <p:cNvSpPr>
+            <a:spLocks noChangeArrowheads="1"/>
+          </p:cNvSpPr>
+          <p:nvPr/>
+        </p:nvSpPr>
+        <p:spPr bwMode="auto">
+          <a:xfrm>
+            <a:off x="0" y="0"/>
+            <a:ext cx="9144000" cy="457200"/>
+          </a:xfrm>
+          <a:prstGeom prst="rect">
+            <a:avLst/>
+          </a:prstGeom>
+          <a:noFill/>
+          <a:ln w="9525">
+            <a:noFill/>
+            <a:miter lim="800000"/>
+            <a:headEnd/>
+            <a:tailEnd/>
+          </a:ln>
+          <a:effectLst/>
+        </p:spPr>
+        <p:txBody>
+          <a:bodyPr vert="horz" wrap="none" lIns="91440" tIns="45720" rIns="91440" bIns="45720" numCol="1" anchor="ctr" anchorCtr="0" compatLnSpc="1">
+            <a:prstTxWarp prst="textNoShape">
+              <a:avLst/>
+            </a:prstTxWarp>
+            <a:spAutoFit/>
+          </a:bodyPr>
+          <a:lstStyle/>
+          <a:p>
+            <a:endParaRPr lang="ru-RU"/>
+          </a:p>
+        </p:txBody>
+      </p:sp>
+      <p:sp>
+        <p:nvSpPr>
+          <p:cNvPr id="21508" name="Rectangle 4"/>
+          <p:cNvSpPr>
+            <a:spLocks noChangeArrowheads="1"/>
+          </p:cNvSpPr>
+          <p:nvPr/>
+        </p:nvSpPr>
+        <p:spPr bwMode="auto">
+          <a:xfrm>
+            <a:off x="0" y="0"/>
+            <a:ext cx="9144000" cy="457200"/>
+          </a:xfrm>
+          <a:prstGeom prst="rect">
+            <a:avLst/>
+          </a:prstGeom>
+          <a:noFill/>
+          <a:ln w="9525">
+            <a:noFill/>
+            <a:miter lim="800000"/>
+            <a:headEnd/>
+            <a:tailEnd/>
+          </a:ln>
+          <a:effectLst/>
+        </p:spPr>
+        <p:txBody>
+          <a:bodyPr vert="horz" wrap="none" lIns="91440" tIns="45720" rIns="91440" bIns="45720" numCol="1" anchor="ctr" anchorCtr="0" compatLnSpc="1">
+            <a:prstTxWarp prst="textNoShape">
+              <a:avLst/>
+            </a:prstTxWarp>
+            <a:spAutoFit/>
+          </a:bodyPr>
+          <a:lstStyle/>
+          <a:p>
+            <a:endParaRPr lang="ru-RU"/>
+          </a:p>
+        </p:txBody>
+      </p:sp>
+      <p:sp>
+        <p:nvSpPr>
+          <p:cNvPr id="21510" name="Rectangle 6"/>
+          <p:cNvSpPr>
+            <a:spLocks noChangeArrowheads="1"/>
+          </p:cNvSpPr>
+          <p:nvPr/>
+        </p:nvSpPr>
+        <p:spPr bwMode="auto">
+          <a:xfrm>
+            <a:off x="0" y="0"/>
+            <a:ext cx="9144000" cy="457200"/>
+          </a:xfrm>
+          <a:prstGeom prst="rect">
+            <a:avLst/>
+          </a:prstGeom>
+          <a:noFill/>
+          <a:ln w="9525">
+            <a:noFill/>
+            <a:miter lim="800000"/>
+            <a:headEnd/>
+            <a:tailEnd/>
+          </a:ln>
+          <a:effectLst/>
+        </p:spPr>
+        <p:txBody>
+          <a:bodyPr vert="horz" wrap="none" lIns="91440" tIns="45720" rIns="91440" bIns="45720" numCol="1" anchor="ctr" anchorCtr="0" compatLnSpc="1">
+            <a:prstTxWarp prst="textNoShape">
+              <a:avLst/>
+            </a:prstTxWarp>
+            <a:spAutoFit/>
+          </a:bodyPr>
+          <a:lstStyle/>
+          <a:p>
+            <a:endParaRPr lang="ru-RU"/>
+          </a:p>
+        </p:txBody>
+      </p:sp>
+      <p:sp>
+        <p:nvSpPr>
+          <p:cNvPr id="21512" name="Rectangle 8"/>
+          <p:cNvSpPr>
+            <a:spLocks noChangeArrowheads="1"/>
+          </p:cNvSpPr>
+          <p:nvPr/>
+        </p:nvSpPr>
+        <p:spPr bwMode="auto">
+          <a:xfrm>
+            <a:off x="0" y="0"/>
+            <a:ext cx="9144000" cy="457200"/>
+          </a:xfrm>
+          <a:prstGeom prst="rect">
+            <a:avLst/>
+          </a:prstGeom>
+          <a:noFill/>
+          <a:ln w="9525">
+            <a:noFill/>
+            <a:miter lim="800000"/>
+            <a:headEnd/>
+            <a:tailEnd/>
+          </a:ln>
+          <a:effectLst/>
+        </p:spPr>
+        <p:txBody>
+          <a:bodyPr vert="horz" wrap="none" lIns="91440" tIns="45720" rIns="91440" bIns="45720" numCol="1" anchor="ctr" anchorCtr="0" compatLnSpc="1">
+            <a:prstTxWarp prst="textNoShape">
+              <a:avLst/>
+            </a:prstTxWarp>
+            <a:spAutoFit/>
+          </a:bodyPr>
+          <a:lstStyle/>
+          <a:p>
+            <a:endParaRPr lang="ru-RU"/>
+          </a:p>
+        </p:txBody>
+      </p:sp>
+      <p:pic>
+        <p:nvPicPr>
+          <p:cNvPr id="21511" name="Рисунок 9"/>
+          <p:cNvPicPr>
+            <a:picLocks noChangeAspect="1" noChangeArrowheads="1"/>
+          </p:cNvPicPr>
+          <p:nvPr/>
+        </p:nvPicPr>
+        <p:blipFill>
+          <a:blip r:embed="rId2" cstate="print"/>
+          <a:srcRect/>
+          <a:stretch>
+            <a:fillRect/>
+          </a:stretch>
+        </p:blipFill>
+        <p:spPr bwMode="auto">
+          <a:xfrm>
+            <a:off x="2987824" y="332656"/>
+            <a:ext cx="5943600" cy="6305550"/>
+          </a:xfrm>
+          <a:prstGeom prst="rect">
+            <a:avLst/>
+          </a:prstGeom>
+          <a:noFill/>
+        </p:spPr>
+      </p:pic>
+      <p:pic>
+        <p:nvPicPr>
+          <p:cNvPr id="21513" name="Picture 9" descr="D:\Diplom\temp\report\mass.png"/>
+          <p:cNvPicPr>
+            <a:picLocks noChangeAspect="1" noChangeArrowheads="1"/>
+          </p:cNvPicPr>
+          <p:nvPr/>
+        </p:nvPicPr>
+        <p:blipFill>
+          <a:blip r:embed="rId3" cstate="print"/>
+          <a:srcRect/>
+          <a:stretch>
+            <a:fillRect/>
+          </a:stretch>
+        </p:blipFill>
+        <p:spPr bwMode="auto">
+          <a:xfrm>
+            <a:off x="539552" y="3140968"/>
+            <a:ext cx="4000501" cy="3517900"/>
+          </a:xfrm>
+          <a:prstGeom prst="rect">
+            <a:avLst/>
+          </a:prstGeom>
+          <a:noFill/>
+        </p:spPr>
+      </p:pic>
+    </p:spTree>
+  </p:cSld>
+  <p:clrMapOvr>
+    <a:masterClrMapping/>
+  </p:clrMapOvr>
+  <p:timing>
+    <p:tnLst>
+      <p:par>
+        <p:cTn id="1" dur="indefinite" restart="never" nodeType="tmRoot"/>
+      </p:par>
+    </p:tnLst>
+  </p:timing>
+</p:sld>
+</file>
+
+<file path=ppt/slides/slide16.xml><?xml version="1.0" encoding="utf-8"?>
+<p:sld xmlns:a="http://schemas.openxmlformats.org/drawingml/2006/main" xmlns:r="http://schemas.openxmlformats.org/officeDocument/2006/relationships" xmlns:p="http://schemas.openxmlformats.org/presentationml/2006/main">
+  <p:cSld>
+    <p:spTree>
+      <p:nvGrpSpPr>
+        <p:cNvPr id="1" name=""/>
+        <p:cNvGrpSpPr/>
+        <p:nvPr/>
+      </p:nvGrpSpPr>
+      <p:grpSpPr>
+        <a:xfrm>
+          <a:off x="0" y="0"/>
+          <a:ext cx="0" cy="0"/>
+          <a:chOff x="0" y="0"/>
+          <a:chExt cx="0" cy="0"/>
+        </a:xfrm>
+      </p:grpSpPr>
+      <p:sp>
+        <p:nvSpPr>
+          <p:cNvPr id="2" name="Заголовок 1"/>
+          <p:cNvSpPr>
+            <a:spLocks noGrp="1"/>
+          </p:cNvSpPr>
+          <p:nvPr>
+            <p:ph type="title"/>
+          </p:nvPr>
+        </p:nvSpPr>
+        <p:spPr/>
+        <p:txBody>
+          <a:bodyPr/>
+          <a:lstStyle/>
+          <a:p>
+            <a:r>
+              <a:rPr lang="uk-UA" dirty="0" smtClean="0"/>
+              <a:t>Використання сітки</a:t>
+            </a:r>
+            <a:endParaRPr lang="ru-RU" dirty="0"/>
+          </a:p>
+        </p:txBody>
+      </p:sp>
+      <p:pic>
+        <p:nvPicPr>
+          <p:cNvPr id="35843" name="Picture 3" descr="D:\Diplom\TempDocs\Report\gird.png"/>
+          <p:cNvPicPr>
+            <a:picLocks noChangeAspect="1" noChangeArrowheads="1"/>
+          </p:cNvPicPr>
+          <p:nvPr/>
+        </p:nvPicPr>
+        <p:blipFill>
+          <a:blip r:embed="rId2" cstate="print"/>
+          <a:srcRect/>
+          <a:stretch>
+            <a:fillRect/>
+          </a:stretch>
+        </p:blipFill>
+        <p:spPr bwMode="auto">
+          <a:xfrm>
+            <a:off x="395536" y="2132856"/>
+            <a:ext cx="8291513" cy="3390900"/>
+          </a:xfrm>
+          <a:prstGeom prst="rect">
+            <a:avLst/>
+          </a:prstGeom>
+          <a:noFill/>
+        </p:spPr>
+      </p:pic>
+    </p:spTree>
+  </p:cSld>
+  <p:clrMapOvr>
+    <a:masterClrMapping/>
+  </p:clrMapOvr>
+  <p:timing>
+    <p:tnLst>
+      <p:par>
+        <p:cTn id="1" dur="indefinite" restart="never" nodeType="tmRoot"/>
+      </p:par>
+    </p:tnLst>
+  </p:timing>
+</p:sld>
+</file>
+
+<file path=ppt/slides/slide17.xml><?xml version="1.0" encoding="utf-8"?>
+<p:sld xmlns:a="http://schemas.openxmlformats.org/drawingml/2006/main" xmlns:r="http://schemas.openxmlformats.org/officeDocument/2006/relationships" xmlns:p="http://schemas.openxmlformats.org/presentationml/2006/main">
+  <p:cSld>
+    <p:spTree>
+      <p:nvGrpSpPr>
+        <p:cNvPr id="1" name=""/>
+        <p:cNvGrpSpPr/>
+        <p:nvPr/>
+      </p:nvGrpSpPr>
+      <p:grpSpPr>
+        <a:xfrm>
+          <a:off x="0" y="0"/>
+          <a:ext cx="0" cy="0"/>
+          <a:chOff x="0" y="0"/>
+          <a:chExt cx="0" cy="0"/>
+        </a:xfrm>
+      </p:grpSpPr>
+      <p:sp>
+        <p:nvSpPr>
+          <p:cNvPr id="2" name="Заголовок 1"/>
+          <p:cNvSpPr>
+            <a:spLocks noGrp="1"/>
+          </p:cNvSpPr>
+          <p:nvPr>
+            <p:ph type="title"/>
+          </p:nvPr>
+        </p:nvSpPr>
+        <p:spPr/>
+        <p:txBody>
+          <a:bodyPr/>
+          <a:lstStyle/>
+          <a:p>
+            <a:r>
+              <a:rPr lang="uk-UA" dirty="0" smtClean="0"/>
+              <a:t>Загальний вигляд</a:t>
             </a:r>
             <a:endParaRPr lang="ru-RU" dirty="0"/>
           </a:p>
@@ -3995,8 +6018,185 @@
           </p:nvPr>
         </p:nvPicPr>
         <p:blipFill>
+          <a:blip r:embed="rId2" cstate="print">
+            <a:extLst>
+              <a:ext uri="{28A0092B-C50C-407E-A947-70E740481C1C}">
+                <a14:useLocalDpi xmlns:lc="http://schemas.openxmlformats.org/drawingml/2006/lockedCanvas" xmlns:pic="http://schemas.openxmlformats.org/drawingml/2006/picture" xmlns:a14="http://schemas.microsoft.com/office/drawing/2010/main" xmlns:wps="http://schemas.microsoft.com/office/word/2010/wordprocessingShape" xmlns:wne="http://schemas.microsoft.com/office/word/2006/wordml" xmlns:wpi="http://schemas.microsoft.com/office/word/2010/wordprocessingInk" xmlns:wpg="http://schemas.microsoft.com/office/word/2010/wordprocessingGroup" xmlns:w14="http://schemas.microsoft.com/office/word/2010/wordml" xmlns:w="http://schemas.openxmlformats.org/wordprocessingml/2006/main" xmlns:w10="urn:schemas-microsoft-com:office:word" xmlns:wp="http://schemas.openxmlformats.org/drawingml/2006/wordprocessingDrawing" xmlns:wp14="http://schemas.microsoft.com/office/word/2010/wordprocessingDrawing" xmlns:v="urn:schemas-microsoft-com:vml" xmlns:m="http://schemas.openxmlformats.org/officeDocument/2006/math" xmlns:o="urn:schemas-microsoft-com:office:office" xmlns:mc="http://schemas.openxmlformats.org/markup-compatibility/2006" xmlns:wpc="http://schemas.microsoft.com/office/word/2010/wordprocessingCanvas" xmlns="" val="0"/>
+              </a:ext>
+            </a:extLst>
+          </a:blip>
+          <a:stretch>
+            <a:fillRect/>
+          </a:stretch>
+        </p:blipFill>
+        <p:spPr bwMode="auto">
+          <a:xfrm>
+            <a:off x="1403648" y="1412776"/>
+            <a:ext cx="6208724" cy="4925144"/>
+          </a:xfrm>
+          <a:prstGeom prst="rect">
+            <a:avLst/>
+          </a:prstGeom>
+          <a:noFill/>
+          <a:ln>
+            <a:noFill/>
+          </a:ln>
+        </p:spPr>
+      </p:pic>
+    </p:spTree>
+  </p:cSld>
+  <p:clrMapOvr>
+    <a:masterClrMapping/>
+  </p:clrMapOvr>
+  <p:timing>
+    <p:tnLst>
+      <p:par>
+        <p:cTn id="1" dur="indefinite" restart="never" nodeType="tmRoot"/>
+      </p:par>
+    </p:tnLst>
+  </p:timing>
+</p:sld>
+</file>
+
+<file path=ppt/slides/slide18.xml><?xml version="1.0" encoding="utf-8"?>
+<p:sld xmlns:a="http://schemas.openxmlformats.org/drawingml/2006/main" xmlns:r="http://schemas.openxmlformats.org/officeDocument/2006/relationships" xmlns:p="http://schemas.openxmlformats.org/presentationml/2006/main">
+  <p:cSld>
+    <p:spTree>
+      <p:nvGrpSpPr>
+        <p:cNvPr id="1" name=""/>
+        <p:cNvGrpSpPr/>
+        <p:nvPr/>
+      </p:nvGrpSpPr>
+      <p:grpSpPr>
+        <a:xfrm>
+          <a:off x="0" y="0"/>
+          <a:ext cx="0" cy="0"/>
+          <a:chOff x="0" y="0"/>
+          <a:chExt cx="0" cy="0"/>
+        </a:xfrm>
+      </p:grpSpPr>
+      <p:sp>
+        <p:nvSpPr>
+          <p:cNvPr id="2" name="Заголовок 1"/>
+          <p:cNvSpPr>
+            <a:spLocks noGrp="1"/>
+          </p:cNvSpPr>
+          <p:nvPr>
+            <p:ph type="title"/>
+          </p:nvPr>
+        </p:nvSpPr>
+        <p:spPr/>
+        <p:txBody>
+          <a:bodyPr/>
+          <a:lstStyle/>
+          <a:p>
+            <a:r>
+              <a:rPr lang="uk-UA" dirty="0" smtClean="0"/>
+              <a:t>Режим вибору точки</a:t>
+            </a:r>
+            <a:endParaRPr lang="ru-RU" dirty="0"/>
+          </a:p>
+        </p:txBody>
+      </p:sp>
+      <p:pic>
+        <p:nvPicPr>
+          <p:cNvPr id="6" name="Рисунок 5"/>
+          <p:cNvPicPr/>
+          <p:nvPr/>
+        </p:nvPicPr>
+        <p:blipFill>
+          <a:blip r:embed="rId2" cstate="print">
+            <a:lum/>
+          </a:blip>
+          <a:srcRect/>
+          <a:stretch>
+            <a:fillRect/>
+          </a:stretch>
+        </p:blipFill>
+        <p:spPr bwMode="auto">
+          <a:xfrm>
+            <a:off x="1351005" y="1412776"/>
+            <a:ext cx="6245331" cy="4921738"/>
+          </a:xfrm>
+          <a:prstGeom prst="rect">
+            <a:avLst/>
+          </a:prstGeom>
+          <a:noFill/>
+          <a:ln w="9525">
+            <a:noFill/>
+            <a:miter lim="800000"/>
+            <a:headEnd/>
+            <a:tailEnd/>
+          </a:ln>
+        </p:spPr>
+      </p:pic>
+    </p:spTree>
+  </p:cSld>
+  <p:clrMapOvr>
+    <a:masterClrMapping/>
+  </p:clrMapOvr>
+  <p:timing>
+    <p:tnLst>
+      <p:par>
+        <p:cTn id="1" dur="indefinite" restart="never" nodeType="tmRoot"/>
+      </p:par>
+    </p:tnLst>
+  </p:timing>
+</p:sld>
+</file>
+
+<file path=ppt/slides/slide19.xml><?xml version="1.0" encoding="utf-8"?>
+<p:sld xmlns:a="http://schemas.openxmlformats.org/drawingml/2006/main" xmlns:r="http://schemas.openxmlformats.org/officeDocument/2006/relationships" xmlns:p="http://schemas.openxmlformats.org/presentationml/2006/main">
+  <p:cSld>
+    <p:spTree>
+      <p:nvGrpSpPr>
+        <p:cNvPr id="1" name=""/>
+        <p:cNvGrpSpPr/>
+        <p:nvPr/>
+      </p:nvGrpSpPr>
+      <p:grpSpPr>
+        <a:xfrm>
+          <a:off x="0" y="0"/>
+          <a:ext cx="0" cy="0"/>
+          <a:chOff x="0" y="0"/>
+          <a:chExt cx="0" cy="0"/>
+        </a:xfrm>
+      </p:grpSpPr>
+      <p:sp>
+        <p:nvSpPr>
+          <p:cNvPr id="2" name="Заголовок 1"/>
+          <p:cNvSpPr>
+            <a:spLocks noGrp="1"/>
+          </p:cNvSpPr>
+          <p:nvPr>
+            <p:ph type="title"/>
+          </p:nvPr>
+        </p:nvSpPr>
+        <p:spPr/>
+        <p:txBody>
+          <a:bodyPr/>
+          <a:lstStyle/>
+          <a:p>
+            <a:r>
+              <a:rPr lang="uk-UA" dirty="0" smtClean="0"/>
+              <a:t>Інтерфейс користувача</a:t>
+            </a:r>
+            <a:endParaRPr lang="ru-RU" dirty="0"/>
+          </a:p>
+        </p:txBody>
+      </p:sp>
+      <p:pic>
+        <p:nvPicPr>
+          <p:cNvPr id="4" name="Содержимое 3"/>
+          <p:cNvPicPr>
+            <a:picLocks noGrp="1"/>
+          </p:cNvPicPr>
+          <p:nvPr>
+            <p:ph idx="1"/>
+          </p:nvPr>
+        </p:nvPicPr>
+        <p:blipFill>
           <a:blip r:embed="rId2" cstate="print"/>
-          <a:srcRect/>
           <a:stretch>
             <a:fillRect/>
           </a:stretch>
@@ -4023,6 +6223,13 @@
   <p:clrMapOvr>
     <a:masterClrMapping/>
   </p:clrMapOvr>
+  <p:timing>
+    <p:tnLst>
+      <p:par>
+        <p:cTn id="1" dur="indefinite" restart="never" nodeType="tmRoot"/>
+      </p:par>
+    </p:tnLst>
+  </p:timing>
 </p:sld>
 </file>
 
@@ -4162,15 +6369,14 @@
         </p:nvPicPr>
         <p:blipFill>
           <a:blip r:embed="rId2" cstate="print"/>
-          <a:srcRect/>
           <a:stretch>
             <a:fillRect/>
           </a:stretch>
         </p:blipFill>
         <p:spPr bwMode="auto">
           <a:xfrm>
-            <a:off x="1763688" y="1916832"/>
-            <a:ext cx="5839353" cy="4005385"/>
+            <a:off x="1619672" y="1628800"/>
+            <a:ext cx="6048672" cy="4148963"/>
           </a:xfrm>
           <a:prstGeom prst="rect">
             <a:avLst/>
@@ -4183,6 +6389,13 @@
   <p:clrMapOvr>
     <a:masterClrMapping/>
   </p:clrMapOvr>
+  <p:timing>
+    <p:tnLst>
+      <p:par>
+        <p:cTn id="1" dur="indefinite" restart="never" nodeType="tmRoot"/>
+      </p:par>
+    </p:tnLst>
+  </p:timing>
 </p:sld>
 </file>
 
@@ -4215,10 +6428,20 @@
         </p:nvSpPr>
         <p:spPr/>
         <p:txBody>
-          <a:bodyPr/>
-          <a:lstStyle/>
-          <a:p>
-            <a:endParaRPr lang="ru-RU"/>
+          <a:bodyPr>
+            <a:normAutofit fontScale="90000"/>
+          </a:bodyPr>
+          <a:lstStyle/>
+          <a:p>
+            <a:r>
+              <a:rPr lang="uk-UA" dirty="0" smtClean="0"/>
+              <a:t>Програмне забезпечення</a:t>
+            </a:r>
+            <a:r>
+              <a:rPr lang="uk-UA" dirty="0" smtClean="0"/>
+              <a:t> Л2-100</a:t>
+            </a:r>
+            <a:endParaRPr lang="ru-RU" dirty="0"/>
           </a:p>
         </p:txBody>
       </p:sp>
@@ -4234,7 +6457,6 @@
         </p:nvPicPr>
         <p:blipFill>
           <a:blip r:embed="rId2" cstate="print"/>
-          <a:srcRect/>
           <a:stretch>
             <a:fillRect/>
           </a:stretch>
@@ -4261,6 +6483,13 @@
   <p:clrMapOvr>
     <a:masterClrMapping/>
   </p:clrMapOvr>
+  <p:timing>
+    <p:tnLst>
+      <p:par>
+        <p:cTn id="1" dur="indefinite" restart="never" nodeType="tmRoot"/>
+      </p:par>
+    </p:tnLst>
+  </p:timing>
 </p:sld>
 </file>
 
@@ -4322,8 +6551,8 @@
         </p:blipFill>
         <p:spPr>
           <a:xfrm>
-            <a:off x="971600" y="1916832"/>
-            <a:ext cx="7272808" cy="4176464"/>
+            <a:off x="899592" y="1844824"/>
+            <a:ext cx="7344816" cy="4419165"/>
           </a:xfrm>
           <a:prstGeom prst="rect">
             <a:avLst/>
@@ -4335,6 +6564,13 @@
   <p:clrMapOvr>
     <a:masterClrMapping/>
   </p:clrMapOvr>
+  <p:timing>
+    <p:tnLst>
+      <p:par>
+        <p:cTn id="1" dur="indefinite" restart="never" nodeType="tmRoot"/>
+      </p:par>
+    </p:tnLst>
+  </p:timing>
 </p:sld>
 </file>
 
@@ -4367,10 +6603,24 @@
         </p:nvSpPr>
         <p:spPr/>
         <p:txBody>
-          <a:bodyPr/>
-          <a:lstStyle/>
-          <a:p>
-            <a:endParaRPr lang="ru-RU"/>
+          <a:bodyPr>
+            <a:normAutofit fontScale="90000"/>
+          </a:bodyPr>
+          <a:lstStyle/>
+          <a:p>
+            <a:r>
+              <a:rPr lang="uk-UA" dirty="0" smtClean="0"/>
+              <a:t>Програмне </a:t>
+            </a:r>
+            <a:r>
+              <a:rPr lang="uk-UA" dirty="0" smtClean="0"/>
+              <a:t>забезпечення </a:t>
+            </a:r>
+            <a:r>
+              <a:rPr lang="ru-RU" dirty="0" smtClean="0"/>
+              <a:t>ЭРБИЙ-7107</a:t>
+            </a:r>
+            <a:endParaRPr lang="ru-RU" dirty="0"/>
           </a:p>
         </p:txBody>
       </p:sp>
@@ -4392,8 +6642,8 @@
         </p:blipFill>
         <p:spPr>
           <a:xfrm>
-            <a:off x="1475656" y="1988840"/>
-            <a:ext cx="6336703" cy="4032447"/>
+            <a:off x="1403648" y="1628800"/>
+            <a:ext cx="6696744" cy="5013309"/>
           </a:xfrm>
           <a:prstGeom prst="rect">
             <a:avLst/>
@@ -4405,6 +6655,13 @@
   <p:clrMapOvr>
     <a:masterClrMapping/>
   </p:clrMapOvr>
+  <p:timing>
+    <p:tnLst>
+      <p:par>
+        <p:cTn id="1" dur="indefinite" restart="never" nodeType="tmRoot"/>
+      </p:par>
+    </p:tnLst>
+  </p:timing>
 </p:sld>
 </file>
 
@@ -5073,1016 +7330,76 @@
           <a:p>
             <a:r>
               <a:rPr lang="uk-UA" dirty="0" smtClean="0"/>
-              <a:t>Функції бібліотеки драйвера</a:t>
+              <a:t>Схема керування напругою</a:t>
             </a:r>
             <a:endParaRPr lang="ru-RU" dirty="0"/>
           </a:p>
         </p:txBody>
       </p:sp>
-      <p:graphicFrame>
-        <p:nvGraphicFramePr>
-          <p:cNvPr id="4" name="Содержимое 3"/>
-          <p:cNvGraphicFramePr>
-            <a:graphicFrameLocks noGrp="1"/>
-          </p:cNvGraphicFramePr>
+      <p:sp>
+        <p:nvSpPr>
+          <p:cNvPr id="3" name="Содержимое 2"/>
+          <p:cNvSpPr>
+            <a:spLocks noGrp="1"/>
+          </p:cNvSpPr>
           <p:nvPr>
             <p:ph idx="1"/>
           </p:nvPr>
-        </p:nvGraphicFramePr>
-        <p:xfrm>
-          <a:off x="683568" y="1628800"/>
-          <a:ext cx="7776864" cy="4752528"/>
-        </p:xfrm>
-        <a:graphic>
-          <a:graphicData uri="http://schemas.openxmlformats.org/drawingml/2006/table">
-            <a:tbl>
-              <a:tblPr/>
-              <a:tblGrid>
-                <a:gridCol w="3888024"/>
-                <a:gridCol w="3888840"/>
-              </a:tblGrid>
-              <a:tr h="432048">
-                <a:tc>
-                  <a:txBody>
-                    <a:bodyPr/>
-                    <a:lstStyle/>
-                    <a:p>
-                      <a:pPr algn="ctr">
-                        <a:lnSpc>
-                          <a:spcPct val="150000"/>
-                        </a:lnSpc>
-                        <a:spcAft>
-                          <a:spcPts val="0"/>
-                        </a:spcAft>
-                      </a:pPr>
-                      <a:r>
-                        <a:rPr lang="uk-UA" sz="1400" dirty="0">
-                          <a:latin typeface="Times New Roman"/>
-                          <a:ea typeface="Times New Roman"/>
-                        </a:rPr>
-                        <a:t>Функція</a:t>
-                      </a:r>
-                      <a:endParaRPr lang="ru-RU" sz="1400" dirty="0">
-                        <a:latin typeface="Times New Roman"/>
-                        <a:ea typeface="Times New Roman"/>
-                      </a:endParaRPr>
-                    </a:p>
-                  </a:txBody>
-                  <a:tcPr marL="68580" marR="68580" marT="0" marB="0" anchor="ctr">
-                    <a:lnL w="12700" cap="flat" cmpd="sng" algn="ctr">
-                      <a:solidFill>
-                        <a:srgbClr val="000000"/>
-                      </a:solidFill>
-                      <a:prstDash val="solid"/>
-                      <a:round/>
-                      <a:headEnd type="none" w="med" len="med"/>
-                      <a:tailEnd type="none" w="med" len="med"/>
-                    </a:lnL>
-                    <a:lnR w="12700" cap="flat" cmpd="sng" algn="ctr">
-                      <a:solidFill>
-                        <a:srgbClr val="000000"/>
-                      </a:solidFill>
-                      <a:prstDash val="solid"/>
-                      <a:round/>
-                      <a:headEnd type="none" w="med" len="med"/>
-                      <a:tailEnd type="none" w="med" len="med"/>
-                    </a:lnR>
-                    <a:lnT w="12700" cap="flat" cmpd="sng" algn="ctr">
-                      <a:solidFill>
-                        <a:srgbClr val="000000"/>
-                      </a:solidFill>
-                      <a:prstDash val="solid"/>
-                      <a:round/>
-                      <a:headEnd type="none" w="med" len="med"/>
-                      <a:tailEnd type="none" w="med" len="med"/>
-                    </a:lnT>
-                    <a:lnB w="12700" cap="flat" cmpd="sng" algn="ctr">
-                      <a:solidFill>
-                        <a:srgbClr val="000000"/>
-                      </a:solidFill>
-                      <a:prstDash val="solid"/>
-                      <a:round/>
-                      <a:headEnd type="none" w="med" len="med"/>
-                      <a:tailEnd type="none" w="med" len="med"/>
-                    </a:lnB>
-                  </a:tcPr>
-                </a:tc>
-                <a:tc>
-                  <a:txBody>
-                    <a:bodyPr/>
-                    <a:lstStyle/>
-                    <a:p>
-                      <a:pPr algn="ctr">
-                        <a:lnSpc>
-                          <a:spcPct val="150000"/>
-                        </a:lnSpc>
-                        <a:spcAft>
-                          <a:spcPts val="0"/>
-                        </a:spcAft>
-                      </a:pPr>
-                      <a:r>
-                        <a:rPr lang="uk-UA" sz="1400">
-                          <a:latin typeface="Times New Roman"/>
-                          <a:ea typeface="Times New Roman"/>
-                        </a:rPr>
-                        <a:t>Опис</a:t>
-                      </a:r>
-                      <a:endParaRPr lang="ru-RU" sz="1400">
-                        <a:latin typeface="Times New Roman"/>
-                        <a:ea typeface="Times New Roman"/>
-                      </a:endParaRPr>
-                    </a:p>
-                  </a:txBody>
-                  <a:tcPr marL="68580" marR="68580" marT="0" marB="0" anchor="ctr">
-                    <a:lnL w="12700" cap="flat" cmpd="sng" algn="ctr">
-                      <a:solidFill>
-                        <a:srgbClr val="000000"/>
-                      </a:solidFill>
-                      <a:prstDash val="solid"/>
-                      <a:round/>
-                      <a:headEnd type="none" w="med" len="med"/>
-                      <a:tailEnd type="none" w="med" len="med"/>
-                    </a:lnL>
-                    <a:lnR w="12700" cap="flat" cmpd="sng" algn="ctr">
-                      <a:solidFill>
-                        <a:srgbClr val="000000"/>
-                      </a:solidFill>
-                      <a:prstDash val="solid"/>
-                      <a:round/>
-                      <a:headEnd type="none" w="med" len="med"/>
-                      <a:tailEnd type="none" w="med" len="med"/>
-                    </a:lnR>
-                    <a:lnT w="12700" cap="flat" cmpd="sng" algn="ctr">
-                      <a:solidFill>
-                        <a:srgbClr val="000000"/>
-                      </a:solidFill>
-                      <a:prstDash val="solid"/>
-                      <a:round/>
-                      <a:headEnd type="none" w="med" len="med"/>
-                      <a:tailEnd type="none" w="med" len="med"/>
-                    </a:lnT>
-                    <a:lnB w="12700" cap="flat" cmpd="sng" algn="ctr">
-                      <a:solidFill>
-                        <a:srgbClr val="000000"/>
-                      </a:solidFill>
-                      <a:prstDash val="solid"/>
-                      <a:round/>
-                      <a:headEnd type="none" w="med" len="med"/>
-                      <a:tailEnd type="none" w="med" len="med"/>
-                    </a:lnB>
-                  </a:tcPr>
-                </a:tc>
-              </a:tr>
-              <a:tr h="432048">
-                <a:tc>
-                  <a:txBody>
-                    <a:bodyPr/>
-                    <a:lstStyle/>
-                    <a:p>
-                      <a:pPr algn="ctr">
-                        <a:lnSpc>
-                          <a:spcPct val="150000"/>
-                        </a:lnSpc>
-                        <a:spcAft>
-                          <a:spcPts val="0"/>
-                        </a:spcAft>
-                      </a:pPr>
-                      <a:r>
-                        <a:rPr lang="uk-UA" sz="1400">
-                          <a:latin typeface="Times New Roman"/>
-                          <a:ea typeface="Times New Roman"/>
-                        </a:rPr>
-                        <a:t>int GetMajorVersion()</a:t>
-                      </a:r>
-                      <a:endParaRPr lang="ru-RU" sz="1400">
-                        <a:latin typeface="Times New Roman"/>
-                        <a:ea typeface="Times New Roman"/>
-                      </a:endParaRPr>
-                    </a:p>
-                  </a:txBody>
-                  <a:tcPr marL="68580" marR="68580" marT="0" marB="0" anchor="ctr">
-                    <a:lnL w="12700" cap="flat" cmpd="sng" algn="ctr">
-                      <a:solidFill>
-                        <a:srgbClr val="000000"/>
-                      </a:solidFill>
-                      <a:prstDash val="solid"/>
-                      <a:round/>
-                      <a:headEnd type="none" w="med" len="med"/>
-                      <a:tailEnd type="none" w="med" len="med"/>
-                    </a:lnL>
-                    <a:lnR w="12700" cap="flat" cmpd="sng" algn="ctr">
-                      <a:solidFill>
-                        <a:srgbClr val="000000"/>
-                      </a:solidFill>
-                      <a:prstDash val="solid"/>
-                      <a:round/>
-                      <a:headEnd type="none" w="med" len="med"/>
-                      <a:tailEnd type="none" w="med" len="med"/>
-                    </a:lnR>
-                    <a:lnT w="12700" cap="flat" cmpd="sng" algn="ctr">
-                      <a:solidFill>
-                        <a:srgbClr val="000000"/>
-                      </a:solidFill>
-                      <a:prstDash val="solid"/>
-                      <a:round/>
-                      <a:headEnd type="none" w="med" len="med"/>
-                      <a:tailEnd type="none" w="med" len="med"/>
-                    </a:lnT>
-                    <a:lnB w="12700" cap="flat" cmpd="sng" algn="ctr">
-                      <a:solidFill>
-                        <a:srgbClr val="000000"/>
-                      </a:solidFill>
-                      <a:prstDash val="solid"/>
-                      <a:round/>
-                      <a:headEnd type="none" w="med" len="med"/>
-                      <a:tailEnd type="none" w="med" len="med"/>
-                    </a:lnB>
-                  </a:tcPr>
-                </a:tc>
-                <a:tc>
-                  <a:txBody>
-                    <a:bodyPr/>
-                    <a:lstStyle/>
-                    <a:p>
-                      <a:pPr algn="just">
-                        <a:lnSpc>
-                          <a:spcPct val="150000"/>
-                        </a:lnSpc>
-                        <a:spcAft>
-                          <a:spcPts val="0"/>
-                        </a:spcAft>
-                      </a:pPr>
-                      <a:r>
-                        <a:rPr lang="uk-UA" sz="1400">
-                          <a:latin typeface="Times New Roman"/>
-                          <a:ea typeface="Times New Roman"/>
-                        </a:rPr>
-                        <a:t>Отримати старшу частину версії.</a:t>
-                      </a:r>
-                      <a:endParaRPr lang="ru-RU" sz="1400">
-                        <a:latin typeface="Times New Roman"/>
-                        <a:ea typeface="Times New Roman"/>
-                      </a:endParaRPr>
-                    </a:p>
-                  </a:txBody>
-                  <a:tcPr marL="68580" marR="68580" marT="0" marB="0">
-                    <a:lnL w="12700" cap="flat" cmpd="sng" algn="ctr">
-                      <a:solidFill>
-                        <a:srgbClr val="000000"/>
-                      </a:solidFill>
-                      <a:prstDash val="solid"/>
-                      <a:round/>
-                      <a:headEnd type="none" w="med" len="med"/>
-                      <a:tailEnd type="none" w="med" len="med"/>
-                    </a:lnL>
-                    <a:lnR w="12700" cap="flat" cmpd="sng" algn="ctr">
-                      <a:solidFill>
-                        <a:srgbClr val="000000"/>
-                      </a:solidFill>
-                      <a:prstDash val="solid"/>
-                      <a:round/>
-                      <a:headEnd type="none" w="med" len="med"/>
-                      <a:tailEnd type="none" w="med" len="med"/>
-                    </a:lnR>
-                    <a:lnT w="12700" cap="flat" cmpd="sng" algn="ctr">
-                      <a:solidFill>
-                        <a:srgbClr val="000000"/>
-                      </a:solidFill>
-                      <a:prstDash val="solid"/>
-                      <a:round/>
-                      <a:headEnd type="none" w="med" len="med"/>
-                      <a:tailEnd type="none" w="med" len="med"/>
-                    </a:lnT>
-                    <a:lnB w="12700" cap="flat" cmpd="sng" algn="ctr">
-                      <a:solidFill>
-                        <a:srgbClr val="000000"/>
-                      </a:solidFill>
-                      <a:prstDash val="solid"/>
-                      <a:round/>
-                      <a:headEnd type="none" w="med" len="med"/>
-                      <a:tailEnd type="none" w="med" len="med"/>
-                    </a:lnB>
-                  </a:tcPr>
-                </a:tc>
-              </a:tr>
-              <a:tr h="432048">
-                <a:tc>
-                  <a:txBody>
-                    <a:bodyPr/>
-                    <a:lstStyle/>
-                    <a:p>
-                      <a:pPr algn="ctr">
-                        <a:lnSpc>
-                          <a:spcPct val="150000"/>
-                        </a:lnSpc>
-                        <a:spcAft>
-                          <a:spcPts val="0"/>
-                        </a:spcAft>
-                      </a:pPr>
-                      <a:r>
-                        <a:rPr lang="uk-UA" sz="1400">
-                          <a:latin typeface="Times New Roman"/>
-                          <a:ea typeface="Times New Roman"/>
-                        </a:rPr>
-                        <a:t>int GetMinorVersion()</a:t>
-                      </a:r>
-                      <a:endParaRPr lang="ru-RU" sz="1400">
-                        <a:latin typeface="Times New Roman"/>
-                        <a:ea typeface="Times New Roman"/>
-                      </a:endParaRPr>
-                    </a:p>
-                  </a:txBody>
-                  <a:tcPr marL="68580" marR="68580" marT="0" marB="0" anchor="ctr">
-                    <a:lnL w="12700" cap="flat" cmpd="sng" algn="ctr">
-                      <a:solidFill>
-                        <a:srgbClr val="000000"/>
-                      </a:solidFill>
-                      <a:prstDash val="solid"/>
-                      <a:round/>
-                      <a:headEnd type="none" w="med" len="med"/>
-                      <a:tailEnd type="none" w="med" len="med"/>
-                    </a:lnL>
-                    <a:lnR w="12700" cap="flat" cmpd="sng" algn="ctr">
-                      <a:solidFill>
-                        <a:srgbClr val="000000"/>
-                      </a:solidFill>
-                      <a:prstDash val="solid"/>
-                      <a:round/>
-                      <a:headEnd type="none" w="med" len="med"/>
-                      <a:tailEnd type="none" w="med" len="med"/>
-                    </a:lnR>
-                    <a:lnT w="12700" cap="flat" cmpd="sng" algn="ctr">
-                      <a:solidFill>
-                        <a:srgbClr val="000000"/>
-                      </a:solidFill>
-                      <a:prstDash val="solid"/>
-                      <a:round/>
-                      <a:headEnd type="none" w="med" len="med"/>
-                      <a:tailEnd type="none" w="med" len="med"/>
-                    </a:lnT>
-                    <a:lnB w="12700" cap="flat" cmpd="sng" algn="ctr">
-                      <a:solidFill>
-                        <a:srgbClr val="000000"/>
-                      </a:solidFill>
-                      <a:prstDash val="solid"/>
-                      <a:round/>
-                      <a:headEnd type="none" w="med" len="med"/>
-                      <a:tailEnd type="none" w="med" len="med"/>
-                    </a:lnB>
-                  </a:tcPr>
-                </a:tc>
-                <a:tc>
-                  <a:txBody>
-                    <a:bodyPr/>
-                    <a:lstStyle/>
-                    <a:p>
-                      <a:pPr algn="just">
-                        <a:lnSpc>
-                          <a:spcPct val="150000"/>
-                        </a:lnSpc>
-                        <a:spcAft>
-                          <a:spcPts val="0"/>
-                        </a:spcAft>
-                      </a:pPr>
-                      <a:r>
-                        <a:rPr lang="uk-UA" sz="1400">
-                          <a:latin typeface="Times New Roman"/>
-                          <a:ea typeface="Times New Roman"/>
-                        </a:rPr>
-                        <a:t>Отримати молодшу частину версії.</a:t>
-                      </a:r>
-                      <a:endParaRPr lang="ru-RU" sz="1400">
-                        <a:latin typeface="Times New Roman"/>
-                        <a:ea typeface="Times New Roman"/>
-                      </a:endParaRPr>
-                    </a:p>
-                  </a:txBody>
-                  <a:tcPr marL="68580" marR="68580" marT="0" marB="0">
-                    <a:lnL w="12700" cap="flat" cmpd="sng" algn="ctr">
-                      <a:solidFill>
-                        <a:srgbClr val="000000"/>
-                      </a:solidFill>
-                      <a:prstDash val="solid"/>
-                      <a:round/>
-                      <a:headEnd type="none" w="med" len="med"/>
-                      <a:tailEnd type="none" w="med" len="med"/>
-                    </a:lnL>
-                    <a:lnR w="12700" cap="flat" cmpd="sng" algn="ctr">
-                      <a:solidFill>
-                        <a:srgbClr val="000000"/>
-                      </a:solidFill>
-                      <a:prstDash val="solid"/>
-                      <a:round/>
-                      <a:headEnd type="none" w="med" len="med"/>
-                      <a:tailEnd type="none" w="med" len="med"/>
-                    </a:lnR>
-                    <a:lnT w="12700" cap="flat" cmpd="sng" algn="ctr">
-                      <a:solidFill>
-                        <a:srgbClr val="000000"/>
-                      </a:solidFill>
-                      <a:prstDash val="solid"/>
-                      <a:round/>
-                      <a:headEnd type="none" w="med" len="med"/>
-                      <a:tailEnd type="none" w="med" len="med"/>
-                    </a:lnT>
-                    <a:lnB w="12700" cap="flat" cmpd="sng" algn="ctr">
-                      <a:solidFill>
-                        <a:srgbClr val="000000"/>
-                      </a:solidFill>
-                      <a:prstDash val="solid"/>
-                      <a:round/>
-                      <a:headEnd type="none" w="med" len="med"/>
-                      <a:tailEnd type="none" w="med" len="med"/>
-                    </a:lnB>
-                  </a:tcPr>
-                </a:tc>
-              </a:tr>
-              <a:tr h="864095">
-                <a:tc>
-                  <a:txBody>
-                    <a:bodyPr/>
-                    <a:lstStyle/>
-                    <a:p>
-                      <a:pPr algn="ctr">
-                        <a:lnSpc>
-                          <a:spcPct val="150000"/>
-                        </a:lnSpc>
-                        <a:spcAft>
-                          <a:spcPts val="0"/>
-                        </a:spcAft>
-                      </a:pPr>
-                      <a:r>
-                        <a:rPr lang="uk-UA" sz="1400">
-                          <a:latin typeface="Times New Roman"/>
-                          <a:ea typeface="Times New Roman"/>
-                        </a:rPr>
-                        <a:t>int IsVersionConfirmed()</a:t>
-                      </a:r>
-                      <a:endParaRPr lang="ru-RU" sz="1400">
-                        <a:latin typeface="Times New Roman"/>
-                        <a:ea typeface="Times New Roman"/>
-                      </a:endParaRPr>
-                    </a:p>
-                  </a:txBody>
-                  <a:tcPr marL="68580" marR="68580" marT="0" marB="0" anchor="ctr">
-                    <a:lnL w="12700" cap="flat" cmpd="sng" algn="ctr">
-                      <a:solidFill>
-                        <a:srgbClr val="000000"/>
-                      </a:solidFill>
-                      <a:prstDash val="solid"/>
-                      <a:round/>
-                      <a:headEnd type="none" w="med" len="med"/>
-                      <a:tailEnd type="none" w="med" len="med"/>
-                    </a:lnL>
-                    <a:lnR w="12700" cap="flat" cmpd="sng" algn="ctr">
-                      <a:solidFill>
-                        <a:srgbClr val="000000"/>
-                      </a:solidFill>
-                      <a:prstDash val="solid"/>
-                      <a:round/>
-                      <a:headEnd type="none" w="med" len="med"/>
-                      <a:tailEnd type="none" w="med" len="med"/>
-                    </a:lnR>
-                    <a:lnT w="12700" cap="flat" cmpd="sng" algn="ctr">
-                      <a:solidFill>
-                        <a:srgbClr val="000000"/>
-                      </a:solidFill>
-                      <a:prstDash val="solid"/>
-                      <a:round/>
-                      <a:headEnd type="none" w="med" len="med"/>
-                      <a:tailEnd type="none" w="med" len="med"/>
-                    </a:lnT>
-                    <a:lnB w="12700" cap="flat" cmpd="sng" algn="ctr">
-                      <a:solidFill>
-                        <a:srgbClr val="000000"/>
-                      </a:solidFill>
-                      <a:prstDash val="solid"/>
-                      <a:round/>
-                      <a:headEnd type="none" w="med" len="med"/>
-                      <a:tailEnd type="none" w="med" len="med"/>
-                    </a:lnB>
-                  </a:tcPr>
-                </a:tc>
-                <a:tc>
-                  <a:txBody>
-                    <a:bodyPr/>
-                    <a:lstStyle/>
-                    <a:p>
-                      <a:pPr algn="just">
-                        <a:lnSpc>
-                          <a:spcPct val="150000"/>
-                        </a:lnSpc>
-                        <a:spcAft>
-                          <a:spcPts val="0"/>
-                        </a:spcAft>
-                      </a:pPr>
-                      <a:r>
-                        <a:rPr lang="uk-UA" sz="1400">
-                          <a:latin typeface="Times New Roman"/>
-                          <a:ea typeface="Times New Roman"/>
-                        </a:rPr>
-                        <a:t>Чи співпадає версія драйвера з версією прошивки приладу (0 — ні).</a:t>
-                      </a:r>
-                      <a:endParaRPr lang="ru-RU" sz="1400">
-                        <a:latin typeface="Times New Roman"/>
-                        <a:ea typeface="Times New Roman"/>
-                      </a:endParaRPr>
-                    </a:p>
-                  </a:txBody>
-                  <a:tcPr marL="68580" marR="68580" marT="0" marB="0">
-                    <a:lnL w="12700" cap="flat" cmpd="sng" algn="ctr">
-                      <a:solidFill>
-                        <a:srgbClr val="000000"/>
-                      </a:solidFill>
-                      <a:prstDash val="solid"/>
-                      <a:round/>
-                      <a:headEnd type="none" w="med" len="med"/>
-                      <a:tailEnd type="none" w="med" len="med"/>
-                    </a:lnL>
-                    <a:lnR w="12700" cap="flat" cmpd="sng" algn="ctr">
-                      <a:solidFill>
-                        <a:srgbClr val="000000"/>
-                      </a:solidFill>
-                      <a:prstDash val="solid"/>
-                      <a:round/>
-                      <a:headEnd type="none" w="med" len="med"/>
-                      <a:tailEnd type="none" w="med" len="med"/>
-                    </a:lnR>
-                    <a:lnT w="12700" cap="flat" cmpd="sng" algn="ctr">
-                      <a:solidFill>
-                        <a:srgbClr val="000000"/>
-                      </a:solidFill>
-                      <a:prstDash val="solid"/>
-                      <a:round/>
-                      <a:headEnd type="none" w="med" len="med"/>
-                      <a:tailEnd type="none" w="med" len="med"/>
-                    </a:lnT>
-                    <a:lnB w="12700" cap="flat" cmpd="sng" algn="ctr">
-                      <a:solidFill>
-                        <a:srgbClr val="000000"/>
-                      </a:solidFill>
-                      <a:prstDash val="solid"/>
-                      <a:round/>
-                      <a:headEnd type="none" w="med" len="med"/>
-                      <a:tailEnd type="none" w="med" len="med"/>
-                    </a:lnB>
-                  </a:tcPr>
-                </a:tc>
-              </a:tr>
-              <a:tr h="432048">
-                <a:tc>
-                  <a:txBody>
-                    <a:bodyPr/>
-                    <a:lstStyle/>
-                    <a:p>
-                      <a:pPr algn="ctr">
-                        <a:lnSpc>
-                          <a:spcPct val="150000"/>
-                        </a:lnSpc>
-                        <a:spcAft>
-                          <a:spcPts val="0"/>
-                        </a:spcAft>
-                      </a:pPr>
-                      <a:r>
-                        <a:rPr lang="uk-UA" sz="1400">
-                          <a:latin typeface="Times New Roman"/>
-                          <a:ea typeface="Times New Roman"/>
-                        </a:rPr>
-                        <a:t>int GetLastDeviceError()</a:t>
-                      </a:r>
-                      <a:endParaRPr lang="ru-RU" sz="1400">
-                        <a:latin typeface="Times New Roman"/>
-                        <a:ea typeface="Times New Roman"/>
-                      </a:endParaRPr>
-                    </a:p>
-                  </a:txBody>
-                  <a:tcPr marL="68580" marR="68580" marT="0" marB="0" anchor="ctr">
-                    <a:lnL w="12700" cap="flat" cmpd="sng" algn="ctr">
-                      <a:solidFill>
-                        <a:srgbClr val="000000"/>
-                      </a:solidFill>
-                      <a:prstDash val="solid"/>
-                      <a:round/>
-                      <a:headEnd type="none" w="med" len="med"/>
-                      <a:tailEnd type="none" w="med" len="med"/>
-                    </a:lnL>
-                    <a:lnR w="12700" cap="flat" cmpd="sng" algn="ctr">
-                      <a:solidFill>
-                        <a:srgbClr val="000000"/>
-                      </a:solidFill>
-                      <a:prstDash val="solid"/>
-                      <a:round/>
-                      <a:headEnd type="none" w="med" len="med"/>
-                      <a:tailEnd type="none" w="med" len="med"/>
-                    </a:lnR>
-                    <a:lnT w="12700" cap="flat" cmpd="sng" algn="ctr">
-                      <a:solidFill>
-                        <a:srgbClr val="000000"/>
-                      </a:solidFill>
-                      <a:prstDash val="solid"/>
-                      <a:round/>
-                      <a:headEnd type="none" w="med" len="med"/>
-                      <a:tailEnd type="none" w="med" len="med"/>
-                    </a:lnT>
-                    <a:lnB w="12700" cap="flat" cmpd="sng" algn="ctr">
-                      <a:solidFill>
-                        <a:srgbClr val="000000"/>
-                      </a:solidFill>
-                      <a:prstDash val="solid"/>
-                      <a:round/>
-                      <a:headEnd type="none" w="med" len="med"/>
-                      <a:tailEnd type="none" w="med" len="med"/>
-                    </a:lnB>
-                  </a:tcPr>
-                </a:tc>
-                <a:tc>
-                  <a:txBody>
-                    <a:bodyPr/>
-                    <a:lstStyle/>
-                    <a:p>
-                      <a:pPr algn="just">
-                        <a:lnSpc>
-                          <a:spcPct val="150000"/>
-                        </a:lnSpc>
-                        <a:spcAft>
-                          <a:spcPts val="0"/>
-                        </a:spcAft>
-                      </a:pPr>
-                      <a:r>
-                        <a:rPr lang="uk-UA" sz="1400">
-                          <a:latin typeface="Times New Roman"/>
-                          <a:ea typeface="Times New Roman"/>
-                        </a:rPr>
-                        <a:t>Отримати код останньої помилки.</a:t>
-                      </a:r>
-                      <a:endParaRPr lang="ru-RU" sz="1400">
-                        <a:latin typeface="Times New Roman"/>
-                        <a:ea typeface="Times New Roman"/>
-                      </a:endParaRPr>
-                    </a:p>
-                  </a:txBody>
-                  <a:tcPr marL="68580" marR="68580" marT="0" marB="0">
-                    <a:lnL w="12700" cap="flat" cmpd="sng" algn="ctr">
-                      <a:solidFill>
-                        <a:srgbClr val="000000"/>
-                      </a:solidFill>
-                      <a:prstDash val="solid"/>
-                      <a:round/>
-                      <a:headEnd type="none" w="med" len="med"/>
-                      <a:tailEnd type="none" w="med" len="med"/>
-                    </a:lnL>
-                    <a:lnR w="12700" cap="flat" cmpd="sng" algn="ctr">
-                      <a:solidFill>
-                        <a:srgbClr val="000000"/>
-                      </a:solidFill>
-                      <a:prstDash val="solid"/>
-                      <a:round/>
-                      <a:headEnd type="none" w="med" len="med"/>
-                      <a:tailEnd type="none" w="med" len="med"/>
-                    </a:lnR>
-                    <a:lnT w="12700" cap="flat" cmpd="sng" algn="ctr">
-                      <a:solidFill>
-                        <a:srgbClr val="000000"/>
-                      </a:solidFill>
-                      <a:prstDash val="solid"/>
-                      <a:round/>
-                      <a:headEnd type="none" w="med" len="med"/>
-                      <a:tailEnd type="none" w="med" len="med"/>
-                    </a:lnT>
-                    <a:lnB w="12700" cap="flat" cmpd="sng" algn="ctr">
-                      <a:solidFill>
-                        <a:srgbClr val="000000"/>
-                      </a:solidFill>
-                      <a:prstDash val="solid"/>
-                      <a:round/>
-                      <a:headEnd type="none" w="med" len="med"/>
-                      <a:tailEnd type="none" w="med" len="med"/>
-                    </a:lnB>
-                  </a:tcPr>
-                </a:tc>
-              </a:tr>
-              <a:tr h="432048">
-                <a:tc>
-                  <a:txBody>
-                    <a:bodyPr/>
-                    <a:lstStyle/>
-                    <a:p>
-                      <a:pPr algn="ctr">
-                        <a:lnSpc>
-                          <a:spcPct val="150000"/>
-                        </a:lnSpc>
-                        <a:spcAft>
-                          <a:spcPts val="0"/>
-                        </a:spcAft>
-                      </a:pPr>
-                      <a:r>
-                        <a:rPr lang="uk-UA" sz="1400">
-                          <a:latin typeface="Times New Roman"/>
-                          <a:ea typeface="Times New Roman"/>
-                        </a:rPr>
-                        <a:t>int GetPersentComplete()</a:t>
-                      </a:r>
-                      <a:endParaRPr lang="ru-RU" sz="1400">
-                        <a:latin typeface="Times New Roman"/>
-                        <a:ea typeface="Times New Roman"/>
-                      </a:endParaRPr>
-                    </a:p>
-                  </a:txBody>
-                  <a:tcPr marL="68580" marR="68580" marT="0" marB="0" anchor="ctr">
-                    <a:lnL w="12700" cap="flat" cmpd="sng" algn="ctr">
-                      <a:solidFill>
-                        <a:srgbClr val="000000"/>
-                      </a:solidFill>
-                      <a:prstDash val="solid"/>
-                      <a:round/>
-                      <a:headEnd type="none" w="med" len="med"/>
-                      <a:tailEnd type="none" w="med" len="med"/>
-                    </a:lnL>
-                    <a:lnR w="12700" cap="flat" cmpd="sng" algn="ctr">
-                      <a:solidFill>
-                        <a:srgbClr val="000000"/>
-                      </a:solidFill>
-                      <a:prstDash val="solid"/>
-                      <a:round/>
-                      <a:headEnd type="none" w="med" len="med"/>
-                      <a:tailEnd type="none" w="med" len="med"/>
-                    </a:lnR>
-                    <a:lnT w="12700" cap="flat" cmpd="sng" algn="ctr">
-                      <a:solidFill>
-                        <a:srgbClr val="000000"/>
-                      </a:solidFill>
-                      <a:prstDash val="solid"/>
-                      <a:round/>
-                      <a:headEnd type="none" w="med" len="med"/>
-                      <a:tailEnd type="none" w="med" len="med"/>
-                    </a:lnT>
-                    <a:lnB w="12700" cap="flat" cmpd="sng" algn="ctr">
-                      <a:solidFill>
-                        <a:srgbClr val="000000"/>
-                      </a:solidFill>
-                      <a:prstDash val="solid"/>
-                      <a:round/>
-                      <a:headEnd type="none" w="med" len="med"/>
-                      <a:tailEnd type="none" w="med" len="med"/>
-                    </a:lnB>
-                  </a:tcPr>
-                </a:tc>
-                <a:tc>
-                  <a:txBody>
-                    <a:bodyPr/>
-                    <a:lstStyle/>
-                    <a:p>
-                      <a:pPr algn="just">
-                        <a:lnSpc>
-                          <a:spcPct val="150000"/>
-                        </a:lnSpc>
-                        <a:spcAft>
-                          <a:spcPts val="0"/>
-                        </a:spcAft>
-                      </a:pPr>
-                      <a:r>
-                        <a:rPr lang="uk-UA" sz="1400">
-                          <a:latin typeface="Times New Roman"/>
-                          <a:ea typeface="Times New Roman"/>
-                        </a:rPr>
-                        <a:t>Прогрес вимірювання в процентах.</a:t>
-                      </a:r>
-                      <a:endParaRPr lang="ru-RU" sz="1400">
-                        <a:latin typeface="Times New Roman"/>
-                        <a:ea typeface="Times New Roman"/>
-                      </a:endParaRPr>
-                    </a:p>
-                  </a:txBody>
-                  <a:tcPr marL="68580" marR="68580" marT="0" marB="0">
-                    <a:lnL w="12700" cap="flat" cmpd="sng" algn="ctr">
-                      <a:solidFill>
-                        <a:srgbClr val="000000"/>
-                      </a:solidFill>
-                      <a:prstDash val="solid"/>
-                      <a:round/>
-                      <a:headEnd type="none" w="med" len="med"/>
-                      <a:tailEnd type="none" w="med" len="med"/>
-                    </a:lnL>
-                    <a:lnR w="12700" cap="flat" cmpd="sng" algn="ctr">
-                      <a:solidFill>
-                        <a:srgbClr val="000000"/>
-                      </a:solidFill>
-                      <a:prstDash val="solid"/>
-                      <a:round/>
-                      <a:headEnd type="none" w="med" len="med"/>
-                      <a:tailEnd type="none" w="med" len="med"/>
-                    </a:lnR>
-                    <a:lnT w="12700" cap="flat" cmpd="sng" algn="ctr">
-                      <a:solidFill>
-                        <a:srgbClr val="000000"/>
-                      </a:solidFill>
-                      <a:prstDash val="solid"/>
-                      <a:round/>
-                      <a:headEnd type="none" w="med" len="med"/>
-                      <a:tailEnd type="none" w="med" len="med"/>
-                    </a:lnT>
-                    <a:lnB w="12700" cap="flat" cmpd="sng" algn="ctr">
-                      <a:solidFill>
-                        <a:srgbClr val="000000"/>
-                      </a:solidFill>
-                      <a:prstDash val="solid"/>
-                      <a:round/>
-                      <a:headEnd type="none" w="med" len="med"/>
-                      <a:tailEnd type="none" w="med" len="med"/>
-                    </a:lnB>
-                  </a:tcPr>
-                </a:tc>
-              </a:tr>
-              <a:tr h="1728193">
-                <a:tc>
-                  <a:txBody>
-                    <a:bodyPr/>
-                    <a:lstStyle/>
-                    <a:p>
-                      <a:pPr algn="ctr">
-                        <a:lnSpc>
-                          <a:spcPct val="150000"/>
-                        </a:lnSpc>
-                        <a:spcAft>
-                          <a:spcPts val="0"/>
-                        </a:spcAft>
-                      </a:pPr>
-                      <a:r>
-                        <a:rPr lang="uk-UA" sz="1400" dirty="0">
-                          <a:latin typeface="Times New Roman"/>
-                          <a:ea typeface="Times New Roman"/>
-                        </a:rPr>
-                        <a:t>int </a:t>
-                      </a:r>
-                      <a:r>
-                        <a:rPr lang="uk-UA" sz="1400" dirty="0" err="1">
-                          <a:latin typeface="Times New Roman"/>
-                          <a:ea typeface="Times New Roman"/>
-                        </a:rPr>
-                        <a:t>SetBuffer</a:t>
-                      </a:r>
-                      <a:r>
-                        <a:rPr lang="uk-UA" sz="1400" dirty="0">
-                          <a:latin typeface="Times New Roman"/>
-                          <a:ea typeface="Times New Roman"/>
-                        </a:rPr>
-                        <a:t>(</a:t>
-                      </a:r>
-                      <a:r>
-                        <a:rPr lang="uk-UA" sz="1400" dirty="0" err="1">
-                          <a:latin typeface="Times New Roman"/>
-                          <a:ea typeface="Times New Roman"/>
-                        </a:rPr>
-                        <a:t>SurfaceBuffer</a:t>
-                      </a:r>
-                      <a:r>
-                        <a:rPr lang="uk-UA" sz="1400" dirty="0">
-                          <a:latin typeface="Times New Roman"/>
-                          <a:ea typeface="Times New Roman"/>
-                        </a:rPr>
-                        <a:t> * </a:t>
-                      </a:r>
-                      <a:r>
-                        <a:rPr lang="en-US" sz="1400" dirty="0">
-                          <a:latin typeface="Times New Roman"/>
-                          <a:ea typeface="Times New Roman"/>
-                        </a:rPr>
-                        <a:t>buffer</a:t>
-                      </a:r>
-                      <a:r>
-                        <a:rPr lang="uk-UA" sz="1400" dirty="0">
-                          <a:latin typeface="Times New Roman"/>
-                          <a:ea typeface="Times New Roman"/>
-                        </a:rPr>
-                        <a:t>)</a:t>
-                      </a:r>
-                      <a:endParaRPr lang="ru-RU" sz="1400" dirty="0">
-                        <a:latin typeface="Times New Roman"/>
-                        <a:ea typeface="Times New Roman"/>
-                      </a:endParaRPr>
-                    </a:p>
-                  </a:txBody>
-                  <a:tcPr marL="68580" marR="68580" marT="0" marB="0" anchor="ctr">
-                    <a:lnL w="12700" cap="flat" cmpd="sng" algn="ctr">
-                      <a:solidFill>
-                        <a:srgbClr val="000000"/>
-                      </a:solidFill>
-                      <a:prstDash val="solid"/>
-                      <a:round/>
-                      <a:headEnd type="none" w="med" len="med"/>
-                      <a:tailEnd type="none" w="med" len="med"/>
-                    </a:lnL>
-                    <a:lnR w="12700" cap="flat" cmpd="sng" algn="ctr">
-                      <a:solidFill>
-                        <a:srgbClr val="000000"/>
-                      </a:solidFill>
-                      <a:prstDash val="solid"/>
-                      <a:round/>
-                      <a:headEnd type="none" w="med" len="med"/>
-                      <a:tailEnd type="none" w="med" len="med"/>
-                    </a:lnR>
-                    <a:lnT w="12700" cap="flat" cmpd="sng" algn="ctr">
-                      <a:solidFill>
-                        <a:srgbClr val="000000"/>
-                      </a:solidFill>
-                      <a:prstDash val="solid"/>
-                      <a:round/>
-                      <a:headEnd type="none" w="med" len="med"/>
-                      <a:tailEnd type="none" w="med" len="med"/>
-                    </a:lnT>
-                    <a:lnB w="12700" cap="flat" cmpd="sng" algn="ctr">
-                      <a:solidFill>
-                        <a:srgbClr val="000000"/>
-                      </a:solidFill>
-                      <a:prstDash val="solid"/>
-                      <a:round/>
-                      <a:headEnd type="none" w="med" len="med"/>
-                      <a:tailEnd type="none" w="med" len="med"/>
-                    </a:lnB>
-                  </a:tcPr>
-                </a:tc>
-                <a:tc>
-                  <a:txBody>
-                    <a:bodyPr/>
-                    <a:lstStyle/>
-                    <a:p>
-                      <a:pPr algn="just">
-                        <a:lnSpc>
-                          <a:spcPct val="150000"/>
-                        </a:lnSpc>
-                        <a:spcAft>
-                          <a:spcPts val="0"/>
-                        </a:spcAft>
-                      </a:pPr>
-                      <a:r>
-                        <a:rPr lang="uk-UA" sz="1400" dirty="0">
-                          <a:latin typeface="Times New Roman"/>
-                          <a:ea typeface="Times New Roman"/>
-                        </a:rPr>
-                        <a:t>Передача вказівника на буфер, який потрібно заповнити даними. Виклик цієї функції розпочинає процес вимірювань.</a:t>
-                      </a:r>
-                      <a:endParaRPr lang="ru-RU" sz="1400" dirty="0">
-                        <a:latin typeface="Times New Roman"/>
-                        <a:ea typeface="Times New Roman"/>
-                      </a:endParaRPr>
-                    </a:p>
-                  </a:txBody>
-                  <a:tcPr marL="68580" marR="68580" marT="0" marB="0">
-                    <a:lnL w="12700" cap="flat" cmpd="sng" algn="ctr">
-                      <a:solidFill>
-                        <a:srgbClr val="000000"/>
-                      </a:solidFill>
-                      <a:prstDash val="solid"/>
-                      <a:round/>
-                      <a:headEnd type="none" w="med" len="med"/>
-                      <a:tailEnd type="none" w="med" len="med"/>
-                    </a:lnL>
-                    <a:lnR w="12700" cap="flat" cmpd="sng" algn="ctr">
-                      <a:solidFill>
-                        <a:srgbClr val="000000"/>
-                      </a:solidFill>
-                      <a:prstDash val="solid"/>
-                      <a:round/>
-                      <a:headEnd type="none" w="med" len="med"/>
-                      <a:tailEnd type="none" w="med" len="med"/>
-                    </a:lnR>
-                    <a:lnT w="12700" cap="flat" cmpd="sng" algn="ctr">
-                      <a:solidFill>
-                        <a:srgbClr val="000000"/>
-                      </a:solidFill>
-                      <a:prstDash val="solid"/>
-                      <a:round/>
-                      <a:headEnd type="none" w="med" len="med"/>
-                      <a:tailEnd type="none" w="med" len="med"/>
-                    </a:lnT>
-                    <a:lnB w="12700" cap="flat" cmpd="sng" algn="ctr">
-                      <a:solidFill>
-                        <a:srgbClr val="000000"/>
-                      </a:solidFill>
-                      <a:prstDash val="solid"/>
-                      <a:round/>
-                      <a:headEnd type="none" w="med" len="med"/>
-                      <a:tailEnd type="none" w="med" len="med"/>
-                    </a:lnB>
-                  </a:tcPr>
-                </a:tc>
-              </a:tr>
-            </a:tbl>
-          </a:graphicData>
-        </a:graphic>
-      </p:graphicFrame>
+        </p:nvSpPr>
+        <p:spPr/>
+        <p:txBody>
+          <a:bodyPr/>
+          <a:lstStyle/>
+          <a:p>
+            <a:endParaRPr lang="ru-RU"/>
+          </a:p>
+        </p:txBody>
+      </p:sp>
+      <p:pic>
+        <p:nvPicPr>
+          <p:cNvPr id="2053" name="Picture 5" descr="D:\Diplom\temp\report\kdn.png"/>
+          <p:cNvPicPr>
+            <a:picLocks noChangeAspect="1" noChangeArrowheads="1"/>
+          </p:cNvPicPr>
+          <p:nvPr/>
+        </p:nvPicPr>
+        <p:blipFill>
+          <a:blip r:embed="rId2" cstate="print"/>
+          <a:srcRect/>
+          <a:stretch>
+            <a:fillRect/>
+          </a:stretch>
+        </p:blipFill>
+        <p:spPr bwMode="auto">
+          <a:xfrm>
+            <a:off x="539552" y="1340768"/>
+            <a:ext cx="8064896" cy="5260404"/>
+          </a:xfrm>
+          <a:prstGeom prst="rect">
+            <a:avLst/>
+          </a:prstGeom>
+          <a:noFill/>
+        </p:spPr>
+      </p:pic>
     </p:spTree>
   </p:cSld>
   <p:clrMapOvr>
     <a:masterClrMapping/>
   </p:clrMapOvr>
+  <p:timing>
+    <p:tnLst>
+      <p:par>
+        <p:cTn id="1" dur="indefinite" restart="never" nodeType="tmRoot"/>
+      </p:par>
+    </p:tnLst>
+  </p:timing>
 </p:sld>
 </file>
 
 <file path=ppt/theme/theme1.xml><?xml version="1.0" encoding="utf-8"?>
 <a:theme xmlns:a="http://schemas.openxmlformats.org/drawingml/2006/main" name="Апекс">
   <a:themeElements>
-    <a:clrScheme name="Апекс">
+    <a:clrScheme name="Аспект">
       <a:dk1>
         <a:sysClr val="windowText" lastClr="000000"/>
       </a:dk1>
@@ -6090,34 +7407,34 @@
         <a:sysClr val="window" lastClr="FFFFFF"/>
       </a:lt1>
       <a:dk2>
-        <a:srgbClr val="69676D"/>
+        <a:srgbClr val="323232"/>
       </a:dk2>
       <a:lt2>
-        <a:srgbClr val="C9C2D1"/>
+        <a:srgbClr val="E3DED1"/>
       </a:lt2>
       <a:accent1>
-        <a:srgbClr val="CEB966"/>
+        <a:srgbClr val="F07F09"/>
       </a:accent1>
       <a:accent2>
-        <a:srgbClr val="9CB084"/>
+        <a:srgbClr val="9F2936"/>
       </a:accent2>
       <a:accent3>
-        <a:srgbClr val="6BB1C9"/>
+        <a:srgbClr val="1B587C"/>
       </a:accent3>
       <a:accent4>
-        <a:srgbClr val="6585CF"/>
+        <a:srgbClr val="4E8542"/>
       </a:accent4>
       <a:accent5>
-        <a:srgbClr val="7E6BC9"/>
+        <a:srgbClr val="604878"/>
       </a:accent5>
       <a:accent6>
-        <a:srgbClr val="A379BB"/>
+        <a:srgbClr val="C19859"/>
       </a:accent6>
       <a:hlink>
-        <a:srgbClr val="410082"/>
+        <a:srgbClr val="6B9F25"/>
       </a:hlink>
       <a:folHlink>
-        <a:srgbClr val="932968"/>
+        <a:srgbClr val="B26B02"/>
       </a:folHlink>
     </a:clrScheme>
     <a:fontScheme name="Апекс">

--- a/Report/DiplomReport.pptx
+++ b/Report/DiplomReport.pptx
@@ -5,28 +5,30 @@
     <p:sldMasterId id="2147483780" r:id="rId1"/>
   </p:sldMasterIdLst>
   <p:notesMasterIdLst>
-    <p:notesMasterId r:id="rId21"/>
+    <p:notesMasterId r:id="rId23"/>
   </p:notesMasterIdLst>
   <p:sldIdLst>
     <p:sldId id="257" r:id="rId2"/>
     <p:sldId id="259" r:id="rId3"/>
-    <p:sldId id="260" r:id="rId4"/>
-    <p:sldId id="261" r:id="rId5"/>
-    <p:sldId id="262" r:id="rId6"/>
-    <p:sldId id="263" r:id="rId7"/>
-    <p:sldId id="264" r:id="rId8"/>
-    <p:sldId id="265" r:id="rId9"/>
-    <p:sldId id="274" r:id="rId10"/>
-    <p:sldId id="275" r:id="rId11"/>
-    <p:sldId id="266" r:id="rId12"/>
-    <p:sldId id="276" r:id="rId13"/>
-    <p:sldId id="278" r:id="rId14"/>
-    <p:sldId id="268" r:id="rId15"/>
-    <p:sldId id="269" r:id="rId16"/>
-    <p:sldId id="279" r:id="rId17"/>
-    <p:sldId id="270" r:id="rId18"/>
-    <p:sldId id="271" r:id="rId19"/>
-    <p:sldId id="272" r:id="rId20"/>
+    <p:sldId id="281" r:id="rId4"/>
+    <p:sldId id="282" r:id="rId5"/>
+    <p:sldId id="264" r:id="rId6"/>
+    <p:sldId id="274" r:id="rId7"/>
+    <p:sldId id="275" r:id="rId8"/>
+    <p:sldId id="266" r:id="rId9"/>
+    <p:sldId id="276" r:id="rId10"/>
+    <p:sldId id="278" r:id="rId11"/>
+    <p:sldId id="269" r:id="rId12"/>
+    <p:sldId id="284" r:id="rId13"/>
+    <p:sldId id="280" r:id="rId14"/>
+    <p:sldId id="283" r:id="rId15"/>
+    <p:sldId id="270" r:id="rId16"/>
+    <p:sldId id="260" r:id="rId17"/>
+    <p:sldId id="261" r:id="rId18"/>
+    <p:sldId id="262" r:id="rId19"/>
+    <p:sldId id="263" r:id="rId20"/>
+    <p:sldId id="279" r:id="rId21"/>
+    <p:sldId id="271" r:id="rId22"/>
   </p:sldIdLst>
   <p:sldSz cx="9144000" cy="6858000" type="screen4x3"/>
   <p:notesSz cx="6858000" cy="9144000"/>
@@ -211,7 +213,7 @@
             <a:fld id="{8B1C4925-9B4A-4401-8FFF-3CF074C850CD}" type="datetimeFigureOut">
               <a:rPr lang="ru-RU" smtClean="0"/>
               <a:pPr/>
-              <a:t>16.06.2016</a:t>
+              <a:t>19.06.2016</a:t>
             </a:fld>
             <a:endParaRPr lang="ru-RU"/>
           </a:p>
@@ -559,6 +561,88 @@
 </p:notes>
 </file>
 
+<file path=ppt/notesSlides/notesSlide2.xml><?xml version="1.0" encoding="utf-8"?>
+<p:notes xmlns:a="http://schemas.openxmlformats.org/drawingml/2006/main" xmlns:r="http://schemas.openxmlformats.org/officeDocument/2006/relationships" xmlns:p="http://schemas.openxmlformats.org/presentationml/2006/main">
+  <p:cSld>
+    <p:spTree>
+      <p:nvGrpSpPr>
+        <p:cNvPr id="1" name=""/>
+        <p:cNvGrpSpPr/>
+        <p:nvPr/>
+      </p:nvGrpSpPr>
+      <p:grpSpPr>
+        <a:xfrm>
+          <a:off x="0" y="0"/>
+          <a:ext cx="0" cy="0"/>
+          <a:chOff x="0" y="0"/>
+          <a:chExt cx="0" cy="0"/>
+        </a:xfrm>
+      </p:grpSpPr>
+      <p:sp>
+        <p:nvSpPr>
+          <p:cNvPr id="2" name="Образ слайда 1"/>
+          <p:cNvSpPr>
+            <a:spLocks noGrp="1" noRot="1" noChangeAspect="1"/>
+          </p:cNvSpPr>
+          <p:nvPr>
+            <p:ph type="sldImg"/>
+          </p:nvPr>
+        </p:nvSpPr>
+        <p:spPr/>
+      </p:sp>
+      <p:sp>
+        <p:nvSpPr>
+          <p:cNvPr id="3" name="Заметки 2"/>
+          <p:cNvSpPr>
+            <a:spLocks noGrp="1"/>
+          </p:cNvSpPr>
+          <p:nvPr>
+            <p:ph type="body" idx="1"/>
+          </p:nvPr>
+        </p:nvSpPr>
+        <p:spPr/>
+        <p:txBody>
+          <a:bodyPr>
+            <a:normAutofit/>
+          </a:bodyPr>
+          <a:lstStyle/>
+          <a:p>
+            <a:endParaRPr lang="ru-RU"/>
+          </a:p>
+        </p:txBody>
+      </p:sp>
+      <p:sp>
+        <p:nvSpPr>
+          <p:cNvPr id="4" name="Номер слайда 3"/>
+          <p:cNvSpPr>
+            <a:spLocks noGrp="1"/>
+          </p:cNvSpPr>
+          <p:nvPr>
+            <p:ph type="sldNum" sz="quarter" idx="10"/>
+          </p:nvPr>
+        </p:nvSpPr>
+        <p:spPr/>
+        <p:txBody>
+          <a:bodyPr/>
+          <a:lstStyle/>
+          <a:p>
+            <a:fld id="{049E375B-31E3-41CD-AB3F-18479AAAD621}" type="slidenum">
+              <a:rPr lang="ru-RU" smtClean="0"/>
+              <a:pPr/>
+              <a:t>7</a:t>
+            </a:fld>
+            <a:endParaRPr lang="ru-RU"/>
+          </a:p>
+        </p:txBody>
+      </p:sp>
+    </p:spTree>
+  </p:cSld>
+  <p:clrMapOvr>
+    <a:masterClrMapping/>
+  </p:clrMapOvr>
+</p:notes>
+</file>
+
 <file path=ppt/slideLayouts/slideLayout1.xml><?xml version="1.0" encoding="utf-8"?>
 <p:sldLayout xmlns:a="http://schemas.openxmlformats.org/drawingml/2006/main" xmlns:r="http://schemas.openxmlformats.org/officeDocument/2006/relationships" xmlns:p="http://schemas.openxmlformats.org/presentationml/2006/main" type="title" preserve="1">
   <p:cSld name="Титульный слайд">
@@ -671,7 +755,7 @@
             <a:fld id="{7A12CB2B-5BDB-4402-B3D5-B09CE766299D}" type="datetimeFigureOut">
               <a:rPr lang="ru-RU" smtClean="0"/>
               <a:pPr/>
-              <a:t>16.06.2016</a:t>
+              <a:t>19.06.2016</a:t>
             </a:fld>
             <a:endParaRPr lang="ru-RU"/>
           </a:p>
@@ -899,7 +983,7 @@
             <a:fld id="{7A12CB2B-5BDB-4402-B3D5-B09CE766299D}" type="datetimeFigureOut">
               <a:rPr lang="ru-RU" smtClean="0"/>
               <a:pPr/>
-              <a:t>16.06.2016</a:t>
+              <a:t>19.06.2016</a:t>
             </a:fld>
             <a:endParaRPr lang="ru-RU"/>
           </a:p>
@@ -1076,7 +1160,7 @@
             <a:fld id="{7A12CB2B-5BDB-4402-B3D5-B09CE766299D}" type="datetimeFigureOut">
               <a:rPr lang="ru-RU" smtClean="0"/>
               <a:pPr/>
-              <a:t>16.06.2016</a:t>
+              <a:t>19.06.2016</a:t>
             </a:fld>
             <a:endParaRPr lang="ru-RU"/>
           </a:p>
@@ -1243,7 +1327,7 @@
             <a:fld id="{7A12CB2B-5BDB-4402-B3D5-B09CE766299D}" type="datetimeFigureOut">
               <a:rPr lang="ru-RU" smtClean="0"/>
               <a:pPr/>
-              <a:t>16.06.2016</a:t>
+              <a:t>19.06.2016</a:t>
             </a:fld>
             <a:endParaRPr lang="ru-RU"/>
           </a:p>
@@ -1489,7 +1573,7 @@
             <a:fld id="{7A12CB2B-5BDB-4402-B3D5-B09CE766299D}" type="datetimeFigureOut">
               <a:rPr lang="ru-RU" smtClean="0"/>
               <a:pPr/>
-              <a:t>16.06.2016</a:t>
+              <a:t>19.06.2016</a:t>
             </a:fld>
             <a:endParaRPr lang="ru-RU"/>
           </a:p>
@@ -1755,7 +1839,7 @@
             <a:fld id="{7A12CB2B-5BDB-4402-B3D5-B09CE766299D}" type="datetimeFigureOut">
               <a:rPr lang="ru-RU" smtClean="0"/>
               <a:pPr/>
-              <a:t>16.06.2016</a:t>
+              <a:t>19.06.2016</a:t>
             </a:fld>
             <a:endParaRPr lang="ru-RU"/>
           </a:p>
@@ -2131,7 +2215,7 @@
             <a:fld id="{7A12CB2B-5BDB-4402-B3D5-B09CE766299D}" type="datetimeFigureOut">
               <a:rPr lang="ru-RU" smtClean="0"/>
               <a:pPr/>
-              <a:t>16.06.2016</a:t>
+              <a:t>19.06.2016</a:t>
             </a:fld>
             <a:endParaRPr lang="ru-RU"/>
           </a:p>
@@ -2246,7 +2330,7 @@
             <a:fld id="{7A12CB2B-5BDB-4402-B3D5-B09CE766299D}" type="datetimeFigureOut">
               <a:rPr lang="ru-RU" smtClean="0"/>
               <a:pPr/>
-              <a:t>16.06.2016</a:t>
+              <a:t>19.06.2016</a:t>
             </a:fld>
             <a:endParaRPr lang="ru-RU"/>
           </a:p>
@@ -2338,7 +2422,7 @@
             <a:fld id="{7A12CB2B-5BDB-4402-B3D5-B09CE766299D}" type="datetimeFigureOut">
               <a:rPr lang="ru-RU" smtClean="0"/>
               <a:pPr/>
-              <a:t>16.06.2016</a:t>
+              <a:t>19.06.2016</a:t>
             </a:fld>
             <a:endParaRPr lang="ru-RU"/>
           </a:p>
@@ -2598,7 +2682,7 @@
             <a:fld id="{7A12CB2B-5BDB-4402-B3D5-B09CE766299D}" type="datetimeFigureOut">
               <a:rPr lang="ru-RU" smtClean="0"/>
               <a:pPr/>
-              <a:t>16.06.2016</a:t>
+              <a:t>19.06.2016</a:t>
             </a:fld>
             <a:endParaRPr lang="ru-RU"/>
           </a:p>
@@ -2864,7 +2948,7 @@
             <a:fld id="{7A12CB2B-5BDB-4402-B3D5-B09CE766299D}" type="datetimeFigureOut">
               <a:rPr lang="ru-RU" smtClean="0"/>
               <a:pPr/>
-              <a:t>16.06.2016</a:t>
+              <a:t>19.06.2016</a:t>
             </a:fld>
             <a:endParaRPr lang="ru-RU"/>
           </a:p>
@@ -3083,7 +3167,7 @@
             <a:fld id="{7A12CB2B-5BDB-4402-B3D5-B09CE766299D}" type="datetimeFigureOut">
               <a:rPr lang="ru-RU" smtClean="0"/>
               <a:pPr/>
-              <a:t>16.06.2016</a:t>
+              <a:t>19.06.2016</a:t>
             </a:fld>
             <a:endParaRPr lang="ru-RU"/>
           </a:p>
@@ -3671,7 +3755,7 @@
       </p:grpSpPr>
       <p:sp>
         <p:nvSpPr>
-          <p:cNvPr id="2" name="Заголовок 1"/>
+          <p:cNvPr id="5" name="Заголовок 4"/>
           <p:cNvSpPr>
             <a:spLocks noGrp="1"/>
           </p:cNvSpPr>
@@ -3681,12 +3765,22 @@
         </p:nvSpPr>
         <p:spPr/>
         <p:txBody>
-          <a:bodyPr/>
+          <a:bodyPr>
+            <a:normAutofit fontScale="90000"/>
+          </a:bodyPr>
           <a:lstStyle/>
           <a:p>
             <a:r>
               <a:rPr lang="uk-UA" dirty="0" smtClean="0"/>
-              <a:t>Схема керування струмом</a:t>
+              <a:t>Робота </a:t>
+            </a:r>
+            <a:r>
+              <a:rPr lang="uk-UA" dirty="0" smtClean="0"/>
+              <a:t>з </a:t>
+            </a:r>
+            <a:r>
+              <a:rPr lang="uk-UA" dirty="0" smtClean="0"/>
+              <a:t>тривимірною графікою</a:t>
             </a:r>
             <a:endParaRPr lang="ru-RU" dirty="0"/>
           </a:p>
@@ -3694,30 +3788,107 @@
       </p:sp>
       <p:sp>
         <p:nvSpPr>
-          <p:cNvPr id="3" name="Содержимое 2"/>
-          <p:cNvSpPr>
-            <a:spLocks noGrp="1"/>
-          </p:cNvSpPr>
-          <p:nvPr>
-            <p:ph idx="1"/>
-          </p:nvPr>
-        </p:nvSpPr>
-        <p:spPr/>
-        <p:txBody>
-          <a:bodyPr/>
-          <a:lstStyle/>
-          <a:p>
-            <a:endParaRPr lang="ru-RU"/>
+          <p:cNvPr id="6" name="Содержимое 5"/>
+          <p:cNvSpPr>
+            <a:spLocks noGrp="1"/>
+          </p:cNvSpPr>
+          <p:nvPr>
+            <p:ph sz="half" idx="1"/>
+          </p:nvPr>
+        </p:nvSpPr>
+        <p:spPr>
+          <a:xfrm>
+            <a:off x="4860032" y="1340768"/>
+            <a:ext cx="4038600" cy="2404864"/>
+          </a:xfrm>
+        </p:spPr>
+        <p:txBody>
+          <a:bodyPr>
+            <a:normAutofit fontScale="92500" lnSpcReduction="20000"/>
+          </a:bodyPr>
+          <a:lstStyle/>
+          <a:p>
+            <a:pPr>
+              <a:buNone/>
+            </a:pPr>
+            <a:r>
+              <a:rPr lang="uk-UA" dirty="0" smtClean="0"/>
+              <a:t>Структура вершини:</a:t>
+            </a:r>
+          </a:p>
+          <a:p>
+            <a:r>
+              <a:rPr lang="uk-UA" dirty="0" smtClean="0"/>
+              <a:t>Координати (</a:t>
+            </a:r>
+            <a:r>
+              <a:rPr lang="en-US" dirty="0" smtClean="0"/>
+              <a:t>x, y, z)</a:t>
+            </a:r>
+            <a:endParaRPr lang="uk-UA" dirty="0" smtClean="0"/>
+          </a:p>
+          <a:p>
+            <a:r>
+              <a:rPr lang="uk-UA" dirty="0" smtClean="0"/>
+              <a:t>Нормаль (</a:t>
+            </a:r>
+            <a:r>
+              <a:rPr lang="en-US" dirty="0" smtClean="0"/>
+              <a:t>x, y, z)</a:t>
+            </a:r>
+            <a:endParaRPr lang="uk-UA" dirty="0" smtClean="0"/>
+          </a:p>
+          <a:p>
+            <a:r>
+              <a:rPr lang="uk-UA" dirty="0" smtClean="0"/>
+              <a:t>Текстура (</a:t>
+            </a:r>
+            <a:r>
+              <a:rPr lang="en-US" dirty="0" smtClean="0"/>
+              <a:t>x, y)</a:t>
+            </a:r>
+            <a:endParaRPr lang="uk-UA" dirty="0" smtClean="0"/>
+          </a:p>
+          <a:p>
+            <a:r>
+              <a:rPr lang="uk-UA" dirty="0" smtClean="0"/>
+              <a:t>Колір </a:t>
+            </a:r>
+            <a:r>
+              <a:rPr lang="en-US" dirty="0" smtClean="0"/>
+              <a:t> (RGBA, 32 </a:t>
+            </a:r>
+            <a:r>
+              <a:rPr lang="uk-UA" dirty="0" smtClean="0"/>
+              <a:t>біти)</a:t>
+            </a:r>
+          </a:p>
+          <a:p>
+            <a:pPr>
+              <a:buNone/>
+            </a:pPr>
+            <a:r>
+              <a:rPr lang="uk-UA" dirty="0" smtClean="0"/>
+              <a:t>Індекси</a:t>
+            </a:r>
+          </a:p>
+          <a:p>
+            <a:pPr>
+              <a:buNone/>
+            </a:pPr>
+            <a:endParaRPr lang="ru-RU" dirty="0"/>
           </a:p>
         </p:txBody>
       </p:sp>
       <p:pic>
         <p:nvPicPr>
-          <p:cNvPr id="3074" name="Picture 2" descr="D:\Diplom\temp\report\DAC.png"/>
+          <p:cNvPr id="34820" name="Picture 4" descr="D:\Diplom\temp\report\3d.png"/>
           <p:cNvPicPr>
-            <a:picLocks noChangeAspect="1" noChangeArrowheads="1"/>
+            <a:picLocks noGrp="1" noChangeAspect="1" noChangeArrowheads="1"/>
           </p:cNvPicPr>
-          <p:nvPr/>
+          <p:nvPr>
+            <p:ph sz="half" idx="2"/>
+          </p:nvPr>
         </p:nvPicPr>
         <p:blipFill>
           <a:blip r:embed="rId2" cstate="print"/>
@@ -3728,8 +3899,8 @@
         </p:blipFill>
         <p:spPr bwMode="auto">
           <a:xfrm>
-            <a:off x="0" y="1772816"/>
-            <a:ext cx="9144000" cy="4505325"/>
+            <a:off x="683568" y="3872776"/>
+            <a:ext cx="7931224" cy="2985224"/>
           </a:xfrm>
           <a:prstGeom prst="rect">
             <a:avLst/>
@@ -3737,6 +3908,94 @@
           <a:noFill/>
         </p:spPr>
       </p:pic>
+      <p:pic>
+        <p:nvPicPr>
+          <p:cNvPr id="7" name="Рисунок 17"/>
+          <p:cNvPicPr>
+            <a:picLocks noChangeAspect="1" noChangeArrowheads="1"/>
+          </p:cNvPicPr>
+          <p:nvPr/>
+        </p:nvPicPr>
+        <p:blipFill>
+          <a:blip r:embed="rId3" cstate="print"/>
+          <a:srcRect/>
+          <a:stretch>
+            <a:fillRect/>
+          </a:stretch>
+        </p:blipFill>
+        <p:spPr bwMode="auto">
+          <a:xfrm>
+            <a:off x="251520" y="1412776"/>
+            <a:ext cx="4499526" cy="2448272"/>
+          </a:xfrm>
+          <a:prstGeom prst="rect">
+            <a:avLst/>
+          </a:prstGeom>
+          <a:noFill/>
+        </p:spPr>
+      </p:pic>
+      <p:sp>
+        <p:nvSpPr>
+          <p:cNvPr id="9" name="TextBox 8"/>
+          <p:cNvSpPr txBox="1"/>
+          <p:nvPr/>
+        </p:nvSpPr>
+        <p:spPr>
+          <a:xfrm rot="-2700000">
+            <a:off x="1438563" y="2188812"/>
+            <a:ext cx="1367841" cy="461665"/>
+          </a:xfrm>
+          <a:prstGeom prst="rect">
+            <a:avLst/>
+          </a:prstGeom>
+          <a:noFill/>
+        </p:spPr>
+        <p:txBody>
+          <a:bodyPr wrap="square" rtlCol="0">
+            <a:spAutoFit/>
+          </a:bodyPr>
+          <a:lstStyle/>
+          <a:p>
+            <a:pPr algn="ctr"/>
+            <a:r>
+              <a:rPr lang="uk-UA" sz="2400" dirty="0" smtClean="0"/>
+              <a:t>Полігон</a:t>
+            </a:r>
+            <a:endParaRPr lang="ru-RU" sz="2400" dirty="0"/>
+          </a:p>
+        </p:txBody>
+      </p:sp>
+      <p:sp>
+        <p:nvSpPr>
+          <p:cNvPr id="10" name="TextBox 9"/>
+          <p:cNvSpPr txBox="1"/>
+          <p:nvPr/>
+        </p:nvSpPr>
+        <p:spPr>
+          <a:xfrm rot="-2700000">
+            <a:off x="2014627" y="2620859"/>
+            <a:ext cx="1367841" cy="461665"/>
+          </a:xfrm>
+          <a:prstGeom prst="rect">
+            <a:avLst/>
+          </a:prstGeom>
+          <a:noFill/>
+        </p:spPr>
+        <p:txBody>
+          <a:bodyPr wrap="square" rtlCol="0">
+            <a:spAutoFit/>
+          </a:bodyPr>
+          <a:lstStyle/>
+          <a:p>
+            <a:pPr algn="ctr"/>
+            <a:r>
+              <a:rPr lang="uk-UA" sz="2400" dirty="0" smtClean="0"/>
+              <a:t>Полігон</a:t>
+            </a:r>
+            <a:endParaRPr lang="ru-RU" sz="2400" dirty="0"/>
+          </a:p>
+        </p:txBody>
+      </p:sp>
     </p:spTree>
   </p:cSld>
   <p:clrMapOvr>
@@ -3779,6 +4038,2582 @@
             <p:ph type="title"/>
           </p:nvPr>
         </p:nvSpPr>
+        <p:spPr>
+          <a:xfrm>
+            <a:off x="457200" y="274638"/>
+            <a:ext cx="5554960" cy="1143000"/>
+          </a:xfrm>
+        </p:spPr>
+        <p:txBody>
+          <a:bodyPr>
+            <a:normAutofit fontScale="90000"/>
+          </a:bodyPr>
+          <a:lstStyle/>
+          <a:p>
+            <a:r>
+              <a:rPr lang="uk-UA" dirty="0" smtClean="0"/>
+              <a:t>Алгоритм побудови поверхні</a:t>
+            </a:r>
+            <a:endParaRPr lang="ru-RU" dirty="0"/>
+          </a:p>
+        </p:txBody>
+      </p:sp>
+      <p:sp>
+        <p:nvSpPr>
+          <p:cNvPr id="21506" name="Rectangle 2"/>
+          <p:cNvSpPr>
+            <a:spLocks noChangeArrowheads="1"/>
+          </p:cNvSpPr>
+          <p:nvPr/>
+        </p:nvSpPr>
+        <p:spPr bwMode="auto">
+          <a:xfrm>
+            <a:off x="0" y="0"/>
+            <a:ext cx="9144000" cy="457200"/>
+          </a:xfrm>
+          <a:prstGeom prst="rect">
+            <a:avLst/>
+          </a:prstGeom>
+          <a:noFill/>
+          <a:ln w="9525">
+            <a:noFill/>
+            <a:miter lim="800000"/>
+            <a:headEnd/>
+            <a:tailEnd/>
+          </a:ln>
+          <a:effectLst/>
+        </p:spPr>
+        <p:txBody>
+          <a:bodyPr vert="horz" wrap="none" lIns="91440" tIns="45720" rIns="91440" bIns="45720" numCol="1" anchor="ctr" anchorCtr="0" compatLnSpc="1">
+            <a:prstTxWarp prst="textNoShape">
+              <a:avLst/>
+            </a:prstTxWarp>
+            <a:spAutoFit/>
+          </a:bodyPr>
+          <a:lstStyle/>
+          <a:p>
+            <a:endParaRPr lang="ru-RU"/>
+          </a:p>
+        </p:txBody>
+      </p:sp>
+      <p:sp>
+        <p:nvSpPr>
+          <p:cNvPr id="21508" name="Rectangle 4"/>
+          <p:cNvSpPr>
+            <a:spLocks noChangeArrowheads="1"/>
+          </p:cNvSpPr>
+          <p:nvPr/>
+        </p:nvSpPr>
+        <p:spPr bwMode="auto">
+          <a:xfrm>
+            <a:off x="0" y="0"/>
+            <a:ext cx="9144000" cy="457200"/>
+          </a:xfrm>
+          <a:prstGeom prst="rect">
+            <a:avLst/>
+          </a:prstGeom>
+          <a:noFill/>
+          <a:ln w="9525">
+            <a:noFill/>
+            <a:miter lim="800000"/>
+            <a:headEnd/>
+            <a:tailEnd/>
+          </a:ln>
+          <a:effectLst/>
+        </p:spPr>
+        <p:txBody>
+          <a:bodyPr vert="horz" wrap="none" lIns="91440" tIns="45720" rIns="91440" bIns="45720" numCol="1" anchor="ctr" anchorCtr="0" compatLnSpc="1">
+            <a:prstTxWarp prst="textNoShape">
+              <a:avLst/>
+            </a:prstTxWarp>
+            <a:spAutoFit/>
+          </a:bodyPr>
+          <a:lstStyle/>
+          <a:p>
+            <a:endParaRPr lang="ru-RU"/>
+          </a:p>
+        </p:txBody>
+      </p:sp>
+      <p:sp>
+        <p:nvSpPr>
+          <p:cNvPr id="21510" name="Rectangle 6"/>
+          <p:cNvSpPr>
+            <a:spLocks noChangeArrowheads="1"/>
+          </p:cNvSpPr>
+          <p:nvPr/>
+        </p:nvSpPr>
+        <p:spPr bwMode="auto">
+          <a:xfrm>
+            <a:off x="0" y="0"/>
+            <a:ext cx="9144000" cy="457200"/>
+          </a:xfrm>
+          <a:prstGeom prst="rect">
+            <a:avLst/>
+          </a:prstGeom>
+          <a:noFill/>
+          <a:ln w="9525">
+            <a:noFill/>
+            <a:miter lim="800000"/>
+            <a:headEnd/>
+            <a:tailEnd/>
+          </a:ln>
+          <a:effectLst/>
+        </p:spPr>
+        <p:txBody>
+          <a:bodyPr vert="horz" wrap="none" lIns="91440" tIns="45720" rIns="91440" bIns="45720" numCol="1" anchor="ctr" anchorCtr="0" compatLnSpc="1">
+            <a:prstTxWarp prst="textNoShape">
+              <a:avLst/>
+            </a:prstTxWarp>
+            <a:spAutoFit/>
+          </a:bodyPr>
+          <a:lstStyle/>
+          <a:p>
+            <a:endParaRPr lang="ru-RU"/>
+          </a:p>
+        </p:txBody>
+      </p:sp>
+      <p:sp>
+        <p:nvSpPr>
+          <p:cNvPr id="21512" name="Rectangle 8"/>
+          <p:cNvSpPr>
+            <a:spLocks noChangeArrowheads="1"/>
+          </p:cNvSpPr>
+          <p:nvPr/>
+        </p:nvSpPr>
+        <p:spPr bwMode="auto">
+          <a:xfrm>
+            <a:off x="0" y="0"/>
+            <a:ext cx="9144000" cy="457200"/>
+          </a:xfrm>
+          <a:prstGeom prst="rect">
+            <a:avLst/>
+          </a:prstGeom>
+          <a:noFill/>
+          <a:ln w="9525">
+            <a:noFill/>
+            <a:miter lim="800000"/>
+            <a:headEnd/>
+            <a:tailEnd/>
+          </a:ln>
+          <a:effectLst/>
+        </p:spPr>
+        <p:txBody>
+          <a:bodyPr vert="horz" wrap="none" lIns="91440" tIns="45720" rIns="91440" bIns="45720" numCol="1" anchor="ctr" anchorCtr="0" compatLnSpc="1">
+            <a:prstTxWarp prst="textNoShape">
+              <a:avLst/>
+            </a:prstTxWarp>
+            <a:spAutoFit/>
+          </a:bodyPr>
+          <a:lstStyle/>
+          <a:p>
+            <a:endParaRPr lang="ru-RU"/>
+          </a:p>
+        </p:txBody>
+      </p:sp>
+      <p:pic>
+        <p:nvPicPr>
+          <p:cNvPr id="21511" name="Рисунок 9"/>
+          <p:cNvPicPr>
+            <a:picLocks noChangeAspect="1" noChangeArrowheads="1"/>
+          </p:cNvPicPr>
+          <p:nvPr/>
+        </p:nvPicPr>
+        <p:blipFill>
+          <a:blip r:embed="rId2" cstate="print"/>
+          <a:srcRect/>
+          <a:stretch>
+            <a:fillRect/>
+          </a:stretch>
+        </p:blipFill>
+        <p:spPr bwMode="auto">
+          <a:xfrm>
+            <a:off x="2987824" y="332656"/>
+            <a:ext cx="5943600" cy="6305550"/>
+          </a:xfrm>
+          <a:prstGeom prst="rect">
+            <a:avLst/>
+          </a:prstGeom>
+          <a:noFill/>
+        </p:spPr>
+      </p:pic>
+      <p:pic>
+        <p:nvPicPr>
+          <p:cNvPr id="21513" name="Picture 9" descr="D:\Diplom\temp\report\mass.png"/>
+          <p:cNvPicPr>
+            <a:picLocks noChangeAspect="1" noChangeArrowheads="1"/>
+          </p:cNvPicPr>
+          <p:nvPr/>
+        </p:nvPicPr>
+        <p:blipFill>
+          <a:blip r:embed="rId3" cstate="print"/>
+          <a:srcRect/>
+          <a:stretch>
+            <a:fillRect/>
+          </a:stretch>
+        </p:blipFill>
+        <p:spPr bwMode="auto">
+          <a:xfrm>
+            <a:off x="539552" y="3140968"/>
+            <a:ext cx="4000501" cy="3517900"/>
+          </a:xfrm>
+          <a:prstGeom prst="rect">
+            <a:avLst/>
+          </a:prstGeom>
+          <a:noFill/>
+        </p:spPr>
+      </p:pic>
+    </p:spTree>
+  </p:cSld>
+  <p:clrMapOvr>
+    <a:masterClrMapping/>
+  </p:clrMapOvr>
+  <p:timing>
+    <p:tnLst>
+      <p:par>
+        <p:cTn id="1" dur="indefinite" restart="never" nodeType="tmRoot"/>
+      </p:par>
+    </p:tnLst>
+  </p:timing>
+</p:sld>
+</file>
+
+<file path=ppt/slides/slide12.xml><?xml version="1.0" encoding="utf-8"?>
+<p:sld xmlns:a="http://schemas.openxmlformats.org/drawingml/2006/main" xmlns:r="http://schemas.openxmlformats.org/officeDocument/2006/relationships" xmlns:p="http://schemas.openxmlformats.org/presentationml/2006/main">
+  <p:cSld>
+    <p:spTree>
+      <p:nvGrpSpPr>
+        <p:cNvPr id="1" name=""/>
+        <p:cNvGrpSpPr/>
+        <p:nvPr/>
+      </p:nvGrpSpPr>
+      <p:grpSpPr>
+        <a:xfrm>
+          <a:off x="0" y="0"/>
+          <a:ext cx="0" cy="0"/>
+          <a:chOff x="0" y="0"/>
+          <a:chExt cx="0" cy="0"/>
+        </a:xfrm>
+      </p:grpSpPr>
+      <p:sp>
+        <p:nvSpPr>
+          <p:cNvPr id="2" name="Заголовок 1"/>
+          <p:cNvSpPr>
+            <a:spLocks noGrp="1"/>
+          </p:cNvSpPr>
+          <p:nvPr>
+            <p:ph type="title"/>
+          </p:nvPr>
+        </p:nvSpPr>
+        <p:spPr>
+          <a:xfrm>
+            <a:off x="457200" y="274638"/>
+            <a:ext cx="3826768" cy="1143000"/>
+          </a:xfrm>
+        </p:spPr>
+        <p:txBody>
+          <a:bodyPr>
+            <a:normAutofit fontScale="90000"/>
+          </a:bodyPr>
+          <a:lstStyle/>
+          <a:p>
+            <a:r>
+              <a:rPr lang="uk-UA" dirty="0" smtClean="0"/>
+              <a:t>Алгоритм побудови сітки</a:t>
+            </a:r>
+            <a:endParaRPr lang="ru-RU" dirty="0"/>
+          </a:p>
+        </p:txBody>
+      </p:sp>
+      <p:sp>
+        <p:nvSpPr>
+          <p:cNvPr id="3" name="Содержимое 2"/>
+          <p:cNvSpPr>
+            <a:spLocks noGrp="1"/>
+          </p:cNvSpPr>
+          <p:nvPr>
+            <p:ph idx="1"/>
+          </p:nvPr>
+        </p:nvSpPr>
+        <p:spPr>
+          <a:xfrm>
+            <a:off x="323528" y="5085184"/>
+            <a:ext cx="5544616" cy="1080120"/>
+          </a:xfrm>
+        </p:spPr>
+        <p:txBody>
+          <a:bodyPr/>
+          <a:lstStyle/>
+          <a:p>
+            <a:pPr algn="just">
+              <a:buNone/>
+            </a:pPr>
+            <a:r>
+              <a:rPr lang="en-US" sz="2000" dirty="0" smtClean="0"/>
+              <a:t>v1, v2 –</a:t>
+            </a:r>
+            <a:r>
+              <a:rPr lang="uk-UA" sz="2000" dirty="0" smtClean="0"/>
+              <a:t>початкова та кінцева точки;</a:t>
+            </a:r>
+            <a:endParaRPr lang="en-US" sz="2000" dirty="0" smtClean="0"/>
+          </a:p>
+          <a:p>
+            <a:pPr algn="just">
+              <a:buNone/>
+            </a:pPr>
+            <a:r>
+              <a:rPr lang="en-US" sz="2000" dirty="0" smtClean="0"/>
+              <a:t>Object – </a:t>
+            </a:r>
+            <a:r>
+              <a:rPr lang="uk-UA" sz="2000" dirty="0" smtClean="0"/>
+              <a:t>клас об'єкта в тривимірному просторі;</a:t>
+            </a:r>
+          </a:p>
+          <a:p>
+            <a:pPr>
+              <a:buNone/>
+            </a:pPr>
+            <a:endParaRPr lang="ru-RU" dirty="0"/>
+          </a:p>
+        </p:txBody>
+      </p:sp>
+      <p:sp>
+        <p:nvSpPr>
+          <p:cNvPr id="1026" name="Rectangle 2"/>
+          <p:cNvSpPr>
+            <a:spLocks noChangeArrowheads="1"/>
+          </p:cNvSpPr>
+          <p:nvPr/>
+        </p:nvSpPr>
+        <p:spPr bwMode="auto">
+          <a:xfrm>
+            <a:off x="0" y="0"/>
+            <a:ext cx="9144000" cy="457200"/>
+          </a:xfrm>
+          <a:prstGeom prst="rect">
+            <a:avLst/>
+          </a:prstGeom>
+          <a:noFill/>
+          <a:ln w="9525">
+            <a:noFill/>
+            <a:miter lim="800000"/>
+            <a:headEnd/>
+            <a:tailEnd/>
+          </a:ln>
+          <a:effectLst/>
+        </p:spPr>
+        <p:txBody>
+          <a:bodyPr vert="horz" wrap="none" lIns="91440" tIns="45720" rIns="91440" bIns="45720" numCol="1" anchor="ctr" anchorCtr="0" compatLnSpc="1">
+            <a:prstTxWarp prst="textNoShape">
+              <a:avLst/>
+            </a:prstTxWarp>
+            <a:spAutoFit/>
+          </a:bodyPr>
+          <a:lstStyle/>
+          <a:p>
+            <a:endParaRPr lang="ru-RU"/>
+          </a:p>
+        </p:txBody>
+      </p:sp>
+      <p:pic>
+        <p:nvPicPr>
+          <p:cNvPr id="1025" name="Рисунок 1"/>
+          <p:cNvPicPr>
+            <a:picLocks noChangeAspect="1" noChangeArrowheads="1"/>
+          </p:cNvPicPr>
+          <p:nvPr/>
+        </p:nvPicPr>
+        <p:blipFill>
+          <a:blip r:embed="rId2" cstate="print"/>
+          <a:srcRect/>
+          <a:stretch>
+            <a:fillRect/>
+          </a:stretch>
+        </p:blipFill>
+        <p:spPr bwMode="auto">
+          <a:xfrm>
+            <a:off x="4572000" y="332656"/>
+            <a:ext cx="4200525" cy="6057900"/>
+          </a:xfrm>
+          <a:prstGeom prst="rect">
+            <a:avLst/>
+          </a:prstGeom>
+          <a:noFill/>
+        </p:spPr>
+      </p:pic>
+      <p:pic>
+        <p:nvPicPr>
+          <p:cNvPr id="4" name="Picture 2" descr="D:\Diplom\TempDocs\Report\gridElement.png"/>
+          <p:cNvPicPr>
+            <a:picLocks noChangeAspect="1" noChangeArrowheads="1"/>
+          </p:cNvPicPr>
+          <p:nvPr/>
+        </p:nvPicPr>
+        <p:blipFill>
+          <a:blip r:embed="rId3" cstate="print"/>
+          <a:srcRect/>
+          <a:stretch>
+            <a:fillRect/>
+          </a:stretch>
+        </p:blipFill>
+        <p:spPr bwMode="auto">
+          <a:xfrm>
+            <a:off x="1259632" y="1988840"/>
+            <a:ext cx="2114550" cy="2171700"/>
+          </a:xfrm>
+          <a:prstGeom prst="rect">
+            <a:avLst/>
+          </a:prstGeom>
+          <a:noFill/>
+        </p:spPr>
+      </p:pic>
+      <p:sp>
+        <p:nvSpPr>
+          <p:cNvPr id="7" name="TextBox 6"/>
+          <p:cNvSpPr txBox="1"/>
+          <p:nvPr/>
+        </p:nvSpPr>
+        <p:spPr>
+          <a:xfrm>
+            <a:off x="1331640" y="4149080"/>
+            <a:ext cx="1584176" cy="369332"/>
+          </a:xfrm>
+          <a:prstGeom prst="rect">
+            <a:avLst/>
+          </a:prstGeom>
+          <a:noFill/>
+        </p:spPr>
+        <p:txBody>
+          <a:bodyPr wrap="square" rtlCol="0">
+            <a:spAutoFit/>
+          </a:bodyPr>
+          <a:lstStyle/>
+          <a:p>
+            <a:r>
+              <a:rPr lang="en-US" dirty="0" smtClean="0"/>
+              <a:t>v1 (x1, y1, z1)</a:t>
+            </a:r>
+            <a:endParaRPr lang="ru-RU" dirty="0"/>
+          </a:p>
+        </p:txBody>
+      </p:sp>
+      <p:sp>
+        <p:nvSpPr>
+          <p:cNvPr id="9" name="TextBox 8"/>
+          <p:cNvSpPr txBox="1"/>
+          <p:nvPr/>
+        </p:nvSpPr>
+        <p:spPr>
+          <a:xfrm>
+            <a:off x="2627784" y="1628800"/>
+            <a:ext cx="1584176" cy="369332"/>
+          </a:xfrm>
+          <a:prstGeom prst="rect">
+            <a:avLst/>
+          </a:prstGeom>
+          <a:noFill/>
+        </p:spPr>
+        <p:txBody>
+          <a:bodyPr wrap="square" rtlCol="0">
+            <a:spAutoFit/>
+          </a:bodyPr>
+          <a:lstStyle/>
+          <a:p>
+            <a:r>
+              <a:rPr lang="en-US" dirty="0" smtClean="0"/>
+              <a:t>v2 (x2, y2, z2)</a:t>
+            </a:r>
+            <a:endParaRPr lang="ru-RU" dirty="0"/>
+          </a:p>
+        </p:txBody>
+      </p:sp>
+    </p:spTree>
+  </p:cSld>
+  <p:clrMapOvr>
+    <a:masterClrMapping/>
+  </p:clrMapOvr>
+</p:sld>
+</file>
+
+<file path=ppt/slides/slide13.xml><?xml version="1.0" encoding="utf-8"?>
+<p:sld xmlns:a="http://schemas.openxmlformats.org/drawingml/2006/main" xmlns:r="http://schemas.openxmlformats.org/officeDocument/2006/relationships" xmlns:p="http://schemas.openxmlformats.org/presentationml/2006/main">
+  <p:cSld>
+    <p:spTree>
+      <p:nvGrpSpPr>
+        <p:cNvPr id="1" name=""/>
+        <p:cNvGrpSpPr/>
+        <p:nvPr/>
+      </p:nvGrpSpPr>
+      <p:grpSpPr>
+        <a:xfrm>
+          <a:off x="0" y="0"/>
+          <a:ext cx="0" cy="0"/>
+          <a:chOff x="0" y="0"/>
+          <a:chExt cx="0" cy="0"/>
+        </a:xfrm>
+      </p:grpSpPr>
+      <p:sp>
+        <p:nvSpPr>
+          <p:cNvPr id="2" name="Заголовок 1"/>
+          <p:cNvSpPr>
+            <a:spLocks noGrp="1"/>
+          </p:cNvSpPr>
+          <p:nvPr>
+            <p:ph type="title"/>
+          </p:nvPr>
+        </p:nvSpPr>
+        <p:spPr>
+          <a:xfrm>
+            <a:off x="457200" y="274638"/>
+            <a:ext cx="8229600" cy="994122"/>
+          </a:xfrm>
+        </p:spPr>
+        <p:txBody>
+          <a:bodyPr/>
+          <a:lstStyle/>
+          <a:p>
+            <a:r>
+              <a:rPr lang="uk-UA" dirty="0" smtClean="0"/>
+              <a:t>Висновки</a:t>
+            </a:r>
+            <a:endParaRPr lang="ru-RU" dirty="0"/>
+          </a:p>
+        </p:txBody>
+      </p:sp>
+      <p:sp>
+        <p:nvSpPr>
+          <p:cNvPr id="4" name="Прямоугольник 3"/>
+          <p:cNvSpPr/>
+          <p:nvPr/>
+        </p:nvSpPr>
+        <p:spPr>
+          <a:xfrm>
+            <a:off x="251520" y="1268760"/>
+            <a:ext cx="8640960" cy="5355312"/>
+          </a:xfrm>
+          <a:prstGeom prst="rect">
+            <a:avLst/>
+          </a:prstGeom>
+        </p:spPr>
+        <p:txBody>
+          <a:bodyPr wrap="square">
+            <a:spAutoFit/>
+          </a:bodyPr>
+          <a:lstStyle/>
+          <a:p>
+            <a:pPr algn="just"/>
+            <a:r>
+              <a:rPr lang="en-US" dirty="0" smtClean="0"/>
+              <a:t>	</a:t>
+            </a:r>
+            <a:r>
+              <a:rPr lang="uk-UA" dirty="0" smtClean="0"/>
+              <a:t>1. За результатами аналітичного огляду встановлено, що в даний час немає жодного комерційного зразка характерографа, який використовує тривимірну графіку для відображення результатів.</a:t>
+            </a:r>
+            <a:endParaRPr lang="ru-RU" dirty="0" smtClean="0"/>
+          </a:p>
+          <a:p>
+            <a:pPr algn="just"/>
+            <a:r>
+              <a:rPr lang="en-US" dirty="0" smtClean="0"/>
+              <a:t>	</a:t>
+            </a:r>
+            <a:r>
+              <a:rPr lang="uk-UA" dirty="0" smtClean="0"/>
+              <a:t>2. Розроблена система дозволяє проводити вимірювання вольт-амперних характеристик біполярних транзисторів. Вона включає апаратну частину, що проводить власне вимірювання та програмну, що відображає результати на екрані персонального комп’ютера. Особливістю даного рішення є використання тривимірної графіки.</a:t>
+            </a:r>
+            <a:endParaRPr lang="ru-RU" dirty="0" smtClean="0"/>
+          </a:p>
+          <a:p>
+            <a:pPr algn="just"/>
+            <a:r>
+              <a:rPr lang="en-US" dirty="0" smtClean="0"/>
+              <a:t>	</a:t>
+            </a:r>
+            <a:r>
+              <a:rPr lang="uk-UA" dirty="0" smtClean="0"/>
+              <a:t>3. Як показав аналіз можливих рішень, найбільш простий і дешевий спосіб організації передачі даних за допомогою шини USB — використання мікроконтролера PIC18F4550, з вбудованим USB модулем.</a:t>
+            </a:r>
+            <a:endParaRPr lang="ru-RU" dirty="0" smtClean="0"/>
+          </a:p>
+          <a:p>
+            <a:pPr algn="just"/>
+            <a:r>
+              <a:rPr lang="en-US" dirty="0" smtClean="0"/>
+              <a:t>	</a:t>
+            </a:r>
+            <a:r>
+              <a:rPr lang="uk-UA" dirty="0" smtClean="0"/>
+              <a:t>4. Розроблена система має такі основні параметри:</a:t>
+            </a:r>
+            <a:endParaRPr lang="ru-RU" dirty="0" smtClean="0"/>
+          </a:p>
+          <a:p>
+            <a:pPr algn="just">
+              <a:buFont typeface="Wingdings" pitchFamily="2" charset="2"/>
+              <a:buChar char="Ø"/>
+            </a:pPr>
+            <a:r>
+              <a:rPr lang="uk-UA" dirty="0" smtClean="0"/>
+              <a:t>Керована напруга від 0 до 50 В з кроком 0,05 В;</a:t>
+            </a:r>
+            <a:endParaRPr lang="ru-RU" dirty="0" smtClean="0"/>
+          </a:p>
+          <a:p>
+            <a:pPr algn="just">
+              <a:buFont typeface="Wingdings" pitchFamily="2" charset="2"/>
+              <a:buChar char="Ø"/>
+            </a:pPr>
+            <a:r>
+              <a:rPr lang="uk-UA" dirty="0" smtClean="0"/>
+              <a:t>Керований струм бази від 0 до 10 мА з кроком 40 мкА;</a:t>
+            </a:r>
+            <a:endParaRPr lang="ru-RU" dirty="0" smtClean="0"/>
+          </a:p>
+          <a:p>
+            <a:pPr algn="just">
+              <a:buFont typeface="Wingdings" pitchFamily="2" charset="2"/>
+              <a:buChar char="Ø"/>
+            </a:pPr>
+            <a:r>
+              <a:rPr lang="uk-UA" dirty="0" smtClean="0"/>
+              <a:t>Похибка вимірювання струму колектора не перевищує 250 мкА;</a:t>
+            </a:r>
+            <a:endParaRPr lang="ru-RU" dirty="0" smtClean="0"/>
+          </a:p>
+          <a:p>
+            <a:pPr algn="just">
+              <a:buFont typeface="Wingdings" pitchFamily="2" charset="2"/>
+              <a:buChar char="Ø"/>
+            </a:pPr>
+            <a:r>
+              <a:rPr lang="uk-UA" dirty="0" smtClean="0"/>
+              <a:t>Максимальна роздільна здатність — 262144 точок.</a:t>
+            </a:r>
+            <a:endParaRPr lang="ru-RU" dirty="0" smtClean="0"/>
+          </a:p>
+          <a:p>
+            <a:pPr algn="just"/>
+            <a:r>
+              <a:rPr lang="en-US" dirty="0" smtClean="0"/>
+              <a:t>	</a:t>
+            </a:r>
+            <a:r>
+              <a:rPr lang="uk-UA" dirty="0" smtClean="0"/>
+              <a:t>5. Наведені параметри було підтверджено в результаті тестування на моделях транзисторів з відомими характеристиками. Час вимірювання характеристики розміром 12х12 точок складає приблизно 20 секунд.</a:t>
+            </a:r>
+            <a:endParaRPr lang="ru-RU" dirty="0"/>
+          </a:p>
+        </p:txBody>
+      </p:sp>
+    </p:spTree>
+  </p:cSld>
+  <p:clrMapOvr>
+    <a:masterClrMapping/>
+  </p:clrMapOvr>
+  <p:timing>
+    <p:tnLst>
+      <p:par>
+        <p:cTn id="1" dur="indefinite" restart="never" nodeType="tmRoot"/>
+      </p:par>
+    </p:tnLst>
+  </p:timing>
+</p:sld>
+</file>
+
+<file path=ppt/slides/slide14.xml><?xml version="1.0" encoding="utf-8"?>
+<p:sld xmlns:a="http://schemas.openxmlformats.org/drawingml/2006/main" xmlns:r="http://schemas.openxmlformats.org/officeDocument/2006/relationships" xmlns:p="http://schemas.openxmlformats.org/presentationml/2006/main">
+  <p:cSld>
+    <p:spTree>
+      <p:nvGrpSpPr>
+        <p:cNvPr id="1" name=""/>
+        <p:cNvGrpSpPr/>
+        <p:nvPr/>
+      </p:nvGrpSpPr>
+      <p:grpSpPr>
+        <a:xfrm>
+          <a:off x="0" y="0"/>
+          <a:ext cx="0" cy="0"/>
+          <a:chOff x="0" y="0"/>
+          <a:chExt cx="0" cy="0"/>
+        </a:xfrm>
+      </p:grpSpPr>
+      <p:sp>
+        <p:nvSpPr>
+          <p:cNvPr id="2" name="Заголовок 1"/>
+          <p:cNvSpPr>
+            <a:spLocks noGrp="1"/>
+          </p:cNvSpPr>
+          <p:nvPr>
+            <p:ph type="title"/>
+          </p:nvPr>
+        </p:nvSpPr>
+        <p:spPr/>
+        <p:txBody>
+          <a:bodyPr/>
+          <a:lstStyle/>
+          <a:p>
+            <a:endParaRPr lang="ru-RU"/>
+          </a:p>
+        </p:txBody>
+      </p:sp>
+      <p:sp>
+        <p:nvSpPr>
+          <p:cNvPr id="3" name="Содержимое 2"/>
+          <p:cNvSpPr>
+            <a:spLocks noGrp="1"/>
+          </p:cNvSpPr>
+          <p:nvPr>
+            <p:ph idx="1"/>
+          </p:nvPr>
+        </p:nvSpPr>
+        <p:spPr/>
+        <p:txBody>
+          <a:bodyPr/>
+          <a:lstStyle/>
+          <a:p>
+            <a:endParaRPr lang="ru-RU"/>
+          </a:p>
+        </p:txBody>
+      </p:sp>
+    </p:spTree>
+  </p:cSld>
+  <p:clrMapOvr>
+    <a:masterClrMapping/>
+  </p:clrMapOvr>
+</p:sld>
+</file>
+
+<file path=ppt/slides/slide15.xml><?xml version="1.0" encoding="utf-8"?>
+<p:sld xmlns:a="http://schemas.openxmlformats.org/drawingml/2006/main" xmlns:r="http://schemas.openxmlformats.org/officeDocument/2006/relationships" xmlns:p="http://schemas.openxmlformats.org/presentationml/2006/main">
+  <p:cSld>
+    <p:spTree>
+      <p:nvGrpSpPr>
+        <p:cNvPr id="1" name=""/>
+        <p:cNvGrpSpPr/>
+        <p:nvPr/>
+      </p:nvGrpSpPr>
+      <p:grpSpPr>
+        <a:xfrm>
+          <a:off x="0" y="0"/>
+          <a:ext cx="0" cy="0"/>
+          <a:chOff x="0" y="0"/>
+          <a:chExt cx="0" cy="0"/>
+        </a:xfrm>
+      </p:grpSpPr>
+      <p:sp>
+        <p:nvSpPr>
+          <p:cNvPr id="2" name="Заголовок 1"/>
+          <p:cNvSpPr>
+            <a:spLocks noGrp="1"/>
+          </p:cNvSpPr>
+          <p:nvPr>
+            <p:ph type="title"/>
+          </p:nvPr>
+        </p:nvSpPr>
+        <p:spPr/>
+        <p:txBody>
+          <a:bodyPr/>
+          <a:lstStyle/>
+          <a:p>
+            <a:r>
+              <a:rPr lang="uk-UA" dirty="0" smtClean="0"/>
+              <a:t>Загальний вигляд</a:t>
+            </a:r>
+            <a:endParaRPr lang="ru-RU" dirty="0"/>
+          </a:p>
+        </p:txBody>
+      </p:sp>
+      <p:pic>
+        <p:nvPicPr>
+          <p:cNvPr id="4" name="Содержимое 3"/>
+          <p:cNvPicPr>
+            <a:picLocks noGrp="1"/>
+          </p:cNvPicPr>
+          <p:nvPr>
+            <p:ph idx="1"/>
+          </p:nvPr>
+        </p:nvPicPr>
+        <p:blipFill>
+          <a:blip r:embed="rId2" cstate="print">
+            <a:extLst>
+              <a:ext uri="{28A0092B-C50C-407E-A947-70E740481C1C}">
+                <a14:useLocalDpi xmlns="" xmlns:wpc="http://schemas.microsoft.com/office/word/2010/wordprocessingCanvas" xmlns:mc="http://schemas.openxmlformats.org/markup-compatibility/2006" xmlns:o="urn:schemas-microsoft-com:office:office" xmlns:m="http://schemas.openxmlformats.org/officeDocument/2006/math" xmlns:v="urn:schemas-microsoft-com:vml" xmlns:wp14="http://schemas.microsoft.com/office/word/2010/wordprocessingDrawing" xmlns:wp="http://schemas.openxmlformats.org/drawingml/2006/wordprocessingDrawing" xmlns:w10="urn:schemas-microsoft-com:office:word" xmlns:w="http://schemas.openxmlformats.org/wordprocessingml/2006/main" xmlns:w14="http://schemas.microsoft.com/office/word/2010/wordml" xmlns:wpg="http://schemas.microsoft.com/office/word/2010/wordprocessingGroup" xmlns:wpi="http://schemas.microsoft.com/office/word/2010/wordprocessingInk" xmlns:wne="http://schemas.microsoft.com/office/word/2006/wordml" xmlns:wps="http://schemas.microsoft.com/office/word/2010/wordprocessingShape" xmlns:a14="http://schemas.microsoft.com/office/drawing/2010/main" xmlns:pic="http://schemas.openxmlformats.org/drawingml/2006/picture" xmlns:lc="http://schemas.openxmlformats.org/drawingml/2006/lockedCanvas" val="0"/>
+              </a:ext>
+            </a:extLst>
+          </a:blip>
+          <a:stretch>
+            <a:fillRect/>
+          </a:stretch>
+        </p:blipFill>
+        <p:spPr bwMode="auto">
+          <a:xfrm>
+            <a:off x="1403648" y="1412776"/>
+            <a:ext cx="6208724" cy="4925144"/>
+          </a:xfrm>
+          <a:prstGeom prst="rect">
+            <a:avLst/>
+          </a:prstGeom>
+          <a:noFill/>
+          <a:ln>
+            <a:noFill/>
+          </a:ln>
+        </p:spPr>
+      </p:pic>
+    </p:spTree>
+  </p:cSld>
+  <p:clrMapOvr>
+    <a:masterClrMapping/>
+  </p:clrMapOvr>
+  <p:timing>
+    <p:tnLst>
+      <p:par>
+        <p:cTn id="1" dur="indefinite" restart="never" nodeType="tmRoot"/>
+      </p:par>
+    </p:tnLst>
+  </p:timing>
+</p:sld>
+</file>
+
+<file path=ppt/slides/slide16.xml><?xml version="1.0" encoding="utf-8"?>
+<p:sld xmlns:a="http://schemas.openxmlformats.org/drawingml/2006/main" xmlns:r="http://schemas.openxmlformats.org/officeDocument/2006/relationships" xmlns:p="http://schemas.openxmlformats.org/presentationml/2006/main">
+  <p:cSld>
+    <p:spTree>
+      <p:nvGrpSpPr>
+        <p:cNvPr id="1" name=""/>
+        <p:cNvGrpSpPr/>
+        <p:nvPr/>
+      </p:nvGrpSpPr>
+      <p:grpSpPr>
+        <a:xfrm>
+          <a:off x="0" y="0"/>
+          <a:ext cx="0" cy="0"/>
+          <a:chOff x="0" y="0"/>
+          <a:chExt cx="0" cy="0"/>
+        </a:xfrm>
+      </p:grpSpPr>
+      <p:sp>
+        <p:nvSpPr>
+          <p:cNvPr id="2" name="Заголовок 1"/>
+          <p:cNvSpPr>
+            <a:spLocks noGrp="1"/>
+          </p:cNvSpPr>
+          <p:nvPr>
+            <p:ph type="title"/>
+          </p:nvPr>
+        </p:nvSpPr>
+        <p:spPr/>
+        <p:txBody>
+          <a:bodyPr/>
+          <a:lstStyle/>
+          <a:p>
+            <a:r>
+              <a:rPr lang="uk-UA" dirty="0" smtClean="0"/>
+              <a:t>Л2-100 ТЕКО</a:t>
+            </a:r>
+            <a:endParaRPr lang="ru-RU" dirty="0"/>
+          </a:p>
+        </p:txBody>
+      </p:sp>
+      <p:pic>
+        <p:nvPicPr>
+          <p:cNvPr id="1027" name="Picture 3" descr="D:\Diplom\temp\L2_100.png"/>
+          <p:cNvPicPr>
+            <a:picLocks noGrp="1" noChangeAspect="1" noChangeArrowheads="1"/>
+          </p:cNvPicPr>
+          <p:nvPr>
+            <p:ph idx="1"/>
+          </p:nvPr>
+        </p:nvPicPr>
+        <p:blipFill>
+          <a:blip r:embed="rId2" cstate="print"/>
+          <a:stretch>
+            <a:fillRect/>
+          </a:stretch>
+        </p:blipFill>
+        <p:spPr bwMode="auto">
+          <a:xfrm>
+            <a:off x="1619672" y="1628800"/>
+            <a:ext cx="6048672" cy="4148963"/>
+          </a:xfrm>
+          <a:prstGeom prst="rect">
+            <a:avLst/>
+          </a:prstGeom>
+          <a:noFill/>
+        </p:spPr>
+      </p:pic>
+    </p:spTree>
+  </p:cSld>
+  <p:clrMapOvr>
+    <a:masterClrMapping/>
+  </p:clrMapOvr>
+  <p:timing>
+    <p:tnLst>
+      <p:par>
+        <p:cTn id="1" dur="indefinite" restart="never" nodeType="tmRoot"/>
+      </p:par>
+    </p:tnLst>
+  </p:timing>
+</p:sld>
+</file>
+
+<file path=ppt/slides/slide17.xml><?xml version="1.0" encoding="utf-8"?>
+<p:sld xmlns:a="http://schemas.openxmlformats.org/drawingml/2006/main" xmlns:r="http://schemas.openxmlformats.org/officeDocument/2006/relationships" xmlns:p="http://schemas.openxmlformats.org/presentationml/2006/main">
+  <p:cSld>
+    <p:spTree>
+      <p:nvGrpSpPr>
+        <p:cNvPr id="1" name=""/>
+        <p:cNvGrpSpPr/>
+        <p:nvPr/>
+      </p:nvGrpSpPr>
+      <p:grpSpPr>
+        <a:xfrm>
+          <a:off x="0" y="0"/>
+          <a:ext cx="0" cy="0"/>
+          <a:chOff x="0" y="0"/>
+          <a:chExt cx="0" cy="0"/>
+        </a:xfrm>
+      </p:grpSpPr>
+      <p:sp>
+        <p:nvSpPr>
+          <p:cNvPr id="2" name="Заголовок 1"/>
+          <p:cNvSpPr>
+            <a:spLocks noGrp="1"/>
+          </p:cNvSpPr>
+          <p:nvPr>
+            <p:ph type="title"/>
+          </p:nvPr>
+        </p:nvSpPr>
+        <p:spPr/>
+        <p:txBody>
+          <a:bodyPr>
+            <a:normAutofit fontScale="90000"/>
+          </a:bodyPr>
+          <a:lstStyle/>
+          <a:p>
+            <a:r>
+              <a:rPr lang="uk-UA" dirty="0" smtClean="0"/>
+              <a:t>Програмне забезпечення Л2-100</a:t>
+            </a:r>
+            <a:endParaRPr lang="ru-RU" dirty="0"/>
+          </a:p>
+        </p:txBody>
+      </p:sp>
+      <p:pic>
+        <p:nvPicPr>
+          <p:cNvPr id="4" name="Содержимое 3" descr="http://www.kipia.info/upload/NOVOSTI_Kartinki/ANONSI_M/AN1014/Chrt_6.jpg"/>
+          <p:cNvPicPr>
+            <a:picLocks noGrp="1"/>
+          </p:cNvPicPr>
+          <p:nvPr>
+            <p:ph idx="1"/>
+          </p:nvPr>
+        </p:nvPicPr>
+        <p:blipFill>
+          <a:blip r:embed="rId2" cstate="print"/>
+          <a:stretch>
+            <a:fillRect/>
+          </a:stretch>
+        </p:blipFill>
+        <p:spPr bwMode="auto">
+          <a:xfrm>
+            <a:off x="1321539" y="1600200"/>
+            <a:ext cx="6500922" cy="4708525"/>
+          </a:xfrm>
+          <a:prstGeom prst="rect">
+            <a:avLst/>
+          </a:prstGeom>
+          <a:noFill/>
+          <a:ln w="9525">
+            <a:noFill/>
+            <a:miter lim="800000"/>
+            <a:headEnd/>
+            <a:tailEnd/>
+          </a:ln>
+        </p:spPr>
+      </p:pic>
+    </p:spTree>
+  </p:cSld>
+  <p:clrMapOvr>
+    <a:masterClrMapping/>
+  </p:clrMapOvr>
+  <p:timing>
+    <p:tnLst>
+      <p:par>
+        <p:cTn id="1" dur="indefinite" restart="never" nodeType="tmRoot"/>
+      </p:par>
+    </p:tnLst>
+  </p:timing>
+</p:sld>
+</file>
+
+<file path=ppt/slides/slide18.xml><?xml version="1.0" encoding="utf-8"?>
+<p:sld xmlns:a="http://schemas.openxmlformats.org/drawingml/2006/main" xmlns:r="http://schemas.openxmlformats.org/officeDocument/2006/relationships" xmlns:p="http://schemas.openxmlformats.org/presentationml/2006/main">
+  <p:cSld>
+    <p:spTree>
+      <p:nvGrpSpPr>
+        <p:cNvPr id="1" name=""/>
+        <p:cNvGrpSpPr/>
+        <p:nvPr/>
+      </p:nvGrpSpPr>
+      <p:grpSpPr>
+        <a:xfrm>
+          <a:off x="0" y="0"/>
+          <a:ext cx="0" cy="0"/>
+          <a:chOff x="0" y="0"/>
+          <a:chExt cx="0" cy="0"/>
+        </a:xfrm>
+      </p:grpSpPr>
+      <p:sp>
+        <p:nvSpPr>
+          <p:cNvPr id="2" name="Заголовок 1"/>
+          <p:cNvSpPr>
+            <a:spLocks noGrp="1"/>
+          </p:cNvSpPr>
+          <p:nvPr>
+            <p:ph type="title"/>
+          </p:nvPr>
+        </p:nvSpPr>
+        <p:spPr/>
+        <p:txBody>
+          <a:bodyPr/>
+          <a:lstStyle/>
+          <a:p>
+            <a:r>
+              <a:rPr lang="ru-RU" dirty="0" smtClean="0"/>
+              <a:t>ЭРБИЙ-7107</a:t>
+            </a:r>
+            <a:endParaRPr lang="ru-RU" dirty="0"/>
+          </a:p>
+        </p:txBody>
+      </p:sp>
+      <p:pic>
+        <p:nvPicPr>
+          <p:cNvPr id="4" name="Содержимое 3"/>
+          <p:cNvPicPr>
+            <a:picLocks noGrp="1"/>
+          </p:cNvPicPr>
+          <p:nvPr>
+            <p:ph idx="1"/>
+          </p:nvPr>
+        </p:nvPicPr>
+        <p:blipFill>
+          <a:blip r:embed="rId2" cstate="print"/>
+          <a:stretch>
+            <a:fillRect/>
+          </a:stretch>
+        </p:blipFill>
+        <p:spPr>
+          <a:xfrm>
+            <a:off x="899592" y="1844824"/>
+            <a:ext cx="7344816" cy="4419165"/>
+          </a:xfrm>
+          <a:prstGeom prst="rect">
+            <a:avLst/>
+          </a:prstGeom>
+        </p:spPr>
+      </p:pic>
+    </p:spTree>
+  </p:cSld>
+  <p:clrMapOvr>
+    <a:masterClrMapping/>
+  </p:clrMapOvr>
+  <p:timing>
+    <p:tnLst>
+      <p:par>
+        <p:cTn id="1" dur="indefinite" restart="never" nodeType="tmRoot"/>
+      </p:par>
+    </p:tnLst>
+  </p:timing>
+</p:sld>
+</file>
+
+<file path=ppt/slides/slide19.xml><?xml version="1.0" encoding="utf-8"?>
+<p:sld xmlns:a="http://schemas.openxmlformats.org/drawingml/2006/main" xmlns:r="http://schemas.openxmlformats.org/officeDocument/2006/relationships" xmlns:p="http://schemas.openxmlformats.org/presentationml/2006/main">
+  <p:cSld>
+    <p:spTree>
+      <p:nvGrpSpPr>
+        <p:cNvPr id="1" name=""/>
+        <p:cNvGrpSpPr/>
+        <p:nvPr/>
+      </p:nvGrpSpPr>
+      <p:grpSpPr>
+        <a:xfrm>
+          <a:off x="0" y="0"/>
+          <a:ext cx="0" cy="0"/>
+          <a:chOff x="0" y="0"/>
+          <a:chExt cx="0" cy="0"/>
+        </a:xfrm>
+      </p:grpSpPr>
+      <p:sp>
+        <p:nvSpPr>
+          <p:cNvPr id="2" name="Заголовок 1"/>
+          <p:cNvSpPr>
+            <a:spLocks noGrp="1"/>
+          </p:cNvSpPr>
+          <p:nvPr>
+            <p:ph type="title"/>
+          </p:nvPr>
+        </p:nvSpPr>
+        <p:spPr/>
+        <p:txBody>
+          <a:bodyPr>
+            <a:normAutofit fontScale="90000"/>
+          </a:bodyPr>
+          <a:lstStyle/>
+          <a:p>
+            <a:r>
+              <a:rPr lang="uk-UA" dirty="0" smtClean="0"/>
+              <a:t>Програмне забезпечення </a:t>
+            </a:r>
+            <a:r>
+              <a:rPr lang="ru-RU" dirty="0" smtClean="0"/>
+              <a:t>ЭРБИЙ-7107</a:t>
+            </a:r>
+            <a:endParaRPr lang="ru-RU" dirty="0"/>
+          </a:p>
+        </p:txBody>
+      </p:sp>
+      <p:pic>
+        <p:nvPicPr>
+          <p:cNvPr id="4" name="Содержимое 3"/>
+          <p:cNvPicPr>
+            <a:picLocks noGrp="1"/>
+          </p:cNvPicPr>
+          <p:nvPr>
+            <p:ph idx="1"/>
+          </p:nvPr>
+        </p:nvPicPr>
+        <p:blipFill>
+          <a:blip r:embed="rId2" cstate="print"/>
+          <a:stretch>
+            <a:fillRect/>
+          </a:stretch>
+        </p:blipFill>
+        <p:spPr>
+          <a:xfrm>
+            <a:off x="1403648" y="1628800"/>
+            <a:ext cx="6696744" cy="5013309"/>
+          </a:xfrm>
+          <a:prstGeom prst="rect">
+            <a:avLst/>
+          </a:prstGeom>
+        </p:spPr>
+      </p:pic>
+    </p:spTree>
+  </p:cSld>
+  <p:clrMapOvr>
+    <a:masterClrMapping/>
+  </p:clrMapOvr>
+  <p:timing>
+    <p:tnLst>
+      <p:par>
+        <p:cTn id="1" dur="indefinite" restart="never" nodeType="tmRoot"/>
+      </p:par>
+    </p:tnLst>
+  </p:timing>
+</p:sld>
+</file>
+
+<file path=ppt/slides/slide2.xml><?xml version="1.0" encoding="utf-8"?>
+<p:sld xmlns:a="http://schemas.openxmlformats.org/drawingml/2006/main" xmlns:r="http://schemas.openxmlformats.org/officeDocument/2006/relationships" xmlns:p="http://schemas.openxmlformats.org/presentationml/2006/main">
+  <p:cSld>
+    <p:spTree>
+      <p:nvGrpSpPr>
+        <p:cNvPr id="1" name=""/>
+        <p:cNvGrpSpPr/>
+        <p:nvPr/>
+      </p:nvGrpSpPr>
+      <p:grpSpPr>
+        <a:xfrm>
+          <a:off x="0" y="0"/>
+          <a:ext cx="0" cy="0"/>
+          <a:chOff x="0" y="0"/>
+          <a:chExt cx="0" cy="0"/>
+        </a:xfrm>
+      </p:grpSpPr>
+      <p:sp>
+        <p:nvSpPr>
+          <p:cNvPr id="2" name="Заголовок 1"/>
+          <p:cNvSpPr>
+            <a:spLocks noGrp="1"/>
+          </p:cNvSpPr>
+          <p:nvPr>
+            <p:ph type="title"/>
+          </p:nvPr>
+        </p:nvSpPr>
+        <p:spPr/>
+        <p:txBody>
+          <a:bodyPr>
+            <a:normAutofit fontScale="90000"/>
+          </a:bodyPr>
+          <a:lstStyle/>
+          <a:p>
+            <a:r>
+              <a:rPr lang="uk-UA" dirty="0" smtClean="0"/>
+              <a:t>Класична форма подання характеристик</a:t>
+            </a:r>
+            <a:endParaRPr lang="ru-RU" dirty="0"/>
+          </a:p>
+        </p:txBody>
+      </p:sp>
+      <p:pic>
+        <p:nvPicPr>
+          <p:cNvPr id="2050" name="Picture 2" descr="\\Pn\сhange\516.gif"/>
+          <p:cNvPicPr>
+            <a:picLocks noGrp="1" noChangeAspect="1" noChangeArrowheads="1"/>
+          </p:cNvPicPr>
+          <p:nvPr>
+            <p:ph idx="1"/>
+          </p:nvPr>
+        </p:nvPicPr>
+        <p:blipFill>
+          <a:blip r:embed="rId2" cstate="print"/>
+          <a:stretch>
+            <a:fillRect/>
+          </a:stretch>
+        </p:blipFill>
+        <p:spPr bwMode="auto">
+          <a:xfrm>
+            <a:off x="1259632" y="2060848"/>
+            <a:ext cx="6575708" cy="3617639"/>
+          </a:xfrm>
+          <a:prstGeom prst="rect">
+            <a:avLst/>
+          </a:prstGeom>
+          <a:noFill/>
+        </p:spPr>
+      </p:pic>
+    </p:spTree>
+  </p:cSld>
+  <p:clrMapOvr>
+    <a:masterClrMapping/>
+  </p:clrMapOvr>
+  <p:timing>
+    <p:tnLst>
+      <p:par>
+        <p:cTn id="1" dur="indefinite" restart="never" nodeType="tmRoot"/>
+      </p:par>
+    </p:tnLst>
+  </p:timing>
+</p:sld>
+</file>
+
+<file path=ppt/slides/slide20.xml><?xml version="1.0" encoding="utf-8"?>
+<p:sld xmlns:a="http://schemas.openxmlformats.org/drawingml/2006/main" xmlns:r="http://schemas.openxmlformats.org/officeDocument/2006/relationships" xmlns:p="http://schemas.openxmlformats.org/presentationml/2006/main">
+  <p:cSld>
+    <p:spTree>
+      <p:nvGrpSpPr>
+        <p:cNvPr id="1" name=""/>
+        <p:cNvGrpSpPr/>
+        <p:nvPr/>
+      </p:nvGrpSpPr>
+      <p:grpSpPr>
+        <a:xfrm>
+          <a:off x="0" y="0"/>
+          <a:ext cx="0" cy="0"/>
+          <a:chOff x="0" y="0"/>
+          <a:chExt cx="0" cy="0"/>
+        </a:xfrm>
+      </p:grpSpPr>
+      <p:sp>
+        <p:nvSpPr>
+          <p:cNvPr id="2" name="Заголовок 1"/>
+          <p:cNvSpPr>
+            <a:spLocks noGrp="1"/>
+          </p:cNvSpPr>
+          <p:nvPr>
+            <p:ph type="title"/>
+          </p:nvPr>
+        </p:nvSpPr>
+        <p:spPr/>
+        <p:txBody>
+          <a:bodyPr/>
+          <a:lstStyle/>
+          <a:p>
+            <a:r>
+              <a:rPr lang="uk-UA" dirty="0" smtClean="0"/>
+              <a:t>Використання сітки</a:t>
+            </a:r>
+            <a:endParaRPr lang="ru-RU" dirty="0"/>
+          </a:p>
+        </p:txBody>
+      </p:sp>
+      <p:pic>
+        <p:nvPicPr>
+          <p:cNvPr id="35843" name="Picture 3" descr="D:\Diplom\TempDocs\Report\gird.png"/>
+          <p:cNvPicPr>
+            <a:picLocks noChangeAspect="1" noChangeArrowheads="1"/>
+          </p:cNvPicPr>
+          <p:nvPr/>
+        </p:nvPicPr>
+        <p:blipFill>
+          <a:blip r:embed="rId2" cstate="print"/>
+          <a:srcRect/>
+          <a:stretch>
+            <a:fillRect/>
+          </a:stretch>
+        </p:blipFill>
+        <p:spPr bwMode="auto">
+          <a:xfrm>
+            <a:off x="395536" y="2132856"/>
+            <a:ext cx="8291513" cy="3390900"/>
+          </a:xfrm>
+          <a:prstGeom prst="rect">
+            <a:avLst/>
+          </a:prstGeom>
+          <a:noFill/>
+        </p:spPr>
+      </p:pic>
+    </p:spTree>
+  </p:cSld>
+  <p:clrMapOvr>
+    <a:masterClrMapping/>
+  </p:clrMapOvr>
+  <p:timing>
+    <p:tnLst>
+      <p:par>
+        <p:cTn id="1" dur="indefinite" restart="never" nodeType="tmRoot"/>
+      </p:par>
+    </p:tnLst>
+  </p:timing>
+</p:sld>
+</file>
+
+<file path=ppt/slides/slide21.xml><?xml version="1.0" encoding="utf-8"?>
+<p:sld xmlns:a="http://schemas.openxmlformats.org/drawingml/2006/main" xmlns:r="http://schemas.openxmlformats.org/officeDocument/2006/relationships" xmlns:p="http://schemas.openxmlformats.org/presentationml/2006/main">
+  <p:cSld>
+    <p:spTree>
+      <p:nvGrpSpPr>
+        <p:cNvPr id="1" name=""/>
+        <p:cNvGrpSpPr/>
+        <p:nvPr/>
+      </p:nvGrpSpPr>
+      <p:grpSpPr>
+        <a:xfrm>
+          <a:off x="0" y="0"/>
+          <a:ext cx="0" cy="0"/>
+          <a:chOff x="0" y="0"/>
+          <a:chExt cx="0" cy="0"/>
+        </a:xfrm>
+      </p:grpSpPr>
+      <p:sp>
+        <p:nvSpPr>
+          <p:cNvPr id="2" name="Заголовок 1"/>
+          <p:cNvSpPr>
+            <a:spLocks noGrp="1"/>
+          </p:cNvSpPr>
+          <p:nvPr>
+            <p:ph type="title"/>
+          </p:nvPr>
+        </p:nvSpPr>
+        <p:spPr/>
+        <p:txBody>
+          <a:bodyPr/>
+          <a:lstStyle/>
+          <a:p>
+            <a:r>
+              <a:rPr lang="uk-UA" dirty="0" smtClean="0"/>
+              <a:t>Режим вибору точки</a:t>
+            </a:r>
+            <a:endParaRPr lang="ru-RU" dirty="0"/>
+          </a:p>
+        </p:txBody>
+      </p:sp>
+      <p:pic>
+        <p:nvPicPr>
+          <p:cNvPr id="6" name="Рисунок 5"/>
+          <p:cNvPicPr/>
+          <p:nvPr/>
+        </p:nvPicPr>
+        <p:blipFill>
+          <a:blip r:embed="rId2" cstate="print">
+            <a:lum/>
+          </a:blip>
+          <a:srcRect/>
+          <a:stretch>
+            <a:fillRect/>
+          </a:stretch>
+        </p:blipFill>
+        <p:spPr bwMode="auto">
+          <a:xfrm>
+            <a:off x="1351005" y="1412776"/>
+            <a:ext cx="6245331" cy="4921738"/>
+          </a:xfrm>
+          <a:prstGeom prst="rect">
+            <a:avLst/>
+          </a:prstGeom>
+          <a:noFill/>
+          <a:ln w="9525">
+            <a:noFill/>
+            <a:miter lim="800000"/>
+            <a:headEnd/>
+            <a:tailEnd/>
+          </a:ln>
+        </p:spPr>
+      </p:pic>
+    </p:spTree>
+  </p:cSld>
+  <p:clrMapOvr>
+    <a:masterClrMapping/>
+  </p:clrMapOvr>
+  <p:timing>
+    <p:tnLst>
+      <p:par>
+        <p:cTn id="1" dur="indefinite" restart="never" nodeType="tmRoot"/>
+      </p:par>
+    </p:tnLst>
+  </p:timing>
+</p:sld>
+</file>
+
+<file path=ppt/slides/slide3.xml><?xml version="1.0" encoding="utf-8"?>
+<p:sld xmlns:a="http://schemas.openxmlformats.org/drawingml/2006/main" xmlns:r="http://schemas.openxmlformats.org/officeDocument/2006/relationships" xmlns:p="http://schemas.openxmlformats.org/presentationml/2006/main">
+  <p:cSld>
+    <p:spTree>
+      <p:nvGrpSpPr>
+        <p:cNvPr id="1" name=""/>
+        <p:cNvGrpSpPr/>
+        <p:nvPr/>
+      </p:nvGrpSpPr>
+      <p:grpSpPr>
+        <a:xfrm>
+          <a:off x="0" y="0"/>
+          <a:ext cx="0" cy="0"/>
+          <a:chOff x="0" y="0"/>
+          <a:chExt cx="0" cy="0"/>
+        </a:xfrm>
+      </p:grpSpPr>
+      <p:sp>
+        <p:nvSpPr>
+          <p:cNvPr id="2" name="Заголовок 1"/>
+          <p:cNvSpPr>
+            <a:spLocks noGrp="1"/>
+          </p:cNvSpPr>
+          <p:nvPr>
+            <p:ph type="title"/>
+          </p:nvPr>
+        </p:nvSpPr>
+        <p:spPr>
+          <a:xfrm>
+            <a:off x="395536" y="404664"/>
+            <a:ext cx="3898776" cy="864096"/>
+          </a:xfrm>
+        </p:spPr>
+        <p:txBody>
+          <a:bodyPr/>
+          <a:lstStyle/>
+          <a:p>
+            <a:r>
+              <a:rPr lang="uk-UA" dirty="0" smtClean="0"/>
+              <a:t>Л2-100 ТЕКО</a:t>
+            </a:r>
+            <a:endParaRPr lang="ru-RU" dirty="0"/>
+          </a:p>
+        </p:txBody>
+      </p:sp>
+      <p:pic>
+        <p:nvPicPr>
+          <p:cNvPr id="4" name="Picture 3" descr="D:\Diplom\temp\L2_100.png"/>
+          <p:cNvPicPr>
+            <a:picLocks noGrp="1" noChangeAspect="1" noChangeArrowheads="1"/>
+          </p:cNvPicPr>
+          <p:nvPr>
+            <p:ph idx="1"/>
+          </p:nvPr>
+        </p:nvPicPr>
+        <p:blipFill>
+          <a:blip r:embed="rId2" cstate="print"/>
+          <a:stretch>
+            <a:fillRect/>
+          </a:stretch>
+        </p:blipFill>
+        <p:spPr bwMode="auto">
+          <a:xfrm>
+            <a:off x="4499992" y="1124744"/>
+            <a:ext cx="4392488" cy="3012937"/>
+          </a:xfrm>
+          <a:prstGeom prst="rect">
+            <a:avLst/>
+          </a:prstGeom>
+          <a:noFill/>
+        </p:spPr>
+      </p:pic>
+      <p:pic>
+        <p:nvPicPr>
+          <p:cNvPr id="5" name="Содержимое 3" descr="http://www.kipia.info/upload/NOVOSTI_Kartinki/ANONSI_M/AN1014/Chrt_6.jpg"/>
+          <p:cNvPicPr>
+            <a:picLocks/>
+          </p:cNvPicPr>
+          <p:nvPr/>
+        </p:nvPicPr>
+        <p:blipFill>
+          <a:blip r:embed="rId3" cstate="print"/>
+          <a:stretch>
+            <a:fillRect/>
+          </a:stretch>
+        </p:blipFill>
+        <p:spPr bwMode="auto">
+          <a:xfrm>
+            <a:off x="467544" y="2852936"/>
+            <a:ext cx="4052650" cy="3628405"/>
+          </a:xfrm>
+          <a:prstGeom prst="rect">
+            <a:avLst/>
+          </a:prstGeom>
+          <a:noFill/>
+          <a:ln w="9525">
+            <a:noFill/>
+            <a:miter lim="800000"/>
+            <a:headEnd/>
+            <a:tailEnd/>
+          </a:ln>
+        </p:spPr>
+      </p:pic>
+      <p:sp>
+        <p:nvSpPr>
+          <p:cNvPr id="6" name="Прямоугольник 5"/>
+          <p:cNvSpPr/>
+          <p:nvPr/>
+        </p:nvSpPr>
+        <p:spPr>
+          <a:xfrm>
+            <a:off x="5076056" y="4293096"/>
+            <a:ext cx="3528392" cy="2031325"/>
+          </a:xfrm>
+          <a:prstGeom prst="rect">
+            <a:avLst/>
+          </a:prstGeom>
+        </p:spPr>
+        <p:txBody>
+          <a:bodyPr wrap="square">
+            <a:spAutoFit/>
+          </a:bodyPr>
+          <a:lstStyle/>
+          <a:p>
+            <a:r>
+              <a:rPr lang="uk-UA" dirty="0" smtClean="0"/>
+              <a:t>Параметри приладу:</a:t>
+            </a:r>
+            <a:endParaRPr lang="en-US" dirty="0" smtClean="0"/>
+          </a:p>
+          <a:p>
+            <a:r>
+              <a:rPr lang="uk-UA" dirty="0" smtClean="0"/>
+              <a:t> – Максимальний струм: 50A;</a:t>
+            </a:r>
+          </a:p>
+          <a:p>
+            <a:r>
+              <a:rPr lang="uk-UA" dirty="0" smtClean="0"/>
+              <a:t> – Максимальна напруга: 5000В;</a:t>
+            </a:r>
+          </a:p>
+          <a:p>
+            <a:r>
+              <a:rPr lang="uk-UA" dirty="0" smtClean="0"/>
+              <a:t> – Вбудований кольоровий TFT РК дисплей (640 × 480 точок);</a:t>
+            </a:r>
+          </a:p>
+          <a:p>
+            <a:r>
+              <a:rPr lang="uk-UA" dirty="0" smtClean="0"/>
+              <a:t> – Підключення до ПК через високошвидкісний USB-порт;</a:t>
+            </a:r>
+            <a:endParaRPr lang="uk-UA" dirty="0"/>
+          </a:p>
+        </p:txBody>
+      </p:sp>
+      <p:sp>
+        <p:nvSpPr>
+          <p:cNvPr id="7" name="Прямоугольник 6"/>
+          <p:cNvSpPr/>
+          <p:nvPr/>
+        </p:nvSpPr>
+        <p:spPr>
+          <a:xfrm>
+            <a:off x="323528" y="1340768"/>
+            <a:ext cx="3960440" cy="1477328"/>
+          </a:xfrm>
+          <a:prstGeom prst="rect">
+            <a:avLst/>
+          </a:prstGeom>
+        </p:spPr>
+        <p:txBody>
+          <a:bodyPr wrap="square">
+            <a:spAutoFit/>
+          </a:bodyPr>
+          <a:lstStyle/>
+          <a:p>
+            <a:r>
+              <a:rPr lang="uk-UA" dirty="0" smtClean="0"/>
+              <a:t>Функції програмного забезпечення:	</a:t>
+            </a:r>
+            <a:endParaRPr lang="en-US" dirty="0" smtClean="0"/>
+          </a:p>
+          <a:p>
+            <a:r>
+              <a:rPr lang="uk-UA" dirty="0" smtClean="0"/>
+              <a:t> – Збереження та завантаження (CSV, XLS, </a:t>
+            </a:r>
+            <a:r>
+              <a:rPr lang="uk-UA" dirty="0" smtClean="0"/>
+              <a:t>зображення</a:t>
+            </a:r>
+            <a:r>
+              <a:rPr lang="uk-UA" dirty="0" smtClean="0"/>
+              <a:t>);</a:t>
+            </a:r>
+            <a:endParaRPr lang="uk-UA" dirty="0" smtClean="0"/>
+          </a:p>
+          <a:p>
+            <a:r>
+              <a:rPr lang="uk-UA" dirty="0" smtClean="0"/>
+              <a:t> – Друк результатів;</a:t>
+            </a:r>
+          </a:p>
+          <a:p>
+            <a:r>
+              <a:rPr lang="uk-UA" dirty="0" smtClean="0"/>
+              <a:t> – Налаштування приладу.</a:t>
+            </a:r>
+            <a:endParaRPr lang="ru-RU" dirty="0"/>
+          </a:p>
+        </p:txBody>
+      </p:sp>
+    </p:spTree>
+  </p:cSld>
+  <p:clrMapOvr>
+    <a:masterClrMapping/>
+  </p:clrMapOvr>
+</p:sld>
+</file>
+
+<file path=ppt/slides/slide4.xml><?xml version="1.0" encoding="utf-8"?>
+<p:sld xmlns:a="http://schemas.openxmlformats.org/drawingml/2006/main" xmlns:r="http://schemas.openxmlformats.org/officeDocument/2006/relationships" xmlns:p="http://schemas.openxmlformats.org/presentationml/2006/main">
+  <p:cSld>
+    <p:spTree>
+      <p:nvGrpSpPr>
+        <p:cNvPr id="1" name=""/>
+        <p:cNvGrpSpPr/>
+        <p:nvPr/>
+      </p:nvGrpSpPr>
+      <p:grpSpPr>
+        <a:xfrm>
+          <a:off x="0" y="0"/>
+          <a:ext cx="0" cy="0"/>
+          <a:chOff x="0" y="0"/>
+          <a:chExt cx="0" cy="0"/>
+        </a:xfrm>
+      </p:grpSpPr>
+      <p:sp>
+        <p:nvSpPr>
+          <p:cNvPr id="2" name="Заголовок 1"/>
+          <p:cNvSpPr>
+            <a:spLocks noGrp="1"/>
+          </p:cNvSpPr>
+          <p:nvPr>
+            <p:ph type="title"/>
+          </p:nvPr>
+        </p:nvSpPr>
+        <p:spPr>
+          <a:xfrm>
+            <a:off x="5580112" y="274638"/>
+            <a:ext cx="3106688" cy="1498178"/>
+          </a:xfrm>
+        </p:spPr>
+        <p:txBody>
+          <a:bodyPr/>
+          <a:lstStyle/>
+          <a:p>
+            <a:r>
+              <a:rPr lang="ru-RU" dirty="0" smtClean="0"/>
+              <a:t>ЭРБИЙ-7107</a:t>
+            </a:r>
+            <a:endParaRPr lang="ru-RU" dirty="0"/>
+          </a:p>
+        </p:txBody>
+      </p:sp>
+      <p:pic>
+        <p:nvPicPr>
+          <p:cNvPr id="4" name="Содержимое 3"/>
+          <p:cNvPicPr>
+            <a:picLocks noGrp="1"/>
+          </p:cNvPicPr>
+          <p:nvPr>
+            <p:ph idx="1"/>
+          </p:nvPr>
+        </p:nvPicPr>
+        <p:blipFill>
+          <a:blip r:embed="rId2" cstate="print"/>
+          <a:stretch>
+            <a:fillRect/>
+          </a:stretch>
+        </p:blipFill>
+        <p:spPr>
+          <a:xfrm>
+            <a:off x="4572000" y="3861048"/>
+            <a:ext cx="4283143" cy="2721662"/>
+          </a:xfrm>
+          <a:prstGeom prst="rect">
+            <a:avLst/>
+          </a:prstGeom>
+        </p:spPr>
+      </p:pic>
+      <p:pic>
+        <p:nvPicPr>
+          <p:cNvPr id="1026" name="Picture 2"/>
+          <p:cNvPicPr>
+            <a:picLocks noChangeAspect="1" noChangeArrowheads="1"/>
+          </p:cNvPicPr>
+          <p:nvPr/>
+        </p:nvPicPr>
+        <p:blipFill>
+          <a:blip r:embed="rId3" cstate="print"/>
+          <a:srcRect/>
+          <a:stretch>
+            <a:fillRect/>
+          </a:stretch>
+        </p:blipFill>
+        <p:spPr bwMode="auto">
+          <a:xfrm>
+            <a:off x="323527" y="332656"/>
+            <a:ext cx="4824537" cy="3599703"/>
+          </a:xfrm>
+          <a:prstGeom prst="rect">
+            <a:avLst/>
+          </a:prstGeom>
+          <a:noFill/>
+          <a:ln w="9525">
+            <a:noFill/>
+            <a:miter lim="800000"/>
+            <a:headEnd/>
+            <a:tailEnd/>
+          </a:ln>
+        </p:spPr>
+      </p:pic>
+      <p:sp>
+        <p:nvSpPr>
+          <p:cNvPr id="5" name="Прямоугольник 4"/>
+          <p:cNvSpPr/>
+          <p:nvPr/>
+        </p:nvSpPr>
+        <p:spPr>
+          <a:xfrm>
+            <a:off x="5364088" y="1988840"/>
+            <a:ext cx="3528392" cy="1477328"/>
+          </a:xfrm>
+          <a:prstGeom prst="rect">
+            <a:avLst/>
+          </a:prstGeom>
+        </p:spPr>
+        <p:txBody>
+          <a:bodyPr wrap="square">
+            <a:spAutoFit/>
+          </a:bodyPr>
+          <a:lstStyle/>
+          <a:p>
+            <a:r>
+              <a:rPr lang="uk-UA" dirty="0" smtClean="0"/>
+              <a:t>Під час вимірювання можна задати наступні параметри:</a:t>
+            </a:r>
+            <a:endParaRPr lang="ru-RU" dirty="0" smtClean="0"/>
+          </a:p>
+          <a:p>
+            <a:pPr lvl="1">
+              <a:buFont typeface="Wingdings" pitchFamily="2" charset="2"/>
+              <a:buChar char="v"/>
+            </a:pPr>
+            <a:r>
+              <a:rPr lang="uk-UA" dirty="0" smtClean="0"/>
+              <a:t>Напруга;</a:t>
+            </a:r>
+            <a:endParaRPr lang="ru-RU" dirty="0" smtClean="0"/>
+          </a:p>
+          <a:p>
+            <a:pPr lvl="1">
+              <a:buFont typeface="Wingdings" pitchFamily="2" charset="2"/>
+              <a:buChar char="v"/>
+            </a:pPr>
+            <a:r>
+              <a:rPr lang="uk-UA" dirty="0" smtClean="0"/>
+              <a:t>Температура;</a:t>
+            </a:r>
+            <a:endParaRPr lang="ru-RU" dirty="0" smtClean="0"/>
+          </a:p>
+          <a:p>
+            <a:pPr lvl="1">
+              <a:buFont typeface="Wingdings" pitchFamily="2" charset="2"/>
+              <a:buChar char="v"/>
+            </a:pPr>
+            <a:r>
+              <a:rPr lang="uk-UA" dirty="0" smtClean="0"/>
+              <a:t>Освітленість.</a:t>
+            </a:r>
+            <a:endParaRPr lang="ru-RU" dirty="0"/>
+          </a:p>
+        </p:txBody>
+      </p:sp>
+      <p:sp>
+        <p:nvSpPr>
+          <p:cNvPr id="6" name="Прямоугольник 5"/>
+          <p:cNvSpPr/>
+          <p:nvPr/>
+        </p:nvSpPr>
+        <p:spPr>
+          <a:xfrm>
+            <a:off x="179512" y="4149080"/>
+            <a:ext cx="4392488" cy="2308324"/>
+          </a:xfrm>
+          <a:prstGeom prst="rect">
+            <a:avLst/>
+          </a:prstGeom>
+        </p:spPr>
+        <p:txBody>
+          <a:bodyPr wrap="square">
+            <a:spAutoFit/>
+          </a:bodyPr>
+          <a:lstStyle/>
+          <a:p>
+            <a:r>
+              <a:rPr lang="uk-UA" dirty="0" smtClean="0"/>
+              <a:t>Основні </a:t>
+            </a:r>
+            <a:r>
+              <a:rPr lang="uk-UA" dirty="0" smtClean="0"/>
+              <a:t>параметри приладу</a:t>
+            </a:r>
+            <a:r>
+              <a:rPr lang="uk-UA" dirty="0" smtClean="0"/>
+              <a:t>:</a:t>
+            </a:r>
+            <a:endParaRPr lang="ru-RU" dirty="0" smtClean="0"/>
+          </a:p>
+          <a:p>
+            <a:r>
+              <a:rPr lang="uk-UA" dirty="0" smtClean="0"/>
+              <a:t> – Струм: від 10 </a:t>
+            </a:r>
+            <a:r>
+              <a:rPr lang="uk-UA" dirty="0" err="1" smtClean="0"/>
+              <a:t>нА</a:t>
+            </a:r>
+            <a:r>
+              <a:rPr lang="uk-UA" dirty="0" smtClean="0"/>
+              <a:t> до 200 мА;</a:t>
+            </a:r>
+            <a:endParaRPr lang="ru-RU" dirty="0" smtClean="0"/>
+          </a:p>
+          <a:p>
+            <a:r>
+              <a:rPr lang="uk-UA" dirty="0" smtClean="0"/>
+              <a:t> – Напруга на виводах: від 100 мкВ до 5 В;</a:t>
+            </a:r>
+            <a:endParaRPr lang="ru-RU" dirty="0" smtClean="0"/>
+          </a:p>
+          <a:p>
+            <a:r>
+              <a:rPr lang="uk-UA" dirty="0" smtClean="0"/>
+              <a:t> – Температура тримача: від 0 до +90°С точність температури: 0,1°С;</a:t>
+            </a:r>
+            <a:endParaRPr lang="ru-RU" dirty="0" smtClean="0"/>
+          </a:p>
+          <a:p>
+            <a:r>
+              <a:rPr lang="uk-UA" dirty="0" smtClean="0"/>
+              <a:t> – Перестрочування освітленості: 1:10000;</a:t>
+            </a:r>
+            <a:endParaRPr lang="ru-RU" dirty="0" smtClean="0"/>
+          </a:p>
+          <a:p>
+            <a:r>
+              <a:rPr lang="uk-UA" dirty="0" smtClean="0"/>
+              <a:t> – Точність вимірювання напруги: до 1,3%;</a:t>
+            </a:r>
+            <a:endParaRPr lang="ru-RU" dirty="0" smtClean="0"/>
+          </a:p>
+          <a:p>
+            <a:r>
+              <a:rPr lang="uk-UA" dirty="0" smtClean="0"/>
+              <a:t> – Точність вимірювання струму: до 3%.</a:t>
+            </a:r>
+            <a:endParaRPr lang="ru-RU" dirty="0"/>
+          </a:p>
+        </p:txBody>
+      </p:sp>
+    </p:spTree>
+  </p:cSld>
+  <p:clrMapOvr>
+    <a:masterClrMapping/>
+  </p:clrMapOvr>
+</p:sld>
+</file>
+
+<file path=ppt/slides/slide5.xml><?xml version="1.0" encoding="utf-8"?>
+<p:sld xmlns:a="http://schemas.openxmlformats.org/drawingml/2006/main" xmlns:r="http://schemas.openxmlformats.org/officeDocument/2006/relationships" xmlns:p="http://schemas.openxmlformats.org/presentationml/2006/main">
+  <p:cSld>
+    <p:spTree>
+      <p:nvGrpSpPr>
+        <p:cNvPr id="1" name=""/>
+        <p:cNvGrpSpPr/>
+        <p:nvPr/>
+      </p:nvGrpSpPr>
+      <p:grpSpPr>
+        <a:xfrm>
+          <a:off x="0" y="0"/>
+          <a:ext cx="0" cy="0"/>
+          <a:chOff x="0" y="0"/>
+          <a:chExt cx="0" cy="0"/>
+        </a:xfrm>
+      </p:grpSpPr>
+      <p:sp>
+        <p:nvSpPr>
+          <p:cNvPr id="2" name="Заголовок 1"/>
+          <p:cNvSpPr>
+            <a:spLocks noGrp="1"/>
+          </p:cNvSpPr>
+          <p:nvPr>
+            <p:ph type="title"/>
+          </p:nvPr>
+        </p:nvSpPr>
+        <p:spPr/>
+        <p:txBody>
+          <a:bodyPr/>
+          <a:lstStyle/>
+          <a:p>
+            <a:r>
+              <a:rPr lang="uk-UA" dirty="0" smtClean="0"/>
+              <a:t>Структурна схема</a:t>
+            </a:r>
+            <a:endParaRPr lang="ru-RU" dirty="0"/>
+          </a:p>
+        </p:txBody>
+      </p:sp>
+      <p:pic>
+        <p:nvPicPr>
+          <p:cNvPr id="4" name="Содержимое 3"/>
+          <p:cNvPicPr>
+            <a:picLocks noGrp="1"/>
+          </p:cNvPicPr>
+          <p:nvPr>
+            <p:ph idx="1"/>
+          </p:nvPr>
+        </p:nvPicPr>
+        <p:blipFill>
+          <a:blip r:embed="rId2" cstate="print"/>
+          <a:srcRect/>
+          <a:stretch>
+            <a:fillRect/>
+          </a:stretch>
+        </p:blipFill>
+        <p:spPr bwMode="auto">
+          <a:xfrm>
+            <a:off x="179512" y="1772816"/>
+            <a:ext cx="8748464" cy="3744416"/>
+          </a:xfrm>
+          <a:prstGeom prst="rect">
+            <a:avLst/>
+          </a:prstGeom>
+          <a:noFill/>
+          <a:ln w="9525">
+            <a:noFill/>
+            <a:miter lim="800000"/>
+            <a:headEnd/>
+            <a:tailEnd/>
+          </a:ln>
+        </p:spPr>
+      </p:pic>
+      <p:cxnSp>
+        <p:nvCxnSpPr>
+          <p:cNvPr id="7" name="Прямая соединительная линия 6"/>
+          <p:cNvCxnSpPr/>
+          <p:nvPr/>
+        </p:nvCxnSpPr>
+        <p:spPr>
+          <a:xfrm>
+            <a:off x="251520" y="1628800"/>
+            <a:ext cx="5184576" cy="0"/>
+          </a:xfrm>
+          <a:prstGeom prst="line">
+            <a:avLst/>
+          </a:prstGeom>
+          <a:ln>
+            <a:prstDash val="dash"/>
+          </a:ln>
+        </p:spPr>
+        <p:style>
+          <a:lnRef idx="3">
+            <a:schemeClr val="dk1"/>
+          </a:lnRef>
+          <a:fillRef idx="0">
+            <a:schemeClr val="dk1"/>
+          </a:fillRef>
+          <a:effectRef idx="2">
+            <a:schemeClr val="dk1"/>
+          </a:effectRef>
+          <a:fontRef idx="minor">
+            <a:schemeClr val="tx1"/>
+          </a:fontRef>
+        </p:style>
+      </p:cxnSp>
+      <p:cxnSp>
+        <p:nvCxnSpPr>
+          <p:cNvPr id="8" name="Прямая соединительная линия 7"/>
+          <p:cNvCxnSpPr/>
+          <p:nvPr/>
+        </p:nvCxnSpPr>
+        <p:spPr>
+          <a:xfrm>
+            <a:off x="179512" y="5805264"/>
+            <a:ext cx="5256584" cy="0"/>
+          </a:xfrm>
+          <a:prstGeom prst="line">
+            <a:avLst/>
+          </a:prstGeom>
+          <a:ln>
+            <a:prstDash val="dash"/>
+          </a:ln>
+        </p:spPr>
+        <p:style>
+          <a:lnRef idx="3">
+            <a:schemeClr val="dk1"/>
+          </a:lnRef>
+          <a:fillRef idx="0">
+            <a:schemeClr val="dk1"/>
+          </a:fillRef>
+          <a:effectRef idx="2">
+            <a:schemeClr val="dk1"/>
+          </a:effectRef>
+          <a:fontRef idx="minor">
+            <a:schemeClr val="tx1"/>
+          </a:fontRef>
+        </p:style>
+      </p:cxnSp>
+      <p:cxnSp>
+        <p:nvCxnSpPr>
+          <p:cNvPr id="12" name="Прямая соединительная линия 11"/>
+          <p:cNvCxnSpPr/>
+          <p:nvPr/>
+        </p:nvCxnSpPr>
+        <p:spPr>
+          <a:xfrm rot="5400000">
+            <a:off x="3419872" y="3717032"/>
+            <a:ext cx="4032448" cy="0"/>
+          </a:xfrm>
+          <a:prstGeom prst="line">
+            <a:avLst/>
+          </a:prstGeom>
+          <a:ln>
+            <a:prstDash val="dash"/>
+          </a:ln>
+        </p:spPr>
+        <p:style>
+          <a:lnRef idx="3">
+            <a:schemeClr val="dk1"/>
+          </a:lnRef>
+          <a:fillRef idx="0">
+            <a:schemeClr val="dk1"/>
+          </a:fillRef>
+          <a:effectRef idx="2">
+            <a:schemeClr val="dk1"/>
+          </a:effectRef>
+          <a:fontRef idx="minor">
+            <a:schemeClr val="tx1"/>
+          </a:fontRef>
+        </p:style>
+      </p:cxnSp>
+      <p:cxnSp>
+        <p:nvCxnSpPr>
+          <p:cNvPr id="19" name="Прямая соединительная линия 18"/>
+          <p:cNvCxnSpPr/>
+          <p:nvPr/>
+        </p:nvCxnSpPr>
+        <p:spPr>
+          <a:xfrm>
+            <a:off x="5724128" y="1628800"/>
+            <a:ext cx="3168352" cy="0"/>
+          </a:xfrm>
+          <a:prstGeom prst="line">
+            <a:avLst/>
+          </a:prstGeom>
+          <a:ln>
+            <a:prstDash val="dash"/>
+          </a:ln>
+        </p:spPr>
+        <p:style>
+          <a:lnRef idx="3">
+            <a:schemeClr val="dk1"/>
+          </a:lnRef>
+          <a:fillRef idx="0">
+            <a:schemeClr val="dk1"/>
+          </a:fillRef>
+          <a:effectRef idx="2">
+            <a:schemeClr val="dk1"/>
+          </a:effectRef>
+          <a:fontRef idx="minor">
+            <a:schemeClr val="tx1"/>
+          </a:fontRef>
+        </p:style>
+      </p:cxnSp>
+      <p:cxnSp>
+        <p:nvCxnSpPr>
+          <p:cNvPr id="20" name="Прямая соединительная линия 19"/>
+          <p:cNvCxnSpPr/>
+          <p:nvPr/>
+        </p:nvCxnSpPr>
+        <p:spPr>
+          <a:xfrm rot="5400000">
+            <a:off x="-1836712" y="3789040"/>
+            <a:ext cx="4032448" cy="0"/>
+          </a:xfrm>
+          <a:prstGeom prst="line">
+            <a:avLst/>
+          </a:prstGeom>
+          <a:ln>
+            <a:prstDash val="dash"/>
+          </a:ln>
+        </p:spPr>
+        <p:style>
+          <a:lnRef idx="3">
+            <a:schemeClr val="dk1"/>
+          </a:lnRef>
+          <a:fillRef idx="0">
+            <a:schemeClr val="dk1"/>
+          </a:fillRef>
+          <a:effectRef idx="2">
+            <a:schemeClr val="dk1"/>
+          </a:effectRef>
+          <a:fontRef idx="minor">
+            <a:schemeClr val="tx1"/>
+          </a:fontRef>
+        </p:style>
+      </p:cxnSp>
+      <p:cxnSp>
+        <p:nvCxnSpPr>
+          <p:cNvPr id="21" name="Прямая соединительная линия 20"/>
+          <p:cNvCxnSpPr/>
+          <p:nvPr/>
+        </p:nvCxnSpPr>
+        <p:spPr>
+          <a:xfrm rot="5400000">
+            <a:off x="3707904" y="3789040"/>
+            <a:ext cx="4032448" cy="0"/>
+          </a:xfrm>
+          <a:prstGeom prst="line">
+            <a:avLst/>
+          </a:prstGeom>
+          <a:ln>
+            <a:prstDash val="dash"/>
+          </a:ln>
+        </p:spPr>
+        <p:style>
+          <a:lnRef idx="3">
+            <a:schemeClr val="dk1"/>
+          </a:lnRef>
+          <a:fillRef idx="0">
+            <a:schemeClr val="dk1"/>
+          </a:fillRef>
+          <a:effectRef idx="2">
+            <a:schemeClr val="dk1"/>
+          </a:effectRef>
+          <a:fontRef idx="minor">
+            <a:schemeClr val="tx1"/>
+          </a:fontRef>
+        </p:style>
+      </p:cxnSp>
+      <p:cxnSp>
+        <p:nvCxnSpPr>
+          <p:cNvPr id="22" name="Прямая соединительная линия 21"/>
+          <p:cNvCxnSpPr/>
+          <p:nvPr/>
+        </p:nvCxnSpPr>
+        <p:spPr>
+          <a:xfrm rot="5400000">
+            <a:off x="6876256" y="3717032"/>
+            <a:ext cx="4032448" cy="0"/>
+          </a:xfrm>
+          <a:prstGeom prst="line">
+            <a:avLst/>
+          </a:prstGeom>
+          <a:ln>
+            <a:prstDash val="dash"/>
+          </a:ln>
+        </p:spPr>
+        <p:style>
+          <a:lnRef idx="3">
+            <a:schemeClr val="dk1"/>
+          </a:lnRef>
+          <a:fillRef idx="0">
+            <a:schemeClr val="dk1"/>
+          </a:fillRef>
+          <a:effectRef idx="2">
+            <a:schemeClr val="dk1"/>
+          </a:effectRef>
+          <a:fontRef idx="minor">
+            <a:schemeClr val="tx1"/>
+          </a:fontRef>
+        </p:style>
+      </p:cxnSp>
+      <p:cxnSp>
+        <p:nvCxnSpPr>
+          <p:cNvPr id="23" name="Прямая соединительная линия 22"/>
+          <p:cNvCxnSpPr/>
+          <p:nvPr/>
+        </p:nvCxnSpPr>
+        <p:spPr>
+          <a:xfrm>
+            <a:off x="5796136" y="5805264"/>
+            <a:ext cx="3168352" cy="0"/>
+          </a:xfrm>
+          <a:prstGeom prst="line">
+            <a:avLst/>
+          </a:prstGeom>
+          <a:ln>
+            <a:prstDash val="dash"/>
+          </a:ln>
+        </p:spPr>
+        <p:style>
+          <a:lnRef idx="3">
+            <a:schemeClr val="dk1"/>
+          </a:lnRef>
+          <a:fillRef idx="0">
+            <a:schemeClr val="dk1"/>
+          </a:fillRef>
+          <a:effectRef idx="2">
+            <a:schemeClr val="dk1"/>
+          </a:effectRef>
+          <a:fontRef idx="minor">
+            <a:schemeClr val="tx1"/>
+          </a:fontRef>
+        </p:style>
+      </p:cxnSp>
+      <p:sp>
+        <p:nvSpPr>
+          <p:cNvPr id="13" name="Скругленный прямоугольник 12"/>
+          <p:cNvSpPr/>
+          <p:nvPr/>
+        </p:nvSpPr>
+        <p:spPr>
+          <a:xfrm>
+            <a:off x="3923928" y="4797152"/>
+            <a:ext cx="1296144" cy="864096"/>
+          </a:xfrm>
+          <a:prstGeom prst="roundRect">
+            <a:avLst/>
+          </a:prstGeom>
+        </p:spPr>
+        <p:style>
+          <a:lnRef idx="1">
+            <a:schemeClr val="accent1"/>
+          </a:lnRef>
+          <a:fillRef idx="2">
+            <a:schemeClr val="accent1"/>
+          </a:fillRef>
+          <a:effectRef idx="1">
+            <a:schemeClr val="accent1"/>
+          </a:effectRef>
+          <a:fontRef idx="minor">
+            <a:schemeClr val="dk1"/>
+          </a:fontRef>
+        </p:style>
+        <p:txBody>
+          <a:bodyPr rtlCol="0" anchor="ctr"/>
+          <a:lstStyle/>
+          <a:p>
+            <a:pPr algn="ctr"/>
+            <a:r>
+              <a:rPr lang="uk-UA" sz="2400" dirty="0" smtClean="0"/>
+              <a:t>Прилад</a:t>
+            </a:r>
+            <a:endParaRPr lang="ru-RU" sz="2400" dirty="0"/>
+          </a:p>
+        </p:txBody>
+      </p:sp>
+      <p:sp>
+        <p:nvSpPr>
+          <p:cNvPr id="14" name="Скругленный прямоугольник 13"/>
+          <p:cNvSpPr/>
+          <p:nvPr/>
+        </p:nvSpPr>
+        <p:spPr>
+          <a:xfrm>
+            <a:off x="8028384" y="4797152"/>
+            <a:ext cx="720080" cy="864096"/>
+          </a:xfrm>
+          <a:prstGeom prst="roundRect">
+            <a:avLst/>
+          </a:prstGeom>
+        </p:spPr>
+        <p:style>
+          <a:lnRef idx="1">
+            <a:schemeClr val="accent1"/>
+          </a:lnRef>
+          <a:fillRef idx="2">
+            <a:schemeClr val="accent1"/>
+          </a:fillRef>
+          <a:effectRef idx="1">
+            <a:schemeClr val="accent1"/>
+          </a:effectRef>
+          <a:fontRef idx="minor">
+            <a:schemeClr val="dk1"/>
+          </a:fontRef>
+        </p:style>
+        <p:txBody>
+          <a:bodyPr rtlCol="0" anchor="ctr"/>
+          <a:lstStyle/>
+          <a:p>
+            <a:pPr algn="ctr"/>
+            <a:r>
+              <a:rPr lang="uk-UA" sz="2400" dirty="0" smtClean="0"/>
+              <a:t>ПК</a:t>
+            </a:r>
+            <a:endParaRPr lang="ru-RU" sz="2400" dirty="0"/>
+          </a:p>
+        </p:txBody>
+      </p:sp>
+    </p:spTree>
+  </p:cSld>
+  <p:clrMapOvr>
+    <a:masterClrMapping/>
+  </p:clrMapOvr>
+  <p:timing>
+    <p:tnLst>
+      <p:par>
+        <p:cTn id="1" dur="indefinite" restart="never" nodeType="tmRoot"/>
+      </p:par>
+    </p:tnLst>
+  </p:timing>
+</p:sld>
+</file>
+
+<file path=ppt/slides/slide6.xml><?xml version="1.0" encoding="utf-8"?>
+<p:sld xmlns:a="http://schemas.openxmlformats.org/drawingml/2006/main" xmlns:r="http://schemas.openxmlformats.org/officeDocument/2006/relationships" xmlns:p="http://schemas.openxmlformats.org/presentationml/2006/main">
+  <p:cSld>
+    <p:spTree>
+      <p:nvGrpSpPr>
+        <p:cNvPr id="1" name=""/>
+        <p:cNvGrpSpPr/>
+        <p:nvPr/>
+      </p:nvGrpSpPr>
+      <p:grpSpPr>
+        <a:xfrm>
+          <a:off x="0" y="0"/>
+          <a:ext cx="0" cy="0"/>
+          <a:chOff x="0" y="0"/>
+          <a:chExt cx="0" cy="0"/>
+        </a:xfrm>
+      </p:grpSpPr>
+      <p:sp>
+        <p:nvSpPr>
+          <p:cNvPr id="2" name="Заголовок 1"/>
+          <p:cNvSpPr>
+            <a:spLocks noGrp="1"/>
+          </p:cNvSpPr>
+          <p:nvPr>
+            <p:ph type="title"/>
+          </p:nvPr>
+        </p:nvSpPr>
+        <p:spPr/>
+        <p:txBody>
+          <a:bodyPr/>
+          <a:lstStyle/>
+          <a:p>
+            <a:r>
+              <a:rPr lang="uk-UA" dirty="0" smtClean="0"/>
+              <a:t>Схема керування напругою</a:t>
+            </a:r>
+            <a:endParaRPr lang="ru-RU" dirty="0"/>
+          </a:p>
+        </p:txBody>
+      </p:sp>
+      <p:sp>
+        <p:nvSpPr>
+          <p:cNvPr id="3" name="Содержимое 2"/>
+          <p:cNvSpPr>
+            <a:spLocks noGrp="1"/>
+          </p:cNvSpPr>
+          <p:nvPr>
+            <p:ph idx="1"/>
+          </p:nvPr>
+        </p:nvSpPr>
+        <p:spPr/>
+        <p:txBody>
+          <a:bodyPr/>
+          <a:lstStyle/>
+          <a:p>
+            <a:endParaRPr lang="ru-RU"/>
+          </a:p>
+        </p:txBody>
+      </p:sp>
+      <p:pic>
+        <p:nvPicPr>
+          <p:cNvPr id="2053" name="Picture 5" descr="D:\Diplom\temp\report\kdn.png"/>
+          <p:cNvPicPr>
+            <a:picLocks noChangeAspect="1" noChangeArrowheads="1"/>
+          </p:cNvPicPr>
+          <p:nvPr/>
+        </p:nvPicPr>
+        <p:blipFill>
+          <a:blip r:embed="rId2" cstate="print"/>
+          <a:srcRect/>
+          <a:stretch>
+            <a:fillRect/>
+          </a:stretch>
+        </p:blipFill>
+        <p:spPr bwMode="auto">
+          <a:xfrm>
+            <a:off x="539552" y="1340768"/>
+            <a:ext cx="8064896" cy="5260404"/>
+          </a:xfrm>
+          <a:prstGeom prst="rect">
+            <a:avLst/>
+          </a:prstGeom>
+          <a:noFill/>
+        </p:spPr>
+      </p:pic>
+    </p:spTree>
+  </p:cSld>
+  <p:clrMapOvr>
+    <a:masterClrMapping/>
+  </p:clrMapOvr>
+  <p:timing>
+    <p:tnLst>
+      <p:par>
+        <p:cTn id="1" dur="indefinite" restart="never" nodeType="tmRoot"/>
+      </p:par>
+    </p:tnLst>
+  </p:timing>
+</p:sld>
+</file>
+
+<file path=ppt/slides/slide7.xml><?xml version="1.0" encoding="utf-8"?>
+<p:sld xmlns:a="http://schemas.openxmlformats.org/drawingml/2006/main" xmlns:r="http://schemas.openxmlformats.org/officeDocument/2006/relationships" xmlns:p="http://schemas.openxmlformats.org/presentationml/2006/main">
+  <p:cSld>
+    <p:spTree>
+      <p:nvGrpSpPr>
+        <p:cNvPr id="1" name=""/>
+        <p:cNvGrpSpPr/>
+        <p:nvPr/>
+      </p:nvGrpSpPr>
+      <p:grpSpPr>
+        <a:xfrm>
+          <a:off x="0" y="0"/>
+          <a:ext cx="0" cy="0"/>
+          <a:chOff x="0" y="0"/>
+          <a:chExt cx="0" cy="0"/>
+        </a:xfrm>
+      </p:grpSpPr>
+      <p:sp>
+        <p:nvSpPr>
+          <p:cNvPr id="2" name="Заголовок 1"/>
+          <p:cNvSpPr>
+            <a:spLocks noGrp="1"/>
+          </p:cNvSpPr>
+          <p:nvPr>
+            <p:ph type="title"/>
+          </p:nvPr>
+        </p:nvSpPr>
+        <p:spPr/>
+        <p:txBody>
+          <a:bodyPr/>
+          <a:lstStyle/>
+          <a:p>
+            <a:r>
+              <a:rPr lang="uk-UA" dirty="0" smtClean="0"/>
+              <a:t>Схема керування струмом</a:t>
+            </a:r>
+            <a:endParaRPr lang="ru-RU" dirty="0"/>
+          </a:p>
+        </p:txBody>
+      </p:sp>
+      <p:sp>
+        <p:nvSpPr>
+          <p:cNvPr id="3" name="Содержимое 2"/>
+          <p:cNvSpPr>
+            <a:spLocks noGrp="1"/>
+          </p:cNvSpPr>
+          <p:nvPr>
+            <p:ph idx="1"/>
+          </p:nvPr>
+        </p:nvSpPr>
+        <p:spPr/>
+        <p:txBody>
+          <a:bodyPr/>
+          <a:lstStyle/>
+          <a:p>
+            <a:endParaRPr lang="ru-RU"/>
+          </a:p>
+        </p:txBody>
+      </p:sp>
+      <p:pic>
+        <p:nvPicPr>
+          <p:cNvPr id="3074" name="Picture 2" descr="D:\Diplom\temp\report\DAC.png"/>
+          <p:cNvPicPr>
+            <a:picLocks noChangeAspect="1" noChangeArrowheads="1"/>
+          </p:cNvPicPr>
+          <p:nvPr/>
+        </p:nvPicPr>
+        <p:blipFill>
+          <a:blip r:embed="rId3" cstate="print"/>
+          <a:srcRect/>
+          <a:stretch>
+            <a:fillRect/>
+          </a:stretch>
+        </p:blipFill>
+        <p:spPr bwMode="auto">
+          <a:xfrm>
+            <a:off x="0" y="1772816"/>
+            <a:ext cx="9144000" cy="4505325"/>
+          </a:xfrm>
+          <a:prstGeom prst="rect">
+            <a:avLst/>
+          </a:prstGeom>
+          <a:noFill/>
+        </p:spPr>
+      </p:pic>
+    </p:spTree>
+  </p:cSld>
+  <p:clrMapOvr>
+    <a:masterClrMapping/>
+  </p:clrMapOvr>
+  <p:timing>
+    <p:tnLst>
+      <p:par>
+        <p:cTn id="1" dur="indefinite" restart="never" nodeType="tmRoot"/>
+      </p:par>
+    </p:tnLst>
+  </p:timing>
+</p:sld>
+</file>
+
+<file path=ppt/slides/slide8.xml><?xml version="1.0" encoding="utf-8"?>
+<p:sld xmlns:a="http://schemas.openxmlformats.org/drawingml/2006/main" xmlns:r="http://schemas.openxmlformats.org/officeDocument/2006/relationships" xmlns:p="http://schemas.openxmlformats.org/presentationml/2006/main">
+  <p:cSld>
+    <p:spTree>
+      <p:nvGrpSpPr>
+        <p:cNvPr id="1" name=""/>
+        <p:cNvGrpSpPr/>
+        <p:nvPr/>
+      </p:nvGrpSpPr>
+      <p:grpSpPr>
+        <a:xfrm>
+          <a:off x="0" y="0"/>
+          <a:ext cx="0" cy="0"/>
+          <a:chOff x="0" y="0"/>
+          <a:chExt cx="0" cy="0"/>
+        </a:xfrm>
+      </p:grpSpPr>
+      <p:sp>
+        <p:nvSpPr>
+          <p:cNvPr id="2" name="Заголовок 1"/>
+          <p:cNvSpPr>
+            <a:spLocks noGrp="1"/>
+          </p:cNvSpPr>
+          <p:nvPr>
+            <p:ph type="title"/>
+          </p:nvPr>
+        </p:nvSpPr>
         <p:spPr/>
         <p:txBody>
           <a:bodyPr>
@@ -3806,7 +6641,7 @@
         </p:nvGraphicFramePr>
         <p:xfrm>
           <a:off x="539552" y="1628800"/>
-          <a:ext cx="8136904" cy="4723248"/>
+          <a:ext cx="8136904" cy="4876224"/>
         </p:xfrm>
         <a:graphic>
           <a:graphicData uri="http://schemas.openxmlformats.org/drawingml/2006/table">
@@ -4673,7 +7508,14 @@
                           <a:latin typeface="Times New Roman"/>
                           <a:ea typeface="Times New Roman"/>
                         </a:rPr>
-                        <a:t>Прогрес вимірювання в процентах.</a:t>
+                        <a:t>Прогрес вимірювання в </a:t>
+                      </a:r>
+                      <a:r>
+                        <a:rPr lang="uk-UA" sz="2000" dirty="0" smtClean="0">
+                          <a:latin typeface="Times New Roman"/>
+                          <a:ea typeface="Times New Roman"/>
+                        </a:rPr>
+                        <a:t>відсотках.</a:t>
                       </a:r>
                       <a:endParaRPr lang="ru-RU" sz="2000" dirty="0">
                         <a:latin typeface="Times New Roman"/>
@@ -4927,7 +7769,7 @@
 </p:sld>
 </file>
 
-<file path=ppt/slides/slide12.xml><?xml version="1.0" encoding="utf-8"?>
+<file path=ppt/slides/slide9.xml><?xml version="1.0" encoding="utf-8"?>
 <p:sld xmlns:a="http://schemas.openxmlformats.org/drawingml/2006/main" xmlns:r="http://schemas.openxmlformats.org/officeDocument/2006/relationships" xmlns:p="http://schemas.openxmlformats.org/presentationml/2006/main">
   <p:cSld>
     <p:spTree>
@@ -5124,2263 +7966,6 @@
           </a:p>
         </p:txBody>
       </p:sp>
-    </p:spTree>
-  </p:cSld>
-  <p:clrMapOvr>
-    <a:masterClrMapping/>
-  </p:clrMapOvr>
-  <p:timing>
-    <p:tnLst>
-      <p:par>
-        <p:cTn id="1" dur="indefinite" restart="never" nodeType="tmRoot"/>
-      </p:par>
-    </p:tnLst>
-  </p:timing>
-</p:sld>
-</file>
-
-<file path=ppt/slides/slide13.xml><?xml version="1.0" encoding="utf-8"?>
-<p:sld xmlns:a="http://schemas.openxmlformats.org/drawingml/2006/main" xmlns:r="http://schemas.openxmlformats.org/officeDocument/2006/relationships" xmlns:p="http://schemas.openxmlformats.org/presentationml/2006/main">
-  <p:cSld>
-    <p:spTree>
-      <p:nvGrpSpPr>
-        <p:cNvPr id="1" name=""/>
-        <p:cNvGrpSpPr/>
-        <p:nvPr/>
-      </p:nvGrpSpPr>
-      <p:grpSpPr>
-        <a:xfrm>
-          <a:off x="0" y="0"/>
-          <a:ext cx="0" cy="0"/>
-          <a:chOff x="0" y="0"/>
-          <a:chExt cx="0" cy="0"/>
-        </a:xfrm>
-      </p:grpSpPr>
-      <p:sp>
-        <p:nvSpPr>
-          <p:cNvPr id="5" name="Заголовок 4"/>
-          <p:cNvSpPr>
-            <a:spLocks noGrp="1"/>
-          </p:cNvSpPr>
-          <p:nvPr>
-            <p:ph type="title"/>
-          </p:nvPr>
-        </p:nvSpPr>
-        <p:spPr/>
-        <p:txBody>
-          <a:bodyPr>
-            <a:normAutofit fontScale="90000"/>
-          </a:bodyPr>
-          <a:lstStyle/>
-          <a:p>
-            <a:r>
-              <a:rPr lang="uk-UA" dirty="0" smtClean="0"/>
-              <a:t>Вершини в тривимірній графіці</a:t>
-            </a:r>
-            <a:endParaRPr lang="ru-RU" dirty="0"/>
-          </a:p>
-        </p:txBody>
-      </p:sp>
-      <p:sp>
-        <p:nvSpPr>
-          <p:cNvPr id="6" name="Содержимое 5"/>
-          <p:cNvSpPr>
-            <a:spLocks noGrp="1"/>
-          </p:cNvSpPr>
-          <p:nvPr>
-            <p:ph sz="half" idx="1"/>
-          </p:nvPr>
-        </p:nvSpPr>
-        <p:spPr>
-          <a:xfrm>
-            <a:off x="457200" y="1600201"/>
-            <a:ext cx="4038600" cy="2404864"/>
-          </a:xfrm>
-        </p:spPr>
-        <p:txBody>
-          <a:bodyPr/>
-          <a:lstStyle/>
-          <a:p>
-            <a:pPr>
-              <a:buNone/>
-            </a:pPr>
-            <a:r>
-              <a:rPr lang="uk-UA" dirty="0" smtClean="0"/>
-              <a:t>Структура вершини:</a:t>
-            </a:r>
-          </a:p>
-          <a:p>
-            <a:r>
-              <a:rPr lang="uk-UA" dirty="0" smtClean="0"/>
-              <a:t>Координати (</a:t>
-            </a:r>
-            <a:r>
-              <a:rPr lang="en-US" dirty="0" smtClean="0"/>
-              <a:t>x, y, z)</a:t>
-            </a:r>
-            <a:endParaRPr lang="uk-UA" dirty="0" smtClean="0"/>
-          </a:p>
-          <a:p>
-            <a:r>
-              <a:rPr lang="uk-UA" dirty="0" smtClean="0"/>
-              <a:t>Нормаль</a:t>
-            </a:r>
-            <a:r>
-              <a:rPr lang="uk-UA" dirty="0" smtClean="0"/>
-              <a:t> (</a:t>
-            </a:r>
-            <a:r>
-              <a:rPr lang="en-US" dirty="0" smtClean="0"/>
-              <a:t>x, y, z)</a:t>
-            </a:r>
-            <a:endParaRPr lang="uk-UA" dirty="0" smtClean="0"/>
-          </a:p>
-          <a:p>
-            <a:r>
-              <a:rPr lang="uk-UA" dirty="0" smtClean="0"/>
-              <a:t>Текстура</a:t>
-            </a:r>
-            <a:r>
-              <a:rPr lang="uk-UA" dirty="0" smtClean="0"/>
-              <a:t> (</a:t>
-            </a:r>
-            <a:r>
-              <a:rPr lang="en-US" dirty="0" smtClean="0"/>
-              <a:t>x, </a:t>
-            </a:r>
-            <a:r>
-              <a:rPr lang="en-US" dirty="0" smtClean="0"/>
-              <a:t>y)</a:t>
-            </a:r>
-            <a:endParaRPr lang="uk-UA" dirty="0" smtClean="0"/>
-          </a:p>
-          <a:p>
-            <a:r>
-              <a:rPr lang="uk-UA" dirty="0" smtClean="0"/>
-              <a:t>Колір </a:t>
-            </a:r>
-            <a:r>
-              <a:rPr lang="en-US" dirty="0" smtClean="0"/>
-              <a:t> (RGBA, 32 </a:t>
-            </a:r>
-            <a:r>
-              <a:rPr lang="uk-UA" dirty="0" smtClean="0"/>
-              <a:t>біти)</a:t>
-            </a:r>
-          </a:p>
-          <a:p>
-            <a:pPr>
-              <a:buNone/>
-            </a:pPr>
-            <a:endParaRPr lang="ru-RU" dirty="0"/>
-          </a:p>
-        </p:txBody>
-      </p:sp>
-      <p:pic>
-        <p:nvPicPr>
-          <p:cNvPr id="34820" name="Picture 4" descr="D:\Diplom\temp\report\3d.png"/>
-          <p:cNvPicPr>
-            <a:picLocks noGrp="1" noChangeAspect="1" noChangeArrowheads="1"/>
-          </p:cNvPicPr>
-          <p:nvPr>
-            <p:ph sz="half" idx="2"/>
-          </p:nvPr>
-        </p:nvPicPr>
-        <p:blipFill>
-          <a:blip r:embed="rId2" cstate="print"/>
-          <a:srcRect/>
-          <a:stretch>
-            <a:fillRect/>
-          </a:stretch>
-        </p:blipFill>
-        <p:spPr bwMode="auto">
-          <a:xfrm>
-            <a:off x="683568" y="3872776"/>
-            <a:ext cx="7931224" cy="2985224"/>
-          </a:xfrm>
-          <a:prstGeom prst="rect">
-            <a:avLst/>
-          </a:prstGeom>
-          <a:noFill/>
-        </p:spPr>
-      </p:pic>
-    </p:spTree>
-  </p:cSld>
-  <p:clrMapOvr>
-    <a:masterClrMapping/>
-  </p:clrMapOvr>
-  <p:timing>
-    <p:tnLst>
-      <p:par>
-        <p:cTn id="1" dur="indefinite" restart="never" nodeType="tmRoot"/>
-      </p:par>
-    </p:tnLst>
-  </p:timing>
-</p:sld>
-</file>
-
-<file path=ppt/slides/slide14.xml><?xml version="1.0" encoding="utf-8"?>
-<p:sld xmlns:a="http://schemas.openxmlformats.org/drawingml/2006/main" xmlns:r="http://schemas.openxmlformats.org/officeDocument/2006/relationships" xmlns:p="http://schemas.openxmlformats.org/presentationml/2006/main">
-  <p:cSld>
-    <p:spTree>
-      <p:nvGrpSpPr>
-        <p:cNvPr id="1" name=""/>
-        <p:cNvGrpSpPr/>
-        <p:nvPr/>
-      </p:nvGrpSpPr>
-      <p:grpSpPr>
-        <a:xfrm>
-          <a:off x="0" y="0"/>
-          <a:ext cx="0" cy="0"/>
-          <a:chOff x="0" y="0"/>
-          <a:chExt cx="0" cy="0"/>
-        </a:xfrm>
-      </p:grpSpPr>
-      <p:sp>
-        <p:nvSpPr>
-          <p:cNvPr id="2" name="Заголовок 1"/>
-          <p:cNvSpPr>
-            <a:spLocks noGrp="1"/>
-          </p:cNvSpPr>
-          <p:nvPr>
-            <p:ph type="title"/>
-          </p:nvPr>
-        </p:nvSpPr>
-        <p:spPr/>
-        <p:txBody>
-          <a:bodyPr/>
-          <a:lstStyle/>
-          <a:p>
-            <a:r>
-              <a:rPr lang="uk-UA" dirty="0" smtClean="0"/>
-              <a:t>Індекси</a:t>
-            </a:r>
-            <a:endParaRPr lang="ru-RU" dirty="0"/>
-          </a:p>
-        </p:txBody>
-      </p:sp>
-      <p:pic>
-        <p:nvPicPr>
-          <p:cNvPr id="5" name="Рисунок 4" descr="C:\Documents and Settings\9Lives\Мои документы\Мои рисунки\diplom\oktaedr.png"/>
-          <p:cNvPicPr/>
-          <p:nvPr/>
-        </p:nvPicPr>
-        <p:blipFill>
-          <a:blip r:embed="rId2" cstate="print"/>
-          <a:srcRect/>
-          <a:stretch>
-            <a:fillRect/>
-          </a:stretch>
-        </p:blipFill>
-        <p:spPr bwMode="auto">
-          <a:xfrm>
-            <a:off x="2771800" y="4992185"/>
-            <a:ext cx="3816424" cy="1865815"/>
-          </a:xfrm>
-          <a:prstGeom prst="rect">
-            <a:avLst/>
-          </a:prstGeom>
-          <a:noFill/>
-          <a:ln w="9525">
-            <a:noFill/>
-            <a:miter lim="800000"/>
-            <a:headEnd/>
-            <a:tailEnd/>
-          </a:ln>
-        </p:spPr>
-      </p:pic>
-      <p:sp>
-        <p:nvSpPr>
-          <p:cNvPr id="22530" name="Rectangle 2"/>
-          <p:cNvSpPr>
-            <a:spLocks noChangeArrowheads="1"/>
-          </p:cNvSpPr>
-          <p:nvPr/>
-        </p:nvSpPr>
-        <p:spPr bwMode="auto">
-          <a:xfrm>
-            <a:off x="0" y="0"/>
-            <a:ext cx="9144000" cy="457200"/>
-          </a:xfrm>
-          <a:prstGeom prst="rect">
-            <a:avLst/>
-          </a:prstGeom>
-          <a:noFill/>
-          <a:ln w="9525">
-            <a:noFill/>
-            <a:miter lim="800000"/>
-            <a:headEnd/>
-            <a:tailEnd/>
-          </a:ln>
-          <a:effectLst/>
-        </p:spPr>
-        <p:txBody>
-          <a:bodyPr vert="horz" wrap="none" lIns="91440" tIns="45720" rIns="91440" bIns="45720" numCol="1" anchor="ctr" anchorCtr="0" compatLnSpc="1">
-            <a:prstTxWarp prst="textNoShape">
-              <a:avLst/>
-            </a:prstTxWarp>
-            <a:spAutoFit/>
-          </a:bodyPr>
-          <a:lstStyle/>
-          <a:p>
-            <a:endParaRPr lang="ru-RU"/>
-          </a:p>
-        </p:txBody>
-      </p:sp>
-      <p:sp>
-        <p:nvSpPr>
-          <p:cNvPr id="22533" name="Rectangle 5"/>
-          <p:cNvSpPr>
-            <a:spLocks noChangeArrowheads="1"/>
-          </p:cNvSpPr>
-          <p:nvPr/>
-        </p:nvSpPr>
-        <p:spPr bwMode="auto">
-          <a:xfrm>
-            <a:off x="0" y="0"/>
-            <a:ext cx="9144000" cy="457200"/>
-          </a:xfrm>
-          <a:prstGeom prst="rect">
-            <a:avLst/>
-          </a:prstGeom>
-          <a:noFill/>
-          <a:ln w="9525">
-            <a:noFill/>
-            <a:miter lim="800000"/>
-            <a:headEnd/>
-            <a:tailEnd/>
-          </a:ln>
-          <a:effectLst/>
-        </p:spPr>
-        <p:txBody>
-          <a:bodyPr vert="horz" wrap="none" lIns="91440" tIns="45720" rIns="91440" bIns="45720" numCol="1" anchor="ctr" anchorCtr="0" compatLnSpc="1">
-            <a:prstTxWarp prst="textNoShape">
-              <a:avLst/>
-            </a:prstTxWarp>
-            <a:spAutoFit/>
-          </a:bodyPr>
-          <a:lstStyle/>
-          <a:p>
-            <a:endParaRPr lang="ru-RU"/>
-          </a:p>
-        </p:txBody>
-      </p:sp>
-      <p:sp>
-        <p:nvSpPr>
-          <p:cNvPr id="22535" name="Rectangle 7"/>
-          <p:cNvSpPr>
-            <a:spLocks noChangeArrowheads="1"/>
-          </p:cNvSpPr>
-          <p:nvPr/>
-        </p:nvSpPr>
-        <p:spPr bwMode="auto">
-          <a:xfrm>
-            <a:off x="0" y="0"/>
-            <a:ext cx="9144000" cy="457200"/>
-          </a:xfrm>
-          <a:prstGeom prst="rect">
-            <a:avLst/>
-          </a:prstGeom>
-          <a:noFill/>
-          <a:ln w="9525">
-            <a:noFill/>
-            <a:miter lim="800000"/>
-            <a:headEnd/>
-            <a:tailEnd/>
-          </a:ln>
-          <a:effectLst/>
-        </p:spPr>
-        <p:txBody>
-          <a:bodyPr vert="horz" wrap="none" lIns="91440" tIns="45720" rIns="91440" bIns="45720" numCol="1" anchor="ctr" anchorCtr="0" compatLnSpc="1">
-            <a:prstTxWarp prst="textNoShape">
-              <a:avLst/>
-            </a:prstTxWarp>
-            <a:spAutoFit/>
-          </a:bodyPr>
-          <a:lstStyle/>
-          <a:p>
-            <a:endParaRPr lang="ru-RU"/>
-          </a:p>
-        </p:txBody>
-      </p:sp>
-      <p:sp>
-        <p:nvSpPr>
-          <p:cNvPr id="22537" name="Rectangle 9"/>
-          <p:cNvSpPr>
-            <a:spLocks noChangeArrowheads="1"/>
-          </p:cNvSpPr>
-          <p:nvPr/>
-        </p:nvSpPr>
-        <p:spPr bwMode="auto">
-          <a:xfrm>
-            <a:off x="0" y="0"/>
-            <a:ext cx="9144000" cy="457200"/>
-          </a:xfrm>
-          <a:prstGeom prst="rect">
-            <a:avLst/>
-          </a:prstGeom>
-          <a:noFill/>
-          <a:ln w="9525">
-            <a:noFill/>
-            <a:miter lim="800000"/>
-            <a:headEnd/>
-            <a:tailEnd/>
-          </a:ln>
-          <a:effectLst/>
-        </p:spPr>
-        <p:txBody>
-          <a:bodyPr vert="horz" wrap="none" lIns="91440" tIns="45720" rIns="91440" bIns="45720" numCol="1" anchor="ctr" anchorCtr="0" compatLnSpc="1">
-            <a:prstTxWarp prst="textNoShape">
-              <a:avLst/>
-            </a:prstTxWarp>
-            <a:spAutoFit/>
-          </a:bodyPr>
-          <a:lstStyle/>
-          <a:p>
-            <a:endParaRPr lang="ru-RU"/>
-          </a:p>
-        </p:txBody>
-      </p:sp>
-      <p:sp>
-        <p:nvSpPr>
-          <p:cNvPr id="22539" name="Rectangle 11"/>
-          <p:cNvSpPr>
-            <a:spLocks noChangeArrowheads="1"/>
-          </p:cNvSpPr>
-          <p:nvPr/>
-        </p:nvSpPr>
-        <p:spPr bwMode="auto">
-          <a:xfrm>
-            <a:off x="0" y="0"/>
-            <a:ext cx="9144000" cy="457200"/>
-          </a:xfrm>
-          <a:prstGeom prst="rect">
-            <a:avLst/>
-          </a:prstGeom>
-          <a:noFill/>
-          <a:ln w="9525">
-            <a:noFill/>
-            <a:miter lim="800000"/>
-            <a:headEnd/>
-            <a:tailEnd/>
-          </a:ln>
-          <a:effectLst/>
-        </p:spPr>
-        <p:txBody>
-          <a:bodyPr vert="horz" wrap="none" lIns="91440" tIns="45720" rIns="91440" bIns="45720" numCol="1" anchor="ctr" anchorCtr="0" compatLnSpc="1">
-            <a:prstTxWarp prst="textNoShape">
-              <a:avLst/>
-            </a:prstTxWarp>
-            <a:spAutoFit/>
-          </a:bodyPr>
-          <a:lstStyle/>
-          <a:p>
-            <a:endParaRPr lang="ru-RU"/>
-          </a:p>
-        </p:txBody>
-      </p:sp>
-      <p:pic>
-        <p:nvPicPr>
-          <p:cNvPr id="22538" name="Рисунок 17"/>
-          <p:cNvPicPr>
-            <a:picLocks noChangeAspect="1" noChangeArrowheads="1"/>
-          </p:cNvPicPr>
-          <p:nvPr/>
-        </p:nvPicPr>
-        <p:blipFill>
-          <a:blip r:embed="rId3" cstate="print"/>
-          <a:srcRect/>
-          <a:stretch>
-            <a:fillRect/>
-          </a:stretch>
-        </p:blipFill>
-        <p:spPr bwMode="auto">
-          <a:xfrm>
-            <a:off x="1475656" y="1628800"/>
-            <a:ext cx="6264696" cy="3408732"/>
-          </a:xfrm>
-          <a:prstGeom prst="rect">
-            <a:avLst/>
-          </a:prstGeom>
-          <a:noFill/>
-        </p:spPr>
-      </p:pic>
-    </p:spTree>
-  </p:cSld>
-  <p:clrMapOvr>
-    <a:masterClrMapping/>
-  </p:clrMapOvr>
-  <p:timing>
-    <p:tnLst>
-      <p:par>
-        <p:cTn id="1" dur="indefinite" restart="never" nodeType="tmRoot"/>
-      </p:par>
-    </p:tnLst>
-  </p:timing>
-</p:sld>
-</file>
-
-<file path=ppt/slides/slide15.xml><?xml version="1.0" encoding="utf-8"?>
-<p:sld xmlns:a="http://schemas.openxmlformats.org/drawingml/2006/main" xmlns:r="http://schemas.openxmlformats.org/officeDocument/2006/relationships" xmlns:p="http://schemas.openxmlformats.org/presentationml/2006/main">
-  <p:cSld>
-    <p:spTree>
-      <p:nvGrpSpPr>
-        <p:cNvPr id="1" name=""/>
-        <p:cNvGrpSpPr/>
-        <p:nvPr/>
-      </p:nvGrpSpPr>
-      <p:grpSpPr>
-        <a:xfrm>
-          <a:off x="0" y="0"/>
-          <a:ext cx="0" cy="0"/>
-          <a:chOff x="0" y="0"/>
-          <a:chExt cx="0" cy="0"/>
-        </a:xfrm>
-      </p:grpSpPr>
-      <p:sp>
-        <p:nvSpPr>
-          <p:cNvPr id="2" name="Заголовок 1"/>
-          <p:cNvSpPr>
-            <a:spLocks noGrp="1"/>
-          </p:cNvSpPr>
-          <p:nvPr>
-            <p:ph type="title"/>
-          </p:nvPr>
-        </p:nvSpPr>
-        <p:spPr>
-          <a:xfrm>
-            <a:off x="457200" y="274638"/>
-            <a:ext cx="5554960" cy="1143000"/>
-          </a:xfrm>
-        </p:spPr>
-        <p:txBody>
-          <a:bodyPr>
-            <a:normAutofit fontScale="90000"/>
-          </a:bodyPr>
-          <a:lstStyle/>
-          <a:p>
-            <a:r>
-              <a:rPr lang="uk-UA" dirty="0" smtClean="0"/>
-              <a:t>Алгоритм побудови поверхні</a:t>
-            </a:r>
-            <a:endParaRPr lang="ru-RU" dirty="0"/>
-          </a:p>
-        </p:txBody>
-      </p:sp>
-      <p:sp>
-        <p:nvSpPr>
-          <p:cNvPr id="21506" name="Rectangle 2"/>
-          <p:cNvSpPr>
-            <a:spLocks noChangeArrowheads="1"/>
-          </p:cNvSpPr>
-          <p:nvPr/>
-        </p:nvSpPr>
-        <p:spPr bwMode="auto">
-          <a:xfrm>
-            <a:off x="0" y="0"/>
-            <a:ext cx="9144000" cy="457200"/>
-          </a:xfrm>
-          <a:prstGeom prst="rect">
-            <a:avLst/>
-          </a:prstGeom>
-          <a:noFill/>
-          <a:ln w="9525">
-            <a:noFill/>
-            <a:miter lim="800000"/>
-            <a:headEnd/>
-            <a:tailEnd/>
-          </a:ln>
-          <a:effectLst/>
-        </p:spPr>
-        <p:txBody>
-          <a:bodyPr vert="horz" wrap="none" lIns="91440" tIns="45720" rIns="91440" bIns="45720" numCol="1" anchor="ctr" anchorCtr="0" compatLnSpc="1">
-            <a:prstTxWarp prst="textNoShape">
-              <a:avLst/>
-            </a:prstTxWarp>
-            <a:spAutoFit/>
-          </a:bodyPr>
-          <a:lstStyle/>
-          <a:p>
-            <a:endParaRPr lang="ru-RU"/>
-          </a:p>
-        </p:txBody>
-      </p:sp>
-      <p:sp>
-        <p:nvSpPr>
-          <p:cNvPr id="21508" name="Rectangle 4"/>
-          <p:cNvSpPr>
-            <a:spLocks noChangeArrowheads="1"/>
-          </p:cNvSpPr>
-          <p:nvPr/>
-        </p:nvSpPr>
-        <p:spPr bwMode="auto">
-          <a:xfrm>
-            <a:off x="0" y="0"/>
-            <a:ext cx="9144000" cy="457200"/>
-          </a:xfrm>
-          <a:prstGeom prst="rect">
-            <a:avLst/>
-          </a:prstGeom>
-          <a:noFill/>
-          <a:ln w="9525">
-            <a:noFill/>
-            <a:miter lim="800000"/>
-            <a:headEnd/>
-            <a:tailEnd/>
-          </a:ln>
-          <a:effectLst/>
-        </p:spPr>
-        <p:txBody>
-          <a:bodyPr vert="horz" wrap="none" lIns="91440" tIns="45720" rIns="91440" bIns="45720" numCol="1" anchor="ctr" anchorCtr="0" compatLnSpc="1">
-            <a:prstTxWarp prst="textNoShape">
-              <a:avLst/>
-            </a:prstTxWarp>
-            <a:spAutoFit/>
-          </a:bodyPr>
-          <a:lstStyle/>
-          <a:p>
-            <a:endParaRPr lang="ru-RU"/>
-          </a:p>
-        </p:txBody>
-      </p:sp>
-      <p:sp>
-        <p:nvSpPr>
-          <p:cNvPr id="21510" name="Rectangle 6"/>
-          <p:cNvSpPr>
-            <a:spLocks noChangeArrowheads="1"/>
-          </p:cNvSpPr>
-          <p:nvPr/>
-        </p:nvSpPr>
-        <p:spPr bwMode="auto">
-          <a:xfrm>
-            <a:off x="0" y="0"/>
-            <a:ext cx="9144000" cy="457200"/>
-          </a:xfrm>
-          <a:prstGeom prst="rect">
-            <a:avLst/>
-          </a:prstGeom>
-          <a:noFill/>
-          <a:ln w="9525">
-            <a:noFill/>
-            <a:miter lim="800000"/>
-            <a:headEnd/>
-            <a:tailEnd/>
-          </a:ln>
-          <a:effectLst/>
-        </p:spPr>
-        <p:txBody>
-          <a:bodyPr vert="horz" wrap="none" lIns="91440" tIns="45720" rIns="91440" bIns="45720" numCol="1" anchor="ctr" anchorCtr="0" compatLnSpc="1">
-            <a:prstTxWarp prst="textNoShape">
-              <a:avLst/>
-            </a:prstTxWarp>
-            <a:spAutoFit/>
-          </a:bodyPr>
-          <a:lstStyle/>
-          <a:p>
-            <a:endParaRPr lang="ru-RU"/>
-          </a:p>
-        </p:txBody>
-      </p:sp>
-      <p:sp>
-        <p:nvSpPr>
-          <p:cNvPr id="21512" name="Rectangle 8"/>
-          <p:cNvSpPr>
-            <a:spLocks noChangeArrowheads="1"/>
-          </p:cNvSpPr>
-          <p:nvPr/>
-        </p:nvSpPr>
-        <p:spPr bwMode="auto">
-          <a:xfrm>
-            <a:off x="0" y="0"/>
-            <a:ext cx="9144000" cy="457200"/>
-          </a:xfrm>
-          <a:prstGeom prst="rect">
-            <a:avLst/>
-          </a:prstGeom>
-          <a:noFill/>
-          <a:ln w="9525">
-            <a:noFill/>
-            <a:miter lim="800000"/>
-            <a:headEnd/>
-            <a:tailEnd/>
-          </a:ln>
-          <a:effectLst/>
-        </p:spPr>
-        <p:txBody>
-          <a:bodyPr vert="horz" wrap="none" lIns="91440" tIns="45720" rIns="91440" bIns="45720" numCol="1" anchor="ctr" anchorCtr="0" compatLnSpc="1">
-            <a:prstTxWarp prst="textNoShape">
-              <a:avLst/>
-            </a:prstTxWarp>
-            <a:spAutoFit/>
-          </a:bodyPr>
-          <a:lstStyle/>
-          <a:p>
-            <a:endParaRPr lang="ru-RU"/>
-          </a:p>
-        </p:txBody>
-      </p:sp>
-      <p:pic>
-        <p:nvPicPr>
-          <p:cNvPr id="21511" name="Рисунок 9"/>
-          <p:cNvPicPr>
-            <a:picLocks noChangeAspect="1" noChangeArrowheads="1"/>
-          </p:cNvPicPr>
-          <p:nvPr/>
-        </p:nvPicPr>
-        <p:blipFill>
-          <a:blip r:embed="rId2" cstate="print"/>
-          <a:srcRect/>
-          <a:stretch>
-            <a:fillRect/>
-          </a:stretch>
-        </p:blipFill>
-        <p:spPr bwMode="auto">
-          <a:xfrm>
-            <a:off x="2987824" y="332656"/>
-            <a:ext cx="5943600" cy="6305550"/>
-          </a:xfrm>
-          <a:prstGeom prst="rect">
-            <a:avLst/>
-          </a:prstGeom>
-          <a:noFill/>
-        </p:spPr>
-      </p:pic>
-      <p:pic>
-        <p:nvPicPr>
-          <p:cNvPr id="21513" name="Picture 9" descr="D:\Diplom\temp\report\mass.png"/>
-          <p:cNvPicPr>
-            <a:picLocks noChangeAspect="1" noChangeArrowheads="1"/>
-          </p:cNvPicPr>
-          <p:nvPr/>
-        </p:nvPicPr>
-        <p:blipFill>
-          <a:blip r:embed="rId3" cstate="print"/>
-          <a:srcRect/>
-          <a:stretch>
-            <a:fillRect/>
-          </a:stretch>
-        </p:blipFill>
-        <p:spPr bwMode="auto">
-          <a:xfrm>
-            <a:off x="539552" y="3140968"/>
-            <a:ext cx="4000501" cy="3517900"/>
-          </a:xfrm>
-          <a:prstGeom prst="rect">
-            <a:avLst/>
-          </a:prstGeom>
-          <a:noFill/>
-        </p:spPr>
-      </p:pic>
-    </p:spTree>
-  </p:cSld>
-  <p:clrMapOvr>
-    <a:masterClrMapping/>
-  </p:clrMapOvr>
-  <p:timing>
-    <p:tnLst>
-      <p:par>
-        <p:cTn id="1" dur="indefinite" restart="never" nodeType="tmRoot"/>
-      </p:par>
-    </p:tnLst>
-  </p:timing>
-</p:sld>
-</file>
-
-<file path=ppt/slides/slide16.xml><?xml version="1.0" encoding="utf-8"?>
-<p:sld xmlns:a="http://schemas.openxmlformats.org/drawingml/2006/main" xmlns:r="http://schemas.openxmlformats.org/officeDocument/2006/relationships" xmlns:p="http://schemas.openxmlformats.org/presentationml/2006/main">
-  <p:cSld>
-    <p:spTree>
-      <p:nvGrpSpPr>
-        <p:cNvPr id="1" name=""/>
-        <p:cNvGrpSpPr/>
-        <p:nvPr/>
-      </p:nvGrpSpPr>
-      <p:grpSpPr>
-        <a:xfrm>
-          <a:off x="0" y="0"/>
-          <a:ext cx="0" cy="0"/>
-          <a:chOff x="0" y="0"/>
-          <a:chExt cx="0" cy="0"/>
-        </a:xfrm>
-      </p:grpSpPr>
-      <p:sp>
-        <p:nvSpPr>
-          <p:cNvPr id="2" name="Заголовок 1"/>
-          <p:cNvSpPr>
-            <a:spLocks noGrp="1"/>
-          </p:cNvSpPr>
-          <p:nvPr>
-            <p:ph type="title"/>
-          </p:nvPr>
-        </p:nvSpPr>
-        <p:spPr/>
-        <p:txBody>
-          <a:bodyPr/>
-          <a:lstStyle/>
-          <a:p>
-            <a:r>
-              <a:rPr lang="uk-UA" dirty="0" smtClean="0"/>
-              <a:t>Використання сітки</a:t>
-            </a:r>
-            <a:endParaRPr lang="ru-RU" dirty="0"/>
-          </a:p>
-        </p:txBody>
-      </p:sp>
-      <p:pic>
-        <p:nvPicPr>
-          <p:cNvPr id="35843" name="Picture 3" descr="D:\Diplom\TempDocs\Report\gird.png"/>
-          <p:cNvPicPr>
-            <a:picLocks noChangeAspect="1" noChangeArrowheads="1"/>
-          </p:cNvPicPr>
-          <p:nvPr/>
-        </p:nvPicPr>
-        <p:blipFill>
-          <a:blip r:embed="rId2" cstate="print"/>
-          <a:srcRect/>
-          <a:stretch>
-            <a:fillRect/>
-          </a:stretch>
-        </p:blipFill>
-        <p:spPr bwMode="auto">
-          <a:xfrm>
-            <a:off x="395536" y="2132856"/>
-            <a:ext cx="8291513" cy="3390900"/>
-          </a:xfrm>
-          <a:prstGeom prst="rect">
-            <a:avLst/>
-          </a:prstGeom>
-          <a:noFill/>
-        </p:spPr>
-      </p:pic>
-    </p:spTree>
-  </p:cSld>
-  <p:clrMapOvr>
-    <a:masterClrMapping/>
-  </p:clrMapOvr>
-  <p:timing>
-    <p:tnLst>
-      <p:par>
-        <p:cTn id="1" dur="indefinite" restart="never" nodeType="tmRoot"/>
-      </p:par>
-    </p:tnLst>
-  </p:timing>
-</p:sld>
-</file>
-
-<file path=ppt/slides/slide17.xml><?xml version="1.0" encoding="utf-8"?>
-<p:sld xmlns:a="http://schemas.openxmlformats.org/drawingml/2006/main" xmlns:r="http://schemas.openxmlformats.org/officeDocument/2006/relationships" xmlns:p="http://schemas.openxmlformats.org/presentationml/2006/main">
-  <p:cSld>
-    <p:spTree>
-      <p:nvGrpSpPr>
-        <p:cNvPr id="1" name=""/>
-        <p:cNvGrpSpPr/>
-        <p:nvPr/>
-      </p:nvGrpSpPr>
-      <p:grpSpPr>
-        <a:xfrm>
-          <a:off x="0" y="0"/>
-          <a:ext cx="0" cy="0"/>
-          <a:chOff x="0" y="0"/>
-          <a:chExt cx="0" cy="0"/>
-        </a:xfrm>
-      </p:grpSpPr>
-      <p:sp>
-        <p:nvSpPr>
-          <p:cNvPr id="2" name="Заголовок 1"/>
-          <p:cNvSpPr>
-            <a:spLocks noGrp="1"/>
-          </p:cNvSpPr>
-          <p:nvPr>
-            <p:ph type="title"/>
-          </p:nvPr>
-        </p:nvSpPr>
-        <p:spPr/>
-        <p:txBody>
-          <a:bodyPr/>
-          <a:lstStyle/>
-          <a:p>
-            <a:r>
-              <a:rPr lang="uk-UA" dirty="0" smtClean="0"/>
-              <a:t>Загальний вигляд</a:t>
-            </a:r>
-            <a:endParaRPr lang="ru-RU" dirty="0"/>
-          </a:p>
-        </p:txBody>
-      </p:sp>
-      <p:pic>
-        <p:nvPicPr>
-          <p:cNvPr id="4" name="Содержимое 3"/>
-          <p:cNvPicPr>
-            <a:picLocks noGrp="1"/>
-          </p:cNvPicPr>
-          <p:nvPr>
-            <p:ph idx="1"/>
-          </p:nvPr>
-        </p:nvPicPr>
-        <p:blipFill>
-          <a:blip r:embed="rId2" cstate="print">
-            <a:extLst>
-              <a:ext uri="{28A0092B-C50C-407E-A947-70E740481C1C}">
-                <a14:useLocalDpi xmlns:lc="http://schemas.openxmlformats.org/drawingml/2006/lockedCanvas" xmlns:pic="http://schemas.openxmlformats.org/drawingml/2006/picture" xmlns:a14="http://schemas.microsoft.com/office/drawing/2010/main" xmlns:wps="http://schemas.microsoft.com/office/word/2010/wordprocessingShape" xmlns:wne="http://schemas.microsoft.com/office/word/2006/wordml" xmlns:wpi="http://schemas.microsoft.com/office/word/2010/wordprocessingInk" xmlns:wpg="http://schemas.microsoft.com/office/word/2010/wordprocessingGroup" xmlns:w14="http://schemas.microsoft.com/office/word/2010/wordml" xmlns:w="http://schemas.openxmlformats.org/wordprocessingml/2006/main" xmlns:w10="urn:schemas-microsoft-com:office:word" xmlns:wp="http://schemas.openxmlformats.org/drawingml/2006/wordprocessingDrawing" xmlns:wp14="http://schemas.microsoft.com/office/word/2010/wordprocessingDrawing" xmlns:v="urn:schemas-microsoft-com:vml" xmlns:m="http://schemas.openxmlformats.org/officeDocument/2006/math" xmlns:o="urn:schemas-microsoft-com:office:office" xmlns:mc="http://schemas.openxmlformats.org/markup-compatibility/2006" xmlns:wpc="http://schemas.microsoft.com/office/word/2010/wordprocessingCanvas" xmlns="" val="0"/>
-              </a:ext>
-            </a:extLst>
-          </a:blip>
-          <a:stretch>
-            <a:fillRect/>
-          </a:stretch>
-        </p:blipFill>
-        <p:spPr bwMode="auto">
-          <a:xfrm>
-            <a:off x="1403648" y="1412776"/>
-            <a:ext cx="6208724" cy="4925144"/>
-          </a:xfrm>
-          <a:prstGeom prst="rect">
-            <a:avLst/>
-          </a:prstGeom>
-          <a:noFill/>
-          <a:ln>
-            <a:noFill/>
-          </a:ln>
-        </p:spPr>
-      </p:pic>
-    </p:spTree>
-  </p:cSld>
-  <p:clrMapOvr>
-    <a:masterClrMapping/>
-  </p:clrMapOvr>
-  <p:timing>
-    <p:tnLst>
-      <p:par>
-        <p:cTn id="1" dur="indefinite" restart="never" nodeType="tmRoot"/>
-      </p:par>
-    </p:tnLst>
-  </p:timing>
-</p:sld>
-</file>
-
-<file path=ppt/slides/slide18.xml><?xml version="1.0" encoding="utf-8"?>
-<p:sld xmlns:a="http://schemas.openxmlformats.org/drawingml/2006/main" xmlns:r="http://schemas.openxmlformats.org/officeDocument/2006/relationships" xmlns:p="http://schemas.openxmlformats.org/presentationml/2006/main">
-  <p:cSld>
-    <p:spTree>
-      <p:nvGrpSpPr>
-        <p:cNvPr id="1" name=""/>
-        <p:cNvGrpSpPr/>
-        <p:nvPr/>
-      </p:nvGrpSpPr>
-      <p:grpSpPr>
-        <a:xfrm>
-          <a:off x="0" y="0"/>
-          <a:ext cx="0" cy="0"/>
-          <a:chOff x="0" y="0"/>
-          <a:chExt cx="0" cy="0"/>
-        </a:xfrm>
-      </p:grpSpPr>
-      <p:sp>
-        <p:nvSpPr>
-          <p:cNvPr id="2" name="Заголовок 1"/>
-          <p:cNvSpPr>
-            <a:spLocks noGrp="1"/>
-          </p:cNvSpPr>
-          <p:nvPr>
-            <p:ph type="title"/>
-          </p:nvPr>
-        </p:nvSpPr>
-        <p:spPr/>
-        <p:txBody>
-          <a:bodyPr/>
-          <a:lstStyle/>
-          <a:p>
-            <a:r>
-              <a:rPr lang="uk-UA" dirty="0" smtClean="0"/>
-              <a:t>Режим вибору точки</a:t>
-            </a:r>
-            <a:endParaRPr lang="ru-RU" dirty="0"/>
-          </a:p>
-        </p:txBody>
-      </p:sp>
-      <p:pic>
-        <p:nvPicPr>
-          <p:cNvPr id="6" name="Рисунок 5"/>
-          <p:cNvPicPr/>
-          <p:nvPr/>
-        </p:nvPicPr>
-        <p:blipFill>
-          <a:blip r:embed="rId2" cstate="print">
-            <a:lum/>
-          </a:blip>
-          <a:srcRect/>
-          <a:stretch>
-            <a:fillRect/>
-          </a:stretch>
-        </p:blipFill>
-        <p:spPr bwMode="auto">
-          <a:xfrm>
-            <a:off x="1351005" y="1412776"/>
-            <a:ext cx="6245331" cy="4921738"/>
-          </a:xfrm>
-          <a:prstGeom prst="rect">
-            <a:avLst/>
-          </a:prstGeom>
-          <a:noFill/>
-          <a:ln w="9525">
-            <a:noFill/>
-            <a:miter lim="800000"/>
-            <a:headEnd/>
-            <a:tailEnd/>
-          </a:ln>
-        </p:spPr>
-      </p:pic>
-    </p:spTree>
-  </p:cSld>
-  <p:clrMapOvr>
-    <a:masterClrMapping/>
-  </p:clrMapOvr>
-  <p:timing>
-    <p:tnLst>
-      <p:par>
-        <p:cTn id="1" dur="indefinite" restart="never" nodeType="tmRoot"/>
-      </p:par>
-    </p:tnLst>
-  </p:timing>
-</p:sld>
-</file>
-
-<file path=ppt/slides/slide19.xml><?xml version="1.0" encoding="utf-8"?>
-<p:sld xmlns:a="http://schemas.openxmlformats.org/drawingml/2006/main" xmlns:r="http://schemas.openxmlformats.org/officeDocument/2006/relationships" xmlns:p="http://schemas.openxmlformats.org/presentationml/2006/main">
-  <p:cSld>
-    <p:spTree>
-      <p:nvGrpSpPr>
-        <p:cNvPr id="1" name=""/>
-        <p:cNvGrpSpPr/>
-        <p:nvPr/>
-      </p:nvGrpSpPr>
-      <p:grpSpPr>
-        <a:xfrm>
-          <a:off x="0" y="0"/>
-          <a:ext cx="0" cy="0"/>
-          <a:chOff x="0" y="0"/>
-          <a:chExt cx="0" cy="0"/>
-        </a:xfrm>
-      </p:grpSpPr>
-      <p:sp>
-        <p:nvSpPr>
-          <p:cNvPr id="2" name="Заголовок 1"/>
-          <p:cNvSpPr>
-            <a:spLocks noGrp="1"/>
-          </p:cNvSpPr>
-          <p:nvPr>
-            <p:ph type="title"/>
-          </p:nvPr>
-        </p:nvSpPr>
-        <p:spPr/>
-        <p:txBody>
-          <a:bodyPr/>
-          <a:lstStyle/>
-          <a:p>
-            <a:r>
-              <a:rPr lang="uk-UA" dirty="0" smtClean="0"/>
-              <a:t>Інтерфейс користувача</a:t>
-            </a:r>
-            <a:endParaRPr lang="ru-RU" dirty="0"/>
-          </a:p>
-        </p:txBody>
-      </p:sp>
-      <p:pic>
-        <p:nvPicPr>
-          <p:cNvPr id="4" name="Содержимое 3"/>
-          <p:cNvPicPr>
-            <a:picLocks noGrp="1"/>
-          </p:cNvPicPr>
-          <p:nvPr>
-            <p:ph idx="1"/>
-          </p:nvPr>
-        </p:nvPicPr>
-        <p:blipFill>
-          <a:blip r:embed="rId2" cstate="print"/>
-          <a:stretch>
-            <a:fillRect/>
-          </a:stretch>
-        </p:blipFill>
-        <p:spPr bwMode="auto">
-          <a:xfrm>
-            <a:off x="1576499" y="1600200"/>
-            <a:ext cx="5991002" cy="4708525"/>
-          </a:xfrm>
-          <a:prstGeom prst="rect">
-            <a:avLst/>
-          </a:prstGeom>
-          <a:noFill/>
-          <a:ln w="9525">
-            <a:noFill/>
-            <a:miter lim="800000"/>
-            <a:headEnd/>
-            <a:tailEnd/>
-          </a:ln>
-        </p:spPr>
-      </p:pic>
-    </p:spTree>
-  </p:cSld>
-  <p:clrMapOvr>
-    <a:masterClrMapping/>
-  </p:clrMapOvr>
-  <p:timing>
-    <p:tnLst>
-      <p:par>
-        <p:cTn id="1" dur="indefinite" restart="never" nodeType="tmRoot"/>
-      </p:par>
-    </p:tnLst>
-  </p:timing>
-</p:sld>
-</file>
-
-<file path=ppt/slides/slide2.xml><?xml version="1.0" encoding="utf-8"?>
-<p:sld xmlns:a="http://schemas.openxmlformats.org/drawingml/2006/main" xmlns:r="http://schemas.openxmlformats.org/officeDocument/2006/relationships" xmlns:p="http://schemas.openxmlformats.org/presentationml/2006/main">
-  <p:cSld>
-    <p:spTree>
-      <p:nvGrpSpPr>
-        <p:cNvPr id="1" name=""/>
-        <p:cNvGrpSpPr/>
-        <p:nvPr/>
-      </p:nvGrpSpPr>
-      <p:grpSpPr>
-        <a:xfrm>
-          <a:off x="0" y="0"/>
-          <a:ext cx="0" cy="0"/>
-          <a:chOff x="0" y="0"/>
-          <a:chExt cx="0" cy="0"/>
-        </a:xfrm>
-      </p:grpSpPr>
-      <p:sp>
-        <p:nvSpPr>
-          <p:cNvPr id="2" name="Заголовок 1"/>
-          <p:cNvSpPr>
-            <a:spLocks noGrp="1"/>
-          </p:cNvSpPr>
-          <p:nvPr>
-            <p:ph type="title"/>
-          </p:nvPr>
-        </p:nvSpPr>
-        <p:spPr/>
-        <p:txBody>
-          <a:bodyPr>
-            <a:normAutofit fontScale="90000"/>
-          </a:bodyPr>
-          <a:lstStyle/>
-          <a:p>
-            <a:r>
-              <a:rPr lang="uk-UA" dirty="0" smtClean="0"/>
-              <a:t>Класична форма подання характеристик</a:t>
-            </a:r>
-            <a:endParaRPr lang="ru-RU" dirty="0"/>
-          </a:p>
-        </p:txBody>
-      </p:sp>
-      <p:pic>
-        <p:nvPicPr>
-          <p:cNvPr id="2050" name="Picture 2" descr="\\Pn\сhange\516.gif"/>
-          <p:cNvPicPr>
-            <a:picLocks noGrp="1" noChangeAspect="1" noChangeArrowheads="1"/>
-          </p:cNvPicPr>
-          <p:nvPr>
-            <p:ph idx="1"/>
-          </p:nvPr>
-        </p:nvPicPr>
-        <p:blipFill>
-          <a:blip r:embed="rId2" cstate="print"/>
-          <a:stretch>
-            <a:fillRect/>
-          </a:stretch>
-        </p:blipFill>
-        <p:spPr bwMode="auto">
-          <a:xfrm>
-            <a:off x="1259632" y="2060848"/>
-            <a:ext cx="6575708" cy="3617639"/>
-          </a:xfrm>
-          <a:prstGeom prst="rect">
-            <a:avLst/>
-          </a:prstGeom>
-          <a:noFill/>
-        </p:spPr>
-      </p:pic>
-    </p:spTree>
-  </p:cSld>
-  <p:clrMapOvr>
-    <a:masterClrMapping/>
-  </p:clrMapOvr>
-  <p:timing>
-    <p:tnLst>
-      <p:par>
-        <p:cTn id="1" dur="indefinite" restart="never" nodeType="tmRoot"/>
-      </p:par>
-    </p:tnLst>
-  </p:timing>
-</p:sld>
-</file>
-
-<file path=ppt/slides/slide3.xml><?xml version="1.0" encoding="utf-8"?>
-<p:sld xmlns:a="http://schemas.openxmlformats.org/drawingml/2006/main" xmlns:r="http://schemas.openxmlformats.org/officeDocument/2006/relationships" xmlns:p="http://schemas.openxmlformats.org/presentationml/2006/main">
-  <p:cSld>
-    <p:spTree>
-      <p:nvGrpSpPr>
-        <p:cNvPr id="1" name=""/>
-        <p:cNvGrpSpPr/>
-        <p:nvPr/>
-      </p:nvGrpSpPr>
-      <p:grpSpPr>
-        <a:xfrm>
-          <a:off x="0" y="0"/>
-          <a:ext cx="0" cy="0"/>
-          <a:chOff x="0" y="0"/>
-          <a:chExt cx="0" cy="0"/>
-        </a:xfrm>
-      </p:grpSpPr>
-      <p:sp>
-        <p:nvSpPr>
-          <p:cNvPr id="2" name="Заголовок 1"/>
-          <p:cNvSpPr>
-            <a:spLocks noGrp="1"/>
-          </p:cNvSpPr>
-          <p:nvPr>
-            <p:ph type="title"/>
-          </p:nvPr>
-        </p:nvSpPr>
-        <p:spPr/>
-        <p:txBody>
-          <a:bodyPr/>
-          <a:lstStyle/>
-          <a:p>
-            <a:r>
-              <a:rPr lang="uk-UA" dirty="0" smtClean="0"/>
-              <a:t>Л2-100 ТЕКО</a:t>
-            </a:r>
-            <a:endParaRPr lang="ru-RU" dirty="0"/>
-          </a:p>
-        </p:txBody>
-      </p:sp>
-      <p:pic>
-        <p:nvPicPr>
-          <p:cNvPr id="1027" name="Picture 3" descr="D:\Diplom\temp\L2_100.png"/>
-          <p:cNvPicPr>
-            <a:picLocks noGrp="1" noChangeAspect="1" noChangeArrowheads="1"/>
-          </p:cNvPicPr>
-          <p:nvPr>
-            <p:ph idx="1"/>
-          </p:nvPr>
-        </p:nvPicPr>
-        <p:blipFill>
-          <a:blip r:embed="rId2" cstate="print"/>
-          <a:stretch>
-            <a:fillRect/>
-          </a:stretch>
-        </p:blipFill>
-        <p:spPr bwMode="auto">
-          <a:xfrm>
-            <a:off x="1619672" y="1628800"/>
-            <a:ext cx="6048672" cy="4148963"/>
-          </a:xfrm>
-          <a:prstGeom prst="rect">
-            <a:avLst/>
-          </a:prstGeom>
-          <a:noFill/>
-        </p:spPr>
-      </p:pic>
-    </p:spTree>
-  </p:cSld>
-  <p:clrMapOvr>
-    <a:masterClrMapping/>
-  </p:clrMapOvr>
-  <p:timing>
-    <p:tnLst>
-      <p:par>
-        <p:cTn id="1" dur="indefinite" restart="never" nodeType="tmRoot"/>
-      </p:par>
-    </p:tnLst>
-  </p:timing>
-</p:sld>
-</file>
-
-<file path=ppt/slides/slide4.xml><?xml version="1.0" encoding="utf-8"?>
-<p:sld xmlns:a="http://schemas.openxmlformats.org/drawingml/2006/main" xmlns:r="http://schemas.openxmlformats.org/officeDocument/2006/relationships" xmlns:p="http://schemas.openxmlformats.org/presentationml/2006/main">
-  <p:cSld>
-    <p:spTree>
-      <p:nvGrpSpPr>
-        <p:cNvPr id="1" name=""/>
-        <p:cNvGrpSpPr/>
-        <p:nvPr/>
-      </p:nvGrpSpPr>
-      <p:grpSpPr>
-        <a:xfrm>
-          <a:off x="0" y="0"/>
-          <a:ext cx="0" cy="0"/>
-          <a:chOff x="0" y="0"/>
-          <a:chExt cx="0" cy="0"/>
-        </a:xfrm>
-      </p:grpSpPr>
-      <p:sp>
-        <p:nvSpPr>
-          <p:cNvPr id="2" name="Заголовок 1"/>
-          <p:cNvSpPr>
-            <a:spLocks noGrp="1"/>
-          </p:cNvSpPr>
-          <p:nvPr>
-            <p:ph type="title"/>
-          </p:nvPr>
-        </p:nvSpPr>
-        <p:spPr/>
-        <p:txBody>
-          <a:bodyPr>
-            <a:normAutofit fontScale="90000"/>
-          </a:bodyPr>
-          <a:lstStyle/>
-          <a:p>
-            <a:r>
-              <a:rPr lang="uk-UA" dirty="0" smtClean="0"/>
-              <a:t>Програмне забезпечення</a:t>
-            </a:r>
-            <a:r>
-              <a:rPr lang="uk-UA" dirty="0" smtClean="0"/>
-              <a:t> Л2-100</a:t>
-            </a:r>
-            <a:endParaRPr lang="ru-RU" dirty="0"/>
-          </a:p>
-        </p:txBody>
-      </p:sp>
-      <p:pic>
-        <p:nvPicPr>
-          <p:cNvPr id="4" name="Содержимое 3" descr="http://www.kipia.info/upload/NOVOSTI_Kartinki/ANONSI_M/AN1014/Chrt_6.jpg"/>
-          <p:cNvPicPr>
-            <a:picLocks noGrp="1"/>
-          </p:cNvPicPr>
-          <p:nvPr>
-            <p:ph idx="1"/>
-          </p:nvPr>
-        </p:nvPicPr>
-        <p:blipFill>
-          <a:blip r:embed="rId2" cstate="print"/>
-          <a:stretch>
-            <a:fillRect/>
-          </a:stretch>
-        </p:blipFill>
-        <p:spPr bwMode="auto">
-          <a:xfrm>
-            <a:off x="1321539" y="1600200"/>
-            <a:ext cx="6500922" cy="4708525"/>
-          </a:xfrm>
-          <a:prstGeom prst="rect">
-            <a:avLst/>
-          </a:prstGeom>
-          <a:noFill/>
-          <a:ln w="9525">
-            <a:noFill/>
-            <a:miter lim="800000"/>
-            <a:headEnd/>
-            <a:tailEnd/>
-          </a:ln>
-        </p:spPr>
-      </p:pic>
-    </p:spTree>
-  </p:cSld>
-  <p:clrMapOvr>
-    <a:masterClrMapping/>
-  </p:clrMapOvr>
-  <p:timing>
-    <p:tnLst>
-      <p:par>
-        <p:cTn id="1" dur="indefinite" restart="never" nodeType="tmRoot"/>
-      </p:par>
-    </p:tnLst>
-  </p:timing>
-</p:sld>
-</file>
-
-<file path=ppt/slides/slide5.xml><?xml version="1.0" encoding="utf-8"?>
-<p:sld xmlns:a="http://schemas.openxmlformats.org/drawingml/2006/main" xmlns:r="http://schemas.openxmlformats.org/officeDocument/2006/relationships" xmlns:p="http://schemas.openxmlformats.org/presentationml/2006/main">
-  <p:cSld>
-    <p:spTree>
-      <p:nvGrpSpPr>
-        <p:cNvPr id="1" name=""/>
-        <p:cNvGrpSpPr/>
-        <p:nvPr/>
-      </p:nvGrpSpPr>
-      <p:grpSpPr>
-        <a:xfrm>
-          <a:off x="0" y="0"/>
-          <a:ext cx="0" cy="0"/>
-          <a:chOff x="0" y="0"/>
-          <a:chExt cx="0" cy="0"/>
-        </a:xfrm>
-      </p:grpSpPr>
-      <p:sp>
-        <p:nvSpPr>
-          <p:cNvPr id="2" name="Заголовок 1"/>
-          <p:cNvSpPr>
-            <a:spLocks noGrp="1"/>
-          </p:cNvSpPr>
-          <p:nvPr>
-            <p:ph type="title"/>
-          </p:nvPr>
-        </p:nvSpPr>
-        <p:spPr/>
-        <p:txBody>
-          <a:bodyPr/>
-          <a:lstStyle/>
-          <a:p>
-            <a:r>
-              <a:rPr lang="ru-RU" dirty="0" smtClean="0"/>
-              <a:t>ЭРБИЙ-7107</a:t>
-            </a:r>
-            <a:endParaRPr lang="ru-RU" dirty="0"/>
-          </a:p>
-        </p:txBody>
-      </p:sp>
-      <p:pic>
-        <p:nvPicPr>
-          <p:cNvPr id="4" name="Содержимое 3"/>
-          <p:cNvPicPr>
-            <a:picLocks noGrp="1"/>
-          </p:cNvPicPr>
-          <p:nvPr>
-            <p:ph idx="1"/>
-          </p:nvPr>
-        </p:nvPicPr>
-        <p:blipFill>
-          <a:blip r:embed="rId2" cstate="print"/>
-          <a:stretch>
-            <a:fillRect/>
-          </a:stretch>
-        </p:blipFill>
-        <p:spPr>
-          <a:xfrm>
-            <a:off x="899592" y="1844824"/>
-            <a:ext cx="7344816" cy="4419165"/>
-          </a:xfrm>
-          <a:prstGeom prst="rect">
-            <a:avLst/>
-          </a:prstGeom>
-        </p:spPr>
-      </p:pic>
-    </p:spTree>
-  </p:cSld>
-  <p:clrMapOvr>
-    <a:masterClrMapping/>
-  </p:clrMapOvr>
-  <p:timing>
-    <p:tnLst>
-      <p:par>
-        <p:cTn id="1" dur="indefinite" restart="never" nodeType="tmRoot"/>
-      </p:par>
-    </p:tnLst>
-  </p:timing>
-</p:sld>
-</file>
-
-<file path=ppt/slides/slide6.xml><?xml version="1.0" encoding="utf-8"?>
-<p:sld xmlns:a="http://schemas.openxmlformats.org/drawingml/2006/main" xmlns:r="http://schemas.openxmlformats.org/officeDocument/2006/relationships" xmlns:p="http://schemas.openxmlformats.org/presentationml/2006/main">
-  <p:cSld>
-    <p:spTree>
-      <p:nvGrpSpPr>
-        <p:cNvPr id="1" name=""/>
-        <p:cNvGrpSpPr/>
-        <p:nvPr/>
-      </p:nvGrpSpPr>
-      <p:grpSpPr>
-        <a:xfrm>
-          <a:off x="0" y="0"/>
-          <a:ext cx="0" cy="0"/>
-          <a:chOff x="0" y="0"/>
-          <a:chExt cx="0" cy="0"/>
-        </a:xfrm>
-      </p:grpSpPr>
-      <p:sp>
-        <p:nvSpPr>
-          <p:cNvPr id="2" name="Заголовок 1"/>
-          <p:cNvSpPr>
-            <a:spLocks noGrp="1"/>
-          </p:cNvSpPr>
-          <p:nvPr>
-            <p:ph type="title"/>
-          </p:nvPr>
-        </p:nvSpPr>
-        <p:spPr/>
-        <p:txBody>
-          <a:bodyPr>
-            <a:normAutofit fontScale="90000"/>
-          </a:bodyPr>
-          <a:lstStyle/>
-          <a:p>
-            <a:r>
-              <a:rPr lang="uk-UA" dirty="0" smtClean="0"/>
-              <a:t>Програмне </a:t>
-            </a:r>
-            <a:r>
-              <a:rPr lang="uk-UA" dirty="0" smtClean="0"/>
-              <a:t>забезпечення </a:t>
-            </a:r>
-            <a:r>
-              <a:rPr lang="ru-RU" dirty="0" smtClean="0"/>
-              <a:t>ЭРБИЙ-7107</a:t>
-            </a:r>
-            <a:endParaRPr lang="ru-RU" dirty="0"/>
-          </a:p>
-        </p:txBody>
-      </p:sp>
-      <p:pic>
-        <p:nvPicPr>
-          <p:cNvPr id="4" name="Содержимое 3"/>
-          <p:cNvPicPr>
-            <a:picLocks noGrp="1"/>
-          </p:cNvPicPr>
-          <p:nvPr>
-            <p:ph idx="1"/>
-          </p:nvPr>
-        </p:nvPicPr>
-        <p:blipFill>
-          <a:blip r:embed="rId2" cstate="print"/>
-          <a:stretch>
-            <a:fillRect/>
-          </a:stretch>
-        </p:blipFill>
-        <p:spPr>
-          <a:xfrm>
-            <a:off x="1403648" y="1628800"/>
-            <a:ext cx="6696744" cy="5013309"/>
-          </a:xfrm>
-          <a:prstGeom prst="rect">
-            <a:avLst/>
-          </a:prstGeom>
-        </p:spPr>
-      </p:pic>
-    </p:spTree>
-  </p:cSld>
-  <p:clrMapOvr>
-    <a:masterClrMapping/>
-  </p:clrMapOvr>
-  <p:timing>
-    <p:tnLst>
-      <p:par>
-        <p:cTn id="1" dur="indefinite" restart="never" nodeType="tmRoot"/>
-      </p:par>
-    </p:tnLst>
-  </p:timing>
-</p:sld>
-</file>
-
-<file path=ppt/slides/slide7.xml><?xml version="1.0" encoding="utf-8"?>
-<p:sld xmlns:a="http://schemas.openxmlformats.org/drawingml/2006/main" xmlns:r="http://schemas.openxmlformats.org/officeDocument/2006/relationships" xmlns:p="http://schemas.openxmlformats.org/presentationml/2006/main">
-  <p:cSld>
-    <p:spTree>
-      <p:nvGrpSpPr>
-        <p:cNvPr id="1" name=""/>
-        <p:cNvGrpSpPr/>
-        <p:nvPr/>
-      </p:nvGrpSpPr>
-      <p:grpSpPr>
-        <a:xfrm>
-          <a:off x="0" y="0"/>
-          <a:ext cx="0" cy="0"/>
-          <a:chOff x="0" y="0"/>
-          <a:chExt cx="0" cy="0"/>
-        </a:xfrm>
-      </p:grpSpPr>
-      <p:sp>
-        <p:nvSpPr>
-          <p:cNvPr id="2" name="Заголовок 1"/>
-          <p:cNvSpPr>
-            <a:spLocks noGrp="1"/>
-          </p:cNvSpPr>
-          <p:nvPr>
-            <p:ph type="title"/>
-          </p:nvPr>
-        </p:nvSpPr>
-        <p:spPr/>
-        <p:txBody>
-          <a:bodyPr/>
-          <a:lstStyle/>
-          <a:p>
-            <a:r>
-              <a:rPr lang="uk-UA" dirty="0" smtClean="0"/>
-              <a:t>Структурна схема</a:t>
-            </a:r>
-            <a:endParaRPr lang="ru-RU" dirty="0"/>
-          </a:p>
-        </p:txBody>
-      </p:sp>
-      <p:pic>
-        <p:nvPicPr>
-          <p:cNvPr id="4" name="Содержимое 3"/>
-          <p:cNvPicPr>
-            <a:picLocks noGrp="1"/>
-          </p:cNvPicPr>
-          <p:nvPr>
-            <p:ph idx="1"/>
-          </p:nvPr>
-        </p:nvPicPr>
-        <p:blipFill>
-          <a:blip r:embed="rId2" cstate="print"/>
-          <a:srcRect/>
-          <a:stretch>
-            <a:fillRect/>
-          </a:stretch>
-        </p:blipFill>
-        <p:spPr bwMode="auto">
-          <a:xfrm>
-            <a:off x="179512" y="1772816"/>
-            <a:ext cx="8748464" cy="3744416"/>
-          </a:xfrm>
-          <a:prstGeom prst="rect">
-            <a:avLst/>
-          </a:prstGeom>
-          <a:noFill/>
-          <a:ln w="9525">
-            <a:noFill/>
-            <a:miter lim="800000"/>
-            <a:headEnd/>
-            <a:tailEnd/>
-          </a:ln>
-        </p:spPr>
-      </p:pic>
-      <p:cxnSp>
-        <p:nvCxnSpPr>
-          <p:cNvPr id="7" name="Прямая соединительная линия 6"/>
-          <p:cNvCxnSpPr/>
-          <p:nvPr/>
-        </p:nvCxnSpPr>
-        <p:spPr>
-          <a:xfrm>
-            <a:off x="251520" y="1628800"/>
-            <a:ext cx="5184576" cy="0"/>
-          </a:xfrm>
-          <a:prstGeom prst="line">
-            <a:avLst/>
-          </a:prstGeom>
-          <a:ln>
-            <a:prstDash val="dash"/>
-          </a:ln>
-        </p:spPr>
-        <p:style>
-          <a:lnRef idx="3">
-            <a:schemeClr val="dk1"/>
-          </a:lnRef>
-          <a:fillRef idx="0">
-            <a:schemeClr val="dk1"/>
-          </a:fillRef>
-          <a:effectRef idx="2">
-            <a:schemeClr val="dk1"/>
-          </a:effectRef>
-          <a:fontRef idx="minor">
-            <a:schemeClr val="tx1"/>
-          </a:fontRef>
-        </p:style>
-      </p:cxnSp>
-      <p:cxnSp>
-        <p:nvCxnSpPr>
-          <p:cNvPr id="8" name="Прямая соединительная линия 7"/>
-          <p:cNvCxnSpPr/>
-          <p:nvPr/>
-        </p:nvCxnSpPr>
-        <p:spPr>
-          <a:xfrm>
-            <a:off x="179512" y="5805264"/>
-            <a:ext cx="5256584" cy="0"/>
-          </a:xfrm>
-          <a:prstGeom prst="line">
-            <a:avLst/>
-          </a:prstGeom>
-          <a:ln>
-            <a:prstDash val="dash"/>
-          </a:ln>
-        </p:spPr>
-        <p:style>
-          <a:lnRef idx="3">
-            <a:schemeClr val="dk1"/>
-          </a:lnRef>
-          <a:fillRef idx="0">
-            <a:schemeClr val="dk1"/>
-          </a:fillRef>
-          <a:effectRef idx="2">
-            <a:schemeClr val="dk1"/>
-          </a:effectRef>
-          <a:fontRef idx="minor">
-            <a:schemeClr val="tx1"/>
-          </a:fontRef>
-        </p:style>
-      </p:cxnSp>
-      <p:cxnSp>
-        <p:nvCxnSpPr>
-          <p:cNvPr id="12" name="Прямая соединительная линия 11"/>
-          <p:cNvCxnSpPr/>
-          <p:nvPr/>
-        </p:nvCxnSpPr>
-        <p:spPr>
-          <a:xfrm rot="5400000">
-            <a:off x="3419872" y="3717032"/>
-            <a:ext cx="4032448" cy="0"/>
-          </a:xfrm>
-          <a:prstGeom prst="line">
-            <a:avLst/>
-          </a:prstGeom>
-          <a:ln>
-            <a:prstDash val="dash"/>
-          </a:ln>
-        </p:spPr>
-        <p:style>
-          <a:lnRef idx="3">
-            <a:schemeClr val="dk1"/>
-          </a:lnRef>
-          <a:fillRef idx="0">
-            <a:schemeClr val="dk1"/>
-          </a:fillRef>
-          <a:effectRef idx="2">
-            <a:schemeClr val="dk1"/>
-          </a:effectRef>
-          <a:fontRef idx="minor">
-            <a:schemeClr val="tx1"/>
-          </a:fontRef>
-        </p:style>
-      </p:cxnSp>
-      <p:cxnSp>
-        <p:nvCxnSpPr>
-          <p:cNvPr id="19" name="Прямая соединительная линия 18"/>
-          <p:cNvCxnSpPr/>
-          <p:nvPr/>
-        </p:nvCxnSpPr>
-        <p:spPr>
-          <a:xfrm>
-            <a:off x="5724128" y="1628800"/>
-            <a:ext cx="3168352" cy="0"/>
-          </a:xfrm>
-          <a:prstGeom prst="line">
-            <a:avLst/>
-          </a:prstGeom>
-          <a:ln>
-            <a:prstDash val="dash"/>
-          </a:ln>
-        </p:spPr>
-        <p:style>
-          <a:lnRef idx="3">
-            <a:schemeClr val="dk1"/>
-          </a:lnRef>
-          <a:fillRef idx="0">
-            <a:schemeClr val="dk1"/>
-          </a:fillRef>
-          <a:effectRef idx="2">
-            <a:schemeClr val="dk1"/>
-          </a:effectRef>
-          <a:fontRef idx="minor">
-            <a:schemeClr val="tx1"/>
-          </a:fontRef>
-        </p:style>
-      </p:cxnSp>
-      <p:cxnSp>
-        <p:nvCxnSpPr>
-          <p:cNvPr id="20" name="Прямая соединительная линия 19"/>
-          <p:cNvCxnSpPr/>
-          <p:nvPr/>
-        </p:nvCxnSpPr>
-        <p:spPr>
-          <a:xfrm rot="5400000">
-            <a:off x="-1836712" y="3789040"/>
-            <a:ext cx="4032448" cy="0"/>
-          </a:xfrm>
-          <a:prstGeom prst="line">
-            <a:avLst/>
-          </a:prstGeom>
-          <a:ln>
-            <a:prstDash val="dash"/>
-          </a:ln>
-        </p:spPr>
-        <p:style>
-          <a:lnRef idx="3">
-            <a:schemeClr val="dk1"/>
-          </a:lnRef>
-          <a:fillRef idx="0">
-            <a:schemeClr val="dk1"/>
-          </a:fillRef>
-          <a:effectRef idx="2">
-            <a:schemeClr val="dk1"/>
-          </a:effectRef>
-          <a:fontRef idx="minor">
-            <a:schemeClr val="tx1"/>
-          </a:fontRef>
-        </p:style>
-      </p:cxnSp>
-      <p:cxnSp>
-        <p:nvCxnSpPr>
-          <p:cNvPr id="21" name="Прямая соединительная линия 20"/>
-          <p:cNvCxnSpPr/>
-          <p:nvPr/>
-        </p:nvCxnSpPr>
-        <p:spPr>
-          <a:xfrm rot="5400000">
-            <a:off x="3707904" y="3789040"/>
-            <a:ext cx="4032448" cy="0"/>
-          </a:xfrm>
-          <a:prstGeom prst="line">
-            <a:avLst/>
-          </a:prstGeom>
-          <a:ln>
-            <a:prstDash val="dash"/>
-          </a:ln>
-        </p:spPr>
-        <p:style>
-          <a:lnRef idx="3">
-            <a:schemeClr val="dk1"/>
-          </a:lnRef>
-          <a:fillRef idx="0">
-            <a:schemeClr val="dk1"/>
-          </a:fillRef>
-          <a:effectRef idx="2">
-            <a:schemeClr val="dk1"/>
-          </a:effectRef>
-          <a:fontRef idx="minor">
-            <a:schemeClr val="tx1"/>
-          </a:fontRef>
-        </p:style>
-      </p:cxnSp>
-      <p:cxnSp>
-        <p:nvCxnSpPr>
-          <p:cNvPr id="22" name="Прямая соединительная линия 21"/>
-          <p:cNvCxnSpPr/>
-          <p:nvPr/>
-        </p:nvCxnSpPr>
-        <p:spPr>
-          <a:xfrm rot="5400000">
-            <a:off x="6876256" y="3717032"/>
-            <a:ext cx="4032448" cy="0"/>
-          </a:xfrm>
-          <a:prstGeom prst="line">
-            <a:avLst/>
-          </a:prstGeom>
-          <a:ln>
-            <a:prstDash val="dash"/>
-          </a:ln>
-        </p:spPr>
-        <p:style>
-          <a:lnRef idx="3">
-            <a:schemeClr val="dk1"/>
-          </a:lnRef>
-          <a:fillRef idx="0">
-            <a:schemeClr val="dk1"/>
-          </a:fillRef>
-          <a:effectRef idx="2">
-            <a:schemeClr val="dk1"/>
-          </a:effectRef>
-          <a:fontRef idx="minor">
-            <a:schemeClr val="tx1"/>
-          </a:fontRef>
-        </p:style>
-      </p:cxnSp>
-      <p:cxnSp>
-        <p:nvCxnSpPr>
-          <p:cNvPr id="23" name="Прямая соединительная линия 22"/>
-          <p:cNvCxnSpPr/>
-          <p:nvPr/>
-        </p:nvCxnSpPr>
-        <p:spPr>
-          <a:xfrm>
-            <a:off x="5796136" y="5805264"/>
-            <a:ext cx="3168352" cy="0"/>
-          </a:xfrm>
-          <a:prstGeom prst="line">
-            <a:avLst/>
-          </a:prstGeom>
-          <a:ln>
-            <a:prstDash val="dash"/>
-          </a:ln>
-        </p:spPr>
-        <p:style>
-          <a:lnRef idx="3">
-            <a:schemeClr val="dk1"/>
-          </a:lnRef>
-          <a:fillRef idx="0">
-            <a:schemeClr val="dk1"/>
-          </a:fillRef>
-          <a:effectRef idx="2">
-            <a:schemeClr val="dk1"/>
-          </a:effectRef>
-          <a:fontRef idx="minor">
-            <a:schemeClr val="tx1"/>
-          </a:fontRef>
-        </p:style>
-      </p:cxnSp>
-      <p:sp>
-        <p:nvSpPr>
-          <p:cNvPr id="13" name="Скругленный прямоугольник 12"/>
-          <p:cNvSpPr/>
-          <p:nvPr/>
-        </p:nvSpPr>
-        <p:spPr>
-          <a:xfrm>
-            <a:off x="3923928" y="4797152"/>
-            <a:ext cx="1296144" cy="864096"/>
-          </a:xfrm>
-          <a:prstGeom prst="roundRect">
-            <a:avLst/>
-          </a:prstGeom>
-        </p:spPr>
-        <p:style>
-          <a:lnRef idx="1">
-            <a:schemeClr val="accent1"/>
-          </a:lnRef>
-          <a:fillRef idx="2">
-            <a:schemeClr val="accent1"/>
-          </a:fillRef>
-          <a:effectRef idx="1">
-            <a:schemeClr val="accent1"/>
-          </a:effectRef>
-          <a:fontRef idx="minor">
-            <a:schemeClr val="dk1"/>
-          </a:fontRef>
-        </p:style>
-        <p:txBody>
-          <a:bodyPr rtlCol="0" anchor="ctr"/>
-          <a:lstStyle/>
-          <a:p>
-            <a:pPr algn="ctr"/>
-            <a:r>
-              <a:rPr lang="uk-UA" sz="2400" dirty="0" smtClean="0"/>
-              <a:t>Прилад</a:t>
-            </a:r>
-            <a:endParaRPr lang="ru-RU" sz="2400" dirty="0"/>
-          </a:p>
-        </p:txBody>
-      </p:sp>
-      <p:sp>
-        <p:nvSpPr>
-          <p:cNvPr id="14" name="Скругленный прямоугольник 13"/>
-          <p:cNvSpPr/>
-          <p:nvPr/>
-        </p:nvSpPr>
-        <p:spPr>
-          <a:xfrm>
-            <a:off x="8028384" y="4797152"/>
-            <a:ext cx="720080" cy="864096"/>
-          </a:xfrm>
-          <a:prstGeom prst="roundRect">
-            <a:avLst/>
-          </a:prstGeom>
-        </p:spPr>
-        <p:style>
-          <a:lnRef idx="1">
-            <a:schemeClr val="accent1"/>
-          </a:lnRef>
-          <a:fillRef idx="2">
-            <a:schemeClr val="accent1"/>
-          </a:fillRef>
-          <a:effectRef idx="1">
-            <a:schemeClr val="accent1"/>
-          </a:effectRef>
-          <a:fontRef idx="minor">
-            <a:schemeClr val="dk1"/>
-          </a:fontRef>
-        </p:style>
-        <p:txBody>
-          <a:bodyPr rtlCol="0" anchor="ctr"/>
-          <a:lstStyle/>
-          <a:p>
-            <a:pPr algn="ctr"/>
-            <a:r>
-              <a:rPr lang="uk-UA" sz="2400" dirty="0" smtClean="0"/>
-              <a:t>ПК</a:t>
-            </a:r>
-            <a:endParaRPr lang="ru-RU" sz="2400" dirty="0"/>
-          </a:p>
-        </p:txBody>
-      </p:sp>
-    </p:spTree>
-  </p:cSld>
-  <p:clrMapOvr>
-    <a:masterClrMapping/>
-  </p:clrMapOvr>
-  <p:timing>
-    <p:tnLst>
-      <p:par>
-        <p:cTn id="1" dur="indefinite" restart="never" nodeType="tmRoot"/>
-      </p:par>
-    </p:tnLst>
-  </p:timing>
-</p:sld>
-</file>
-
-<file path=ppt/slides/slide8.xml><?xml version="1.0" encoding="utf-8"?>
-<p:sld xmlns:a="http://schemas.openxmlformats.org/drawingml/2006/main" xmlns:r="http://schemas.openxmlformats.org/officeDocument/2006/relationships" xmlns:p="http://schemas.openxmlformats.org/presentationml/2006/main">
-  <p:cSld>
-    <p:spTree>
-      <p:nvGrpSpPr>
-        <p:cNvPr id="1" name=""/>
-        <p:cNvGrpSpPr/>
-        <p:nvPr/>
-      </p:nvGrpSpPr>
-      <p:grpSpPr>
-        <a:xfrm>
-          <a:off x="0" y="0"/>
-          <a:ext cx="0" cy="0"/>
-          <a:chOff x="0" y="0"/>
-          <a:chExt cx="0" cy="0"/>
-        </a:xfrm>
-      </p:grpSpPr>
-      <p:sp>
-        <p:nvSpPr>
-          <p:cNvPr id="2" name="Заголовок 1"/>
-          <p:cNvSpPr>
-            <a:spLocks noGrp="1"/>
-          </p:cNvSpPr>
-          <p:nvPr>
-            <p:ph type="title"/>
-          </p:nvPr>
-        </p:nvSpPr>
-        <p:spPr>
-          <a:xfrm>
-            <a:off x="457200" y="274638"/>
-            <a:ext cx="8229600" cy="418058"/>
-          </a:xfrm>
-        </p:spPr>
-        <p:txBody>
-          <a:bodyPr>
-            <a:normAutofit fontScale="90000"/>
-          </a:bodyPr>
-          <a:lstStyle/>
-          <a:p>
-            <a:r>
-              <a:rPr lang="uk-UA" dirty="0" smtClean="0"/>
-              <a:t>Позначення</a:t>
-            </a:r>
-            <a:endParaRPr lang="ru-RU" dirty="0"/>
-          </a:p>
-        </p:txBody>
-      </p:sp>
-      <p:sp>
-        <p:nvSpPr>
-          <p:cNvPr id="3" name="Содержимое 2"/>
-          <p:cNvSpPr>
-            <a:spLocks noGrp="1"/>
-          </p:cNvSpPr>
-          <p:nvPr>
-            <p:ph idx="1"/>
-          </p:nvPr>
-        </p:nvSpPr>
-        <p:spPr>
-          <a:xfrm>
-            <a:off x="457200" y="908720"/>
-            <a:ext cx="8229600" cy="5472608"/>
-          </a:xfrm>
-        </p:spPr>
-        <p:txBody>
-          <a:bodyPr>
-            <a:normAutofit fontScale="70000" lnSpcReduction="20000"/>
-          </a:bodyPr>
-          <a:lstStyle/>
-          <a:p>
-            <a:r>
-              <a:rPr lang="uk-UA" dirty="0" err="1"/>
-              <a:t>КДС</a:t>
-            </a:r>
-            <a:r>
-              <a:rPr lang="uk-UA" dirty="0"/>
-              <a:t> — Кероване джерело стуму. Задає струм бази вимірюваного транзистора.</a:t>
-            </a:r>
-            <a:endParaRPr lang="ru-RU" dirty="0"/>
-          </a:p>
-          <a:p>
-            <a:r>
-              <a:rPr lang="uk-UA" dirty="0"/>
-              <a:t>ОВ — Об’єкт вимірювання. Транзистор з якого знімаються характеристика.</a:t>
-            </a:r>
-            <a:endParaRPr lang="ru-RU" dirty="0"/>
-          </a:p>
-          <a:p>
-            <a:r>
-              <a:rPr lang="uk-UA" dirty="0"/>
-              <a:t>УП — Пристрій узгодження.</a:t>
-            </a:r>
-            <a:endParaRPr lang="ru-RU" dirty="0"/>
-          </a:p>
-          <a:p>
-            <a:r>
-              <a:rPr lang="uk-UA" dirty="0"/>
-              <a:t>АЦП — Аналогово-цифровий перетворювач. </a:t>
-            </a:r>
-            <a:endParaRPr lang="ru-RU" dirty="0"/>
-          </a:p>
-          <a:p>
-            <a:r>
-              <a:rPr lang="uk-UA" dirty="0"/>
-              <a:t>СК — Схема керування. Визначає напруги </a:t>
-            </a:r>
-            <a:r>
-              <a:rPr lang="uk-UA" dirty="0" smtClean="0"/>
-              <a:t>відповідні напруги та струми для вимірювання. Проводить </a:t>
-            </a:r>
-            <a:r>
-              <a:rPr lang="uk-UA" dirty="0"/>
-              <a:t>первинну обробку </a:t>
-            </a:r>
-            <a:r>
-              <a:rPr lang="uk-UA" dirty="0" smtClean="0"/>
-              <a:t>даних.</a:t>
-            </a:r>
-            <a:endParaRPr lang="ru-RU" dirty="0"/>
-          </a:p>
-          <a:p>
-            <a:r>
-              <a:rPr lang="uk-UA" dirty="0" err="1"/>
-              <a:t>КДН</a:t>
-            </a:r>
-            <a:r>
-              <a:rPr lang="uk-UA" dirty="0"/>
-              <a:t> — Кероване джерело напруги. Дозволяє плавно змінювати напругу між колектором та емітером в широких межах. </a:t>
-            </a:r>
-            <a:endParaRPr lang="ru-RU" dirty="0"/>
-          </a:p>
-          <a:p>
-            <a:r>
-              <a:rPr lang="uk-UA" dirty="0"/>
-              <a:t>МДП — Модуль передачі даних. Передає результати вимірювань на ПК та сигнали керування на </a:t>
-            </a:r>
-            <a:r>
-              <a:rPr lang="uk-UA" dirty="0" smtClean="0"/>
-              <a:t>СК.</a:t>
-            </a:r>
-          </a:p>
-          <a:p>
-            <a:r>
-              <a:rPr lang="uk-UA" dirty="0" err="1" smtClean="0"/>
-              <a:t>ДШ</a:t>
-            </a:r>
-            <a:r>
-              <a:rPr lang="uk-UA" dirty="0" smtClean="0"/>
-              <a:t> — Драйвер шини. Програмний </a:t>
-            </a:r>
-            <a:r>
-              <a:rPr lang="uk-UA" dirty="0"/>
-              <a:t>модуль призначений для взаємодії з апаратною </a:t>
-            </a:r>
-            <a:r>
-              <a:rPr lang="uk-UA" dirty="0" smtClean="0"/>
-              <a:t>частиною.</a:t>
-            </a:r>
-          </a:p>
-          <a:p>
-            <a:r>
-              <a:rPr lang="uk-UA" dirty="0" smtClean="0"/>
-              <a:t>СО — Система обробки  проводить перевірку та, в разі необхідності, корегування результатів. </a:t>
-            </a:r>
-          </a:p>
-          <a:p>
-            <a:r>
-              <a:rPr lang="uk-UA" dirty="0" smtClean="0"/>
-              <a:t>ІК — Інтерфейс користувача</a:t>
-            </a:r>
-          </a:p>
-          <a:p>
-            <a:r>
-              <a:rPr lang="uk-UA" dirty="0" smtClean="0"/>
-              <a:t>МВ — Модуль відображення. Виконує побудову тривимірного зображення.</a:t>
-            </a:r>
-            <a:endParaRPr lang="ru-RU" dirty="0"/>
-          </a:p>
-        </p:txBody>
-      </p:sp>
-    </p:spTree>
-  </p:cSld>
-  <p:clrMapOvr>
-    <a:masterClrMapping/>
-  </p:clrMapOvr>
-  <p:timing>
-    <p:tnLst>
-      <p:par>
-        <p:cTn id="1" dur="indefinite" restart="never" nodeType="tmRoot"/>
-      </p:par>
-    </p:tnLst>
-  </p:timing>
-</p:sld>
-</file>
-
-<file path=ppt/slides/slide9.xml><?xml version="1.0" encoding="utf-8"?>
-<p:sld xmlns:a="http://schemas.openxmlformats.org/drawingml/2006/main" xmlns:r="http://schemas.openxmlformats.org/officeDocument/2006/relationships" xmlns:p="http://schemas.openxmlformats.org/presentationml/2006/main">
-  <p:cSld>
-    <p:spTree>
-      <p:nvGrpSpPr>
-        <p:cNvPr id="1" name=""/>
-        <p:cNvGrpSpPr/>
-        <p:nvPr/>
-      </p:nvGrpSpPr>
-      <p:grpSpPr>
-        <a:xfrm>
-          <a:off x="0" y="0"/>
-          <a:ext cx="0" cy="0"/>
-          <a:chOff x="0" y="0"/>
-          <a:chExt cx="0" cy="0"/>
-        </a:xfrm>
-      </p:grpSpPr>
-      <p:sp>
-        <p:nvSpPr>
-          <p:cNvPr id="2" name="Заголовок 1"/>
-          <p:cNvSpPr>
-            <a:spLocks noGrp="1"/>
-          </p:cNvSpPr>
-          <p:nvPr>
-            <p:ph type="title"/>
-          </p:nvPr>
-        </p:nvSpPr>
-        <p:spPr/>
-        <p:txBody>
-          <a:bodyPr/>
-          <a:lstStyle/>
-          <a:p>
-            <a:r>
-              <a:rPr lang="uk-UA" dirty="0" smtClean="0"/>
-              <a:t>Схема керування напругою</a:t>
-            </a:r>
-            <a:endParaRPr lang="ru-RU" dirty="0"/>
-          </a:p>
-        </p:txBody>
-      </p:sp>
-      <p:sp>
-        <p:nvSpPr>
-          <p:cNvPr id="3" name="Содержимое 2"/>
-          <p:cNvSpPr>
-            <a:spLocks noGrp="1"/>
-          </p:cNvSpPr>
-          <p:nvPr>
-            <p:ph idx="1"/>
-          </p:nvPr>
-        </p:nvSpPr>
-        <p:spPr/>
-        <p:txBody>
-          <a:bodyPr/>
-          <a:lstStyle/>
-          <a:p>
-            <a:endParaRPr lang="ru-RU"/>
-          </a:p>
-        </p:txBody>
-      </p:sp>
-      <p:pic>
-        <p:nvPicPr>
-          <p:cNvPr id="2053" name="Picture 5" descr="D:\Diplom\temp\report\kdn.png"/>
-          <p:cNvPicPr>
-            <a:picLocks noChangeAspect="1" noChangeArrowheads="1"/>
-          </p:cNvPicPr>
-          <p:nvPr/>
-        </p:nvPicPr>
-        <p:blipFill>
-          <a:blip r:embed="rId2" cstate="print"/>
-          <a:srcRect/>
-          <a:stretch>
-            <a:fillRect/>
-          </a:stretch>
-        </p:blipFill>
-        <p:spPr bwMode="auto">
-          <a:xfrm>
-            <a:off x="539552" y="1340768"/>
-            <a:ext cx="8064896" cy="5260404"/>
-          </a:xfrm>
-          <a:prstGeom prst="rect">
-            <a:avLst/>
-          </a:prstGeom>
-          <a:noFill/>
-        </p:spPr>
-      </p:pic>
     </p:spTree>
   </p:cSld>
   <p:clrMapOvr>

--- a/Report/DiplomReport.pptx
+++ b/Report/DiplomReport.pptx
@@ -5,7 +5,7 @@
     <p:sldMasterId id="2147483780" r:id="rId1"/>
   </p:sldMasterIdLst>
   <p:notesMasterIdLst>
-    <p:notesMasterId r:id="rId23"/>
+    <p:notesMasterId r:id="rId15"/>
   </p:notesMasterIdLst>
   <p:sldIdLst>
     <p:sldId id="257" r:id="rId2"/>
@@ -21,14 +21,6 @@
     <p:sldId id="269" r:id="rId12"/>
     <p:sldId id="284" r:id="rId13"/>
     <p:sldId id="280" r:id="rId14"/>
-    <p:sldId id="283" r:id="rId15"/>
-    <p:sldId id="270" r:id="rId16"/>
-    <p:sldId id="260" r:id="rId17"/>
-    <p:sldId id="261" r:id="rId18"/>
-    <p:sldId id="262" r:id="rId19"/>
-    <p:sldId id="263" r:id="rId20"/>
-    <p:sldId id="279" r:id="rId21"/>
-    <p:sldId id="271" r:id="rId22"/>
   </p:sldIdLst>
   <p:sldSz cx="9144000" cy="6858000" type="screen4x3"/>
   <p:notesSz cx="6858000" cy="9144000"/>
@@ -643,6 +635,88 @@
 </p:notes>
 </file>
 
+<file path=ppt/notesSlides/notesSlide3.xml><?xml version="1.0" encoding="utf-8"?>
+<p:notes xmlns:a="http://schemas.openxmlformats.org/drawingml/2006/main" xmlns:r="http://schemas.openxmlformats.org/officeDocument/2006/relationships" xmlns:p="http://schemas.openxmlformats.org/presentationml/2006/main">
+  <p:cSld>
+    <p:spTree>
+      <p:nvGrpSpPr>
+        <p:cNvPr id="1" name=""/>
+        <p:cNvGrpSpPr/>
+        <p:nvPr/>
+      </p:nvGrpSpPr>
+      <p:grpSpPr>
+        <a:xfrm>
+          <a:off x="0" y="0"/>
+          <a:ext cx="0" cy="0"/>
+          <a:chOff x="0" y="0"/>
+          <a:chExt cx="0" cy="0"/>
+        </a:xfrm>
+      </p:grpSpPr>
+      <p:sp>
+        <p:nvSpPr>
+          <p:cNvPr id="2" name="Образ слайда 1"/>
+          <p:cNvSpPr>
+            <a:spLocks noGrp="1" noRot="1" noChangeAspect="1"/>
+          </p:cNvSpPr>
+          <p:nvPr>
+            <p:ph type="sldImg"/>
+          </p:nvPr>
+        </p:nvSpPr>
+        <p:spPr/>
+      </p:sp>
+      <p:sp>
+        <p:nvSpPr>
+          <p:cNvPr id="3" name="Заметки 2"/>
+          <p:cNvSpPr>
+            <a:spLocks noGrp="1"/>
+          </p:cNvSpPr>
+          <p:nvPr>
+            <p:ph type="body" idx="1"/>
+          </p:nvPr>
+        </p:nvSpPr>
+        <p:spPr/>
+        <p:txBody>
+          <a:bodyPr>
+            <a:normAutofit/>
+          </a:bodyPr>
+          <a:lstStyle/>
+          <a:p>
+            <a:endParaRPr lang="ru-RU"/>
+          </a:p>
+        </p:txBody>
+      </p:sp>
+      <p:sp>
+        <p:nvSpPr>
+          <p:cNvPr id="4" name="Номер слайда 3"/>
+          <p:cNvSpPr>
+            <a:spLocks noGrp="1"/>
+          </p:cNvSpPr>
+          <p:nvPr>
+            <p:ph type="sldNum" sz="quarter" idx="10"/>
+          </p:nvPr>
+        </p:nvSpPr>
+        <p:spPr/>
+        <p:txBody>
+          <a:bodyPr/>
+          <a:lstStyle/>
+          <a:p>
+            <a:fld id="{049E375B-31E3-41CD-AB3F-18479AAAD621}" type="slidenum">
+              <a:rPr lang="ru-RU" smtClean="0"/>
+              <a:pPr/>
+              <a:t>11</a:t>
+            </a:fld>
+            <a:endParaRPr lang="ru-RU"/>
+          </a:p>
+        </p:txBody>
+      </p:sp>
+    </p:spTree>
+  </p:cSld>
+  <p:clrMapOvr>
+    <a:masterClrMapping/>
+  </p:clrMapOvr>
+</p:notes>
+</file>
+
 <file path=ppt/slideLayouts/slideLayout1.xml><?xml version="1.0" encoding="utf-8"?>
 <p:sldLayout xmlns:a="http://schemas.openxmlformats.org/drawingml/2006/main" xmlns:r="http://schemas.openxmlformats.org/officeDocument/2006/relationships" xmlns:p="http://schemas.openxmlformats.org/presentationml/2006/main" type="title" preserve="1">
   <p:cSld name="Титульный слайд">
@@ -752,7 +826,7 @@
           <a:bodyPr/>
           <a:lstStyle/>
           <a:p>
-            <a:fld id="{7A12CB2B-5BDB-4402-B3D5-B09CE766299D}" type="datetimeFigureOut">
+            <a:fld id="{5C65AEA6-ACA0-43E8-8299-07B2A61FBBE8}" type="datetime1">
               <a:rPr lang="ru-RU" smtClean="0"/>
               <a:pPr/>
               <a:t>19.06.2016</a:t>
@@ -980,7 +1054,7 @@
           <a:bodyPr/>
           <a:lstStyle/>
           <a:p>
-            <a:fld id="{7A12CB2B-5BDB-4402-B3D5-B09CE766299D}" type="datetimeFigureOut">
+            <a:fld id="{D87D3024-B6BD-49EA-BF01-98779C417F9A}" type="datetime1">
               <a:rPr lang="ru-RU" smtClean="0"/>
               <a:pPr/>
               <a:t>19.06.2016</a:t>
@@ -1157,7 +1231,7 @@
           <a:bodyPr/>
           <a:lstStyle/>
           <a:p>
-            <a:fld id="{7A12CB2B-5BDB-4402-B3D5-B09CE766299D}" type="datetimeFigureOut">
+            <a:fld id="{9BBA9CBB-AFA8-4568-AD5D-760BF72121D1}" type="datetime1">
               <a:rPr lang="ru-RU" smtClean="0"/>
               <a:pPr/>
               <a:t>19.06.2016</a:t>
@@ -1324,7 +1398,7 @@
           <a:bodyPr/>
           <a:lstStyle/>
           <a:p>
-            <a:fld id="{7A12CB2B-5BDB-4402-B3D5-B09CE766299D}" type="datetimeFigureOut">
+            <a:fld id="{969F68A7-90EC-4F70-8E30-F08DEAB6EE35}" type="datetime1">
               <a:rPr lang="ru-RU" smtClean="0"/>
               <a:pPr/>
               <a:t>19.06.2016</a:t>
@@ -1570,7 +1644,7 @@
           <a:bodyPr/>
           <a:lstStyle/>
           <a:p>
-            <a:fld id="{7A12CB2B-5BDB-4402-B3D5-B09CE766299D}" type="datetimeFigureOut">
+            <a:fld id="{C60B1FA8-0321-4A3B-B421-E18CA344319E}" type="datetime1">
               <a:rPr lang="ru-RU" smtClean="0"/>
               <a:pPr/>
               <a:t>19.06.2016</a:t>
@@ -1836,7 +1910,7 @@
           <a:bodyPr/>
           <a:lstStyle/>
           <a:p>
-            <a:fld id="{7A12CB2B-5BDB-4402-B3D5-B09CE766299D}" type="datetimeFigureOut">
+            <a:fld id="{FB5111EB-55ED-422B-82BF-DBBC4018D9F9}" type="datetime1">
               <a:rPr lang="ru-RU" smtClean="0"/>
               <a:pPr/>
               <a:t>19.06.2016</a:t>
@@ -2212,7 +2286,7 @@
           <a:bodyPr/>
           <a:lstStyle/>
           <a:p>
-            <a:fld id="{7A12CB2B-5BDB-4402-B3D5-B09CE766299D}" type="datetimeFigureOut">
+            <a:fld id="{EBDA1F03-D7BB-4497-B9CB-0889423DDC97}" type="datetime1">
               <a:rPr lang="ru-RU" smtClean="0"/>
               <a:pPr/>
               <a:t>19.06.2016</a:t>
@@ -2327,7 +2401,7 @@
           <a:bodyPr/>
           <a:lstStyle/>
           <a:p>
-            <a:fld id="{7A12CB2B-5BDB-4402-B3D5-B09CE766299D}" type="datetimeFigureOut">
+            <a:fld id="{8C9EC9E5-AD75-4D37-A032-92804153FE93}" type="datetime1">
               <a:rPr lang="ru-RU" smtClean="0"/>
               <a:pPr/>
               <a:t>19.06.2016</a:t>
@@ -2419,7 +2493,7 @@
           <a:bodyPr/>
           <a:lstStyle/>
           <a:p>
-            <a:fld id="{7A12CB2B-5BDB-4402-B3D5-B09CE766299D}" type="datetimeFigureOut">
+            <a:fld id="{C8C14B91-0516-4E63-B8DE-78956FED7E2F}" type="datetime1">
               <a:rPr lang="ru-RU" smtClean="0"/>
               <a:pPr/>
               <a:t>19.06.2016</a:t>
@@ -2679,7 +2753,7 @@
           <a:bodyPr/>
           <a:lstStyle/>
           <a:p>
-            <a:fld id="{7A12CB2B-5BDB-4402-B3D5-B09CE766299D}" type="datetimeFigureOut">
+            <a:fld id="{79B09A05-01E6-4B4B-B0EF-081E08784493}" type="datetime1">
               <a:rPr lang="ru-RU" smtClean="0"/>
               <a:pPr/>
               <a:t>19.06.2016</a:t>
@@ -2945,7 +3019,7 @@
           <a:bodyPr/>
           <a:lstStyle/>
           <a:p>
-            <a:fld id="{7A12CB2B-5BDB-4402-B3D5-B09CE766299D}" type="datetimeFigureOut">
+            <a:fld id="{6E18308B-90C1-47B8-A7C8-D3AE5DFE2EA8}" type="datetime1">
               <a:rPr lang="ru-RU" smtClean="0"/>
               <a:pPr/>
               <a:t>19.06.2016</a:t>
@@ -3164,7 +3238,7 @@
             </a:lvl1pPr>
           </a:lstStyle>
           <a:p>
-            <a:fld id="{7A12CB2B-5BDB-4402-B3D5-B09CE766299D}" type="datetimeFigureOut">
+            <a:fld id="{63EC237D-629F-43A9-8DC8-BE0DBFB3E21D}" type="datetime1">
               <a:rPr lang="ru-RU" smtClean="0"/>
               <a:pPr/>
               <a:t>19.06.2016</a:t>
@@ -3268,6 +3342,7 @@
     <p:sldLayoutId id="2147483790" r:id="rId10"/>
     <p:sldLayoutId id="2147483791" r:id="rId11"/>
   </p:sldLayoutIdLst>
+  <p:hf hdr="0" ftr="0" dt="0"/>
   <p:txStyles>
     <p:titleStyle>
       <a:lvl1pPr algn="ctr" rtl="0" eaLnBrk="1" latinLnBrk="0" hangingPunct="1">
@@ -3721,6 +3796,30 @@
           </a:p>
         </p:txBody>
       </p:sp>
+      <p:sp>
+        <p:nvSpPr>
+          <p:cNvPr id="9" name="Номер слайда 8"/>
+          <p:cNvSpPr>
+            <a:spLocks noGrp="1"/>
+          </p:cNvSpPr>
+          <p:nvPr>
+            <p:ph type="sldNum" sz="quarter" idx="12"/>
+          </p:nvPr>
+        </p:nvSpPr>
+        <p:spPr/>
+        <p:txBody>
+          <a:bodyPr/>
+          <a:lstStyle/>
+          <a:p>
+            <a:fld id="{679C4B18-9BFA-4BD6-A2FF-5FD9619786E0}" type="slidenum">
+              <a:rPr lang="ru-RU" smtClean="0"/>
+              <a:pPr/>
+              <a:t>1</a:t>
+            </a:fld>
+            <a:endParaRPr lang="ru-RU"/>
+          </a:p>
+        </p:txBody>
+      </p:sp>
     </p:spTree>
   </p:cSld>
   <p:clrMapOvr>
@@ -3772,15 +3871,7 @@
           <a:p>
             <a:r>
               <a:rPr lang="uk-UA" dirty="0" smtClean="0"/>
-              <a:t>Робота </a:t>
-            </a:r>
-            <a:r>
-              <a:rPr lang="uk-UA" dirty="0" smtClean="0"/>
-              <a:t>з </a:t>
-            </a:r>
-            <a:r>
-              <a:rPr lang="uk-UA" dirty="0" smtClean="0"/>
-              <a:t>тривимірною графікою</a:t>
+              <a:t>Робота з тривимірною графікою</a:t>
             </a:r>
             <a:endParaRPr lang="ru-RU" dirty="0"/>
           </a:p>
@@ -3882,13 +3973,11 @@
       </p:sp>
       <p:pic>
         <p:nvPicPr>
-          <p:cNvPr id="34820" name="Picture 4" descr="D:\Diplom\temp\report\3d.png"/>
+          <p:cNvPr id="7" name="Рисунок 17"/>
           <p:cNvPicPr>
-            <a:picLocks noGrp="1" noChangeAspect="1" noChangeArrowheads="1"/>
+            <a:picLocks noChangeAspect="1" noChangeArrowheads="1"/>
           </p:cNvPicPr>
-          <p:nvPr>
-            <p:ph sz="half" idx="2"/>
-          </p:nvPr>
+          <p:nvPr/>
         </p:nvPicPr>
         <p:blipFill>
           <a:blip r:embed="rId2" cstate="print"/>
@@ -3899,8 +3988,8 @@
         </p:blipFill>
         <p:spPr bwMode="auto">
           <a:xfrm>
-            <a:off x="683568" y="3872776"/>
-            <a:ext cx="7931224" cy="2985224"/>
+            <a:off x="251520" y="1412776"/>
+            <a:ext cx="4499526" cy="2448272"/>
           </a:xfrm>
           <a:prstGeom prst="rect">
             <a:avLst/>
@@ -3908,13 +3997,101 @@
           <a:noFill/>
         </p:spPr>
       </p:pic>
+      <p:sp>
+        <p:nvSpPr>
+          <p:cNvPr id="9" name="TextBox 8"/>
+          <p:cNvSpPr txBox="1"/>
+          <p:nvPr/>
+        </p:nvSpPr>
+        <p:spPr>
+          <a:xfrm rot="-2700000">
+            <a:off x="1438563" y="2188812"/>
+            <a:ext cx="1367841" cy="461665"/>
+          </a:xfrm>
+          <a:prstGeom prst="rect">
+            <a:avLst/>
+          </a:prstGeom>
+          <a:noFill/>
+        </p:spPr>
+        <p:txBody>
+          <a:bodyPr wrap="square" rtlCol="0">
+            <a:spAutoFit/>
+          </a:bodyPr>
+          <a:lstStyle/>
+          <a:p>
+            <a:pPr algn="ctr"/>
+            <a:r>
+              <a:rPr lang="uk-UA" sz="2400" dirty="0" smtClean="0"/>
+              <a:t>Полігон</a:t>
+            </a:r>
+            <a:endParaRPr lang="ru-RU" sz="2400" dirty="0"/>
+          </a:p>
+        </p:txBody>
+      </p:sp>
+      <p:sp>
+        <p:nvSpPr>
+          <p:cNvPr id="10" name="TextBox 9"/>
+          <p:cNvSpPr txBox="1"/>
+          <p:nvPr/>
+        </p:nvSpPr>
+        <p:spPr>
+          <a:xfrm rot="-2700000">
+            <a:off x="2014627" y="2620859"/>
+            <a:ext cx="1367841" cy="461665"/>
+          </a:xfrm>
+          <a:prstGeom prst="rect">
+            <a:avLst/>
+          </a:prstGeom>
+          <a:noFill/>
+        </p:spPr>
+        <p:txBody>
+          <a:bodyPr wrap="square" rtlCol="0">
+            <a:spAutoFit/>
+          </a:bodyPr>
+          <a:lstStyle/>
+          <a:p>
+            <a:pPr algn="ctr"/>
+            <a:r>
+              <a:rPr lang="uk-UA" sz="2400" dirty="0" smtClean="0"/>
+              <a:t>Полігон</a:t>
+            </a:r>
+            <a:endParaRPr lang="ru-RU" sz="2400" dirty="0"/>
+          </a:p>
+        </p:txBody>
+      </p:sp>
+      <p:sp>
+        <p:nvSpPr>
+          <p:cNvPr id="13" name="Номер слайда 12"/>
+          <p:cNvSpPr>
+            <a:spLocks noGrp="1"/>
+          </p:cNvSpPr>
+          <p:nvPr>
+            <p:ph type="sldNum" sz="quarter" idx="12"/>
+          </p:nvPr>
+        </p:nvSpPr>
+        <p:spPr/>
+        <p:txBody>
+          <a:bodyPr/>
+          <a:lstStyle/>
+          <a:p>
+            <a:fld id="{679C4B18-9BFA-4BD6-A2FF-5FD9619786E0}" type="slidenum">
+              <a:rPr lang="ru-RU" smtClean="0"/>
+              <a:pPr/>
+              <a:t>10</a:t>
+            </a:fld>
+            <a:endParaRPr lang="ru-RU"/>
+          </a:p>
+        </p:txBody>
+      </p:sp>
       <p:pic>
         <p:nvPicPr>
-          <p:cNvPr id="7" name="Рисунок 17"/>
+          <p:cNvPr id="1026" name="Picture 2" descr="D:\Diplom\TempDocs\Report\t\3d.png"/>
           <p:cNvPicPr>
-            <a:picLocks noChangeAspect="1" noChangeArrowheads="1"/>
+            <a:picLocks noGrp="1" noChangeAspect="1" noChangeArrowheads="1"/>
           </p:cNvPicPr>
-          <p:nvPr/>
+          <p:nvPr>
+            <p:ph sz="half" idx="2"/>
+          </p:nvPr>
         </p:nvPicPr>
         <p:blipFill>
           <a:blip r:embed="rId3" cstate="print"/>
@@ -3925,8 +4102,8 @@
         </p:blipFill>
         <p:spPr bwMode="auto">
           <a:xfrm>
-            <a:off x="251520" y="1412776"/>
-            <a:ext cx="4499526" cy="2448272"/>
+            <a:off x="683568" y="4005064"/>
+            <a:ext cx="7920880" cy="2253154"/>
           </a:xfrm>
           <a:prstGeom prst="rect">
             <a:avLst/>
@@ -3934,68 +4111,6 @@
           <a:noFill/>
         </p:spPr>
       </p:pic>
-      <p:sp>
-        <p:nvSpPr>
-          <p:cNvPr id="9" name="TextBox 8"/>
-          <p:cNvSpPr txBox="1"/>
-          <p:nvPr/>
-        </p:nvSpPr>
-        <p:spPr>
-          <a:xfrm rot="-2700000">
-            <a:off x="1438563" y="2188812"/>
-            <a:ext cx="1367841" cy="461665"/>
-          </a:xfrm>
-          <a:prstGeom prst="rect">
-            <a:avLst/>
-          </a:prstGeom>
-          <a:noFill/>
-        </p:spPr>
-        <p:txBody>
-          <a:bodyPr wrap="square" rtlCol="0">
-            <a:spAutoFit/>
-          </a:bodyPr>
-          <a:lstStyle/>
-          <a:p>
-            <a:pPr algn="ctr"/>
-            <a:r>
-              <a:rPr lang="uk-UA" sz="2400" dirty="0" smtClean="0"/>
-              <a:t>Полігон</a:t>
-            </a:r>
-            <a:endParaRPr lang="ru-RU" sz="2400" dirty="0"/>
-          </a:p>
-        </p:txBody>
-      </p:sp>
-      <p:sp>
-        <p:nvSpPr>
-          <p:cNvPr id="10" name="TextBox 9"/>
-          <p:cNvSpPr txBox="1"/>
-          <p:nvPr/>
-        </p:nvSpPr>
-        <p:spPr>
-          <a:xfrm rot="-2700000">
-            <a:off x="2014627" y="2620859"/>
-            <a:ext cx="1367841" cy="461665"/>
-          </a:xfrm>
-          <a:prstGeom prst="rect">
-            <a:avLst/>
-          </a:prstGeom>
-          <a:noFill/>
-        </p:spPr>
-        <p:txBody>
-          <a:bodyPr wrap="square" rtlCol="0">
-            <a:spAutoFit/>
-          </a:bodyPr>
-          <a:lstStyle/>
-          <a:p>
-            <a:pPr algn="ctr"/>
-            <a:r>
-              <a:rPr lang="uk-UA" sz="2400" dirty="0" smtClean="0"/>
-              <a:t>Полігон</a:t>
-            </a:r>
-            <a:endParaRPr lang="ru-RU" sz="2400" dirty="0"/>
-          </a:p>
-        </p:txBody>
-      </p:sp>
     </p:spTree>
   </p:cSld>
   <p:clrMapOvr>
@@ -4219,7 +4334,7 @@
           <p:nvPr/>
         </p:nvPicPr>
         <p:blipFill>
-          <a:blip r:embed="rId2" cstate="print"/>
+          <a:blip r:embed="rId3" cstate="print"/>
           <a:srcRect/>
           <a:stretch>
             <a:fillRect/>
@@ -4228,7 +4343,7 @@
         <p:spPr bwMode="auto">
           <a:xfrm>
             <a:off x="2987824" y="332656"/>
-            <a:ext cx="5943600" cy="6305550"/>
+            <a:ext cx="5837216" cy="6192688"/>
           </a:xfrm>
           <a:prstGeom prst="rect">
             <a:avLst/>
@@ -4245,7 +4360,7 @@
           <p:nvPr/>
         </p:nvPicPr>
         <p:blipFill>
-          <a:blip r:embed="rId3" cstate="print"/>
+          <a:blip r:embed="rId4" cstate="print"/>
           <a:srcRect/>
           <a:stretch>
             <a:fillRect/>
@@ -4262,6 +4377,35 @@
           <a:noFill/>
         </p:spPr>
       </p:pic>
+      <p:sp>
+        <p:nvSpPr>
+          <p:cNvPr id="12" name="Номер слайда 11"/>
+          <p:cNvSpPr>
+            <a:spLocks noGrp="1"/>
+          </p:cNvSpPr>
+          <p:nvPr>
+            <p:ph type="sldNum" sz="quarter" idx="12"/>
+          </p:nvPr>
+        </p:nvSpPr>
+        <p:spPr>
+          <a:xfrm>
+            <a:off x="8028384" y="6309320"/>
+            <a:ext cx="762000" cy="365125"/>
+          </a:xfrm>
+        </p:spPr>
+        <p:txBody>
+          <a:bodyPr/>
+          <a:lstStyle/>
+          <a:p>
+            <a:fld id="{679C4B18-9BFA-4BD6-A2FF-5FD9619786E0}" type="slidenum">
+              <a:rPr lang="ru-RU" smtClean="0"/>
+              <a:pPr/>
+              <a:t>11</a:t>
+            </a:fld>
+            <a:endParaRPr lang="ru-RU"/>
+          </a:p>
+        </p:txBody>
+      </p:sp>
     </p:spTree>
   </p:cSld>
   <p:clrMapOvr>
@@ -4528,6 +4672,30 @@
           </a:p>
         </p:txBody>
       </p:sp>
+      <p:sp>
+        <p:nvSpPr>
+          <p:cNvPr id="13" name="Номер слайда 12"/>
+          <p:cNvSpPr>
+            <a:spLocks noGrp="1"/>
+          </p:cNvSpPr>
+          <p:nvPr>
+            <p:ph type="sldNum" sz="quarter" idx="12"/>
+          </p:nvPr>
+        </p:nvSpPr>
+        <p:spPr/>
+        <p:txBody>
+          <a:bodyPr/>
+          <a:lstStyle/>
+          <a:p>
+            <a:fld id="{679C4B18-9BFA-4BD6-A2FF-5FD9619786E0}" type="slidenum">
+              <a:rPr lang="ru-RU" smtClean="0"/>
+              <a:pPr/>
+              <a:t>12</a:t>
+            </a:fld>
+            <a:endParaRPr lang="ru-RU"/>
+          </a:p>
+        </p:txBody>
+      </p:sp>
     </p:spTree>
   </p:cSld>
   <p:clrMapOvr>
@@ -4707,46 +4875,14 @@
           </a:p>
         </p:txBody>
       </p:sp>
-    </p:spTree>
-  </p:cSld>
-  <p:clrMapOvr>
-    <a:masterClrMapping/>
-  </p:clrMapOvr>
-  <p:timing>
-    <p:tnLst>
-      <p:par>
-        <p:cTn id="1" dur="indefinite" restart="never" nodeType="tmRoot"/>
-      </p:par>
-    </p:tnLst>
-  </p:timing>
-</p:sld>
-</file>
-
-<file path=ppt/slides/slide14.xml><?xml version="1.0" encoding="utf-8"?>
-<p:sld xmlns:a="http://schemas.openxmlformats.org/drawingml/2006/main" xmlns:r="http://schemas.openxmlformats.org/officeDocument/2006/relationships" xmlns:p="http://schemas.openxmlformats.org/presentationml/2006/main">
-  <p:cSld>
-    <p:spTree>
-      <p:nvGrpSpPr>
-        <p:cNvPr id="1" name=""/>
-        <p:cNvGrpSpPr/>
-        <p:nvPr/>
-      </p:nvGrpSpPr>
-      <p:grpSpPr>
-        <a:xfrm>
-          <a:off x="0" y="0"/>
-          <a:ext cx="0" cy="0"/>
-          <a:chOff x="0" y="0"/>
-          <a:chExt cx="0" cy="0"/>
-        </a:xfrm>
-      </p:grpSpPr>
-      <p:sp>
-        <p:nvSpPr>
-          <p:cNvPr id="2" name="Заголовок 1"/>
-          <p:cNvSpPr>
-            <a:spLocks noGrp="1"/>
-          </p:cNvSpPr>
-          <p:nvPr>
-            <p:ph type="title"/>
+      <p:sp>
+        <p:nvSpPr>
+          <p:cNvPr id="8" name="Номер слайда 7"/>
+          <p:cNvSpPr>
+            <a:spLocks noGrp="1"/>
+          </p:cNvSpPr>
+          <p:nvPr>
+            <p:ph type="sldNum" sz="quarter" idx="12"/>
           </p:nvPr>
         </p:nvSpPr>
         <p:spPr/>
@@ -4754,453 +4890,15 @@
           <a:bodyPr/>
           <a:lstStyle/>
           <a:p>
+            <a:fld id="{679C4B18-9BFA-4BD6-A2FF-5FD9619786E0}" type="slidenum">
+              <a:rPr lang="ru-RU" smtClean="0"/>
+              <a:pPr/>
+              <a:t>13</a:t>
+            </a:fld>
             <a:endParaRPr lang="ru-RU"/>
           </a:p>
         </p:txBody>
       </p:sp>
-      <p:sp>
-        <p:nvSpPr>
-          <p:cNvPr id="3" name="Содержимое 2"/>
-          <p:cNvSpPr>
-            <a:spLocks noGrp="1"/>
-          </p:cNvSpPr>
-          <p:nvPr>
-            <p:ph idx="1"/>
-          </p:nvPr>
-        </p:nvSpPr>
-        <p:spPr/>
-        <p:txBody>
-          <a:bodyPr/>
-          <a:lstStyle/>
-          <a:p>
-            <a:endParaRPr lang="ru-RU"/>
-          </a:p>
-        </p:txBody>
-      </p:sp>
-    </p:spTree>
-  </p:cSld>
-  <p:clrMapOvr>
-    <a:masterClrMapping/>
-  </p:clrMapOvr>
-</p:sld>
-</file>
-
-<file path=ppt/slides/slide15.xml><?xml version="1.0" encoding="utf-8"?>
-<p:sld xmlns:a="http://schemas.openxmlformats.org/drawingml/2006/main" xmlns:r="http://schemas.openxmlformats.org/officeDocument/2006/relationships" xmlns:p="http://schemas.openxmlformats.org/presentationml/2006/main">
-  <p:cSld>
-    <p:spTree>
-      <p:nvGrpSpPr>
-        <p:cNvPr id="1" name=""/>
-        <p:cNvGrpSpPr/>
-        <p:nvPr/>
-      </p:nvGrpSpPr>
-      <p:grpSpPr>
-        <a:xfrm>
-          <a:off x="0" y="0"/>
-          <a:ext cx="0" cy="0"/>
-          <a:chOff x="0" y="0"/>
-          <a:chExt cx="0" cy="0"/>
-        </a:xfrm>
-      </p:grpSpPr>
-      <p:sp>
-        <p:nvSpPr>
-          <p:cNvPr id="2" name="Заголовок 1"/>
-          <p:cNvSpPr>
-            <a:spLocks noGrp="1"/>
-          </p:cNvSpPr>
-          <p:nvPr>
-            <p:ph type="title"/>
-          </p:nvPr>
-        </p:nvSpPr>
-        <p:spPr/>
-        <p:txBody>
-          <a:bodyPr/>
-          <a:lstStyle/>
-          <a:p>
-            <a:r>
-              <a:rPr lang="uk-UA" dirty="0" smtClean="0"/>
-              <a:t>Загальний вигляд</a:t>
-            </a:r>
-            <a:endParaRPr lang="ru-RU" dirty="0"/>
-          </a:p>
-        </p:txBody>
-      </p:sp>
-      <p:pic>
-        <p:nvPicPr>
-          <p:cNvPr id="4" name="Содержимое 3"/>
-          <p:cNvPicPr>
-            <a:picLocks noGrp="1"/>
-          </p:cNvPicPr>
-          <p:nvPr>
-            <p:ph idx="1"/>
-          </p:nvPr>
-        </p:nvPicPr>
-        <p:blipFill>
-          <a:blip r:embed="rId2" cstate="print">
-            <a:extLst>
-              <a:ext uri="{28A0092B-C50C-407E-A947-70E740481C1C}">
-                <a14:useLocalDpi xmlns="" xmlns:wpc="http://schemas.microsoft.com/office/word/2010/wordprocessingCanvas" xmlns:mc="http://schemas.openxmlformats.org/markup-compatibility/2006" xmlns:o="urn:schemas-microsoft-com:office:office" xmlns:m="http://schemas.openxmlformats.org/officeDocument/2006/math" xmlns:v="urn:schemas-microsoft-com:vml" xmlns:wp14="http://schemas.microsoft.com/office/word/2010/wordprocessingDrawing" xmlns:wp="http://schemas.openxmlformats.org/drawingml/2006/wordprocessingDrawing" xmlns:w10="urn:schemas-microsoft-com:office:word" xmlns:w="http://schemas.openxmlformats.org/wordprocessingml/2006/main" xmlns:w14="http://schemas.microsoft.com/office/word/2010/wordml" xmlns:wpg="http://schemas.microsoft.com/office/word/2010/wordprocessingGroup" xmlns:wpi="http://schemas.microsoft.com/office/word/2010/wordprocessingInk" xmlns:wne="http://schemas.microsoft.com/office/word/2006/wordml" xmlns:wps="http://schemas.microsoft.com/office/word/2010/wordprocessingShape" xmlns:a14="http://schemas.microsoft.com/office/drawing/2010/main" xmlns:pic="http://schemas.openxmlformats.org/drawingml/2006/picture" xmlns:lc="http://schemas.openxmlformats.org/drawingml/2006/lockedCanvas" val="0"/>
-              </a:ext>
-            </a:extLst>
-          </a:blip>
-          <a:stretch>
-            <a:fillRect/>
-          </a:stretch>
-        </p:blipFill>
-        <p:spPr bwMode="auto">
-          <a:xfrm>
-            <a:off x="1403648" y="1412776"/>
-            <a:ext cx="6208724" cy="4925144"/>
-          </a:xfrm>
-          <a:prstGeom prst="rect">
-            <a:avLst/>
-          </a:prstGeom>
-          <a:noFill/>
-          <a:ln>
-            <a:noFill/>
-          </a:ln>
-        </p:spPr>
-      </p:pic>
-    </p:spTree>
-  </p:cSld>
-  <p:clrMapOvr>
-    <a:masterClrMapping/>
-  </p:clrMapOvr>
-  <p:timing>
-    <p:tnLst>
-      <p:par>
-        <p:cTn id="1" dur="indefinite" restart="never" nodeType="tmRoot"/>
-      </p:par>
-    </p:tnLst>
-  </p:timing>
-</p:sld>
-</file>
-
-<file path=ppt/slides/slide16.xml><?xml version="1.0" encoding="utf-8"?>
-<p:sld xmlns:a="http://schemas.openxmlformats.org/drawingml/2006/main" xmlns:r="http://schemas.openxmlformats.org/officeDocument/2006/relationships" xmlns:p="http://schemas.openxmlformats.org/presentationml/2006/main">
-  <p:cSld>
-    <p:spTree>
-      <p:nvGrpSpPr>
-        <p:cNvPr id="1" name=""/>
-        <p:cNvGrpSpPr/>
-        <p:nvPr/>
-      </p:nvGrpSpPr>
-      <p:grpSpPr>
-        <a:xfrm>
-          <a:off x="0" y="0"/>
-          <a:ext cx="0" cy="0"/>
-          <a:chOff x="0" y="0"/>
-          <a:chExt cx="0" cy="0"/>
-        </a:xfrm>
-      </p:grpSpPr>
-      <p:sp>
-        <p:nvSpPr>
-          <p:cNvPr id="2" name="Заголовок 1"/>
-          <p:cNvSpPr>
-            <a:spLocks noGrp="1"/>
-          </p:cNvSpPr>
-          <p:nvPr>
-            <p:ph type="title"/>
-          </p:nvPr>
-        </p:nvSpPr>
-        <p:spPr/>
-        <p:txBody>
-          <a:bodyPr/>
-          <a:lstStyle/>
-          <a:p>
-            <a:r>
-              <a:rPr lang="uk-UA" dirty="0" smtClean="0"/>
-              <a:t>Л2-100 ТЕКО</a:t>
-            </a:r>
-            <a:endParaRPr lang="ru-RU" dirty="0"/>
-          </a:p>
-        </p:txBody>
-      </p:sp>
-      <p:pic>
-        <p:nvPicPr>
-          <p:cNvPr id="1027" name="Picture 3" descr="D:\Diplom\temp\L2_100.png"/>
-          <p:cNvPicPr>
-            <a:picLocks noGrp="1" noChangeAspect="1" noChangeArrowheads="1"/>
-          </p:cNvPicPr>
-          <p:nvPr>
-            <p:ph idx="1"/>
-          </p:nvPr>
-        </p:nvPicPr>
-        <p:blipFill>
-          <a:blip r:embed="rId2" cstate="print"/>
-          <a:stretch>
-            <a:fillRect/>
-          </a:stretch>
-        </p:blipFill>
-        <p:spPr bwMode="auto">
-          <a:xfrm>
-            <a:off x="1619672" y="1628800"/>
-            <a:ext cx="6048672" cy="4148963"/>
-          </a:xfrm>
-          <a:prstGeom prst="rect">
-            <a:avLst/>
-          </a:prstGeom>
-          <a:noFill/>
-        </p:spPr>
-      </p:pic>
-    </p:spTree>
-  </p:cSld>
-  <p:clrMapOvr>
-    <a:masterClrMapping/>
-  </p:clrMapOvr>
-  <p:timing>
-    <p:tnLst>
-      <p:par>
-        <p:cTn id="1" dur="indefinite" restart="never" nodeType="tmRoot"/>
-      </p:par>
-    </p:tnLst>
-  </p:timing>
-</p:sld>
-</file>
-
-<file path=ppt/slides/slide17.xml><?xml version="1.0" encoding="utf-8"?>
-<p:sld xmlns:a="http://schemas.openxmlformats.org/drawingml/2006/main" xmlns:r="http://schemas.openxmlformats.org/officeDocument/2006/relationships" xmlns:p="http://schemas.openxmlformats.org/presentationml/2006/main">
-  <p:cSld>
-    <p:spTree>
-      <p:nvGrpSpPr>
-        <p:cNvPr id="1" name=""/>
-        <p:cNvGrpSpPr/>
-        <p:nvPr/>
-      </p:nvGrpSpPr>
-      <p:grpSpPr>
-        <a:xfrm>
-          <a:off x="0" y="0"/>
-          <a:ext cx="0" cy="0"/>
-          <a:chOff x="0" y="0"/>
-          <a:chExt cx="0" cy="0"/>
-        </a:xfrm>
-      </p:grpSpPr>
-      <p:sp>
-        <p:nvSpPr>
-          <p:cNvPr id="2" name="Заголовок 1"/>
-          <p:cNvSpPr>
-            <a:spLocks noGrp="1"/>
-          </p:cNvSpPr>
-          <p:nvPr>
-            <p:ph type="title"/>
-          </p:nvPr>
-        </p:nvSpPr>
-        <p:spPr/>
-        <p:txBody>
-          <a:bodyPr>
-            <a:normAutofit fontScale="90000"/>
-          </a:bodyPr>
-          <a:lstStyle/>
-          <a:p>
-            <a:r>
-              <a:rPr lang="uk-UA" dirty="0" smtClean="0"/>
-              <a:t>Програмне забезпечення Л2-100</a:t>
-            </a:r>
-            <a:endParaRPr lang="ru-RU" dirty="0"/>
-          </a:p>
-        </p:txBody>
-      </p:sp>
-      <p:pic>
-        <p:nvPicPr>
-          <p:cNvPr id="4" name="Содержимое 3" descr="http://www.kipia.info/upload/NOVOSTI_Kartinki/ANONSI_M/AN1014/Chrt_6.jpg"/>
-          <p:cNvPicPr>
-            <a:picLocks noGrp="1"/>
-          </p:cNvPicPr>
-          <p:nvPr>
-            <p:ph idx="1"/>
-          </p:nvPr>
-        </p:nvPicPr>
-        <p:blipFill>
-          <a:blip r:embed="rId2" cstate="print"/>
-          <a:stretch>
-            <a:fillRect/>
-          </a:stretch>
-        </p:blipFill>
-        <p:spPr bwMode="auto">
-          <a:xfrm>
-            <a:off x="1321539" y="1600200"/>
-            <a:ext cx="6500922" cy="4708525"/>
-          </a:xfrm>
-          <a:prstGeom prst="rect">
-            <a:avLst/>
-          </a:prstGeom>
-          <a:noFill/>
-          <a:ln w="9525">
-            <a:noFill/>
-            <a:miter lim="800000"/>
-            <a:headEnd/>
-            <a:tailEnd/>
-          </a:ln>
-        </p:spPr>
-      </p:pic>
-    </p:spTree>
-  </p:cSld>
-  <p:clrMapOvr>
-    <a:masterClrMapping/>
-  </p:clrMapOvr>
-  <p:timing>
-    <p:tnLst>
-      <p:par>
-        <p:cTn id="1" dur="indefinite" restart="never" nodeType="tmRoot"/>
-      </p:par>
-    </p:tnLst>
-  </p:timing>
-</p:sld>
-</file>
-
-<file path=ppt/slides/slide18.xml><?xml version="1.0" encoding="utf-8"?>
-<p:sld xmlns:a="http://schemas.openxmlformats.org/drawingml/2006/main" xmlns:r="http://schemas.openxmlformats.org/officeDocument/2006/relationships" xmlns:p="http://schemas.openxmlformats.org/presentationml/2006/main">
-  <p:cSld>
-    <p:spTree>
-      <p:nvGrpSpPr>
-        <p:cNvPr id="1" name=""/>
-        <p:cNvGrpSpPr/>
-        <p:nvPr/>
-      </p:nvGrpSpPr>
-      <p:grpSpPr>
-        <a:xfrm>
-          <a:off x="0" y="0"/>
-          <a:ext cx="0" cy="0"/>
-          <a:chOff x="0" y="0"/>
-          <a:chExt cx="0" cy="0"/>
-        </a:xfrm>
-      </p:grpSpPr>
-      <p:sp>
-        <p:nvSpPr>
-          <p:cNvPr id="2" name="Заголовок 1"/>
-          <p:cNvSpPr>
-            <a:spLocks noGrp="1"/>
-          </p:cNvSpPr>
-          <p:nvPr>
-            <p:ph type="title"/>
-          </p:nvPr>
-        </p:nvSpPr>
-        <p:spPr/>
-        <p:txBody>
-          <a:bodyPr/>
-          <a:lstStyle/>
-          <a:p>
-            <a:r>
-              <a:rPr lang="ru-RU" dirty="0" smtClean="0"/>
-              <a:t>ЭРБИЙ-7107</a:t>
-            </a:r>
-            <a:endParaRPr lang="ru-RU" dirty="0"/>
-          </a:p>
-        </p:txBody>
-      </p:sp>
-      <p:pic>
-        <p:nvPicPr>
-          <p:cNvPr id="4" name="Содержимое 3"/>
-          <p:cNvPicPr>
-            <a:picLocks noGrp="1"/>
-          </p:cNvPicPr>
-          <p:nvPr>
-            <p:ph idx="1"/>
-          </p:nvPr>
-        </p:nvPicPr>
-        <p:blipFill>
-          <a:blip r:embed="rId2" cstate="print"/>
-          <a:stretch>
-            <a:fillRect/>
-          </a:stretch>
-        </p:blipFill>
-        <p:spPr>
-          <a:xfrm>
-            <a:off x="899592" y="1844824"/>
-            <a:ext cx="7344816" cy="4419165"/>
-          </a:xfrm>
-          <a:prstGeom prst="rect">
-            <a:avLst/>
-          </a:prstGeom>
-        </p:spPr>
-      </p:pic>
-    </p:spTree>
-  </p:cSld>
-  <p:clrMapOvr>
-    <a:masterClrMapping/>
-  </p:clrMapOvr>
-  <p:timing>
-    <p:tnLst>
-      <p:par>
-        <p:cTn id="1" dur="indefinite" restart="never" nodeType="tmRoot"/>
-      </p:par>
-    </p:tnLst>
-  </p:timing>
-</p:sld>
-</file>
-
-<file path=ppt/slides/slide19.xml><?xml version="1.0" encoding="utf-8"?>
-<p:sld xmlns:a="http://schemas.openxmlformats.org/drawingml/2006/main" xmlns:r="http://schemas.openxmlformats.org/officeDocument/2006/relationships" xmlns:p="http://schemas.openxmlformats.org/presentationml/2006/main">
-  <p:cSld>
-    <p:spTree>
-      <p:nvGrpSpPr>
-        <p:cNvPr id="1" name=""/>
-        <p:cNvGrpSpPr/>
-        <p:nvPr/>
-      </p:nvGrpSpPr>
-      <p:grpSpPr>
-        <a:xfrm>
-          <a:off x="0" y="0"/>
-          <a:ext cx="0" cy="0"/>
-          <a:chOff x="0" y="0"/>
-          <a:chExt cx="0" cy="0"/>
-        </a:xfrm>
-      </p:grpSpPr>
-      <p:sp>
-        <p:nvSpPr>
-          <p:cNvPr id="2" name="Заголовок 1"/>
-          <p:cNvSpPr>
-            <a:spLocks noGrp="1"/>
-          </p:cNvSpPr>
-          <p:nvPr>
-            <p:ph type="title"/>
-          </p:nvPr>
-        </p:nvSpPr>
-        <p:spPr/>
-        <p:txBody>
-          <a:bodyPr>
-            <a:normAutofit fontScale="90000"/>
-          </a:bodyPr>
-          <a:lstStyle/>
-          <a:p>
-            <a:r>
-              <a:rPr lang="uk-UA" dirty="0" smtClean="0"/>
-              <a:t>Програмне забезпечення </a:t>
-            </a:r>
-            <a:r>
-              <a:rPr lang="ru-RU" dirty="0" smtClean="0"/>
-              <a:t>ЭРБИЙ-7107</a:t>
-            </a:r>
-            <a:endParaRPr lang="ru-RU" dirty="0"/>
-          </a:p>
-        </p:txBody>
-      </p:sp>
-      <p:pic>
-        <p:nvPicPr>
-          <p:cNvPr id="4" name="Содержимое 3"/>
-          <p:cNvPicPr>
-            <a:picLocks noGrp="1"/>
-          </p:cNvPicPr>
-          <p:nvPr>
-            <p:ph idx="1"/>
-          </p:nvPr>
-        </p:nvPicPr>
-        <p:blipFill>
-          <a:blip r:embed="rId2" cstate="print"/>
-          <a:stretch>
-            <a:fillRect/>
-          </a:stretch>
-        </p:blipFill>
-        <p:spPr>
-          <a:xfrm>
-            <a:off x="1403648" y="1628800"/>
-            <a:ext cx="6696744" cy="5013309"/>
-          </a:xfrm>
-          <a:prstGeom prst="rect">
-            <a:avLst/>
-          </a:prstGeom>
-        </p:spPr>
-      </p:pic>
     </p:spTree>
   </p:cSld>
   <p:clrMapOvr>
@@ -5285,46 +4983,14 @@
           <a:noFill/>
         </p:spPr>
       </p:pic>
-    </p:spTree>
-  </p:cSld>
-  <p:clrMapOvr>
-    <a:masterClrMapping/>
-  </p:clrMapOvr>
-  <p:timing>
-    <p:tnLst>
-      <p:par>
-        <p:cTn id="1" dur="indefinite" restart="never" nodeType="tmRoot"/>
-      </p:par>
-    </p:tnLst>
-  </p:timing>
-</p:sld>
-</file>
-
-<file path=ppt/slides/slide20.xml><?xml version="1.0" encoding="utf-8"?>
-<p:sld xmlns:a="http://schemas.openxmlformats.org/drawingml/2006/main" xmlns:r="http://schemas.openxmlformats.org/officeDocument/2006/relationships" xmlns:p="http://schemas.openxmlformats.org/presentationml/2006/main">
-  <p:cSld>
-    <p:spTree>
-      <p:nvGrpSpPr>
-        <p:cNvPr id="1" name=""/>
-        <p:cNvGrpSpPr/>
-        <p:nvPr/>
-      </p:nvGrpSpPr>
-      <p:grpSpPr>
-        <a:xfrm>
-          <a:off x="0" y="0"/>
-          <a:ext cx="0" cy="0"/>
-          <a:chOff x="0" y="0"/>
-          <a:chExt cx="0" cy="0"/>
-        </a:xfrm>
-      </p:grpSpPr>
-      <p:sp>
-        <p:nvSpPr>
-          <p:cNvPr id="2" name="Заголовок 1"/>
-          <p:cNvSpPr>
-            <a:spLocks noGrp="1"/>
-          </p:cNvSpPr>
-          <p:nvPr>
-            <p:ph type="title"/>
+      <p:sp>
+        <p:nvSpPr>
+          <p:cNvPr id="7" name="Номер слайда 6"/>
+          <p:cNvSpPr>
+            <a:spLocks noGrp="1"/>
+          </p:cNvSpPr>
+          <p:nvPr>
+            <p:ph type="sldNum" sz="quarter" idx="12"/>
           </p:nvPr>
         </p:nvSpPr>
         <p:spPr/>
@@ -5332,127 +4998,15 @@
           <a:bodyPr/>
           <a:lstStyle/>
           <a:p>
-            <a:r>
-              <a:rPr lang="uk-UA" dirty="0" smtClean="0"/>
-              <a:t>Використання сітки</a:t>
-            </a:r>
-            <a:endParaRPr lang="ru-RU" dirty="0"/>
-          </a:p>
-        </p:txBody>
-      </p:sp>
-      <p:pic>
-        <p:nvPicPr>
-          <p:cNvPr id="35843" name="Picture 3" descr="D:\Diplom\TempDocs\Report\gird.png"/>
-          <p:cNvPicPr>
-            <a:picLocks noChangeAspect="1" noChangeArrowheads="1"/>
-          </p:cNvPicPr>
-          <p:nvPr/>
-        </p:nvPicPr>
-        <p:blipFill>
-          <a:blip r:embed="rId2" cstate="print"/>
-          <a:srcRect/>
-          <a:stretch>
-            <a:fillRect/>
-          </a:stretch>
-        </p:blipFill>
-        <p:spPr bwMode="auto">
-          <a:xfrm>
-            <a:off x="395536" y="2132856"/>
-            <a:ext cx="8291513" cy="3390900"/>
-          </a:xfrm>
-          <a:prstGeom prst="rect">
-            <a:avLst/>
-          </a:prstGeom>
-          <a:noFill/>
-        </p:spPr>
-      </p:pic>
-    </p:spTree>
-  </p:cSld>
-  <p:clrMapOvr>
-    <a:masterClrMapping/>
-  </p:clrMapOvr>
-  <p:timing>
-    <p:tnLst>
-      <p:par>
-        <p:cTn id="1" dur="indefinite" restart="never" nodeType="tmRoot"/>
-      </p:par>
-    </p:tnLst>
-  </p:timing>
-</p:sld>
-</file>
-
-<file path=ppt/slides/slide21.xml><?xml version="1.0" encoding="utf-8"?>
-<p:sld xmlns:a="http://schemas.openxmlformats.org/drawingml/2006/main" xmlns:r="http://schemas.openxmlformats.org/officeDocument/2006/relationships" xmlns:p="http://schemas.openxmlformats.org/presentationml/2006/main">
-  <p:cSld>
-    <p:spTree>
-      <p:nvGrpSpPr>
-        <p:cNvPr id="1" name=""/>
-        <p:cNvGrpSpPr/>
-        <p:nvPr/>
-      </p:nvGrpSpPr>
-      <p:grpSpPr>
-        <a:xfrm>
-          <a:off x="0" y="0"/>
-          <a:ext cx="0" cy="0"/>
-          <a:chOff x="0" y="0"/>
-          <a:chExt cx="0" cy="0"/>
-        </a:xfrm>
-      </p:grpSpPr>
-      <p:sp>
-        <p:nvSpPr>
-          <p:cNvPr id="2" name="Заголовок 1"/>
-          <p:cNvSpPr>
-            <a:spLocks noGrp="1"/>
-          </p:cNvSpPr>
-          <p:nvPr>
-            <p:ph type="title"/>
-          </p:nvPr>
-        </p:nvSpPr>
-        <p:spPr/>
-        <p:txBody>
-          <a:bodyPr/>
-          <a:lstStyle/>
-          <a:p>
-            <a:r>
-              <a:rPr lang="uk-UA" dirty="0" smtClean="0"/>
-              <a:t>Режим вибору точки</a:t>
-            </a:r>
-            <a:endParaRPr lang="ru-RU" dirty="0"/>
-          </a:p>
-        </p:txBody>
-      </p:sp>
-      <p:pic>
-        <p:nvPicPr>
-          <p:cNvPr id="6" name="Рисунок 5"/>
-          <p:cNvPicPr/>
-          <p:nvPr/>
-        </p:nvPicPr>
-        <p:blipFill>
-          <a:blip r:embed="rId2" cstate="print">
-            <a:lum/>
-          </a:blip>
-          <a:srcRect/>
-          <a:stretch>
-            <a:fillRect/>
-          </a:stretch>
-        </p:blipFill>
-        <p:spPr bwMode="auto">
-          <a:xfrm>
-            <a:off x="1351005" y="1412776"/>
-            <a:ext cx="6245331" cy="4921738"/>
-          </a:xfrm>
-          <a:prstGeom prst="rect">
-            <a:avLst/>
-          </a:prstGeom>
-          <a:noFill/>
-          <a:ln w="9525">
-            <a:noFill/>
-            <a:miter lim="800000"/>
-            <a:headEnd/>
-            <a:tailEnd/>
-          </a:ln>
-        </p:spPr>
-      </p:pic>
+            <a:fld id="{679C4B18-9BFA-4BD6-A2FF-5FD9619786E0}" type="slidenum">
+              <a:rPr lang="ru-RU" smtClean="0"/>
+              <a:pPr/>
+              <a:t>2</a:t>
+            </a:fld>
+            <a:endParaRPr lang="ru-RU"/>
+          </a:p>
+        </p:txBody>
+      </p:sp>
     </p:spTree>
   </p:cSld>
   <p:clrMapOvr>
@@ -5655,17 +5209,8 @@
           <a:p>
             <a:r>
               <a:rPr lang="uk-UA" dirty="0" smtClean="0"/>
-              <a:t> – Збереження та завантаження (CSV, XLS, </a:t>
-            </a:r>
-            <a:r>
-              <a:rPr lang="uk-UA" dirty="0" smtClean="0"/>
-              <a:t>зображення</a:t>
-            </a:r>
-            <a:r>
-              <a:rPr lang="uk-UA" dirty="0" smtClean="0"/>
-              <a:t>);</a:t>
-            </a:r>
-            <a:endParaRPr lang="uk-UA" dirty="0" smtClean="0"/>
+              <a:t> – Збереження та завантаження (CSV, XLS, зображення);</a:t>
+            </a:r>
           </a:p>
           <a:p>
             <a:r>
@@ -5679,6 +5224,30 @@
               <a:t> – Налаштування приладу.</a:t>
             </a:r>
             <a:endParaRPr lang="ru-RU" dirty="0"/>
+          </a:p>
+        </p:txBody>
+      </p:sp>
+      <p:sp>
+        <p:nvSpPr>
+          <p:cNvPr id="11" name="Номер слайда 10"/>
+          <p:cNvSpPr>
+            <a:spLocks noGrp="1"/>
+          </p:cNvSpPr>
+          <p:nvPr>
+            <p:ph type="sldNum" sz="quarter" idx="12"/>
+          </p:nvPr>
+        </p:nvSpPr>
+        <p:spPr/>
+        <p:txBody>
+          <a:bodyPr/>
+          <a:lstStyle/>
+          <a:p>
+            <a:fld id="{679C4B18-9BFA-4BD6-A2FF-5FD9619786E0}" type="slidenum">
+              <a:rPr lang="ru-RU" smtClean="0"/>
+              <a:pPr/>
+              <a:t>3</a:t>
+            </a:fld>
+            <a:endParaRPr lang="ru-RU"/>
           </a:p>
         </p:txBody>
       </p:sp>
@@ -5878,15 +5447,7 @@
           <a:p>
             <a:r>
               <a:rPr lang="uk-UA" dirty="0" smtClean="0"/>
-              <a:t>Основні </a:t>
-            </a:r>
-            <a:r>
-              <a:rPr lang="uk-UA" dirty="0" smtClean="0"/>
-              <a:t>параметри приладу</a:t>
-            </a:r>
-            <a:r>
-              <a:rPr lang="uk-UA" dirty="0" smtClean="0"/>
-              <a:t>:</a:t>
+              <a:t>Основні параметри приладу:</a:t>
             </a:r>
             <a:endParaRPr lang="ru-RU" dirty="0" smtClean="0"/>
           </a:p>
@@ -5939,6 +5500,30 @@
               <a:t> – Точність вимірювання струму: до 3%.</a:t>
             </a:r>
             <a:endParaRPr lang="ru-RU" dirty="0"/>
+          </a:p>
+        </p:txBody>
+      </p:sp>
+      <p:sp>
+        <p:nvSpPr>
+          <p:cNvPr id="10" name="Номер слайда 9"/>
+          <p:cNvSpPr>
+            <a:spLocks noGrp="1"/>
+          </p:cNvSpPr>
+          <p:nvPr>
+            <p:ph type="sldNum" sz="quarter" idx="12"/>
+          </p:nvPr>
+        </p:nvSpPr>
+        <p:spPr/>
+        <p:txBody>
+          <a:bodyPr/>
+          <a:lstStyle/>
+          <a:p>
+            <a:fld id="{679C4B18-9BFA-4BD6-A2FF-5FD9619786E0}" type="slidenum">
+              <a:rPr lang="ru-RU" smtClean="0"/>
+              <a:pPr/>
+              <a:t>4</a:t>
+            </a:fld>
+            <a:endParaRPr lang="ru-RU"/>
           </a:p>
         </p:txBody>
       </p:sp>
@@ -6372,6 +5957,30 @@
           </a:p>
         </p:txBody>
       </p:sp>
+      <p:sp>
+        <p:nvSpPr>
+          <p:cNvPr id="18" name="Номер слайда 17"/>
+          <p:cNvSpPr>
+            <a:spLocks noGrp="1"/>
+          </p:cNvSpPr>
+          <p:nvPr>
+            <p:ph type="sldNum" sz="quarter" idx="12"/>
+          </p:nvPr>
+        </p:nvSpPr>
+        <p:spPr/>
+        <p:txBody>
+          <a:bodyPr/>
+          <a:lstStyle/>
+          <a:p>
+            <a:fld id="{679C4B18-9BFA-4BD6-A2FF-5FD9619786E0}" type="slidenum">
+              <a:rPr lang="ru-RU" smtClean="0"/>
+              <a:pPr/>
+              <a:t>5</a:t>
+            </a:fld>
+            <a:endParaRPr lang="ru-RU"/>
+          </a:p>
+        </p:txBody>
+      </p:sp>
     </p:spTree>
   </p:cSld>
   <p:clrMapOvr>
@@ -6390,6 +5999,29 @@
 <file path=ppt/slides/slide6.xml><?xml version="1.0" encoding="utf-8"?>
 <p:sld xmlns:a="http://schemas.openxmlformats.org/drawingml/2006/main" xmlns:r="http://schemas.openxmlformats.org/officeDocument/2006/relationships" xmlns:p="http://schemas.openxmlformats.org/presentationml/2006/main">
   <p:cSld>
+    <p:bg>
+      <p:bgPr>
+        <a:blipFill>
+          <a:blip r:embed="rId2" cstate="print">
+            <a:duotone>
+              <a:schemeClr val="bg2">
+                <a:shade val="3000"/>
+                <a:satMod val="110000"/>
+              </a:schemeClr>
+              <a:schemeClr val="bg2">
+                <a:tint val="60000"/>
+                <a:satMod val="425000"/>
+              </a:schemeClr>
+            </a:duotone>
+            <a:lum bright="-22000" contrast="-53000"/>
+          </a:blip>
+          <a:stretch>
+            <a:fillRect/>
+          </a:stretch>
+        </a:blipFill>
+        <a:effectLst/>
+      </p:bgPr>
+    </p:bg>
     <p:spTree>
       <p:nvGrpSpPr>
         <p:cNvPr id="1" name=""/>
@@ -6429,12 +6061,12 @@
       </p:sp>
       <p:sp>
         <p:nvSpPr>
-          <p:cNvPr id="3" name="Содержимое 2"/>
-          <p:cNvSpPr>
-            <a:spLocks noGrp="1"/>
-          </p:cNvSpPr>
-          <p:nvPr>
-            <p:ph idx="1"/>
+          <p:cNvPr id="8" name="Номер слайда 7"/>
+          <p:cNvSpPr>
+            <a:spLocks noGrp="1"/>
+          </p:cNvSpPr>
+          <p:nvPr>
+            <p:ph type="sldNum" sz="quarter" idx="12"/>
           </p:nvPr>
         </p:nvSpPr>
         <p:spPr/>
@@ -6442,20 +6074,25 @@
           <a:bodyPr/>
           <a:lstStyle/>
           <a:p>
+            <a:fld id="{679C4B18-9BFA-4BD6-A2FF-5FD9619786E0}" type="slidenum">
+              <a:rPr lang="ru-RU" smtClean="0"/>
+              <a:pPr/>
+              <a:t>6</a:t>
+            </a:fld>
             <a:endParaRPr lang="ru-RU"/>
           </a:p>
         </p:txBody>
       </p:sp>
       <p:pic>
         <p:nvPicPr>
-          <p:cNvPr id="2053" name="Picture 5" descr="D:\Diplom\temp\report\kdn.png"/>
+          <p:cNvPr id="2050" name="Picture 2" descr="D:\Diplom\TempDocs\Report\t\kdn.png"/>
           <p:cNvPicPr>
             <a:picLocks noChangeAspect="1" noChangeArrowheads="1"/>
           </p:cNvPicPr>
           <p:nvPr/>
         </p:nvPicPr>
         <p:blipFill>
-          <a:blip r:embed="rId2" cstate="print"/>
+          <a:blip r:embed="rId3" cstate="print"/>
           <a:srcRect/>
           <a:stretch>
             <a:fillRect/>
@@ -6490,6 +6127,29 @@
 <file path=ppt/slides/slide7.xml><?xml version="1.0" encoding="utf-8"?>
 <p:sld xmlns:a="http://schemas.openxmlformats.org/drawingml/2006/main" xmlns:r="http://schemas.openxmlformats.org/officeDocument/2006/relationships" xmlns:p="http://schemas.openxmlformats.org/presentationml/2006/main">
   <p:cSld>
+    <p:bg>
+      <p:bgPr>
+        <a:blipFill>
+          <a:blip r:embed="rId3" cstate="print">
+            <a:duotone>
+              <a:schemeClr val="bg2">
+                <a:shade val="3000"/>
+                <a:satMod val="110000"/>
+              </a:schemeClr>
+              <a:schemeClr val="bg2">
+                <a:tint val="60000"/>
+                <a:satMod val="425000"/>
+              </a:schemeClr>
+            </a:duotone>
+            <a:lum bright="-22000" contrast="-53000"/>
+          </a:blip>
+          <a:stretch>
+            <a:fillRect/>
+          </a:stretch>
+        </a:blipFill>
+        <a:effectLst/>
+      </p:bgPr>
+    </p:bg>
     <p:spTree>
       <p:nvGrpSpPr>
         <p:cNvPr id="1" name=""/>
@@ -6529,12 +6189,12 @@
       </p:sp>
       <p:sp>
         <p:nvSpPr>
-          <p:cNvPr id="3" name="Содержимое 2"/>
-          <p:cNvSpPr>
-            <a:spLocks noGrp="1"/>
-          </p:cNvSpPr>
-          <p:nvPr>
-            <p:ph idx="1"/>
+          <p:cNvPr id="8" name="Номер слайда 7"/>
+          <p:cNvSpPr>
+            <a:spLocks noGrp="1"/>
+          </p:cNvSpPr>
+          <p:nvPr>
+            <p:ph type="sldNum" sz="quarter" idx="12"/>
           </p:nvPr>
         </p:nvSpPr>
         <p:spPr/>
@@ -6542,20 +6202,25 @@
           <a:bodyPr/>
           <a:lstStyle/>
           <a:p>
+            <a:fld id="{679C4B18-9BFA-4BD6-A2FF-5FD9619786E0}" type="slidenum">
+              <a:rPr lang="ru-RU" smtClean="0"/>
+              <a:pPr/>
+              <a:t>7</a:t>
+            </a:fld>
             <a:endParaRPr lang="ru-RU"/>
           </a:p>
         </p:txBody>
       </p:sp>
       <p:pic>
         <p:nvPicPr>
-          <p:cNvPr id="3074" name="Picture 2" descr="D:\Diplom\temp\report\DAC.png"/>
+          <p:cNvPr id="1026" name="Picture 2" descr="D:\Diplom\TempDocs\Report\t\DAC.png"/>
           <p:cNvPicPr>
             <a:picLocks noChangeAspect="1" noChangeArrowheads="1"/>
           </p:cNvPicPr>
           <p:nvPr/>
         </p:nvPicPr>
         <p:blipFill>
-          <a:blip r:embed="rId3" cstate="print"/>
+          <a:blip r:embed="rId4" cstate="print"/>
           <a:srcRect/>
           <a:stretch>
             <a:fillRect/>
@@ -6572,6 +6237,66 @@
           <a:noFill/>
         </p:spPr>
       </p:pic>
+      <p:sp>
+        <p:nvSpPr>
+          <p:cNvPr id="7" name="TextBox 6"/>
+          <p:cNvSpPr txBox="1"/>
+          <p:nvPr/>
+        </p:nvSpPr>
+        <p:spPr>
+          <a:xfrm>
+            <a:off x="683568" y="1844824"/>
+            <a:ext cx="2160240" cy="461665"/>
+          </a:xfrm>
+          <a:prstGeom prst="rect">
+            <a:avLst/>
+          </a:prstGeom>
+          <a:noFill/>
+        </p:spPr>
+        <p:txBody>
+          <a:bodyPr wrap="square" rtlCol="0">
+            <a:spAutoFit/>
+          </a:bodyPr>
+          <a:lstStyle/>
+          <a:p>
+            <a:r>
+              <a:rPr lang="uk-UA" sz="2400" dirty="0" smtClean="0"/>
+              <a:t>Вихід ЦАП</a:t>
+            </a:r>
+            <a:endParaRPr lang="ru-RU" sz="2400" dirty="0"/>
+          </a:p>
+        </p:txBody>
+      </p:sp>
+      <p:sp>
+        <p:nvSpPr>
+          <p:cNvPr id="9" name="TextBox 8"/>
+          <p:cNvSpPr txBox="1"/>
+          <p:nvPr/>
+        </p:nvSpPr>
+        <p:spPr>
+          <a:xfrm>
+            <a:off x="539552" y="4941168"/>
+            <a:ext cx="2736304" cy="461665"/>
+          </a:xfrm>
+          <a:prstGeom prst="rect">
+            <a:avLst/>
+          </a:prstGeom>
+          <a:noFill/>
+        </p:spPr>
+        <p:txBody>
+          <a:bodyPr wrap="square" rtlCol="0">
+            <a:spAutoFit/>
+          </a:bodyPr>
+          <a:lstStyle/>
+          <a:p>
+            <a:r>
+              <a:rPr lang="uk-UA" sz="2400" dirty="0" smtClean="0"/>
+              <a:t>Мікроконтролер</a:t>
+            </a:r>
+            <a:endParaRPr lang="ru-RU" sz="2400" dirty="0"/>
+          </a:p>
+        </p:txBody>
+      </p:sp>
     </p:spTree>
   </p:cSld>
   <p:clrMapOvr>
@@ -7754,6 +7479,30 @@
           </a:graphicData>
         </a:graphic>
       </p:graphicFrame>
+      <p:sp>
+        <p:nvSpPr>
+          <p:cNvPr id="8" name="Номер слайда 7"/>
+          <p:cNvSpPr>
+            <a:spLocks noGrp="1"/>
+          </p:cNvSpPr>
+          <p:nvPr>
+            <p:ph type="sldNum" sz="quarter" idx="12"/>
+          </p:nvPr>
+        </p:nvSpPr>
+        <p:spPr/>
+        <p:txBody>
+          <a:bodyPr/>
+          <a:lstStyle/>
+          <a:p>
+            <a:fld id="{679C4B18-9BFA-4BD6-A2FF-5FD9619786E0}" type="slidenum">
+              <a:rPr lang="ru-RU" smtClean="0"/>
+              <a:pPr/>
+              <a:t>8</a:t>
+            </a:fld>
+            <a:endParaRPr lang="ru-RU"/>
+          </a:p>
+        </p:txBody>
+      </p:sp>
     </p:spTree>
   </p:cSld>
   <p:clrMapOvr>
@@ -7963,6 +7712,30 @@
               <a:t>2</a:t>
             </a:r>
             <a:endParaRPr lang="ru-RU" sz="2400" dirty="0"/>
+          </a:p>
+        </p:txBody>
+      </p:sp>
+      <p:sp>
+        <p:nvSpPr>
+          <p:cNvPr id="10" name="Номер слайда 9"/>
+          <p:cNvSpPr>
+            <a:spLocks noGrp="1"/>
+          </p:cNvSpPr>
+          <p:nvPr>
+            <p:ph type="sldNum" sz="quarter" idx="12"/>
+          </p:nvPr>
+        </p:nvSpPr>
+        <p:spPr/>
+        <p:txBody>
+          <a:bodyPr/>
+          <a:lstStyle/>
+          <a:p>
+            <a:fld id="{679C4B18-9BFA-4BD6-A2FF-5FD9619786E0}" type="slidenum">
+              <a:rPr lang="ru-RU" smtClean="0"/>
+              <a:pPr/>
+              <a:t>9</a:t>
+            </a:fld>
+            <a:endParaRPr lang="ru-RU"/>
           </a:p>
         </p:txBody>
       </p:sp>

--- a/Report/DiplomReport.pptx
+++ b/Report/DiplomReport.pptx
@@ -5,22 +5,21 @@
     <p:sldMasterId id="2147483780" r:id="rId1"/>
   </p:sldMasterIdLst>
   <p:notesMasterIdLst>
-    <p:notesMasterId r:id="rId15"/>
+    <p:notesMasterId r:id="rId14"/>
   </p:notesMasterIdLst>
   <p:sldIdLst>
     <p:sldId id="257" r:id="rId2"/>
-    <p:sldId id="259" r:id="rId3"/>
-    <p:sldId id="281" r:id="rId4"/>
-    <p:sldId id="282" r:id="rId5"/>
-    <p:sldId id="264" r:id="rId6"/>
-    <p:sldId id="274" r:id="rId7"/>
-    <p:sldId id="275" r:id="rId8"/>
-    <p:sldId id="266" r:id="rId9"/>
-    <p:sldId id="276" r:id="rId10"/>
-    <p:sldId id="278" r:id="rId11"/>
-    <p:sldId id="269" r:id="rId12"/>
-    <p:sldId id="284" r:id="rId13"/>
-    <p:sldId id="280" r:id="rId14"/>
+    <p:sldId id="281" r:id="rId3"/>
+    <p:sldId id="282" r:id="rId4"/>
+    <p:sldId id="264" r:id="rId5"/>
+    <p:sldId id="274" r:id="rId6"/>
+    <p:sldId id="275" r:id="rId7"/>
+    <p:sldId id="266" r:id="rId8"/>
+    <p:sldId id="276" r:id="rId9"/>
+    <p:sldId id="278" r:id="rId10"/>
+    <p:sldId id="269" r:id="rId11"/>
+    <p:sldId id="284" r:id="rId12"/>
+    <p:sldId id="280" r:id="rId13"/>
   </p:sldIdLst>
   <p:sldSz cx="9144000" cy="6858000" type="screen4x3"/>
   <p:notesSz cx="6858000" cy="9144000"/>
@@ -205,7 +204,7 @@
             <a:fld id="{8B1C4925-9B4A-4401-8FFF-3CF074C850CD}" type="datetimeFigureOut">
               <a:rPr lang="ru-RU" smtClean="0"/>
               <a:pPr/>
-              <a:t>19.06.2016</a:t>
+              <a:t>20.06.2016</a:t>
             </a:fld>
             <a:endParaRPr lang="ru-RU"/>
           </a:p>
@@ -621,7 +620,7 @@
             <a:fld id="{049E375B-31E3-41CD-AB3F-18479AAAD621}" type="slidenum">
               <a:rPr lang="ru-RU" smtClean="0"/>
               <a:pPr/>
-              <a:t>7</a:t>
+              <a:t>6</a:t>
             </a:fld>
             <a:endParaRPr lang="ru-RU"/>
           </a:p>
@@ -703,7 +702,7 @@
             <a:fld id="{049E375B-31E3-41CD-AB3F-18479AAAD621}" type="slidenum">
               <a:rPr lang="ru-RU" smtClean="0"/>
               <a:pPr/>
-              <a:t>11</a:t>
+              <a:t>10</a:t>
             </a:fld>
             <a:endParaRPr lang="ru-RU"/>
           </a:p>
@@ -829,7 +828,7 @@
             <a:fld id="{5C65AEA6-ACA0-43E8-8299-07B2A61FBBE8}" type="datetime1">
               <a:rPr lang="ru-RU" smtClean="0"/>
               <a:pPr/>
-              <a:t>19.06.2016</a:t>
+              <a:t>20.06.2016</a:t>
             </a:fld>
             <a:endParaRPr lang="ru-RU"/>
           </a:p>
@@ -1057,7 +1056,7 @@
             <a:fld id="{D87D3024-B6BD-49EA-BF01-98779C417F9A}" type="datetime1">
               <a:rPr lang="ru-RU" smtClean="0"/>
               <a:pPr/>
-              <a:t>19.06.2016</a:t>
+              <a:t>20.06.2016</a:t>
             </a:fld>
             <a:endParaRPr lang="ru-RU"/>
           </a:p>
@@ -1234,7 +1233,7 @@
             <a:fld id="{9BBA9CBB-AFA8-4568-AD5D-760BF72121D1}" type="datetime1">
               <a:rPr lang="ru-RU" smtClean="0"/>
               <a:pPr/>
-              <a:t>19.06.2016</a:t>
+              <a:t>20.06.2016</a:t>
             </a:fld>
             <a:endParaRPr lang="ru-RU"/>
           </a:p>
@@ -1401,7 +1400,7 @@
             <a:fld id="{969F68A7-90EC-4F70-8E30-F08DEAB6EE35}" type="datetime1">
               <a:rPr lang="ru-RU" smtClean="0"/>
               <a:pPr/>
-              <a:t>19.06.2016</a:t>
+              <a:t>20.06.2016</a:t>
             </a:fld>
             <a:endParaRPr lang="ru-RU"/>
           </a:p>
@@ -1647,7 +1646,7 @@
             <a:fld id="{C60B1FA8-0321-4A3B-B421-E18CA344319E}" type="datetime1">
               <a:rPr lang="ru-RU" smtClean="0"/>
               <a:pPr/>
-              <a:t>19.06.2016</a:t>
+              <a:t>20.06.2016</a:t>
             </a:fld>
             <a:endParaRPr lang="ru-RU"/>
           </a:p>
@@ -1913,7 +1912,7 @@
             <a:fld id="{FB5111EB-55ED-422B-82BF-DBBC4018D9F9}" type="datetime1">
               <a:rPr lang="ru-RU" smtClean="0"/>
               <a:pPr/>
-              <a:t>19.06.2016</a:t>
+              <a:t>20.06.2016</a:t>
             </a:fld>
             <a:endParaRPr lang="ru-RU"/>
           </a:p>
@@ -2289,7 +2288,7 @@
             <a:fld id="{EBDA1F03-D7BB-4497-B9CB-0889423DDC97}" type="datetime1">
               <a:rPr lang="ru-RU" smtClean="0"/>
               <a:pPr/>
-              <a:t>19.06.2016</a:t>
+              <a:t>20.06.2016</a:t>
             </a:fld>
             <a:endParaRPr lang="ru-RU"/>
           </a:p>
@@ -2404,7 +2403,7 @@
             <a:fld id="{8C9EC9E5-AD75-4D37-A032-92804153FE93}" type="datetime1">
               <a:rPr lang="ru-RU" smtClean="0"/>
               <a:pPr/>
-              <a:t>19.06.2016</a:t>
+              <a:t>20.06.2016</a:t>
             </a:fld>
             <a:endParaRPr lang="ru-RU"/>
           </a:p>
@@ -2496,7 +2495,7 @@
             <a:fld id="{C8C14B91-0516-4E63-B8DE-78956FED7E2F}" type="datetime1">
               <a:rPr lang="ru-RU" smtClean="0"/>
               <a:pPr/>
-              <a:t>19.06.2016</a:t>
+              <a:t>20.06.2016</a:t>
             </a:fld>
             <a:endParaRPr lang="ru-RU"/>
           </a:p>
@@ -2756,7 +2755,7 @@
             <a:fld id="{79B09A05-01E6-4B4B-B0EF-081E08784493}" type="datetime1">
               <a:rPr lang="ru-RU" smtClean="0"/>
               <a:pPr/>
-              <a:t>19.06.2016</a:t>
+              <a:t>20.06.2016</a:t>
             </a:fld>
             <a:endParaRPr lang="ru-RU"/>
           </a:p>
@@ -3022,7 +3021,7 @@
             <a:fld id="{6E18308B-90C1-47B8-A7C8-D3AE5DFE2EA8}" type="datetime1">
               <a:rPr lang="ru-RU" smtClean="0"/>
               <a:pPr/>
-              <a:t>19.06.2016</a:t>
+              <a:t>20.06.2016</a:t>
             </a:fld>
             <a:endParaRPr lang="ru-RU"/>
           </a:p>
@@ -3241,7 +3240,7 @@
             <a:fld id="{63EC237D-629F-43A9-8DC8-BE0DBFB3E21D}" type="datetime1">
               <a:rPr lang="ru-RU" smtClean="0"/>
               <a:pPr/>
-              <a:t>19.06.2016</a:t>
+              <a:t>20.06.2016</a:t>
             </a:fld>
             <a:endParaRPr lang="ru-RU"/>
           </a:p>
@@ -3682,7 +3681,9 @@
           <p:nvPr/>
         </p:nvPicPr>
         <p:blipFill>
-          <a:blip r:embed="rId3" cstate="print"/>
+          <a:blip r:embed="rId3" cstate="print">
+            <a:lum bright="15000"/>
+          </a:blip>
           <a:srcRect/>
           <a:stretch>
             <a:fillRect/>
@@ -3690,8 +3691,8 @@
         </p:blipFill>
         <p:spPr bwMode="auto">
           <a:xfrm>
-            <a:off x="5796136" y="2060848"/>
-            <a:ext cx="3153438" cy="3443153"/>
+            <a:off x="7236296" y="2276872"/>
+            <a:ext cx="1516829" cy="1656184"/>
           </a:xfrm>
           <a:prstGeom prst="rect">
             <a:avLst/>
@@ -3708,7 +3709,9 @@
           <p:nvPr/>
         </p:nvPicPr>
         <p:blipFill>
-          <a:blip r:embed="rId4" cstate="print"/>
+          <a:blip r:embed="rId4" cstate="print">
+            <a:lum bright="24000"/>
+          </a:blip>
           <a:srcRect/>
           <a:stretch>
             <a:fillRect/>
@@ -3725,9 +3728,70 @@
           <a:noFill/>
         </p:spPr>
       </p:pic>
+      <p:sp>
+        <p:nvSpPr>
+          <p:cNvPr id="2" name="Заголовок 1"/>
+          <p:cNvSpPr>
+            <a:spLocks noGrp="1"/>
+          </p:cNvSpPr>
+          <p:nvPr>
+            <p:ph type="ctrTitle"/>
+          </p:nvPr>
+        </p:nvSpPr>
+        <p:spPr>
+          <a:xfrm>
+            <a:off x="467544" y="1124744"/>
+            <a:ext cx="8229600" cy="1828800"/>
+          </a:xfrm>
+        </p:spPr>
+        <p:txBody>
+          <a:bodyPr anchor="ctr">
+            <a:noAutofit/>
+          </a:bodyPr>
+          <a:lstStyle/>
+          <a:p>
+            <a:r>
+              <a:rPr lang="uk-UA" sz="4200" b="1" cap="all" dirty="0"/>
+              <a:t>Вимірювання та відображення характеристик напівпровідникових Транзисторів </a:t>
+            </a:r>
+            <a:r>
+              <a:rPr lang="ru-RU" sz="4200" dirty="0"/>
+              <a:t/>
+            </a:r>
+            <a:br>
+              <a:rPr lang="ru-RU" sz="4200" dirty="0"/>
+            </a:br>
+            <a:endParaRPr lang="ru-RU" sz="4200" dirty="0"/>
+          </a:p>
+        </p:txBody>
+      </p:sp>
+      <p:sp>
+        <p:nvSpPr>
+          <p:cNvPr id="9" name="Номер слайда 8"/>
+          <p:cNvSpPr>
+            <a:spLocks noGrp="1"/>
+          </p:cNvSpPr>
+          <p:nvPr>
+            <p:ph type="sldNum" sz="quarter" idx="12"/>
+          </p:nvPr>
+        </p:nvSpPr>
+        <p:spPr/>
+        <p:txBody>
+          <a:bodyPr/>
+          <a:lstStyle/>
+          <a:p>
+            <a:fld id="{679C4B18-9BFA-4BD6-A2FF-5FD9619786E0}" type="slidenum">
+              <a:rPr lang="ru-RU" smtClean="0"/>
+              <a:pPr/>
+              <a:t>1</a:t>
+            </a:fld>
+            <a:endParaRPr lang="ru-RU" dirty="0"/>
+          </a:p>
+        </p:txBody>
+      </p:sp>
       <p:pic>
         <p:nvPicPr>
-          <p:cNvPr id="1027" name="Picture 3" descr="D:\ForLoad\Win7Load\prot\250px-Структура_NPN_транзистора_и_его_токи.svg.png"/>
+          <p:cNvPr id="7" name="Picture 2" descr="\\Pn\сhange\516.gif"/>
           <p:cNvPicPr>
             <a:picLocks noChangeAspect="1" noChangeArrowheads="1"/>
           </p:cNvPicPr>
@@ -3735,15 +3799,14 @@
         </p:nvPicPr>
         <p:blipFill>
           <a:blip r:embed="rId5" cstate="print"/>
-          <a:srcRect/>
           <a:stretch>
             <a:fillRect/>
           </a:stretch>
         </p:blipFill>
         <p:spPr bwMode="auto">
           <a:xfrm>
-            <a:off x="1691680" y="4653136"/>
-            <a:ext cx="2736304" cy="1751234"/>
+            <a:off x="1763688" y="3411052"/>
+            <a:ext cx="5760640" cy="3169227"/>
           </a:xfrm>
           <a:prstGeom prst="rect">
             <a:avLst/>
@@ -3751,75 +3814,6 @@
           <a:noFill/>
         </p:spPr>
       </p:pic>
-      <p:sp>
-        <p:nvSpPr>
-          <p:cNvPr id="2" name="Заголовок 1"/>
-          <p:cNvSpPr>
-            <a:spLocks noGrp="1"/>
-          </p:cNvSpPr>
-          <p:nvPr>
-            <p:ph type="ctrTitle"/>
-          </p:nvPr>
-        </p:nvSpPr>
-        <p:spPr>
-          <a:xfrm>
-            <a:off x="395536" y="1844824"/>
-            <a:ext cx="8229600" cy="1828800"/>
-          </a:xfrm>
-        </p:spPr>
-        <p:txBody>
-          <a:bodyPr anchor="ctr">
-            <a:normAutofit fontScale="90000"/>
-          </a:bodyPr>
-          <a:lstStyle/>
-          <a:p>
-            <a:r>
-              <a:rPr lang="uk-UA" b="1" cap="all" dirty="0"/>
-              <a:t>Вимірювання та відображення характеристик напівпровідникових Транзисторів </a:t>
-            </a:r>
-            <a:r>
-              <a:rPr lang="uk-UA" b="1" cap="all" dirty="0" smtClean="0"/>
-              <a:t>засобами </a:t>
-            </a:r>
-            <a:r>
-              <a:rPr lang="uk-UA" b="1" cap="all" dirty="0"/>
-              <a:t>тривимірної графіки</a:t>
-            </a:r>
-            <a:r>
-              <a:rPr lang="ru-RU" dirty="0"/>
-              <a:t/>
-            </a:r>
-            <a:br>
-              <a:rPr lang="ru-RU" dirty="0"/>
-            </a:br>
-            <a:endParaRPr lang="ru-RU" dirty="0"/>
-          </a:p>
-        </p:txBody>
-      </p:sp>
-      <p:sp>
-        <p:nvSpPr>
-          <p:cNvPr id="9" name="Номер слайда 8"/>
-          <p:cNvSpPr>
-            <a:spLocks noGrp="1"/>
-          </p:cNvSpPr>
-          <p:nvPr>
-            <p:ph type="sldNum" sz="quarter" idx="12"/>
-          </p:nvPr>
-        </p:nvSpPr>
-        <p:spPr/>
-        <p:txBody>
-          <a:bodyPr/>
-          <a:lstStyle/>
-          <a:p>
-            <a:fld id="{679C4B18-9BFA-4BD6-A2FF-5FD9619786E0}" type="slidenum">
-              <a:rPr lang="ru-RU" smtClean="0"/>
-              <a:pPr/>
-              <a:t>1</a:t>
-            </a:fld>
-            <a:endParaRPr lang="ru-RU"/>
-          </a:p>
-        </p:txBody>
-      </p:sp>
     </p:spTree>
   </p:cSld>
   <p:clrMapOvr>
@@ -3854,7 +3848,7 @@
       </p:grpSpPr>
       <p:sp>
         <p:nvSpPr>
-          <p:cNvPr id="5" name="Заголовок 4"/>
+          <p:cNvPr id="2" name="Заголовок 1"/>
           <p:cNvSpPr>
             <a:spLocks noGrp="1"/>
           </p:cNvSpPr>
@@ -3862,7 +3856,12 @@
             <p:ph type="title"/>
           </p:nvPr>
         </p:nvSpPr>
-        <p:spPr/>
+        <p:spPr>
+          <a:xfrm>
+            <a:off x="457200" y="274638"/>
+            <a:ext cx="5554960" cy="1143000"/>
+          </a:xfrm>
+        </p:spPr>
         <p:txBody>
           <a:bodyPr>
             <a:normAutofit fontScale="90000"/>
@@ -3871,7 +3870,7 @@
           <a:p>
             <a:r>
               <a:rPr lang="uk-UA" dirty="0" smtClean="0"/>
-              <a:t>Робота з тривимірною графікою</a:t>
+              <a:t>Алгоритм побудови поверхні</a:t>
             </a:r>
             <a:endParaRPr lang="ru-RU" dirty="0"/>
           </a:p>
@@ -3879,219 +3878,163 @@
       </p:sp>
       <p:sp>
         <p:nvSpPr>
-          <p:cNvPr id="6" name="Содержимое 5"/>
-          <p:cNvSpPr>
-            <a:spLocks noGrp="1"/>
-          </p:cNvSpPr>
-          <p:nvPr>
-            <p:ph sz="half" idx="1"/>
-          </p:nvPr>
-        </p:nvSpPr>
-        <p:spPr>
+          <p:cNvPr id="21506" name="Rectangle 2"/>
+          <p:cNvSpPr>
+            <a:spLocks noChangeArrowheads="1"/>
+          </p:cNvSpPr>
+          <p:nvPr/>
+        </p:nvSpPr>
+        <p:spPr bwMode="auto">
           <a:xfrm>
-            <a:off x="4860032" y="1340768"/>
-            <a:ext cx="4038600" cy="2404864"/>
-          </a:xfrm>
-        </p:spPr>
-        <p:txBody>
-          <a:bodyPr>
-            <a:normAutofit fontScale="92500" lnSpcReduction="20000"/>
+            <a:off x="0" y="0"/>
+            <a:ext cx="9144000" cy="457200"/>
+          </a:xfrm>
+          <a:prstGeom prst="rect">
+            <a:avLst/>
+          </a:prstGeom>
+          <a:noFill/>
+          <a:ln w="9525">
+            <a:noFill/>
+            <a:miter lim="800000"/>
+            <a:headEnd/>
+            <a:tailEnd/>
+          </a:ln>
+          <a:effectLst/>
+        </p:spPr>
+        <p:txBody>
+          <a:bodyPr vert="horz" wrap="none" lIns="91440" tIns="45720" rIns="91440" bIns="45720" numCol="1" anchor="ctr" anchorCtr="0" compatLnSpc="1">
+            <a:prstTxWarp prst="textNoShape">
+              <a:avLst/>
+            </a:prstTxWarp>
+            <a:spAutoFit/>
           </a:bodyPr>
           <a:lstStyle/>
           <a:p>
-            <a:pPr>
-              <a:buNone/>
-            </a:pPr>
-            <a:r>
-              <a:rPr lang="uk-UA" dirty="0" smtClean="0"/>
-              <a:t>Структура вершини:</a:t>
-            </a:r>
-          </a:p>
-          <a:p>
-            <a:r>
-              <a:rPr lang="uk-UA" dirty="0" smtClean="0"/>
-              <a:t>Координати (</a:t>
-            </a:r>
-            <a:r>
-              <a:rPr lang="en-US" dirty="0" smtClean="0"/>
-              <a:t>x, y, z)</a:t>
-            </a:r>
-            <a:endParaRPr lang="uk-UA" dirty="0" smtClean="0"/>
-          </a:p>
-          <a:p>
-            <a:r>
-              <a:rPr lang="uk-UA" dirty="0" smtClean="0"/>
-              <a:t>Нормаль (</a:t>
-            </a:r>
-            <a:r>
-              <a:rPr lang="en-US" dirty="0" smtClean="0"/>
-              <a:t>x, y, z)</a:t>
-            </a:r>
-            <a:endParaRPr lang="uk-UA" dirty="0" smtClean="0"/>
-          </a:p>
-          <a:p>
-            <a:r>
-              <a:rPr lang="uk-UA" dirty="0" smtClean="0"/>
-              <a:t>Текстура (</a:t>
-            </a:r>
-            <a:r>
-              <a:rPr lang="en-US" dirty="0" smtClean="0"/>
-              <a:t>x, y)</a:t>
-            </a:r>
-            <a:endParaRPr lang="uk-UA" dirty="0" smtClean="0"/>
-          </a:p>
-          <a:p>
-            <a:r>
-              <a:rPr lang="uk-UA" dirty="0" smtClean="0"/>
-              <a:t>Колір </a:t>
-            </a:r>
-            <a:r>
-              <a:rPr lang="en-US" dirty="0" smtClean="0"/>
-              <a:t> (RGBA, 32 </a:t>
-            </a:r>
-            <a:r>
-              <a:rPr lang="uk-UA" dirty="0" smtClean="0"/>
-              <a:t>біти)</a:t>
-            </a:r>
-          </a:p>
-          <a:p>
-            <a:pPr>
-              <a:buNone/>
-            </a:pPr>
-            <a:r>
-              <a:rPr lang="uk-UA" dirty="0" smtClean="0"/>
-              <a:t>Індекси</a:t>
-            </a:r>
-          </a:p>
-          <a:p>
-            <a:pPr>
-              <a:buNone/>
-            </a:pPr>
-            <a:endParaRPr lang="ru-RU" dirty="0"/>
+            <a:endParaRPr lang="ru-RU"/>
+          </a:p>
+        </p:txBody>
+      </p:sp>
+      <p:sp>
+        <p:nvSpPr>
+          <p:cNvPr id="21508" name="Rectangle 4"/>
+          <p:cNvSpPr>
+            <a:spLocks noChangeArrowheads="1"/>
+          </p:cNvSpPr>
+          <p:nvPr/>
+        </p:nvSpPr>
+        <p:spPr bwMode="auto">
+          <a:xfrm>
+            <a:off x="0" y="0"/>
+            <a:ext cx="9144000" cy="457200"/>
+          </a:xfrm>
+          <a:prstGeom prst="rect">
+            <a:avLst/>
+          </a:prstGeom>
+          <a:noFill/>
+          <a:ln w="9525">
+            <a:noFill/>
+            <a:miter lim="800000"/>
+            <a:headEnd/>
+            <a:tailEnd/>
+          </a:ln>
+          <a:effectLst/>
+        </p:spPr>
+        <p:txBody>
+          <a:bodyPr vert="horz" wrap="none" lIns="91440" tIns="45720" rIns="91440" bIns="45720" numCol="1" anchor="ctr" anchorCtr="0" compatLnSpc="1">
+            <a:prstTxWarp prst="textNoShape">
+              <a:avLst/>
+            </a:prstTxWarp>
+            <a:spAutoFit/>
+          </a:bodyPr>
+          <a:lstStyle/>
+          <a:p>
+            <a:endParaRPr lang="ru-RU"/>
+          </a:p>
+        </p:txBody>
+      </p:sp>
+      <p:sp>
+        <p:nvSpPr>
+          <p:cNvPr id="21510" name="Rectangle 6"/>
+          <p:cNvSpPr>
+            <a:spLocks noChangeArrowheads="1"/>
+          </p:cNvSpPr>
+          <p:nvPr/>
+        </p:nvSpPr>
+        <p:spPr bwMode="auto">
+          <a:xfrm>
+            <a:off x="0" y="0"/>
+            <a:ext cx="9144000" cy="457200"/>
+          </a:xfrm>
+          <a:prstGeom prst="rect">
+            <a:avLst/>
+          </a:prstGeom>
+          <a:noFill/>
+          <a:ln w="9525">
+            <a:noFill/>
+            <a:miter lim="800000"/>
+            <a:headEnd/>
+            <a:tailEnd/>
+          </a:ln>
+          <a:effectLst/>
+        </p:spPr>
+        <p:txBody>
+          <a:bodyPr vert="horz" wrap="none" lIns="91440" tIns="45720" rIns="91440" bIns="45720" numCol="1" anchor="ctr" anchorCtr="0" compatLnSpc="1">
+            <a:prstTxWarp prst="textNoShape">
+              <a:avLst/>
+            </a:prstTxWarp>
+            <a:spAutoFit/>
+          </a:bodyPr>
+          <a:lstStyle/>
+          <a:p>
+            <a:endParaRPr lang="ru-RU"/>
+          </a:p>
+        </p:txBody>
+      </p:sp>
+      <p:sp>
+        <p:nvSpPr>
+          <p:cNvPr id="21512" name="Rectangle 8"/>
+          <p:cNvSpPr>
+            <a:spLocks noChangeArrowheads="1"/>
+          </p:cNvSpPr>
+          <p:nvPr/>
+        </p:nvSpPr>
+        <p:spPr bwMode="auto">
+          <a:xfrm>
+            <a:off x="0" y="0"/>
+            <a:ext cx="9144000" cy="457200"/>
+          </a:xfrm>
+          <a:prstGeom prst="rect">
+            <a:avLst/>
+          </a:prstGeom>
+          <a:noFill/>
+          <a:ln w="9525">
+            <a:noFill/>
+            <a:miter lim="800000"/>
+            <a:headEnd/>
+            <a:tailEnd/>
+          </a:ln>
+          <a:effectLst/>
+        </p:spPr>
+        <p:txBody>
+          <a:bodyPr vert="horz" wrap="none" lIns="91440" tIns="45720" rIns="91440" bIns="45720" numCol="1" anchor="ctr" anchorCtr="0" compatLnSpc="1">
+            <a:prstTxWarp prst="textNoShape">
+              <a:avLst/>
+            </a:prstTxWarp>
+            <a:spAutoFit/>
+          </a:bodyPr>
+          <a:lstStyle/>
+          <a:p>
+            <a:endParaRPr lang="ru-RU"/>
           </a:p>
         </p:txBody>
       </p:sp>
       <p:pic>
         <p:nvPicPr>
-          <p:cNvPr id="7" name="Рисунок 17"/>
+          <p:cNvPr id="21511" name="Рисунок 9"/>
           <p:cNvPicPr>
             <a:picLocks noChangeAspect="1" noChangeArrowheads="1"/>
           </p:cNvPicPr>
           <p:nvPr/>
-        </p:nvPicPr>
-        <p:blipFill>
-          <a:blip r:embed="rId2" cstate="print"/>
-          <a:srcRect/>
-          <a:stretch>
-            <a:fillRect/>
-          </a:stretch>
-        </p:blipFill>
-        <p:spPr bwMode="auto">
-          <a:xfrm>
-            <a:off x="251520" y="1412776"/>
-            <a:ext cx="4499526" cy="2448272"/>
-          </a:xfrm>
-          <a:prstGeom prst="rect">
-            <a:avLst/>
-          </a:prstGeom>
-          <a:noFill/>
-        </p:spPr>
-      </p:pic>
-      <p:sp>
-        <p:nvSpPr>
-          <p:cNvPr id="9" name="TextBox 8"/>
-          <p:cNvSpPr txBox="1"/>
-          <p:nvPr/>
-        </p:nvSpPr>
-        <p:spPr>
-          <a:xfrm rot="-2700000">
-            <a:off x="1438563" y="2188812"/>
-            <a:ext cx="1367841" cy="461665"/>
-          </a:xfrm>
-          <a:prstGeom prst="rect">
-            <a:avLst/>
-          </a:prstGeom>
-          <a:noFill/>
-        </p:spPr>
-        <p:txBody>
-          <a:bodyPr wrap="square" rtlCol="0">
-            <a:spAutoFit/>
-          </a:bodyPr>
-          <a:lstStyle/>
-          <a:p>
-            <a:pPr algn="ctr"/>
-            <a:r>
-              <a:rPr lang="uk-UA" sz="2400" dirty="0" smtClean="0"/>
-              <a:t>Полігон</a:t>
-            </a:r>
-            <a:endParaRPr lang="ru-RU" sz="2400" dirty="0"/>
-          </a:p>
-        </p:txBody>
-      </p:sp>
-      <p:sp>
-        <p:nvSpPr>
-          <p:cNvPr id="10" name="TextBox 9"/>
-          <p:cNvSpPr txBox="1"/>
-          <p:nvPr/>
-        </p:nvSpPr>
-        <p:spPr>
-          <a:xfrm rot="-2700000">
-            <a:off x="2014627" y="2620859"/>
-            <a:ext cx="1367841" cy="461665"/>
-          </a:xfrm>
-          <a:prstGeom prst="rect">
-            <a:avLst/>
-          </a:prstGeom>
-          <a:noFill/>
-        </p:spPr>
-        <p:txBody>
-          <a:bodyPr wrap="square" rtlCol="0">
-            <a:spAutoFit/>
-          </a:bodyPr>
-          <a:lstStyle/>
-          <a:p>
-            <a:pPr algn="ctr"/>
-            <a:r>
-              <a:rPr lang="uk-UA" sz="2400" dirty="0" smtClean="0"/>
-              <a:t>Полігон</a:t>
-            </a:r>
-            <a:endParaRPr lang="ru-RU" sz="2400" dirty="0"/>
-          </a:p>
-        </p:txBody>
-      </p:sp>
-      <p:sp>
-        <p:nvSpPr>
-          <p:cNvPr id="13" name="Номер слайда 12"/>
-          <p:cNvSpPr>
-            <a:spLocks noGrp="1"/>
-          </p:cNvSpPr>
-          <p:nvPr>
-            <p:ph type="sldNum" sz="quarter" idx="12"/>
-          </p:nvPr>
-        </p:nvSpPr>
-        <p:spPr/>
-        <p:txBody>
-          <a:bodyPr/>
-          <a:lstStyle/>
-          <a:p>
-            <a:fld id="{679C4B18-9BFA-4BD6-A2FF-5FD9619786E0}" type="slidenum">
-              <a:rPr lang="ru-RU" smtClean="0"/>
-              <a:pPr/>
-              <a:t>10</a:t>
-            </a:fld>
-            <a:endParaRPr lang="ru-RU"/>
-          </a:p>
-        </p:txBody>
-      </p:sp>
-      <p:pic>
-        <p:nvPicPr>
-          <p:cNvPr id="1026" name="Picture 2" descr="D:\Diplom\TempDocs\Report\t\3d.png"/>
-          <p:cNvPicPr>
-            <a:picLocks noGrp="1" noChangeAspect="1" noChangeArrowheads="1"/>
-          </p:cNvPicPr>
-          <p:nvPr>
-            <p:ph sz="half" idx="2"/>
-          </p:nvPr>
         </p:nvPicPr>
         <p:blipFill>
           <a:blip r:embed="rId3" cstate="print"/>
@@ -4102,8 +4045,8 @@
         </p:blipFill>
         <p:spPr bwMode="auto">
           <a:xfrm>
-            <a:off x="683568" y="4005064"/>
-            <a:ext cx="7920880" cy="2253154"/>
+            <a:off x="2987824" y="332656"/>
+            <a:ext cx="5837216" cy="6192688"/>
           </a:xfrm>
           <a:prstGeom prst="rect">
             <a:avLst/>
@@ -4111,6 +4054,61 @@
           <a:noFill/>
         </p:spPr>
       </p:pic>
+      <p:pic>
+        <p:nvPicPr>
+          <p:cNvPr id="21513" name="Picture 9" descr="D:\Diplom\temp\report\mass.png"/>
+          <p:cNvPicPr>
+            <a:picLocks noChangeAspect="1" noChangeArrowheads="1"/>
+          </p:cNvPicPr>
+          <p:nvPr/>
+        </p:nvPicPr>
+        <p:blipFill>
+          <a:blip r:embed="rId4" cstate="print"/>
+          <a:srcRect/>
+          <a:stretch>
+            <a:fillRect/>
+          </a:stretch>
+        </p:blipFill>
+        <p:spPr bwMode="auto">
+          <a:xfrm>
+            <a:off x="539552" y="3140968"/>
+            <a:ext cx="4000501" cy="3517900"/>
+          </a:xfrm>
+          <a:prstGeom prst="rect">
+            <a:avLst/>
+          </a:prstGeom>
+          <a:noFill/>
+        </p:spPr>
+      </p:pic>
+      <p:sp>
+        <p:nvSpPr>
+          <p:cNvPr id="12" name="Номер слайда 11"/>
+          <p:cNvSpPr>
+            <a:spLocks noGrp="1"/>
+          </p:cNvSpPr>
+          <p:nvPr>
+            <p:ph type="sldNum" sz="quarter" idx="12"/>
+          </p:nvPr>
+        </p:nvSpPr>
+        <p:spPr>
+          <a:xfrm>
+            <a:off x="8028384" y="6309320"/>
+            <a:ext cx="762000" cy="365125"/>
+          </a:xfrm>
+        </p:spPr>
+        <p:txBody>
+          <a:bodyPr/>
+          <a:lstStyle/>
+          <a:p>
+            <a:fld id="{679C4B18-9BFA-4BD6-A2FF-5FD9619786E0}" type="slidenum">
+              <a:rPr lang="ru-RU" smtClean="0"/>
+              <a:pPr/>
+              <a:t>10</a:t>
+            </a:fld>
+            <a:endParaRPr lang="ru-RU"/>
+          </a:p>
+        </p:txBody>
+      </p:sp>
     </p:spTree>
   </p:cSld>
   <p:clrMapOvr>
@@ -4156,7 +4154,7 @@
         <p:spPr>
           <a:xfrm>
             <a:off x="457200" y="274638"/>
-            <a:ext cx="5554960" cy="1143000"/>
+            <a:ext cx="3826768" cy="1143000"/>
           </a:xfrm>
         </p:spPr>
         <p:txBody>
@@ -4167,7 +4165,7 @@
           <a:p>
             <a:r>
               <a:rPr lang="uk-UA" dirty="0" smtClean="0"/>
-              <a:t>Алгоритм побудови поверхні</a:t>
+              <a:t>Алгоритм побудови сітки</a:t>
             </a:r>
             <a:endParaRPr lang="ru-RU" dirty="0"/>
           </a:p>
@@ -4175,7 +4173,61 @@
       </p:sp>
       <p:sp>
         <p:nvSpPr>
-          <p:cNvPr id="21506" name="Rectangle 2"/>
+          <p:cNvPr id="3" name="Содержимое 2"/>
+          <p:cNvSpPr>
+            <a:spLocks noGrp="1"/>
+          </p:cNvSpPr>
+          <p:nvPr>
+            <p:ph idx="1"/>
+          </p:nvPr>
+        </p:nvSpPr>
+        <p:spPr>
+          <a:xfrm>
+            <a:off x="323528" y="5085184"/>
+            <a:ext cx="5544616" cy="1080120"/>
+          </a:xfrm>
+        </p:spPr>
+        <p:txBody>
+          <a:bodyPr/>
+          <a:lstStyle/>
+          <a:p>
+            <a:pPr algn="just">
+              <a:buNone/>
+            </a:pPr>
+            <a:r>
+              <a:rPr lang="en-US" sz="2000" dirty="0" smtClean="0"/>
+              <a:t>v1, v2 –</a:t>
+            </a:r>
+            <a:r>
+              <a:rPr lang="uk-UA" sz="2000" dirty="0" smtClean="0"/>
+              <a:t>початкова та кінцева точки;</a:t>
+            </a:r>
+            <a:endParaRPr lang="en-US" sz="2000" dirty="0" smtClean="0"/>
+          </a:p>
+          <a:p>
+            <a:pPr algn="just">
+              <a:buNone/>
+            </a:pPr>
+            <a:r>
+              <a:rPr lang="en-US" sz="2000" dirty="0" smtClean="0"/>
+              <a:t>Object – </a:t>
+            </a:r>
+            <a:r>
+              <a:rPr lang="uk-UA" sz="2000" dirty="0" smtClean="0"/>
+              <a:t>клас об'єкта в тривимірному просторі;</a:t>
+            </a:r>
+          </a:p>
+          <a:p>
+            <a:pPr>
+              <a:buNone/>
+            </a:pPr>
+            <a:endParaRPr lang="ru-RU" dirty="0"/>
+          </a:p>
+        </p:txBody>
+      </p:sp>
+      <p:sp>
+        <p:nvSpPr>
+          <p:cNvPr id="1026" name="Rectangle 2"/>
           <p:cNvSpPr>
             <a:spLocks noChangeArrowheads="1"/>
           </p:cNvSpPr>
@@ -4211,123 +4263,35 @@
           </a:p>
         </p:txBody>
       </p:sp>
-      <p:sp>
-        <p:nvSpPr>
-          <p:cNvPr id="21508" name="Rectangle 4"/>
-          <p:cNvSpPr>
-            <a:spLocks noChangeArrowheads="1"/>
-          </p:cNvSpPr>
+      <p:pic>
+        <p:nvPicPr>
+          <p:cNvPr id="1025" name="Рисунок 1"/>
+          <p:cNvPicPr>
+            <a:picLocks noChangeAspect="1" noChangeArrowheads="1"/>
+          </p:cNvPicPr>
           <p:nvPr/>
-        </p:nvSpPr>
+        </p:nvPicPr>
+        <p:blipFill>
+          <a:blip r:embed="rId2" cstate="print"/>
+          <a:srcRect/>
+          <a:stretch>
+            <a:fillRect/>
+          </a:stretch>
+        </p:blipFill>
         <p:spPr bwMode="auto">
           <a:xfrm>
-            <a:off x="0" y="0"/>
-            <a:ext cx="9144000" cy="457200"/>
+            <a:off x="4572000" y="332656"/>
+            <a:ext cx="4200525" cy="6057900"/>
           </a:xfrm>
           <a:prstGeom prst="rect">
             <a:avLst/>
           </a:prstGeom>
           <a:noFill/>
-          <a:ln w="9525">
-            <a:noFill/>
-            <a:miter lim="800000"/>
-            <a:headEnd/>
-            <a:tailEnd/>
-          </a:ln>
-          <a:effectLst/>
-        </p:spPr>
-        <p:txBody>
-          <a:bodyPr vert="horz" wrap="none" lIns="91440" tIns="45720" rIns="91440" bIns="45720" numCol="1" anchor="ctr" anchorCtr="0" compatLnSpc="1">
-            <a:prstTxWarp prst="textNoShape">
-              <a:avLst/>
-            </a:prstTxWarp>
-            <a:spAutoFit/>
-          </a:bodyPr>
-          <a:lstStyle/>
-          <a:p>
-            <a:endParaRPr lang="ru-RU"/>
-          </a:p>
-        </p:txBody>
-      </p:sp>
-      <p:sp>
-        <p:nvSpPr>
-          <p:cNvPr id="21510" name="Rectangle 6"/>
-          <p:cNvSpPr>
-            <a:spLocks noChangeArrowheads="1"/>
-          </p:cNvSpPr>
-          <p:nvPr/>
-        </p:nvSpPr>
-        <p:spPr bwMode="auto">
-          <a:xfrm>
-            <a:off x="0" y="0"/>
-            <a:ext cx="9144000" cy="457200"/>
-          </a:xfrm>
-          <a:prstGeom prst="rect">
-            <a:avLst/>
-          </a:prstGeom>
-          <a:noFill/>
-          <a:ln w="9525">
-            <a:noFill/>
-            <a:miter lim="800000"/>
-            <a:headEnd/>
-            <a:tailEnd/>
-          </a:ln>
-          <a:effectLst/>
-        </p:spPr>
-        <p:txBody>
-          <a:bodyPr vert="horz" wrap="none" lIns="91440" tIns="45720" rIns="91440" bIns="45720" numCol="1" anchor="ctr" anchorCtr="0" compatLnSpc="1">
-            <a:prstTxWarp prst="textNoShape">
-              <a:avLst/>
-            </a:prstTxWarp>
-            <a:spAutoFit/>
-          </a:bodyPr>
-          <a:lstStyle/>
-          <a:p>
-            <a:endParaRPr lang="ru-RU"/>
-          </a:p>
-        </p:txBody>
-      </p:sp>
-      <p:sp>
-        <p:nvSpPr>
-          <p:cNvPr id="21512" name="Rectangle 8"/>
-          <p:cNvSpPr>
-            <a:spLocks noChangeArrowheads="1"/>
-          </p:cNvSpPr>
-          <p:nvPr/>
-        </p:nvSpPr>
-        <p:spPr bwMode="auto">
-          <a:xfrm>
-            <a:off x="0" y="0"/>
-            <a:ext cx="9144000" cy="457200"/>
-          </a:xfrm>
-          <a:prstGeom prst="rect">
-            <a:avLst/>
-          </a:prstGeom>
-          <a:noFill/>
-          <a:ln w="9525">
-            <a:noFill/>
-            <a:miter lim="800000"/>
-            <a:headEnd/>
-            <a:tailEnd/>
-          </a:ln>
-          <a:effectLst/>
-        </p:spPr>
-        <p:txBody>
-          <a:bodyPr vert="horz" wrap="none" lIns="91440" tIns="45720" rIns="91440" bIns="45720" numCol="1" anchor="ctr" anchorCtr="0" compatLnSpc="1">
-            <a:prstTxWarp prst="textNoShape">
-              <a:avLst/>
-            </a:prstTxWarp>
-            <a:spAutoFit/>
-          </a:bodyPr>
-          <a:lstStyle/>
-          <a:p>
-            <a:endParaRPr lang="ru-RU"/>
-          </a:p>
-        </p:txBody>
-      </p:sp>
+        </p:spPr>
+      </p:pic>
       <p:pic>
         <p:nvPicPr>
-          <p:cNvPr id="21511" name="Рисунок 9"/>
+          <p:cNvPr id="4" name="Picture 2" descr="D:\Diplom\TempDocs\Report\gridElement.png"/>
           <p:cNvPicPr>
             <a:picLocks noChangeAspect="1" noChangeArrowheads="1"/>
           </p:cNvPicPr>
@@ -4342,8 +4306,8 @@
         </p:blipFill>
         <p:spPr bwMode="auto">
           <a:xfrm>
-            <a:off x="2987824" y="332656"/>
-            <a:ext cx="5837216" cy="6192688"/>
+            <a:off x="1259632" y="1988840"/>
+            <a:ext cx="2114550" cy="2171700"/>
           </a:xfrm>
           <a:prstGeom prst="rect">
             <a:avLst/>
@@ -4351,48 +4315,77 @@
           <a:noFill/>
         </p:spPr>
       </p:pic>
-      <p:pic>
-        <p:nvPicPr>
-          <p:cNvPr id="21513" name="Picture 9" descr="D:\Diplom\temp\report\mass.png"/>
-          <p:cNvPicPr>
-            <a:picLocks noChangeAspect="1" noChangeArrowheads="1"/>
-          </p:cNvPicPr>
+      <p:sp>
+        <p:nvSpPr>
+          <p:cNvPr id="7" name="TextBox 6"/>
+          <p:cNvSpPr txBox="1"/>
           <p:nvPr/>
-        </p:nvPicPr>
-        <p:blipFill>
-          <a:blip r:embed="rId4" cstate="print"/>
-          <a:srcRect/>
-          <a:stretch>
-            <a:fillRect/>
-          </a:stretch>
-        </p:blipFill>
-        <p:spPr bwMode="auto">
+        </p:nvSpPr>
+        <p:spPr>
           <a:xfrm>
-            <a:off x="539552" y="3140968"/>
-            <a:ext cx="4000501" cy="3517900"/>
+            <a:off x="1331640" y="4149080"/>
+            <a:ext cx="1584176" cy="369332"/>
           </a:xfrm>
           <a:prstGeom prst="rect">
             <a:avLst/>
           </a:prstGeom>
           <a:noFill/>
         </p:spPr>
-      </p:pic>
-      <p:sp>
-        <p:nvSpPr>
-          <p:cNvPr id="12" name="Номер слайда 11"/>
-          <p:cNvSpPr>
-            <a:spLocks noGrp="1"/>
-          </p:cNvSpPr>
-          <p:nvPr>
-            <p:ph type="sldNum" sz="quarter" idx="12"/>
-          </p:nvPr>
+        <p:txBody>
+          <a:bodyPr wrap="square" rtlCol="0">
+            <a:spAutoFit/>
+          </a:bodyPr>
+          <a:lstStyle/>
+          <a:p>
+            <a:r>
+              <a:rPr lang="en-US" dirty="0" smtClean="0"/>
+              <a:t>v1 (x1, y1, z1)</a:t>
+            </a:r>
+            <a:endParaRPr lang="ru-RU" dirty="0"/>
+          </a:p>
+        </p:txBody>
+      </p:sp>
+      <p:sp>
+        <p:nvSpPr>
+          <p:cNvPr id="9" name="TextBox 8"/>
+          <p:cNvSpPr txBox="1"/>
+          <p:nvPr/>
         </p:nvSpPr>
         <p:spPr>
           <a:xfrm>
-            <a:off x="8028384" y="6309320"/>
-            <a:ext cx="762000" cy="365125"/>
-          </a:xfrm>
-        </p:spPr>
+            <a:off x="2627784" y="1628800"/>
+            <a:ext cx="1584176" cy="369332"/>
+          </a:xfrm>
+          <a:prstGeom prst="rect">
+            <a:avLst/>
+          </a:prstGeom>
+          <a:noFill/>
+        </p:spPr>
+        <p:txBody>
+          <a:bodyPr wrap="square" rtlCol="0">
+            <a:spAutoFit/>
+          </a:bodyPr>
+          <a:lstStyle/>
+          <a:p>
+            <a:r>
+              <a:rPr lang="en-US" dirty="0" smtClean="0"/>
+              <a:t>v2 (x2, y2, z2)</a:t>
+            </a:r>
+            <a:endParaRPr lang="ru-RU" dirty="0"/>
+          </a:p>
+        </p:txBody>
+      </p:sp>
+      <p:sp>
+        <p:nvSpPr>
+          <p:cNvPr id="13" name="Номер слайда 12"/>
+          <p:cNvSpPr>
+            <a:spLocks noGrp="1"/>
+          </p:cNvSpPr>
+          <p:nvPr>
+            <p:ph type="sldNum" sz="quarter" idx="12"/>
+          </p:nvPr>
+        </p:nvSpPr>
+        <p:spPr/>
         <p:txBody>
           <a:bodyPr/>
           <a:lstStyle/>
@@ -4411,13 +4404,6 @@
   <p:clrMapOvr>
     <a:masterClrMapping/>
   </p:clrMapOvr>
-  <p:timing>
-    <p:tnLst>
-      <p:par>
-        <p:cTn id="1" dur="indefinite" restart="never" nodeType="tmRoot"/>
-      </p:par>
-    </p:tnLst>
-  </p:timing>
 </p:sld>
 </file>
 
@@ -4451,289 +4437,6 @@
         <p:spPr>
           <a:xfrm>
             <a:off x="457200" y="274638"/>
-            <a:ext cx="3826768" cy="1143000"/>
-          </a:xfrm>
-        </p:spPr>
-        <p:txBody>
-          <a:bodyPr>
-            <a:normAutofit fontScale="90000"/>
-          </a:bodyPr>
-          <a:lstStyle/>
-          <a:p>
-            <a:r>
-              <a:rPr lang="uk-UA" dirty="0" smtClean="0"/>
-              <a:t>Алгоритм побудови сітки</a:t>
-            </a:r>
-            <a:endParaRPr lang="ru-RU" dirty="0"/>
-          </a:p>
-        </p:txBody>
-      </p:sp>
-      <p:sp>
-        <p:nvSpPr>
-          <p:cNvPr id="3" name="Содержимое 2"/>
-          <p:cNvSpPr>
-            <a:spLocks noGrp="1"/>
-          </p:cNvSpPr>
-          <p:nvPr>
-            <p:ph idx="1"/>
-          </p:nvPr>
-        </p:nvSpPr>
-        <p:spPr>
-          <a:xfrm>
-            <a:off x="323528" y="5085184"/>
-            <a:ext cx="5544616" cy="1080120"/>
-          </a:xfrm>
-        </p:spPr>
-        <p:txBody>
-          <a:bodyPr/>
-          <a:lstStyle/>
-          <a:p>
-            <a:pPr algn="just">
-              <a:buNone/>
-            </a:pPr>
-            <a:r>
-              <a:rPr lang="en-US" sz="2000" dirty="0" smtClean="0"/>
-              <a:t>v1, v2 –</a:t>
-            </a:r>
-            <a:r>
-              <a:rPr lang="uk-UA" sz="2000" dirty="0" smtClean="0"/>
-              <a:t>початкова та кінцева точки;</a:t>
-            </a:r>
-            <a:endParaRPr lang="en-US" sz="2000" dirty="0" smtClean="0"/>
-          </a:p>
-          <a:p>
-            <a:pPr algn="just">
-              <a:buNone/>
-            </a:pPr>
-            <a:r>
-              <a:rPr lang="en-US" sz="2000" dirty="0" smtClean="0"/>
-              <a:t>Object – </a:t>
-            </a:r>
-            <a:r>
-              <a:rPr lang="uk-UA" sz="2000" dirty="0" smtClean="0"/>
-              <a:t>клас об'єкта в тривимірному просторі;</a:t>
-            </a:r>
-          </a:p>
-          <a:p>
-            <a:pPr>
-              <a:buNone/>
-            </a:pPr>
-            <a:endParaRPr lang="ru-RU" dirty="0"/>
-          </a:p>
-        </p:txBody>
-      </p:sp>
-      <p:sp>
-        <p:nvSpPr>
-          <p:cNvPr id="1026" name="Rectangle 2"/>
-          <p:cNvSpPr>
-            <a:spLocks noChangeArrowheads="1"/>
-          </p:cNvSpPr>
-          <p:nvPr/>
-        </p:nvSpPr>
-        <p:spPr bwMode="auto">
-          <a:xfrm>
-            <a:off x="0" y="0"/>
-            <a:ext cx="9144000" cy="457200"/>
-          </a:xfrm>
-          <a:prstGeom prst="rect">
-            <a:avLst/>
-          </a:prstGeom>
-          <a:noFill/>
-          <a:ln w="9525">
-            <a:noFill/>
-            <a:miter lim="800000"/>
-            <a:headEnd/>
-            <a:tailEnd/>
-          </a:ln>
-          <a:effectLst/>
-        </p:spPr>
-        <p:txBody>
-          <a:bodyPr vert="horz" wrap="none" lIns="91440" tIns="45720" rIns="91440" bIns="45720" numCol="1" anchor="ctr" anchorCtr="0" compatLnSpc="1">
-            <a:prstTxWarp prst="textNoShape">
-              <a:avLst/>
-            </a:prstTxWarp>
-            <a:spAutoFit/>
-          </a:bodyPr>
-          <a:lstStyle/>
-          <a:p>
-            <a:endParaRPr lang="ru-RU"/>
-          </a:p>
-        </p:txBody>
-      </p:sp>
-      <p:pic>
-        <p:nvPicPr>
-          <p:cNvPr id="1025" name="Рисунок 1"/>
-          <p:cNvPicPr>
-            <a:picLocks noChangeAspect="1" noChangeArrowheads="1"/>
-          </p:cNvPicPr>
-          <p:nvPr/>
-        </p:nvPicPr>
-        <p:blipFill>
-          <a:blip r:embed="rId2" cstate="print"/>
-          <a:srcRect/>
-          <a:stretch>
-            <a:fillRect/>
-          </a:stretch>
-        </p:blipFill>
-        <p:spPr bwMode="auto">
-          <a:xfrm>
-            <a:off x="4572000" y="332656"/>
-            <a:ext cx="4200525" cy="6057900"/>
-          </a:xfrm>
-          <a:prstGeom prst="rect">
-            <a:avLst/>
-          </a:prstGeom>
-          <a:noFill/>
-        </p:spPr>
-      </p:pic>
-      <p:pic>
-        <p:nvPicPr>
-          <p:cNvPr id="4" name="Picture 2" descr="D:\Diplom\TempDocs\Report\gridElement.png"/>
-          <p:cNvPicPr>
-            <a:picLocks noChangeAspect="1" noChangeArrowheads="1"/>
-          </p:cNvPicPr>
-          <p:nvPr/>
-        </p:nvPicPr>
-        <p:blipFill>
-          <a:blip r:embed="rId3" cstate="print"/>
-          <a:srcRect/>
-          <a:stretch>
-            <a:fillRect/>
-          </a:stretch>
-        </p:blipFill>
-        <p:spPr bwMode="auto">
-          <a:xfrm>
-            <a:off x="1259632" y="1988840"/>
-            <a:ext cx="2114550" cy="2171700"/>
-          </a:xfrm>
-          <a:prstGeom prst="rect">
-            <a:avLst/>
-          </a:prstGeom>
-          <a:noFill/>
-        </p:spPr>
-      </p:pic>
-      <p:sp>
-        <p:nvSpPr>
-          <p:cNvPr id="7" name="TextBox 6"/>
-          <p:cNvSpPr txBox="1"/>
-          <p:nvPr/>
-        </p:nvSpPr>
-        <p:spPr>
-          <a:xfrm>
-            <a:off x="1331640" y="4149080"/>
-            <a:ext cx="1584176" cy="369332"/>
-          </a:xfrm>
-          <a:prstGeom prst="rect">
-            <a:avLst/>
-          </a:prstGeom>
-          <a:noFill/>
-        </p:spPr>
-        <p:txBody>
-          <a:bodyPr wrap="square" rtlCol="0">
-            <a:spAutoFit/>
-          </a:bodyPr>
-          <a:lstStyle/>
-          <a:p>
-            <a:r>
-              <a:rPr lang="en-US" dirty="0" smtClean="0"/>
-              <a:t>v1 (x1, y1, z1)</a:t>
-            </a:r>
-            <a:endParaRPr lang="ru-RU" dirty="0"/>
-          </a:p>
-        </p:txBody>
-      </p:sp>
-      <p:sp>
-        <p:nvSpPr>
-          <p:cNvPr id="9" name="TextBox 8"/>
-          <p:cNvSpPr txBox="1"/>
-          <p:nvPr/>
-        </p:nvSpPr>
-        <p:spPr>
-          <a:xfrm>
-            <a:off x="2627784" y="1628800"/>
-            <a:ext cx="1584176" cy="369332"/>
-          </a:xfrm>
-          <a:prstGeom prst="rect">
-            <a:avLst/>
-          </a:prstGeom>
-          <a:noFill/>
-        </p:spPr>
-        <p:txBody>
-          <a:bodyPr wrap="square" rtlCol="0">
-            <a:spAutoFit/>
-          </a:bodyPr>
-          <a:lstStyle/>
-          <a:p>
-            <a:r>
-              <a:rPr lang="en-US" dirty="0" smtClean="0"/>
-              <a:t>v2 (x2, y2, z2)</a:t>
-            </a:r>
-            <a:endParaRPr lang="ru-RU" dirty="0"/>
-          </a:p>
-        </p:txBody>
-      </p:sp>
-      <p:sp>
-        <p:nvSpPr>
-          <p:cNvPr id="13" name="Номер слайда 12"/>
-          <p:cNvSpPr>
-            <a:spLocks noGrp="1"/>
-          </p:cNvSpPr>
-          <p:nvPr>
-            <p:ph type="sldNum" sz="quarter" idx="12"/>
-          </p:nvPr>
-        </p:nvSpPr>
-        <p:spPr/>
-        <p:txBody>
-          <a:bodyPr/>
-          <a:lstStyle/>
-          <a:p>
-            <a:fld id="{679C4B18-9BFA-4BD6-A2FF-5FD9619786E0}" type="slidenum">
-              <a:rPr lang="ru-RU" smtClean="0"/>
-              <a:pPr/>
-              <a:t>12</a:t>
-            </a:fld>
-            <a:endParaRPr lang="ru-RU"/>
-          </a:p>
-        </p:txBody>
-      </p:sp>
-    </p:spTree>
-  </p:cSld>
-  <p:clrMapOvr>
-    <a:masterClrMapping/>
-  </p:clrMapOvr>
-</p:sld>
-</file>
-
-<file path=ppt/slides/slide13.xml><?xml version="1.0" encoding="utf-8"?>
-<p:sld xmlns:a="http://schemas.openxmlformats.org/drawingml/2006/main" xmlns:r="http://schemas.openxmlformats.org/officeDocument/2006/relationships" xmlns:p="http://schemas.openxmlformats.org/presentationml/2006/main">
-  <p:cSld>
-    <p:spTree>
-      <p:nvGrpSpPr>
-        <p:cNvPr id="1" name=""/>
-        <p:cNvGrpSpPr/>
-        <p:nvPr/>
-      </p:nvGrpSpPr>
-      <p:grpSpPr>
-        <a:xfrm>
-          <a:off x="0" y="0"/>
-          <a:ext cx="0" cy="0"/>
-          <a:chOff x="0" y="0"/>
-          <a:chExt cx="0" cy="0"/>
-        </a:xfrm>
-      </p:grpSpPr>
-      <p:sp>
-        <p:nvSpPr>
-          <p:cNvPr id="2" name="Заголовок 1"/>
-          <p:cNvSpPr>
-            <a:spLocks noGrp="1"/>
-          </p:cNvSpPr>
-          <p:nvPr>
-            <p:ph type="title"/>
-          </p:nvPr>
-        </p:nvSpPr>
-        <p:spPr>
-          <a:xfrm>
-            <a:off x="457200" y="274638"/>
             <a:ext cx="8229600" cy="994122"/>
           </a:xfrm>
         </p:spPr>
@@ -4893,7 +4596,7 @@
             <a:fld id="{679C4B18-9BFA-4BD6-A2FF-5FD9619786E0}" type="slidenum">
               <a:rPr lang="ru-RU" smtClean="0"/>
               <a:pPr/>
-              <a:t>13</a:t>
+              <a:t>12</a:t>
             </a:fld>
             <a:endParaRPr lang="ru-RU"/>
           </a:p>
@@ -4941,16 +4644,19 @@
             <p:ph type="title"/>
           </p:nvPr>
         </p:nvSpPr>
-        <p:spPr/>
-        <p:txBody>
-          <a:bodyPr>
-            <a:normAutofit fontScale="90000"/>
-          </a:bodyPr>
+        <p:spPr>
+          <a:xfrm>
+            <a:off x="395536" y="404664"/>
+            <a:ext cx="3898776" cy="864096"/>
+          </a:xfrm>
+        </p:spPr>
+        <p:txBody>
+          <a:bodyPr/>
           <a:lstStyle/>
           <a:p>
             <a:r>
               <a:rPr lang="uk-UA" dirty="0" smtClean="0"/>
-              <a:t>Класична форма подання характеристик</a:t>
+              <a:t>Л2-100 ТЕКО</a:t>
             </a:r>
             <a:endParaRPr lang="ru-RU" dirty="0"/>
           </a:p>
@@ -4958,7 +4664,7 @@
       </p:sp>
       <p:pic>
         <p:nvPicPr>
-          <p:cNvPr id="2050" name="Picture 2" descr="\\Pn\сhange\516.gif"/>
+          <p:cNvPr id="4" name="Picture 3" descr="D:\Diplom\temp\L2_100.png"/>
           <p:cNvPicPr>
             <a:picLocks noGrp="1" noChangeAspect="1" noChangeArrowheads="1"/>
           </p:cNvPicPr>
@@ -4974,8 +4680,8 @@
         </p:blipFill>
         <p:spPr bwMode="auto">
           <a:xfrm>
-            <a:off x="1259632" y="2060848"/>
-            <a:ext cx="6575708" cy="3617639"/>
+            <a:off x="4499992" y="1124744"/>
+            <a:ext cx="4392488" cy="3012937"/>
           </a:xfrm>
           <a:prstGeom prst="rect">
             <a:avLst/>
@@ -4983,9 +4689,142 @@
           <a:noFill/>
         </p:spPr>
       </p:pic>
-      <p:sp>
-        <p:nvSpPr>
-          <p:cNvPr id="7" name="Номер слайда 6"/>
+      <p:pic>
+        <p:nvPicPr>
+          <p:cNvPr id="5" name="Содержимое 3" descr="http://www.kipia.info/upload/NOVOSTI_Kartinki/ANONSI_M/AN1014/Chrt_6.jpg"/>
+          <p:cNvPicPr>
+            <a:picLocks/>
+          </p:cNvPicPr>
+          <p:nvPr/>
+        </p:nvPicPr>
+        <p:blipFill>
+          <a:blip r:embed="rId3" cstate="print"/>
+          <a:stretch>
+            <a:fillRect/>
+          </a:stretch>
+        </p:blipFill>
+        <p:spPr bwMode="auto">
+          <a:xfrm>
+            <a:off x="467544" y="2852936"/>
+            <a:ext cx="4052650" cy="3628405"/>
+          </a:xfrm>
+          <a:prstGeom prst="rect">
+            <a:avLst/>
+          </a:prstGeom>
+          <a:noFill/>
+          <a:ln w="9525">
+            <a:noFill/>
+            <a:miter lim="800000"/>
+            <a:headEnd/>
+            <a:tailEnd/>
+          </a:ln>
+        </p:spPr>
+      </p:pic>
+      <p:sp>
+        <p:nvSpPr>
+          <p:cNvPr id="6" name="Прямоугольник 5"/>
+          <p:cNvSpPr/>
+          <p:nvPr/>
+        </p:nvSpPr>
+        <p:spPr>
+          <a:xfrm>
+            <a:off x="5076056" y="4293096"/>
+            <a:ext cx="3528392" cy="2031325"/>
+          </a:xfrm>
+          <a:prstGeom prst="rect">
+            <a:avLst/>
+          </a:prstGeom>
+        </p:spPr>
+        <p:txBody>
+          <a:bodyPr wrap="square">
+            <a:spAutoFit/>
+          </a:bodyPr>
+          <a:lstStyle/>
+          <a:p>
+            <a:r>
+              <a:rPr lang="uk-UA" dirty="0" smtClean="0"/>
+              <a:t>Параметри приладу:</a:t>
+            </a:r>
+            <a:endParaRPr lang="en-US" dirty="0" smtClean="0"/>
+          </a:p>
+          <a:p>
+            <a:r>
+              <a:rPr lang="uk-UA" dirty="0" smtClean="0"/>
+              <a:t> – Максимальний струм: 50A;</a:t>
+            </a:r>
+          </a:p>
+          <a:p>
+            <a:r>
+              <a:rPr lang="uk-UA" dirty="0" smtClean="0"/>
+              <a:t> – Максимальна напруга: 5000В;</a:t>
+            </a:r>
+          </a:p>
+          <a:p>
+            <a:r>
+              <a:rPr lang="uk-UA" dirty="0" smtClean="0"/>
+              <a:t> – Вбудований кольоровий TFT РК дисплей (640 × 480 точок);</a:t>
+            </a:r>
+          </a:p>
+          <a:p>
+            <a:r>
+              <a:rPr lang="uk-UA" dirty="0" smtClean="0"/>
+              <a:t> – Підключення до ПК через високошвидкісний USB-порт;</a:t>
+            </a:r>
+            <a:endParaRPr lang="uk-UA" dirty="0"/>
+          </a:p>
+        </p:txBody>
+      </p:sp>
+      <p:sp>
+        <p:nvSpPr>
+          <p:cNvPr id="7" name="Прямоугольник 6"/>
+          <p:cNvSpPr/>
+          <p:nvPr/>
+        </p:nvSpPr>
+        <p:spPr>
+          <a:xfrm>
+            <a:off x="323528" y="1340768"/>
+            <a:ext cx="3960440" cy="1477328"/>
+          </a:xfrm>
+          <a:prstGeom prst="rect">
+            <a:avLst/>
+          </a:prstGeom>
+        </p:spPr>
+        <p:txBody>
+          <a:bodyPr wrap="square">
+            <a:spAutoFit/>
+          </a:bodyPr>
+          <a:lstStyle/>
+          <a:p>
+            <a:r>
+              <a:rPr lang="uk-UA" dirty="0" smtClean="0"/>
+              <a:t>Функції програмного забезпечення:	</a:t>
+            </a:r>
+            <a:endParaRPr lang="en-US" dirty="0" smtClean="0"/>
+          </a:p>
+          <a:p>
+            <a:r>
+              <a:rPr lang="uk-UA" dirty="0" smtClean="0"/>
+              <a:t> – Збереження та завантаження (CSV, XLS, зображення);</a:t>
+            </a:r>
+          </a:p>
+          <a:p>
+            <a:r>
+              <a:rPr lang="uk-UA" dirty="0" smtClean="0"/>
+              <a:t> – Друк результатів;</a:t>
+            </a:r>
+          </a:p>
+          <a:p>
+            <a:r>
+              <a:rPr lang="uk-UA" dirty="0" smtClean="0"/>
+              <a:t> – Налаштування приладу.</a:t>
+            </a:r>
+            <a:endParaRPr lang="ru-RU" dirty="0"/>
+          </a:p>
+        </p:txBody>
+      </p:sp>
+      <p:sp>
+        <p:nvSpPr>
+          <p:cNvPr id="11" name="Номер слайда 10"/>
           <p:cNvSpPr>
             <a:spLocks noGrp="1"/>
           </p:cNvSpPr>
@@ -5012,13 +4851,6 @@
   <p:clrMapOvr>
     <a:masterClrMapping/>
   </p:clrMapOvr>
-  <p:timing>
-    <p:tnLst>
-      <p:par>
-        <p:cTn id="1" dur="indefinite" restart="never" nodeType="tmRoot"/>
-      </p:par>
-    </p:tnLst>
-  </p:timing>
 </p:sld>
 </file>
 
@@ -5051,8 +4883,8 @@
         </p:nvSpPr>
         <p:spPr>
           <a:xfrm>
-            <a:off x="395536" y="404664"/>
-            <a:ext cx="3898776" cy="864096"/>
+            <a:off x="5580112" y="274638"/>
+            <a:ext cx="3106688" cy="1498178"/>
           </a:xfrm>
         </p:spPr>
         <p:txBody>
@@ -5060,8 +4892,8 @@
           <a:lstStyle/>
           <a:p>
             <a:r>
-              <a:rPr lang="uk-UA" dirty="0" smtClean="0"/>
-              <a:t>Л2-100 ТЕКО</a:t>
+              <a:rPr lang="ru-RU" dirty="0" smtClean="0"/>
+              <a:t>ЭРБИЙ-7107</a:t>
             </a:r>
             <a:endParaRPr lang="ru-RU" dirty="0"/>
           </a:p>
@@ -5069,9 +4901,9 @@
       </p:sp>
       <p:pic>
         <p:nvPicPr>
-          <p:cNvPr id="4" name="Picture 3" descr="D:\Diplom\temp\L2_100.png"/>
+          <p:cNvPr id="4" name="Содержимое 3"/>
           <p:cNvPicPr>
-            <a:picLocks noGrp="1" noChangeAspect="1" noChangeArrowheads="1"/>
+            <a:picLocks noGrp="1"/>
           </p:cNvPicPr>
           <p:nvPr>
             <p:ph idx="1"/>
@@ -5083,35 +4915,35 @@
             <a:fillRect/>
           </a:stretch>
         </p:blipFill>
-        <p:spPr bwMode="auto">
+        <p:spPr>
           <a:xfrm>
-            <a:off x="4499992" y="1124744"/>
-            <a:ext cx="4392488" cy="3012937"/>
+            <a:off x="4572000" y="3861048"/>
+            <a:ext cx="4283143" cy="2721662"/>
           </a:xfrm>
           <a:prstGeom prst="rect">
             <a:avLst/>
           </a:prstGeom>
-          <a:noFill/>
         </p:spPr>
       </p:pic>
       <p:pic>
         <p:nvPicPr>
-          <p:cNvPr id="5" name="Содержимое 3" descr="http://www.kipia.info/upload/NOVOSTI_Kartinki/ANONSI_M/AN1014/Chrt_6.jpg"/>
+          <p:cNvPr id="1026" name="Picture 2"/>
           <p:cNvPicPr>
-            <a:picLocks/>
+            <a:picLocks noChangeAspect="1" noChangeArrowheads="1"/>
           </p:cNvPicPr>
           <p:nvPr/>
         </p:nvPicPr>
         <p:blipFill>
           <a:blip r:embed="rId3" cstate="print"/>
+          <a:srcRect/>
           <a:stretch>
             <a:fillRect/>
           </a:stretch>
         </p:blipFill>
         <p:spPr bwMode="auto">
           <a:xfrm>
-            <a:off x="467544" y="2852936"/>
-            <a:ext cx="4052650" cy="3628405"/>
+            <a:off x="323527" y="332656"/>
+            <a:ext cx="4824537" cy="3599703"/>
           </a:xfrm>
           <a:prstGeom prst="rect">
             <a:avLst/>
@@ -5127,14 +4959,76 @@
       </p:pic>
       <p:sp>
         <p:nvSpPr>
+          <p:cNvPr id="5" name="Прямоугольник 4"/>
+          <p:cNvSpPr/>
+          <p:nvPr/>
+        </p:nvSpPr>
+        <p:spPr>
+          <a:xfrm>
+            <a:off x="5364088" y="1988840"/>
+            <a:ext cx="3528392" cy="1477328"/>
+          </a:xfrm>
+          <a:prstGeom prst="rect">
+            <a:avLst/>
+          </a:prstGeom>
+        </p:spPr>
+        <p:txBody>
+          <a:bodyPr wrap="square">
+            <a:spAutoFit/>
+          </a:bodyPr>
+          <a:lstStyle/>
+          <a:p>
+            <a:r>
+              <a:rPr lang="uk-UA" dirty="0" smtClean="0"/>
+              <a:t>Під час вимірювання можна задати наступні параметри:</a:t>
+            </a:r>
+            <a:endParaRPr lang="ru-RU" dirty="0" smtClean="0"/>
+          </a:p>
+          <a:p>
+            <a:pPr lvl="1">
+              <a:buFont typeface="Wingdings" pitchFamily="2" charset="2"/>
+              <a:buChar char="v"/>
+            </a:pPr>
+            <a:r>
+              <a:rPr lang="uk-UA" dirty="0" smtClean="0"/>
+              <a:t>Напруга;</a:t>
+            </a:r>
+            <a:endParaRPr lang="ru-RU" dirty="0" smtClean="0"/>
+          </a:p>
+          <a:p>
+            <a:pPr lvl="1">
+              <a:buFont typeface="Wingdings" pitchFamily="2" charset="2"/>
+              <a:buChar char="v"/>
+            </a:pPr>
+            <a:r>
+              <a:rPr lang="uk-UA" dirty="0" smtClean="0"/>
+              <a:t>Температура;</a:t>
+            </a:r>
+            <a:endParaRPr lang="ru-RU" dirty="0" smtClean="0"/>
+          </a:p>
+          <a:p>
+            <a:pPr lvl="1">
+              <a:buFont typeface="Wingdings" pitchFamily="2" charset="2"/>
+              <a:buChar char="v"/>
+            </a:pPr>
+            <a:r>
+              <a:rPr lang="uk-UA" dirty="0" smtClean="0"/>
+              <a:t>Освітленість.</a:t>
+            </a:r>
+            <a:endParaRPr lang="ru-RU" dirty="0"/>
+          </a:p>
+        </p:txBody>
+      </p:sp>
+      <p:sp>
+        <p:nvSpPr>
           <p:cNvPr id="6" name="Прямоугольник 5"/>
           <p:cNvSpPr/>
           <p:nvPr/>
         </p:nvSpPr>
         <p:spPr>
           <a:xfrm>
-            <a:off x="5076056" y="4293096"/>
-            <a:ext cx="3528392" cy="2031325"/>
+            <a:off x="179512" y="4149080"/>
+            <a:ext cx="4392488" cy="2308324"/>
           </a:xfrm>
           <a:prstGeom prst="rect">
             <a:avLst/>
@@ -5148,80 +5042,57 @@
           <a:p>
             <a:r>
               <a:rPr lang="uk-UA" dirty="0" smtClean="0"/>
-              <a:t>Параметри приладу:</a:t>
-            </a:r>
-            <a:endParaRPr lang="en-US" dirty="0" smtClean="0"/>
+              <a:t>Основні параметри приладу:</a:t>
+            </a:r>
+            <a:endParaRPr lang="ru-RU" dirty="0" smtClean="0"/>
           </a:p>
           <a:p>
             <a:r>
               <a:rPr lang="uk-UA" dirty="0" smtClean="0"/>
-              <a:t> – Максимальний струм: 50A;</a:t>
-            </a:r>
-          </a:p>
-          <a:p>
+              <a:t> – Струм: від 10 </a:t>
+            </a:r>
+            <a:r>
+              <a:rPr lang="uk-UA" dirty="0" err="1" smtClean="0"/>
+              <a:t>нА</a:t>
+            </a:r>
             <a:r>
               <a:rPr lang="uk-UA" dirty="0" smtClean="0"/>
-              <a:t> – Максимальна напруга: 5000В;</a:t>
-            </a:r>
+              <a:t> до 200 мА;</a:t>
+            </a:r>
+            <a:endParaRPr lang="ru-RU" dirty="0" smtClean="0"/>
           </a:p>
           <a:p>
             <a:r>
               <a:rPr lang="uk-UA" dirty="0" smtClean="0"/>
-              <a:t> – Вбудований кольоровий TFT РК дисплей (640 × 480 точок);</a:t>
-            </a:r>
+              <a:t> – Напруга на виводах: від 100 мкВ до 5 В;</a:t>
+            </a:r>
+            <a:endParaRPr lang="ru-RU" dirty="0" smtClean="0"/>
           </a:p>
           <a:p>
             <a:r>
               <a:rPr lang="uk-UA" dirty="0" smtClean="0"/>
-              <a:t> – Підключення до ПК через високошвидкісний USB-порт;</a:t>
-            </a:r>
-            <a:endParaRPr lang="uk-UA" dirty="0"/>
-          </a:p>
-        </p:txBody>
-      </p:sp>
-      <p:sp>
-        <p:nvSpPr>
-          <p:cNvPr id="7" name="Прямоугольник 6"/>
-          <p:cNvSpPr/>
-          <p:nvPr/>
-        </p:nvSpPr>
-        <p:spPr>
-          <a:xfrm>
-            <a:off x="323528" y="1340768"/>
-            <a:ext cx="3960440" cy="1477328"/>
-          </a:xfrm>
-          <a:prstGeom prst="rect">
-            <a:avLst/>
-          </a:prstGeom>
-        </p:spPr>
-        <p:txBody>
-          <a:bodyPr wrap="square">
-            <a:spAutoFit/>
-          </a:bodyPr>
-          <a:lstStyle/>
+              <a:t> – Температура тримача: від 0 до +90°С точність температури: 0,1°С;</a:t>
+            </a:r>
+            <a:endParaRPr lang="ru-RU" dirty="0" smtClean="0"/>
+          </a:p>
           <a:p>
             <a:r>
               <a:rPr lang="uk-UA" dirty="0" smtClean="0"/>
-              <a:t>Функції програмного забезпечення:	</a:t>
-            </a:r>
-            <a:endParaRPr lang="en-US" dirty="0" smtClean="0"/>
+              <a:t> – Перестрочування освітленості: 1:10000;</a:t>
+            </a:r>
+            <a:endParaRPr lang="ru-RU" dirty="0" smtClean="0"/>
           </a:p>
           <a:p>
             <a:r>
               <a:rPr lang="uk-UA" dirty="0" smtClean="0"/>
-              <a:t> – Збереження та завантаження (CSV, XLS, зображення);</a:t>
-            </a:r>
+              <a:t> – Точність вимірювання напруги: до 1,3%;</a:t>
+            </a:r>
+            <a:endParaRPr lang="ru-RU" dirty="0" smtClean="0"/>
           </a:p>
           <a:p>
             <a:r>
               <a:rPr lang="uk-UA" dirty="0" smtClean="0"/>
-              <a:t> – Друк результатів;</a:t>
-            </a:r>
-          </a:p>
-          <a:p>
-            <a:r>
-              <a:rPr lang="uk-UA" dirty="0" smtClean="0"/>
-              <a:t> – Налаштування приладу.</a:t>
+              <a:t> – Точність вимірювання струму: до 3%.</a:t>
             </a:r>
             <a:endParaRPr lang="ru-RU" dirty="0"/>
           </a:p>
@@ -5229,7 +5100,7 @@
       </p:sp>
       <p:sp>
         <p:nvSpPr>
-          <p:cNvPr id="11" name="Номер слайда 10"/>
+          <p:cNvPr id="10" name="Номер слайда 9"/>
           <p:cNvSpPr>
             <a:spLocks noGrp="1"/>
           </p:cNvSpPr>
@@ -5286,282 +5157,6 @@
             <p:ph type="title"/>
           </p:nvPr>
         </p:nvSpPr>
-        <p:spPr>
-          <a:xfrm>
-            <a:off x="5580112" y="274638"/>
-            <a:ext cx="3106688" cy="1498178"/>
-          </a:xfrm>
-        </p:spPr>
-        <p:txBody>
-          <a:bodyPr/>
-          <a:lstStyle/>
-          <a:p>
-            <a:r>
-              <a:rPr lang="ru-RU" dirty="0" smtClean="0"/>
-              <a:t>ЭРБИЙ-7107</a:t>
-            </a:r>
-            <a:endParaRPr lang="ru-RU" dirty="0"/>
-          </a:p>
-        </p:txBody>
-      </p:sp>
-      <p:pic>
-        <p:nvPicPr>
-          <p:cNvPr id="4" name="Содержимое 3"/>
-          <p:cNvPicPr>
-            <a:picLocks noGrp="1"/>
-          </p:cNvPicPr>
-          <p:nvPr>
-            <p:ph idx="1"/>
-          </p:nvPr>
-        </p:nvPicPr>
-        <p:blipFill>
-          <a:blip r:embed="rId2" cstate="print"/>
-          <a:stretch>
-            <a:fillRect/>
-          </a:stretch>
-        </p:blipFill>
-        <p:spPr>
-          <a:xfrm>
-            <a:off x="4572000" y="3861048"/>
-            <a:ext cx="4283143" cy="2721662"/>
-          </a:xfrm>
-          <a:prstGeom prst="rect">
-            <a:avLst/>
-          </a:prstGeom>
-        </p:spPr>
-      </p:pic>
-      <p:pic>
-        <p:nvPicPr>
-          <p:cNvPr id="1026" name="Picture 2"/>
-          <p:cNvPicPr>
-            <a:picLocks noChangeAspect="1" noChangeArrowheads="1"/>
-          </p:cNvPicPr>
-          <p:nvPr/>
-        </p:nvPicPr>
-        <p:blipFill>
-          <a:blip r:embed="rId3" cstate="print"/>
-          <a:srcRect/>
-          <a:stretch>
-            <a:fillRect/>
-          </a:stretch>
-        </p:blipFill>
-        <p:spPr bwMode="auto">
-          <a:xfrm>
-            <a:off x="323527" y="332656"/>
-            <a:ext cx="4824537" cy="3599703"/>
-          </a:xfrm>
-          <a:prstGeom prst="rect">
-            <a:avLst/>
-          </a:prstGeom>
-          <a:noFill/>
-          <a:ln w="9525">
-            <a:noFill/>
-            <a:miter lim="800000"/>
-            <a:headEnd/>
-            <a:tailEnd/>
-          </a:ln>
-        </p:spPr>
-      </p:pic>
-      <p:sp>
-        <p:nvSpPr>
-          <p:cNvPr id="5" name="Прямоугольник 4"/>
-          <p:cNvSpPr/>
-          <p:nvPr/>
-        </p:nvSpPr>
-        <p:spPr>
-          <a:xfrm>
-            <a:off x="5364088" y="1988840"/>
-            <a:ext cx="3528392" cy="1477328"/>
-          </a:xfrm>
-          <a:prstGeom prst="rect">
-            <a:avLst/>
-          </a:prstGeom>
-        </p:spPr>
-        <p:txBody>
-          <a:bodyPr wrap="square">
-            <a:spAutoFit/>
-          </a:bodyPr>
-          <a:lstStyle/>
-          <a:p>
-            <a:r>
-              <a:rPr lang="uk-UA" dirty="0" smtClean="0"/>
-              <a:t>Під час вимірювання можна задати наступні параметри:</a:t>
-            </a:r>
-            <a:endParaRPr lang="ru-RU" dirty="0" smtClean="0"/>
-          </a:p>
-          <a:p>
-            <a:pPr lvl="1">
-              <a:buFont typeface="Wingdings" pitchFamily="2" charset="2"/>
-              <a:buChar char="v"/>
-            </a:pPr>
-            <a:r>
-              <a:rPr lang="uk-UA" dirty="0" smtClean="0"/>
-              <a:t>Напруга;</a:t>
-            </a:r>
-            <a:endParaRPr lang="ru-RU" dirty="0" smtClean="0"/>
-          </a:p>
-          <a:p>
-            <a:pPr lvl="1">
-              <a:buFont typeface="Wingdings" pitchFamily="2" charset="2"/>
-              <a:buChar char="v"/>
-            </a:pPr>
-            <a:r>
-              <a:rPr lang="uk-UA" dirty="0" smtClean="0"/>
-              <a:t>Температура;</a:t>
-            </a:r>
-            <a:endParaRPr lang="ru-RU" dirty="0" smtClean="0"/>
-          </a:p>
-          <a:p>
-            <a:pPr lvl="1">
-              <a:buFont typeface="Wingdings" pitchFamily="2" charset="2"/>
-              <a:buChar char="v"/>
-            </a:pPr>
-            <a:r>
-              <a:rPr lang="uk-UA" dirty="0" smtClean="0"/>
-              <a:t>Освітленість.</a:t>
-            </a:r>
-            <a:endParaRPr lang="ru-RU" dirty="0"/>
-          </a:p>
-        </p:txBody>
-      </p:sp>
-      <p:sp>
-        <p:nvSpPr>
-          <p:cNvPr id="6" name="Прямоугольник 5"/>
-          <p:cNvSpPr/>
-          <p:nvPr/>
-        </p:nvSpPr>
-        <p:spPr>
-          <a:xfrm>
-            <a:off x="179512" y="4149080"/>
-            <a:ext cx="4392488" cy="2308324"/>
-          </a:xfrm>
-          <a:prstGeom prst="rect">
-            <a:avLst/>
-          </a:prstGeom>
-        </p:spPr>
-        <p:txBody>
-          <a:bodyPr wrap="square">
-            <a:spAutoFit/>
-          </a:bodyPr>
-          <a:lstStyle/>
-          <a:p>
-            <a:r>
-              <a:rPr lang="uk-UA" dirty="0" smtClean="0"/>
-              <a:t>Основні параметри приладу:</a:t>
-            </a:r>
-            <a:endParaRPr lang="ru-RU" dirty="0" smtClean="0"/>
-          </a:p>
-          <a:p>
-            <a:r>
-              <a:rPr lang="uk-UA" dirty="0" smtClean="0"/>
-              <a:t> – Струм: від 10 </a:t>
-            </a:r>
-            <a:r>
-              <a:rPr lang="uk-UA" dirty="0" err="1" smtClean="0"/>
-              <a:t>нА</a:t>
-            </a:r>
-            <a:r>
-              <a:rPr lang="uk-UA" dirty="0" smtClean="0"/>
-              <a:t> до 200 мА;</a:t>
-            </a:r>
-            <a:endParaRPr lang="ru-RU" dirty="0" smtClean="0"/>
-          </a:p>
-          <a:p>
-            <a:r>
-              <a:rPr lang="uk-UA" dirty="0" smtClean="0"/>
-              <a:t> – Напруга на виводах: від 100 мкВ до 5 В;</a:t>
-            </a:r>
-            <a:endParaRPr lang="ru-RU" dirty="0" smtClean="0"/>
-          </a:p>
-          <a:p>
-            <a:r>
-              <a:rPr lang="uk-UA" dirty="0" smtClean="0"/>
-              <a:t> – Температура тримача: від 0 до +90°С точність температури: 0,1°С;</a:t>
-            </a:r>
-            <a:endParaRPr lang="ru-RU" dirty="0" smtClean="0"/>
-          </a:p>
-          <a:p>
-            <a:r>
-              <a:rPr lang="uk-UA" dirty="0" smtClean="0"/>
-              <a:t> – Перестрочування освітленості: 1:10000;</a:t>
-            </a:r>
-            <a:endParaRPr lang="ru-RU" dirty="0" smtClean="0"/>
-          </a:p>
-          <a:p>
-            <a:r>
-              <a:rPr lang="uk-UA" dirty="0" smtClean="0"/>
-              <a:t> – Точність вимірювання напруги: до 1,3%;</a:t>
-            </a:r>
-            <a:endParaRPr lang="ru-RU" dirty="0" smtClean="0"/>
-          </a:p>
-          <a:p>
-            <a:r>
-              <a:rPr lang="uk-UA" dirty="0" smtClean="0"/>
-              <a:t> – Точність вимірювання струму: до 3%.</a:t>
-            </a:r>
-            <a:endParaRPr lang="ru-RU" dirty="0"/>
-          </a:p>
-        </p:txBody>
-      </p:sp>
-      <p:sp>
-        <p:nvSpPr>
-          <p:cNvPr id="10" name="Номер слайда 9"/>
-          <p:cNvSpPr>
-            <a:spLocks noGrp="1"/>
-          </p:cNvSpPr>
-          <p:nvPr>
-            <p:ph type="sldNum" sz="quarter" idx="12"/>
-          </p:nvPr>
-        </p:nvSpPr>
-        <p:spPr/>
-        <p:txBody>
-          <a:bodyPr/>
-          <a:lstStyle/>
-          <a:p>
-            <a:fld id="{679C4B18-9BFA-4BD6-A2FF-5FD9619786E0}" type="slidenum">
-              <a:rPr lang="ru-RU" smtClean="0"/>
-              <a:pPr/>
-              <a:t>4</a:t>
-            </a:fld>
-            <a:endParaRPr lang="ru-RU"/>
-          </a:p>
-        </p:txBody>
-      </p:sp>
-    </p:spTree>
-  </p:cSld>
-  <p:clrMapOvr>
-    <a:masterClrMapping/>
-  </p:clrMapOvr>
-</p:sld>
-</file>
-
-<file path=ppt/slides/slide5.xml><?xml version="1.0" encoding="utf-8"?>
-<p:sld xmlns:a="http://schemas.openxmlformats.org/drawingml/2006/main" xmlns:r="http://schemas.openxmlformats.org/officeDocument/2006/relationships" xmlns:p="http://schemas.openxmlformats.org/presentationml/2006/main">
-  <p:cSld>
-    <p:spTree>
-      <p:nvGrpSpPr>
-        <p:cNvPr id="1" name=""/>
-        <p:cNvGrpSpPr/>
-        <p:nvPr/>
-      </p:nvGrpSpPr>
-      <p:grpSpPr>
-        <a:xfrm>
-          <a:off x="0" y="0"/>
-          <a:ext cx="0" cy="0"/>
-          <a:chOff x="0" y="0"/>
-          <a:chExt cx="0" cy="0"/>
-        </a:xfrm>
-      </p:grpSpPr>
-      <p:sp>
-        <p:nvSpPr>
-          <p:cNvPr id="2" name="Заголовок 1"/>
-          <p:cNvSpPr>
-            <a:spLocks noGrp="1"/>
-          </p:cNvSpPr>
-          <p:nvPr>
-            <p:ph type="title"/>
-          </p:nvPr>
-        </p:nvSpPr>
         <p:spPr/>
         <p:txBody>
           <a:bodyPr/>
@@ -5975,7 +5570,7 @@
             <a:fld id="{679C4B18-9BFA-4BD6-A2FF-5FD9619786E0}" type="slidenum">
               <a:rPr lang="ru-RU" smtClean="0"/>
               <a:pPr/>
-              <a:t>5</a:t>
+              <a:t>4</a:t>
             </a:fld>
             <a:endParaRPr lang="ru-RU"/>
           </a:p>
@@ -5996,7 +5591,7 @@
 </p:sld>
 </file>
 
-<file path=ppt/slides/slide6.xml><?xml version="1.0" encoding="utf-8"?>
+<file path=ppt/slides/slide5.xml><?xml version="1.0" encoding="utf-8"?>
 <p:sld xmlns:a="http://schemas.openxmlformats.org/drawingml/2006/main" xmlns:r="http://schemas.openxmlformats.org/officeDocument/2006/relationships" xmlns:p="http://schemas.openxmlformats.org/presentationml/2006/main">
   <p:cSld>
     <p:bg>
@@ -6077,7 +5672,7 @@
             <a:fld id="{679C4B18-9BFA-4BD6-A2FF-5FD9619786E0}" type="slidenum">
               <a:rPr lang="ru-RU" smtClean="0"/>
               <a:pPr/>
-              <a:t>6</a:t>
+              <a:t>5</a:t>
             </a:fld>
             <a:endParaRPr lang="ru-RU"/>
           </a:p>
@@ -6124,7 +5719,7 @@
 </p:sld>
 </file>
 
-<file path=ppt/slides/slide7.xml><?xml version="1.0" encoding="utf-8"?>
+<file path=ppt/slides/slide6.xml><?xml version="1.0" encoding="utf-8"?>
 <p:sld xmlns:a="http://schemas.openxmlformats.org/drawingml/2006/main" xmlns:r="http://schemas.openxmlformats.org/officeDocument/2006/relationships" xmlns:p="http://schemas.openxmlformats.org/presentationml/2006/main">
   <p:cSld>
     <p:bg>
@@ -6205,7 +5800,7 @@
             <a:fld id="{679C4B18-9BFA-4BD6-A2FF-5FD9619786E0}" type="slidenum">
               <a:rPr lang="ru-RU" smtClean="0"/>
               <a:pPr/>
-              <a:t>7</a:t>
+              <a:t>6</a:t>
             </a:fld>
             <a:endParaRPr lang="ru-RU"/>
           </a:p>
@@ -6312,7 +5907,7 @@
 </p:sld>
 </file>
 
-<file path=ppt/slides/slide8.xml><?xml version="1.0" encoding="utf-8"?>
+<file path=ppt/slides/slide7.xml><?xml version="1.0" encoding="utf-8"?>
 <p:sld xmlns:a="http://schemas.openxmlformats.org/drawingml/2006/main" xmlns:r="http://schemas.openxmlformats.org/officeDocument/2006/relationships" xmlns:p="http://schemas.openxmlformats.org/presentationml/2006/main">
   <p:cSld>
     <p:spTree>
@@ -7497,6 +7092,242 @@
             <a:fld id="{679C4B18-9BFA-4BD6-A2FF-5FD9619786E0}" type="slidenum">
               <a:rPr lang="ru-RU" smtClean="0"/>
               <a:pPr/>
+              <a:t>7</a:t>
+            </a:fld>
+            <a:endParaRPr lang="ru-RU"/>
+          </a:p>
+        </p:txBody>
+      </p:sp>
+    </p:spTree>
+  </p:cSld>
+  <p:clrMapOvr>
+    <a:masterClrMapping/>
+  </p:clrMapOvr>
+  <p:timing>
+    <p:tnLst>
+      <p:par>
+        <p:cTn id="1" dur="indefinite" restart="never" nodeType="tmRoot"/>
+      </p:par>
+    </p:tnLst>
+  </p:timing>
+</p:sld>
+</file>
+
+<file path=ppt/slides/slide8.xml><?xml version="1.0" encoding="utf-8"?>
+<p:sld xmlns:a="http://schemas.openxmlformats.org/drawingml/2006/main" xmlns:r="http://schemas.openxmlformats.org/officeDocument/2006/relationships" xmlns:p="http://schemas.openxmlformats.org/presentationml/2006/main">
+  <p:cSld>
+    <p:spTree>
+      <p:nvGrpSpPr>
+        <p:cNvPr id="1" name=""/>
+        <p:cNvGrpSpPr/>
+        <p:nvPr/>
+      </p:nvGrpSpPr>
+      <p:grpSpPr>
+        <a:xfrm>
+          <a:off x="0" y="0"/>
+          <a:ext cx="0" cy="0"/>
+          <a:chOff x="0" y="0"/>
+          <a:chExt cx="0" cy="0"/>
+        </a:xfrm>
+      </p:grpSpPr>
+      <p:sp>
+        <p:nvSpPr>
+          <p:cNvPr id="2" name="Заголовок 1"/>
+          <p:cNvSpPr>
+            <a:spLocks noGrp="1"/>
+          </p:cNvSpPr>
+          <p:nvPr>
+            <p:ph type="title"/>
+          </p:nvPr>
+        </p:nvSpPr>
+        <p:spPr>
+          <a:xfrm>
+            <a:off x="457200" y="274638"/>
+            <a:ext cx="8229600" cy="994122"/>
+          </a:xfrm>
+        </p:spPr>
+        <p:txBody>
+          <a:bodyPr/>
+          <a:lstStyle/>
+          <a:p>
+            <a:r>
+              <a:rPr lang="uk-UA" dirty="0" smtClean="0"/>
+              <a:t>Алгоритм роботи драйвера</a:t>
+            </a:r>
+            <a:endParaRPr lang="ru-RU" dirty="0"/>
+          </a:p>
+        </p:txBody>
+      </p:sp>
+      <p:sp>
+        <p:nvSpPr>
+          <p:cNvPr id="4100" name="Rectangle 4"/>
+          <p:cNvSpPr>
+            <a:spLocks noChangeArrowheads="1"/>
+          </p:cNvSpPr>
+          <p:nvPr/>
+        </p:nvSpPr>
+        <p:spPr bwMode="auto">
+          <a:xfrm>
+            <a:off x="0" y="0"/>
+            <a:ext cx="9144000" cy="457200"/>
+          </a:xfrm>
+          <a:prstGeom prst="rect">
+            <a:avLst/>
+          </a:prstGeom>
+          <a:noFill/>
+          <a:ln w="9525">
+            <a:noFill/>
+            <a:miter lim="800000"/>
+            <a:headEnd/>
+            <a:tailEnd/>
+          </a:ln>
+          <a:effectLst/>
+        </p:spPr>
+        <p:txBody>
+          <a:bodyPr vert="horz" wrap="none" lIns="91440" tIns="45720" rIns="91440" bIns="45720" numCol="1" anchor="ctr" anchorCtr="0" compatLnSpc="1">
+            <a:prstTxWarp prst="textNoShape">
+              <a:avLst/>
+            </a:prstTxWarp>
+            <a:spAutoFit/>
+          </a:bodyPr>
+          <a:lstStyle/>
+          <a:p>
+            <a:endParaRPr lang="ru-RU"/>
+          </a:p>
+        </p:txBody>
+      </p:sp>
+      <p:pic>
+        <p:nvPicPr>
+          <p:cNvPr id="11" name="Рисунок 10"/>
+          <p:cNvPicPr/>
+          <p:nvPr/>
+        </p:nvPicPr>
+        <p:blipFill>
+          <a:blip r:embed="rId2" cstate="print"/>
+          <a:srcRect/>
+          <a:stretch>
+            <a:fillRect/>
+          </a:stretch>
+        </p:blipFill>
+        <p:spPr bwMode="auto">
+          <a:xfrm>
+            <a:off x="323528" y="1916832"/>
+            <a:ext cx="8231255" cy="4752528"/>
+          </a:xfrm>
+          <a:prstGeom prst="rect">
+            <a:avLst/>
+          </a:prstGeom>
+          <a:noFill/>
+          <a:ln w="9525">
+            <a:noFill/>
+            <a:miter lim="800000"/>
+            <a:headEnd/>
+            <a:tailEnd/>
+          </a:ln>
+        </p:spPr>
+      </p:pic>
+      <p:sp>
+        <p:nvSpPr>
+          <p:cNvPr id="13" name="Скругленный прямоугольник 12"/>
+          <p:cNvSpPr/>
+          <p:nvPr/>
+        </p:nvSpPr>
+        <p:spPr>
+          <a:xfrm>
+            <a:off x="6588224" y="1412776"/>
+            <a:ext cx="1296144" cy="432048"/>
+          </a:xfrm>
+          <a:prstGeom prst="roundRect">
+            <a:avLst/>
+          </a:prstGeom>
+        </p:spPr>
+        <p:style>
+          <a:lnRef idx="1">
+            <a:schemeClr val="accent1"/>
+          </a:lnRef>
+          <a:fillRef idx="2">
+            <a:schemeClr val="accent1"/>
+          </a:fillRef>
+          <a:effectRef idx="1">
+            <a:schemeClr val="accent1"/>
+          </a:effectRef>
+          <a:fontRef idx="minor">
+            <a:schemeClr val="dk1"/>
+          </a:fontRef>
+        </p:style>
+        <p:txBody>
+          <a:bodyPr rtlCol="0" anchor="ctr"/>
+          <a:lstStyle/>
+          <a:p>
+            <a:pPr algn="ctr"/>
+            <a:r>
+              <a:rPr lang="uk-UA" sz="2400" dirty="0" smtClean="0"/>
+              <a:t>1</a:t>
+            </a:r>
+            <a:endParaRPr lang="ru-RU" sz="2400" dirty="0"/>
+          </a:p>
+        </p:txBody>
+      </p:sp>
+      <p:sp>
+        <p:nvSpPr>
+          <p:cNvPr id="16" name="Скругленный прямоугольник 15"/>
+          <p:cNvSpPr/>
+          <p:nvPr/>
+        </p:nvSpPr>
+        <p:spPr>
+          <a:xfrm>
+            <a:off x="3851920" y="1412776"/>
+            <a:ext cx="1296144" cy="432048"/>
+          </a:xfrm>
+          <a:prstGeom prst="roundRect">
+            <a:avLst/>
+          </a:prstGeom>
+        </p:spPr>
+        <p:style>
+          <a:lnRef idx="1">
+            <a:schemeClr val="accent1"/>
+          </a:lnRef>
+          <a:fillRef idx="2">
+            <a:schemeClr val="accent1"/>
+          </a:fillRef>
+          <a:effectRef idx="1">
+            <a:schemeClr val="accent1"/>
+          </a:effectRef>
+          <a:fontRef idx="minor">
+            <a:schemeClr val="dk1"/>
+          </a:fontRef>
+        </p:style>
+        <p:txBody>
+          <a:bodyPr rtlCol="0" anchor="ctr"/>
+          <a:lstStyle/>
+          <a:p>
+            <a:pPr algn="ctr"/>
+            <a:r>
+              <a:rPr lang="uk-UA" sz="2400" dirty="0" smtClean="0"/>
+              <a:t>2</a:t>
+            </a:r>
+            <a:endParaRPr lang="ru-RU" sz="2400" dirty="0"/>
+          </a:p>
+        </p:txBody>
+      </p:sp>
+      <p:sp>
+        <p:nvSpPr>
+          <p:cNvPr id="10" name="Номер слайда 9"/>
+          <p:cNvSpPr>
+            <a:spLocks noGrp="1"/>
+          </p:cNvSpPr>
+          <p:nvPr>
+            <p:ph type="sldNum" sz="quarter" idx="12"/>
+          </p:nvPr>
+        </p:nvSpPr>
+        <p:spPr/>
+        <p:txBody>
+          <a:bodyPr/>
+          <a:lstStyle/>
+          <a:p>
+            <a:fld id="{679C4B18-9BFA-4BD6-A2FF-5FD9619786E0}" type="slidenum">
+              <a:rPr lang="ru-RU" smtClean="0"/>
+              <a:pPr/>
               <a:t>8</a:t>
             </a:fld>
             <a:endParaRPr lang="ru-RU"/>
@@ -7537,74 +7368,129 @@
       </p:grpSpPr>
       <p:sp>
         <p:nvSpPr>
-          <p:cNvPr id="2" name="Заголовок 1"/>
+          <p:cNvPr id="5" name="Заголовок 4"/>
           <p:cNvSpPr>
             <a:spLocks noGrp="1"/>
           </p:cNvSpPr>
           <p:nvPr>
             <p:ph type="title"/>
+          </p:nvPr>
+        </p:nvSpPr>
+        <p:spPr/>
+        <p:txBody>
+          <a:bodyPr>
+            <a:normAutofit fontScale="90000"/>
+          </a:bodyPr>
+          <a:lstStyle/>
+          <a:p>
+            <a:r>
+              <a:rPr lang="uk-UA" dirty="0" smtClean="0"/>
+              <a:t>Робота з тривимірною графікою</a:t>
+            </a:r>
+            <a:endParaRPr lang="ru-RU" dirty="0"/>
+          </a:p>
+        </p:txBody>
+      </p:sp>
+      <p:sp>
+        <p:nvSpPr>
+          <p:cNvPr id="6" name="Содержимое 5"/>
+          <p:cNvSpPr>
+            <a:spLocks noGrp="1"/>
+          </p:cNvSpPr>
+          <p:nvPr>
+            <p:ph sz="half" idx="1"/>
           </p:nvPr>
         </p:nvSpPr>
         <p:spPr>
           <a:xfrm>
-            <a:off x="457200" y="274638"/>
-            <a:ext cx="8229600" cy="994122"/>
-          </a:xfrm>
-        </p:spPr>
-        <p:txBody>
-          <a:bodyPr/>
-          <a:lstStyle/>
-          <a:p>
+            <a:off x="4860032" y="1340768"/>
+            <a:ext cx="4038600" cy="2404864"/>
+          </a:xfrm>
+        </p:spPr>
+        <p:txBody>
+          <a:bodyPr>
+            <a:normAutofit fontScale="92500" lnSpcReduction="20000"/>
+          </a:bodyPr>
+          <a:lstStyle/>
+          <a:p>
+            <a:pPr>
+              <a:buNone/>
+            </a:pPr>
             <a:r>
               <a:rPr lang="uk-UA" dirty="0" smtClean="0"/>
-              <a:t>Алгоритм роботи драйвера</a:t>
-            </a:r>
+              <a:t>Структура вершини:</a:t>
+            </a:r>
+          </a:p>
+          <a:p>
+            <a:r>
+              <a:rPr lang="uk-UA" dirty="0" smtClean="0"/>
+              <a:t>Координати (</a:t>
+            </a:r>
+            <a:r>
+              <a:rPr lang="en-US" dirty="0" smtClean="0"/>
+              <a:t>x, y, z)</a:t>
+            </a:r>
+            <a:endParaRPr lang="uk-UA" dirty="0" smtClean="0"/>
+          </a:p>
+          <a:p>
+            <a:r>
+              <a:rPr lang="uk-UA" dirty="0" smtClean="0"/>
+              <a:t>Нормаль (</a:t>
+            </a:r>
+            <a:r>
+              <a:rPr lang="en-US" dirty="0" smtClean="0"/>
+              <a:t>x, y, z)</a:t>
+            </a:r>
+            <a:endParaRPr lang="uk-UA" dirty="0" smtClean="0"/>
+          </a:p>
+          <a:p>
+            <a:r>
+              <a:rPr lang="uk-UA" dirty="0" smtClean="0"/>
+              <a:t>Текстура (</a:t>
+            </a:r>
+            <a:r>
+              <a:rPr lang="en-US" dirty="0" smtClean="0"/>
+              <a:t>x, y)</a:t>
+            </a:r>
+            <a:endParaRPr lang="uk-UA" dirty="0" smtClean="0"/>
+          </a:p>
+          <a:p>
+            <a:r>
+              <a:rPr lang="uk-UA" dirty="0" smtClean="0"/>
+              <a:t>Колір </a:t>
+            </a:r>
+            <a:r>
+              <a:rPr lang="en-US" dirty="0" smtClean="0"/>
+              <a:t> (RGBA, 32 </a:t>
+            </a:r>
+            <a:r>
+              <a:rPr lang="uk-UA" dirty="0" smtClean="0"/>
+              <a:t>біти)</a:t>
+            </a:r>
+          </a:p>
+          <a:p>
+            <a:pPr>
+              <a:buNone/>
+            </a:pPr>
+            <a:r>
+              <a:rPr lang="uk-UA" dirty="0" smtClean="0"/>
+              <a:t>Індекси</a:t>
+            </a:r>
+          </a:p>
+          <a:p>
+            <a:pPr>
+              <a:buNone/>
+            </a:pPr>
             <a:endParaRPr lang="ru-RU" dirty="0"/>
-          </a:p>
-        </p:txBody>
-      </p:sp>
-      <p:sp>
-        <p:nvSpPr>
-          <p:cNvPr id="4100" name="Rectangle 4"/>
-          <p:cNvSpPr>
-            <a:spLocks noChangeArrowheads="1"/>
-          </p:cNvSpPr>
-          <p:nvPr/>
-        </p:nvSpPr>
-        <p:spPr bwMode="auto">
-          <a:xfrm>
-            <a:off x="0" y="0"/>
-            <a:ext cx="9144000" cy="457200"/>
-          </a:xfrm>
-          <a:prstGeom prst="rect">
-            <a:avLst/>
-          </a:prstGeom>
-          <a:noFill/>
-          <a:ln w="9525">
-            <a:noFill/>
-            <a:miter lim="800000"/>
-            <a:headEnd/>
-            <a:tailEnd/>
-          </a:ln>
-          <a:effectLst/>
-        </p:spPr>
-        <p:txBody>
-          <a:bodyPr vert="horz" wrap="none" lIns="91440" tIns="45720" rIns="91440" bIns="45720" numCol="1" anchor="ctr" anchorCtr="0" compatLnSpc="1">
-            <a:prstTxWarp prst="textNoShape">
-              <a:avLst/>
-            </a:prstTxWarp>
-            <a:spAutoFit/>
-          </a:bodyPr>
-          <a:lstStyle/>
-          <a:p>
-            <a:endParaRPr lang="ru-RU"/>
           </a:p>
         </p:txBody>
       </p:sp>
       <p:pic>
         <p:nvPicPr>
-          <p:cNvPr id="11" name="Рисунок 10"/>
-          <p:cNvPicPr/>
+          <p:cNvPr id="7" name="Рисунок 17"/>
+          <p:cNvPicPr>
+            <a:picLocks noChangeAspect="1" noChangeArrowheads="1"/>
+          </p:cNvPicPr>
           <p:nvPr/>
         </p:nvPicPr>
         <p:blipFill>
@@ -7616,58 +7502,41 @@
         </p:blipFill>
         <p:spPr bwMode="auto">
           <a:xfrm>
-            <a:off x="323528" y="1916832"/>
-            <a:ext cx="8231255" cy="4752528"/>
+            <a:off x="251520" y="1412776"/>
+            <a:ext cx="4499526" cy="2448272"/>
           </a:xfrm>
           <a:prstGeom prst="rect">
             <a:avLst/>
           </a:prstGeom>
           <a:noFill/>
-          <a:ln w="9525">
-            <a:noFill/>
-            <a:miter lim="800000"/>
-            <a:headEnd/>
-            <a:tailEnd/>
-          </a:ln>
         </p:spPr>
       </p:pic>
       <p:sp>
         <p:nvSpPr>
-          <p:cNvPr id="13" name="Скругленный прямоугольник 12"/>
-          <p:cNvSpPr/>
+          <p:cNvPr id="9" name="TextBox 8"/>
+          <p:cNvSpPr txBox="1"/>
           <p:nvPr/>
         </p:nvSpPr>
         <p:spPr>
-          <a:xfrm>
-            <a:off x="6588224" y="1412776"/>
-            <a:ext cx="1296144" cy="432048"/>
-          </a:xfrm>
-          <a:prstGeom prst="roundRect">
+          <a:xfrm rot="-2700000">
+            <a:off x="1438563" y="2188812"/>
+            <a:ext cx="1367841" cy="461665"/>
+          </a:xfrm>
+          <a:prstGeom prst="rect">
             <a:avLst/>
           </a:prstGeom>
-        </p:spPr>
-        <p:style>
-          <a:lnRef idx="1">
-            <a:schemeClr val="accent1"/>
-          </a:lnRef>
-          <a:fillRef idx="2">
-            <a:schemeClr val="accent1"/>
-          </a:fillRef>
-          <a:effectRef idx="1">
-            <a:schemeClr val="accent1"/>
-          </a:effectRef>
-          <a:fontRef idx="minor">
-            <a:schemeClr val="dk1"/>
-          </a:fontRef>
-        </p:style>
-        <p:txBody>
-          <a:bodyPr rtlCol="0" anchor="ctr"/>
+          <a:noFill/>
+        </p:spPr>
+        <p:txBody>
+          <a:bodyPr wrap="square" rtlCol="0">
+            <a:spAutoFit/>
+          </a:bodyPr>
           <a:lstStyle/>
           <a:p>
             <a:pPr algn="ctr"/>
             <a:r>
               <a:rPr lang="uk-UA" sz="2400" dirty="0" smtClean="0"/>
-              <a:t>1</a:t>
+              <a:t>Полігон</a:t>
             </a:r>
             <a:endParaRPr lang="ru-RU" sz="2400" dirty="0"/>
           </a:p>
@@ -7675,41 +7544,30 @@
       </p:sp>
       <p:sp>
         <p:nvSpPr>
-          <p:cNvPr id="16" name="Скругленный прямоугольник 15"/>
-          <p:cNvSpPr/>
+          <p:cNvPr id="10" name="TextBox 9"/>
+          <p:cNvSpPr txBox="1"/>
           <p:nvPr/>
         </p:nvSpPr>
         <p:spPr>
-          <a:xfrm>
-            <a:off x="3851920" y="1412776"/>
-            <a:ext cx="1296144" cy="432048"/>
-          </a:xfrm>
-          <a:prstGeom prst="roundRect">
+          <a:xfrm rot="-2700000">
+            <a:off x="2014627" y="2620859"/>
+            <a:ext cx="1367841" cy="461665"/>
+          </a:xfrm>
+          <a:prstGeom prst="rect">
             <a:avLst/>
           </a:prstGeom>
-        </p:spPr>
-        <p:style>
-          <a:lnRef idx="1">
-            <a:schemeClr val="accent1"/>
-          </a:lnRef>
-          <a:fillRef idx="2">
-            <a:schemeClr val="accent1"/>
-          </a:fillRef>
-          <a:effectRef idx="1">
-            <a:schemeClr val="accent1"/>
-          </a:effectRef>
-          <a:fontRef idx="minor">
-            <a:schemeClr val="dk1"/>
-          </a:fontRef>
-        </p:style>
-        <p:txBody>
-          <a:bodyPr rtlCol="0" anchor="ctr"/>
+          <a:noFill/>
+        </p:spPr>
+        <p:txBody>
+          <a:bodyPr wrap="square" rtlCol="0">
+            <a:spAutoFit/>
+          </a:bodyPr>
           <a:lstStyle/>
           <a:p>
             <a:pPr algn="ctr"/>
             <a:r>
               <a:rPr lang="uk-UA" sz="2400" dirty="0" smtClean="0"/>
-              <a:t>2</a:t>
+              <a:t>Полігон</a:t>
             </a:r>
             <a:endParaRPr lang="ru-RU" sz="2400" dirty="0"/>
           </a:p>
@@ -7717,7 +7575,7 @@
       </p:sp>
       <p:sp>
         <p:nvSpPr>
-          <p:cNvPr id="10" name="Номер слайда 9"/>
+          <p:cNvPr id="13" name="Номер слайда 12"/>
           <p:cNvSpPr>
             <a:spLocks noGrp="1"/>
           </p:cNvSpPr>
@@ -7739,6 +7597,34 @@
           </a:p>
         </p:txBody>
       </p:sp>
+      <p:pic>
+        <p:nvPicPr>
+          <p:cNvPr id="1026" name="Picture 2" descr="D:\Diplom\TempDocs\Report\t\3d.png"/>
+          <p:cNvPicPr>
+            <a:picLocks noGrp="1" noChangeAspect="1" noChangeArrowheads="1"/>
+          </p:cNvPicPr>
+          <p:nvPr>
+            <p:ph sz="half" idx="2"/>
+          </p:nvPr>
+        </p:nvPicPr>
+        <p:blipFill>
+          <a:blip r:embed="rId3" cstate="print"/>
+          <a:srcRect/>
+          <a:stretch>
+            <a:fillRect/>
+          </a:stretch>
+        </p:blipFill>
+        <p:spPr bwMode="auto">
+          <a:xfrm>
+            <a:off x="683568" y="4005064"/>
+            <a:ext cx="7920880" cy="2253154"/>
+          </a:xfrm>
+          <a:prstGeom prst="rect">
+            <a:avLst/>
+          </a:prstGeom>
+          <a:noFill/>
+        </p:spPr>
+      </p:pic>
     </p:spTree>
   </p:cSld>
   <p:clrMapOvr>

--- a/Report/DiplomReport.pptx
+++ b/Report/DiplomReport.pptx
@@ -204,7 +204,7 @@
             <a:fld id="{8B1C4925-9B4A-4401-8FFF-3CF074C850CD}" type="datetimeFigureOut">
               <a:rPr lang="ru-RU" smtClean="0"/>
               <a:pPr/>
-              <a:t>20.06.2016</a:t>
+              <a:t>21.06.2016</a:t>
             </a:fld>
             <a:endParaRPr lang="ru-RU"/>
           </a:p>
@@ -828,7 +828,7 @@
             <a:fld id="{5C65AEA6-ACA0-43E8-8299-07B2A61FBBE8}" type="datetime1">
               <a:rPr lang="ru-RU" smtClean="0"/>
               <a:pPr/>
-              <a:t>20.06.2016</a:t>
+              <a:t>21.06.2016</a:t>
             </a:fld>
             <a:endParaRPr lang="ru-RU"/>
           </a:p>
@@ -1056,7 +1056,7 @@
             <a:fld id="{D87D3024-B6BD-49EA-BF01-98779C417F9A}" type="datetime1">
               <a:rPr lang="ru-RU" smtClean="0"/>
               <a:pPr/>
-              <a:t>20.06.2016</a:t>
+              <a:t>21.06.2016</a:t>
             </a:fld>
             <a:endParaRPr lang="ru-RU"/>
           </a:p>
@@ -1233,7 +1233,7 @@
             <a:fld id="{9BBA9CBB-AFA8-4568-AD5D-760BF72121D1}" type="datetime1">
               <a:rPr lang="ru-RU" smtClean="0"/>
               <a:pPr/>
-              <a:t>20.06.2016</a:t>
+              <a:t>21.06.2016</a:t>
             </a:fld>
             <a:endParaRPr lang="ru-RU"/>
           </a:p>
@@ -1400,7 +1400,7 @@
             <a:fld id="{969F68A7-90EC-4F70-8E30-F08DEAB6EE35}" type="datetime1">
               <a:rPr lang="ru-RU" smtClean="0"/>
               <a:pPr/>
-              <a:t>20.06.2016</a:t>
+              <a:t>21.06.2016</a:t>
             </a:fld>
             <a:endParaRPr lang="ru-RU"/>
           </a:p>
@@ -1646,7 +1646,7 @@
             <a:fld id="{C60B1FA8-0321-4A3B-B421-E18CA344319E}" type="datetime1">
               <a:rPr lang="ru-RU" smtClean="0"/>
               <a:pPr/>
-              <a:t>20.06.2016</a:t>
+              <a:t>21.06.2016</a:t>
             </a:fld>
             <a:endParaRPr lang="ru-RU"/>
           </a:p>
@@ -1912,7 +1912,7 @@
             <a:fld id="{FB5111EB-55ED-422B-82BF-DBBC4018D9F9}" type="datetime1">
               <a:rPr lang="ru-RU" smtClean="0"/>
               <a:pPr/>
-              <a:t>20.06.2016</a:t>
+              <a:t>21.06.2016</a:t>
             </a:fld>
             <a:endParaRPr lang="ru-RU"/>
           </a:p>
@@ -2288,7 +2288,7 @@
             <a:fld id="{EBDA1F03-D7BB-4497-B9CB-0889423DDC97}" type="datetime1">
               <a:rPr lang="ru-RU" smtClean="0"/>
               <a:pPr/>
-              <a:t>20.06.2016</a:t>
+              <a:t>21.06.2016</a:t>
             </a:fld>
             <a:endParaRPr lang="ru-RU"/>
           </a:p>
@@ -2403,7 +2403,7 @@
             <a:fld id="{8C9EC9E5-AD75-4D37-A032-92804153FE93}" type="datetime1">
               <a:rPr lang="ru-RU" smtClean="0"/>
               <a:pPr/>
-              <a:t>20.06.2016</a:t>
+              <a:t>21.06.2016</a:t>
             </a:fld>
             <a:endParaRPr lang="ru-RU"/>
           </a:p>
@@ -2495,7 +2495,7 @@
             <a:fld id="{C8C14B91-0516-4E63-B8DE-78956FED7E2F}" type="datetime1">
               <a:rPr lang="ru-RU" smtClean="0"/>
               <a:pPr/>
-              <a:t>20.06.2016</a:t>
+              <a:t>21.06.2016</a:t>
             </a:fld>
             <a:endParaRPr lang="ru-RU"/>
           </a:p>
@@ -2755,7 +2755,7 @@
             <a:fld id="{79B09A05-01E6-4B4B-B0EF-081E08784493}" type="datetime1">
               <a:rPr lang="ru-RU" smtClean="0"/>
               <a:pPr/>
-              <a:t>20.06.2016</a:t>
+              <a:t>21.06.2016</a:t>
             </a:fld>
             <a:endParaRPr lang="ru-RU"/>
           </a:p>
@@ -3021,7 +3021,7 @@
             <a:fld id="{6E18308B-90C1-47B8-A7C8-D3AE5DFE2EA8}" type="datetime1">
               <a:rPr lang="ru-RU" smtClean="0"/>
               <a:pPr/>
-              <a:t>20.06.2016</a:t>
+              <a:t>21.06.2016</a:t>
             </a:fld>
             <a:endParaRPr lang="ru-RU"/>
           </a:p>
@@ -3240,7 +3240,7 @@
             <a:fld id="{63EC237D-629F-43A9-8DC8-BE0DBFB3E21D}" type="datetime1">
               <a:rPr lang="ru-RU" smtClean="0"/>
               <a:pPr/>
-              <a:t>20.06.2016</a:t>
+              <a:t>21.06.2016</a:t>
             </a:fld>
             <a:endParaRPr lang="ru-RU"/>
           </a:p>
@@ -3781,11 +3781,11 @@
           <a:lstStyle/>
           <a:p>
             <a:fld id="{679C4B18-9BFA-4BD6-A2FF-5FD9619786E0}" type="slidenum">
-              <a:rPr lang="ru-RU" smtClean="0"/>
+              <a:rPr lang="ru-RU" sz="3200" smtClean="0"/>
               <a:pPr/>
               <a:t>1</a:t>
             </a:fld>
-            <a:endParaRPr lang="ru-RU" dirty="0"/>
+            <a:endParaRPr lang="ru-RU" sz="3200" dirty="0"/>
           </a:p>
         </p:txBody>
       </p:sp>
@@ -4092,7 +4092,7 @@
         </p:nvSpPr>
         <p:spPr>
           <a:xfrm>
-            <a:off x="8028384" y="6309320"/>
+            <a:off x="8172400" y="6309320"/>
             <a:ext cx="762000" cy="365125"/>
           </a:xfrm>
         </p:spPr>
@@ -4101,11 +4101,11 @@
           <a:lstStyle/>
           <a:p>
             <a:fld id="{679C4B18-9BFA-4BD6-A2FF-5FD9619786E0}" type="slidenum">
-              <a:rPr lang="ru-RU" smtClean="0"/>
+              <a:rPr lang="ru-RU" sz="3200" smtClean="0"/>
               <a:pPr/>
               <a:t>10</a:t>
             </a:fld>
-            <a:endParaRPr lang="ru-RU"/>
+            <a:endParaRPr lang="ru-RU" sz="3200" dirty="0"/>
           </a:p>
         </p:txBody>
       </p:sp>
@@ -4391,11 +4391,11 @@
           <a:lstStyle/>
           <a:p>
             <a:fld id="{679C4B18-9BFA-4BD6-A2FF-5FD9619786E0}" type="slidenum">
-              <a:rPr lang="ru-RU" smtClean="0"/>
+              <a:rPr lang="ru-RU" sz="3200" smtClean="0"/>
               <a:pPr/>
               <a:t>11</a:t>
             </a:fld>
-            <a:endParaRPr lang="ru-RU"/>
+            <a:endParaRPr lang="ru-RU" sz="3200" dirty="0"/>
           </a:p>
         </p:txBody>
       </p:sp>
@@ -4594,11 +4594,11 @@
           <a:lstStyle/>
           <a:p>
             <a:fld id="{679C4B18-9BFA-4BD6-A2FF-5FD9619786E0}" type="slidenum">
-              <a:rPr lang="ru-RU" smtClean="0"/>
+              <a:rPr lang="ru-RU" sz="3200" smtClean="0"/>
               <a:pPr/>
               <a:t>12</a:t>
             </a:fld>
-            <a:endParaRPr lang="ru-RU"/>
+            <a:endParaRPr lang="ru-RU" sz="3200" dirty="0"/>
           </a:p>
         </p:txBody>
       </p:sp>
@@ -4838,11 +4838,11 @@
           <a:lstStyle/>
           <a:p>
             <a:fld id="{679C4B18-9BFA-4BD6-A2FF-5FD9619786E0}" type="slidenum">
-              <a:rPr lang="ru-RU" smtClean="0"/>
+              <a:rPr lang="ru-RU" sz="3200" smtClean="0"/>
               <a:pPr/>
               <a:t>2</a:t>
             </a:fld>
-            <a:endParaRPr lang="ru-RU"/>
+            <a:endParaRPr lang="ru-RU" sz="3200" dirty="0"/>
           </a:p>
         </p:txBody>
       </p:sp>
@@ -4917,7 +4917,7 @@
         </p:blipFill>
         <p:spPr>
           <a:xfrm>
-            <a:off x="4572000" y="3861048"/>
+            <a:off x="4572000" y="3645024"/>
             <a:ext cx="4283143" cy="2721662"/>
           </a:xfrm>
           <a:prstGeom prst="rect">
@@ -5114,11 +5114,11 @@
           <a:lstStyle/>
           <a:p>
             <a:fld id="{679C4B18-9BFA-4BD6-A2FF-5FD9619786E0}" type="slidenum">
-              <a:rPr lang="ru-RU" smtClean="0"/>
+              <a:rPr lang="ru-RU" sz="3200" smtClean="0"/>
               <a:pPr/>
               <a:t>3</a:t>
             </a:fld>
-            <a:endParaRPr lang="ru-RU"/>
+            <a:endParaRPr lang="ru-RU" sz="3200" dirty="0"/>
           </a:p>
         </p:txBody>
       </p:sp>
@@ -5568,11 +5568,11 @@
           <a:lstStyle/>
           <a:p>
             <a:fld id="{679C4B18-9BFA-4BD6-A2FF-5FD9619786E0}" type="slidenum">
-              <a:rPr lang="ru-RU" smtClean="0"/>
+              <a:rPr lang="ru-RU" sz="3200" smtClean="0"/>
               <a:pPr/>
               <a:t>4</a:t>
             </a:fld>
-            <a:endParaRPr lang="ru-RU"/>
+            <a:endParaRPr lang="ru-RU" sz="3200" dirty="0"/>
           </a:p>
         </p:txBody>
       </p:sp>
@@ -5670,11 +5670,11 @@
           <a:lstStyle/>
           <a:p>
             <a:fld id="{679C4B18-9BFA-4BD6-A2FF-5FD9619786E0}" type="slidenum">
-              <a:rPr lang="ru-RU" smtClean="0"/>
+              <a:rPr lang="ru-RU" sz="3200" smtClean="0"/>
               <a:pPr/>
               <a:t>5</a:t>
             </a:fld>
-            <a:endParaRPr lang="ru-RU"/>
+            <a:endParaRPr lang="ru-RU" sz="3200" dirty="0"/>
           </a:p>
         </p:txBody>
       </p:sp>
@@ -5798,11 +5798,11 @@
           <a:lstStyle/>
           <a:p>
             <a:fld id="{679C4B18-9BFA-4BD6-A2FF-5FD9619786E0}" type="slidenum">
-              <a:rPr lang="ru-RU" smtClean="0"/>
+              <a:rPr lang="ru-RU" sz="3200" smtClean="0"/>
               <a:pPr/>
               <a:t>6</a:t>
             </a:fld>
-            <a:endParaRPr lang="ru-RU"/>
+            <a:endParaRPr lang="ru-RU" sz="3200" dirty="0"/>
           </a:p>
         </p:txBody>
       </p:sp>
@@ -5961,7 +5961,7 @@
         </p:nvGraphicFramePr>
         <p:xfrm>
           <a:off x="539552" y="1628800"/>
-          <a:ext cx="8136904" cy="4876224"/>
+          <a:ext cx="8136904" cy="4536504"/>
         </p:xfrm>
         <a:graphic>
           <a:graphicData uri="http://schemas.openxmlformats.org/drawingml/2006/table">
@@ -6883,7 +6883,7 @@
                   </a:tcPr>
                 </a:tc>
               </a:tr>
-              <a:tr h="1675824">
+              <a:tr h="1336104">
                 <a:tc>
                   <a:txBody>
                     <a:bodyPr/>
@@ -7084,17 +7084,22 @@
             <p:ph type="sldNum" sz="quarter" idx="12"/>
           </p:nvPr>
         </p:nvSpPr>
-        <p:spPr/>
+        <p:spPr>
+          <a:xfrm>
+            <a:off x="7884368" y="6309320"/>
+            <a:ext cx="762000" cy="365125"/>
+          </a:xfrm>
+        </p:spPr>
         <p:txBody>
           <a:bodyPr/>
           <a:lstStyle/>
           <a:p>
             <a:fld id="{679C4B18-9BFA-4BD6-A2FF-5FD9619786E0}" type="slidenum">
-              <a:rPr lang="ru-RU" smtClean="0"/>
+              <a:rPr lang="ru-RU" sz="3200" smtClean="0"/>
               <a:pPr/>
               <a:t>7</a:t>
             </a:fld>
-            <a:endParaRPr lang="ru-RU"/>
+            <a:endParaRPr lang="ru-RU" sz="3200" dirty="0"/>
           </a:p>
         </p:txBody>
       </p:sp>
@@ -7326,11 +7331,11 @@
           <a:lstStyle/>
           <a:p>
             <a:fld id="{679C4B18-9BFA-4BD6-A2FF-5FD9619786E0}" type="slidenum">
-              <a:rPr lang="ru-RU" smtClean="0"/>
+              <a:rPr lang="ru-RU" sz="3200" smtClean="0"/>
               <a:pPr/>
               <a:t>8</a:t>
             </a:fld>
-            <a:endParaRPr lang="ru-RU"/>
+            <a:endParaRPr lang="ru-RU" sz="3200" dirty="0"/>
           </a:p>
         </p:txBody>
       </p:sp>
@@ -7589,11 +7594,11 @@
           <a:lstStyle/>
           <a:p>
             <a:fld id="{679C4B18-9BFA-4BD6-A2FF-5FD9619786E0}" type="slidenum">
-              <a:rPr lang="ru-RU" smtClean="0"/>
+              <a:rPr lang="ru-RU" sz="3200" smtClean="0"/>
               <a:pPr/>
               <a:t>9</a:t>
             </a:fld>
-            <a:endParaRPr lang="ru-RU"/>
+            <a:endParaRPr lang="ru-RU" sz="3200" dirty="0"/>
           </a:p>
         </p:txBody>
       </p:sp>
